--- a/project2.pptx
+++ b/project2.pptx
@@ -11,19 +11,34 @@
     <p:sldId id="266" r:id="rId5"/>
     <p:sldId id="275" r:id="rId6"/>
     <p:sldId id="274" r:id="rId7"/>
-    <p:sldId id="257" r:id="rId8"/>
-    <p:sldId id="264" r:id="rId9"/>
-    <p:sldId id="258" r:id="rId10"/>
-    <p:sldId id="259" r:id="rId11"/>
-    <p:sldId id="263" r:id="rId12"/>
-    <p:sldId id="265" r:id="rId13"/>
-    <p:sldId id="260" r:id="rId14"/>
-    <p:sldId id="262" r:id="rId15"/>
-    <p:sldId id="261" r:id="rId16"/>
-    <p:sldId id="269" r:id="rId17"/>
-    <p:sldId id="272" r:id="rId18"/>
-    <p:sldId id="267" r:id="rId19"/>
-    <p:sldId id="270" r:id="rId20"/>
+    <p:sldId id="297" r:id="rId8"/>
+    <p:sldId id="298" r:id="rId9"/>
+    <p:sldId id="286" r:id="rId10"/>
+    <p:sldId id="301" r:id="rId11"/>
+    <p:sldId id="288" r:id="rId12"/>
+    <p:sldId id="292" r:id="rId13"/>
+    <p:sldId id="293" r:id="rId14"/>
+    <p:sldId id="294" r:id="rId15"/>
+    <p:sldId id="295" r:id="rId16"/>
+    <p:sldId id="296" r:id="rId17"/>
+    <p:sldId id="287" r:id="rId18"/>
+    <p:sldId id="283" r:id="rId19"/>
+    <p:sldId id="282" r:id="rId20"/>
+    <p:sldId id="284" r:id="rId21"/>
+    <p:sldId id="278" r:id="rId22"/>
+    <p:sldId id="279" r:id="rId23"/>
+    <p:sldId id="285" r:id="rId24"/>
+    <p:sldId id="299" r:id="rId25"/>
+    <p:sldId id="300" r:id="rId26"/>
+    <p:sldId id="291" r:id="rId27"/>
+    <p:sldId id="289" r:id="rId28"/>
+    <p:sldId id="290" r:id="rId29"/>
+    <p:sldId id="280" r:id="rId30"/>
+    <p:sldId id="281" r:id="rId31"/>
+    <p:sldId id="269" r:id="rId32"/>
+    <p:sldId id="272" r:id="rId33"/>
+    <p:sldId id="267" r:id="rId34"/>
+    <p:sldId id="270" r:id="rId35"/>
   </p:sldIdLst>
   <p:sldSz cx="12192000" cy="6858000"/>
   <p:notesSz cx="6858000" cy="9144000"/>
@@ -261,7 +276,7 @@
           <a:p>
             <a:fld id="{4752427D-6588-4C30-85AC-BDB5603CAC20}" type="datetimeFigureOut">
               <a:rPr lang="ko-KR" altLang="en-US" smtClean="0"/>
-              <a:t>2020-11-14</a:t>
+              <a:t>2020-11-15</a:t>
             </a:fld>
             <a:endParaRPr lang="ko-KR" altLang="en-US"/>
           </a:p>
@@ -431,7 +446,7 @@
           <a:p>
             <a:fld id="{4752427D-6588-4C30-85AC-BDB5603CAC20}" type="datetimeFigureOut">
               <a:rPr lang="ko-KR" altLang="en-US" smtClean="0"/>
-              <a:t>2020-11-14</a:t>
+              <a:t>2020-11-15</a:t>
             </a:fld>
             <a:endParaRPr lang="ko-KR" altLang="en-US"/>
           </a:p>
@@ -611,7 +626,7 @@
           <a:p>
             <a:fld id="{4752427D-6588-4C30-85AC-BDB5603CAC20}" type="datetimeFigureOut">
               <a:rPr lang="ko-KR" altLang="en-US" smtClean="0"/>
-              <a:t>2020-11-14</a:t>
+              <a:t>2020-11-15</a:t>
             </a:fld>
             <a:endParaRPr lang="ko-KR" altLang="en-US"/>
           </a:p>
@@ -781,7 +796,7 @@
           <a:p>
             <a:fld id="{4752427D-6588-4C30-85AC-BDB5603CAC20}" type="datetimeFigureOut">
               <a:rPr lang="ko-KR" altLang="en-US" smtClean="0"/>
-              <a:t>2020-11-14</a:t>
+              <a:t>2020-11-15</a:t>
             </a:fld>
             <a:endParaRPr lang="ko-KR" altLang="en-US"/>
           </a:p>
@@ -1027,7 +1042,7 @@
           <a:p>
             <a:fld id="{4752427D-6588-4C30-85AC-BDB5603CAC20}" type="datetimeFigureOut">
               <a:rPr lang="ko-KR" altLang="en-US" smtClean="0"/>
-              <a:t>2020-11-14</a:t>
+              <a:t>2020-11-15</a:t>
             </a:fld>
             <a:endParaRPr lang="ko-KR" altLang="en-US"/>
           </a:p>
@@ -1259,7 +1274,7 @@
           <a:p>
             <a:fld id="{4752427D-6588-4C30-85AC-BDB5603CAC20}" type="datetimeFigureOut">
               <a:rPr lang="ko-KR" altLang="en-US" smtClean="0"/>
-              <a:t>2020-11-14</a:t>
+              <a:t>2020-11-15</a:t>
             </a:fld>
             <a:endParaRPr lang="ko-KR" altLang="en-US"/>
           </a:p>
@@ -1626,7 +1641,7 @@
           <a:p>
             <a:fld id="{4752427D-6588-4C30-85AC-BDB5603CAC20}" type="datetimeFigureOut">
               <a:rPr lang="ko-KR" altLang="en-US" smtClean="0"/>
-              <a:t>2020-11-14</a:t>
+              <a:t>2020-11-15</a:t>
             </a:fld>
             <a:endParaRPr lang="ko-KR" altLang="en-US"/>
           </a:p>
@@ -1744,7 +1759,7 @@
           <a:p>
             <a:fld id="{4752427D-6588-4C30-85AC-BDB5603CAC20}" type="datetimeFigureOut">
               <a:rPr lang="ko-KR" altLang="en-US" smtClean="0"/>
-              <a:t>2020-11-14</a:t>
+              <a:t>2020-11-15</a:t>
             </a:fld>
             <a:endParaRPr lang="ko-KR" altLang="en-US"/>
           </a:p>
@@ -1839,7 +1854,7 @@
           <a:p>
             <a:fld id="{4752427D-6588-4C30-85AC-BDB5603CAC20}" type="datetimeFigureOut">
               <a:rPr lang="ko-KR" altLang="en-US" smtClean="0"/>
-              <a:t>2020-11-14</a:t>
+              <a:t>2020-11-15</a:t>
             </a:fld>
             <a:endParaRPr lang="ko-KR" altLang="en-US"/>
           </a:p>
@@ -2116,7 +2131,7 @@
           <a:p>
             <a:fld id="{4752427D-6588-4C30-85AC-BDB5603CAC20}" type="datetimeFigureOut">
               <a:rPr lang="ko-KR" altLang="en-US" smtClean="0"/>
-              <a:t>2020-11-14</a:t>
+              <a:t>2020-11-15</a:t>
             </a:fld>
             <a:endParaRPr lang="ko-KR" altLang="en-US"/>
           </a:p>
@@ -2369,7 +2384,7 @@
           <a:p>
             <a:fld id="{4752427D-6588-4C30-85AC-BDB5603CAC20}" type="datetimeFigureOut">
               <a:rPr lang="ko-KR" altLang="en-US" smtClean="0"/>
-              <a:t>2020-11-14</a:t>
+              <a:t>2020-11-15</a:t>
             </a:fld>
             <a:endParaRPr lang="ko-KR" altLang="en-US"/>
           </a:p>
@@ -2582,7 +2597,7 @@
           <a:p>
             <a:fld id="{4752427D-6588-4C30-85AC-BDB5603CAC20}" type="datetimeFigureOut">
               <a:rPr lang="ko-KR" altLang="en-US" smtClean="0"/>
-              <a:t>2020-11-14</a:t>
+              <a:t>2020-11-15</a:t>
             </a:fld>
             <a:endParaRPr lang="ko-KR" altLang="en-US"/>
           </a:p>
@@ -3004,11 +3019,7 @@
           <a:p>
             <a:r>
               <a:rPr lang="en-US" altLang="ko-KR" dirty="0" smtClean="0"/>
-              <a:t>CS434 </a:t>
-            </a:r>
-            <a:r>
-              <a:rPr lang="en-US" altLang="ko-KR" dirty="0" smtClean="0"/>
-              <a:t>Project</a:t>
+              <a:t>CS434 Project</a:t>
             </a:r>
             <a:br>
               <a:rPr lang="en-US" altLang="ko-KR" dirty="0" smtClean="0"/>
@@ -3095,7 +3106,7 @@
           <a:p>
             <a:r>
               <a:rPr lang="en-US" altLang="ko-KR" dirty="0" smtClean="0"/>
-              <a:t>Sorting phase</a:t>
+              <a:t>Message</a:t>
             </a:r>
             <a:endParaRPr lang="ko-KR" altLang="en-US" dirty="0"/>
           </a:p>
@@ -3121,49 +3132,25 @@
             </a:pPr>
             <a:r>
               <a:rPr lang="en-US" altLang="ko-KR" dirty="0" smtClean="0"/>
-              <a:t>Parallel sorting</a:t>
-            </a:r>
-          </a:p>
-          <a:p>
-            <a:pPr marL="514350" indent="-514350">
-              <a:buAutoNum type="arabicPeriod"/>
-            </a:pPr>
+              <a:t>Parent message class for all messages</a:t>
+            </a:r>
+          </a:p>
+          <a:p>
             <a:r>
               <a:rPr lang="en-US" altLang="ko-KR" dirty="0" smtClean="0"/>
-              <a:t>Upon receiving the information from the master node, each slave node proceed sorting in parallel.</a:t>
-            </a:r>
-          </a:p>
-          <a:p>
-            <a:pPr marL="514350" indent="-514350">
-              <a:buAutoNum type="arabicPeriod"/>
-            </a:pPr>
-            <a:r>
-              <a:rPr lang="en-US" altLang="ko-KR" dirty="0" smtClean="0"/>
-              <a:t>After sending decisions, master node wait until every node send the message telling that it finishes sorting.</a:t>
-            </a:r>
-          </a:p>
-          <a:p>
-            <a:pPr marL="514350" indent="-514350">
-              <a:buAutoNum type="arabicPeriod"/>
-            </a:pPr>
-            <a:r>
-              <a:rPr lang="en-US" altLang="ko-KR" dirty="0" smtClean="0"/>
-              <a:t>Each slave node sends “finish message” to master node after the sorting is terminated.</a:t>
-            </a:r>
-            <a:endParaRPr lang="ko-KR" altLang="en-US" dirty="0" smtClean="0"/>
-          </a:p>
-          <a:p>
-            <a:pPr marL="0" indent="0">
-              <a:buNone/>
-            </a:pPr>
-            <a:endParaRPr lang="ko-KR" altLang="en-US" dirty="0"/>
+              <a:t>Slave’s ID</a:t>
+            </a:r>
+            <a:endParaRPr lang="en-US" altLang="ko-KR" dirty="0" smtClean="0"/>
+          </a:p>
+          <a:p>
+            <a:endParaRPr lang="en-US" altLang="ko-KR" dirty="0" smtClean="0"/>
           </a:p>
         </p:txBody>
       </p:sp>
     </p:spTree>
     <p:extLst>
       <p:ext uri="{BB962C8B-B14F-4D97-AF65-F5344CB8AC3E}">
-        <p14:creationId xmlns:p14="http://schemas.microsoft.com/office/powerpoint/2010/main" val="3594876365"/>
+        <p14:creationId xmlns:p14="http://schemas.microsoft.com/office/powerpoint/2010/main" val="2224792390"/>
       </p:ext>
     </p:extLst>
   </p:cSld>
@@ -3207,51 +3194,245 @@
           <a:p>
             <a:r>
               <a:rPr lang="en-US" altLang="ko-KR" dirty="0" smtClean="0"/>
-              <a:t>Post-phase for sorting</a:t>
+              <a:t>Messages</a:t>
             </a:r>
             <a:endParaRPr lang="ko-KR" altLang="en-US" dirty="0"/>
           </a:p>
         </p:txBody>
       </p:sp>
-      <p:sp>
-        <p:nvSpPr>
-          <p:cNvPr id="3" name="내용 개체 틀 2"/>
-          <p:cNvSpPr>
-            <a:spLocks noGrp="1"/>
-          </p:cNvSpPr>
+      <p:graphicFrame>
+        <p:nvGraphicFramePr>
+          <p:cNvPr id="4" name="표 3"/>
+          <p:cNvGraphicFramePr>
+            <a:graphicFrameLocks noGrp="1"/>
+          </p:cNvGraphicFramePr>
           <p:nvPr>
-            <p:ph idx="1"/>
+            <p:extLst>
+              <p:ext uri="{D42A27DB-BD31-4B8C-83A1-F6EECF244321}">
+                <p14:modId xmlns:p14="http://schemas.microsoft.com/office/powerpoint/2010/main" val="744665471"/>
+              </p:ext>
+            </p:extLst>
           </p:nvPr>
-        </p:nvSpPr>
-        <p:spPr/>
-        <p:txBody>
-          <a:bodyPr/>
-          <a:lstStyle/>
-          <a:p>
-            <a:pPr marL="514350" indent="-514350">
-              <a:buAutoNum type="arabicPeriod"/>
-            </a:pPr>
-            <a:r>
-              <a:rPr lang="en-US" altLang="ko-KR" dirty="0" smtClean="0"/>
-              <a:t>After collecting all finish message from slave nodes, master node schedules data exchanges.</a:t>
-            </a:r>
-          </a:p>
-          <a:p>
-            <a:pPr marL="514350" indent="-514350">
-              <a:buAutoNum type="arabicPeriod"/>
-            </a:pPr>
-            <a:r>
-              <a:rPr lang="en-US" altLang="ko-KR" dirty="0" smtClean="0"/>
-              <a:t>TBA</a:t>
-            </a:r>
-            <a:endParaRPr lang="ko-KR" altLang="en-US" dirty="0"/>
-          </a:p>
-        </p:txBody>
-      </p:sp>
+        </p:nvGraphicFramePr>
+        <p:xfrm>
+          <a:off x="838199" y="1934308"/>
+          <a:ext cx="10099432" cy="3754315"/>
+        </p:xfrm>
+        <a:graphic>
+          <a:graphicData uri="http://schemas.openxmlformats.org/drawingml/2006/table">
+            <a:tbl>
+              <a:tblPr firstRow="1" bandRow="1">
+                <a:tableStyleId>{5C22544A-7EE6-4342-B048-85BDC9FD1C3A}</a:tableStyleId>
+              </a:tblPr>
+              <a:tblGrid>
+                <a:gridCol w="1544516">
+                  <a:extLst>
+                    <a:ext uri="{9D8B030D-6E8A-4147-A177-3AD203B41FA5}">
+                      <a16:colId xmlns:a16="http://schemas.microsoft.com/office/drawing/2014/main" val="1678945514"/>
+                    </a:ext>
+                  </a:extLst>
+                </a:gridCol>
+                <a:gridCol w="8554916">
+                  <a:extLst>
+                    <a:ext uri="{9D8B030D-6E8A-4147-A177-3AD203B41FA5}">
+                      <a16:colId xmlns:a16="http://schemas.microsoft.com/office/drawing/2014/main" val="2500095497"/>
+                    </a:ext>
+                  </a:extLst>
+                </a:gridCol>
+              </a:tblGrid>
+              <a:tr h="750863">
+                <a:tc>
+                  <a:txBody>
+                    <a:bodyPr/>
+                    <a:lstStyle/>
+                    <a:p>
+                      <a:pPr latinLnBrk="1"/>
+                      <a:r>
+                        <a:rPr lang="en-US" altLang="ko-KR" sz="1400" dirty="0" smtClean="0"/>
+                        <a:t>Name</a:t>
+                      </a:r>
+                      <a:endParaRPr lang="ko-KR" altLang="en-US" sz="1400" dirty="0"/>
+                    </a:p>
+                  </a:txBody>
+                  <a:tcPr/>
+                </a:tc>
+                <a:tc>
+                  <a:txBody>
+                    <a:bodyPr/>
+                    <a:lstStyle/>
+                    <a:p>
+                      <a:pPr latinLnBrk="1"/>
+                      <a:r>
+                        <a:rPr lang="en-US" altLang="ko-KR" sz="1400" dirty="0" err="1" smtClean="0"/>
+                        <a:t>StartSampleMessage</a:t>
+                      </a:r>
+                      <a:endParaRPr lang="ko-KR" altLang="en-US" sz="1400" dirty="0"/>
+                    </a:p>
+                  </a:txBody>
+                  <a:tcPr/>
+                </a:tc>
+                <a:extLst>
+                  <a:ext uri="{0D108BD9-81ED-4DB2-BD59-A6C34878D82A}">
+                    <a16:rowId xmlns:a16="http://schemas.microsoft.com/office/drawing/2014/main" val="3274201054"/>
+                  </a:ext>
+                </a:extLst>
+              </a:tr>
+              <a:tr h="750863">
+                <a:tc>
+                  <a:txBody>
+                    <a:bodyPr/>
+                    <a:lstStyle/>
+                    <a:p>
+                      <a:pPr latinLnBrk="1"/>
+                      <a:r>
+                        <a:rPr lang="en-US" altLang="ko-KR" sz="1400" dirty="0" smtClean="0"/>
+                        <a:t>When</a:t>
+                      </a:r>
+                      <a:endParaRPr lang="ko-KR" altLang="en-US" sz="1400" dirty="0"/>
+                    </a:p>
+                  </a:txBody>
+                  <a:tcPr/>
+                </a:tc>
+                <a:tc>
+                  <a:txBody>
+                    <a:bodyPr/>
+                    <a:lstStyle/>
+                    <a:p>
+                      <a:pPr latinLnBrk="1"/>
+                      <a:r>
+                        <a:rPr lang="en-US" altLang="ko-KR" sz="1400" dirty="0" smtClean="0"/>
+                        <a:t>All slaves make connection with master</a:t>
+                      </a:r>
+                      <a:endParaRPr lang="ko-KR" altLang="en-US" sz="1400" dirty="0"/>
+                    </a:p>
+                  </a:txBody>
+                  <a:tcPr/>
+                </a:tc>
+                <a:extLst>
+                  <a:ext uri="{0D108BD9-81ED-4DB2-BD59-A6C34878D82A}">
+                    <a16:rowId xmlns:a16="http://schemas.microsoft.com/office/drawing/2014/main" val="208055639"/>
+                  </a:ext>
+                </a:extLst>
+              </a:tr>
+              <a:tr h="750863">
+                <a:tc>
+                  <a:txBody>
+                    <a:bodyPr/>
+                    <a:lstStyle/>
+                    <a:p>
+                      <a:pPr latinLnBrk="1"/>
+                      <a:r>
+                        <a:rPr lang="en-US" altLang="ko-KR" sz="1400" dirty="0" smtClean="0"/>
+                        <a:t>Sender</a:t>
+                      </a:r>
+                      <a:endParaRPr lang="ko-KR" altLang="en-US" sz="1400" dirty="0"/>
+                    </a:p>
+                  </a:txBody>
+                  <a:tcPr/>
+                </a:tc>
+                <a:tc>
+                  <a:txBody>
+                    <a:bodyPr/>
+                    <a:lstStyle/>
+                    <a:p>
+                      <a:pPr latinLnBrk="1"/>
+                      <a:r>
+                        <a:rPr lang="en-US" altLang="ko-KR" sz="1400" dirty="0" smtClean="0"/>
+                        <a:t>Master</a:t>
+                      </a:r>
+                      <a:endParaRPr lang="ko-KR" altLang="en-US" sz="1400" dirty="0"/>
+                    </a:p>
+                  </a:txBody>
+                  <a:tcPr/>
+                </a:tc>
+                <a:extLst>
+                  <a:ext uri="{0D108BD9-81ED-4DB2-BD59-A6C34878D82A}">
+                    <a16:rowId xmlns:a16="http://schemas.microsoft.com/office/drawing/2014/main" val="1000982902"/>
+                  </a:ext>
+                </a:extLst>
+              </a:tr>
+              <a:tr h="750863">
+                <a:tc>
+                  <a:txBody>
+                    <a:bodyPr/>
+                    <a:lstStyle/>
+                    <a:p>
+                      <a:pPr latinLnBrk="1"/>
+                      <a:r>
+                        <a:rPr lang="en-US" altLang="ko-KR" sz="1400" dirty="0" smtClean="0"/>
+                        <a:t>Receiver</a:t>
+                      </a:r>
+                      <a:endParaRPr lang="ko-KR" altLang="en-US" sz="1400" dirty="0"/>
+                    </a:p>
+                  </a:txBody>
+                  <a:tcPr/>
+                </a:tc>
+                <a:tc>
+                  <a:txBody>
+                    <a:bodyPr/>
+                    <a:lstStyle/>
+                    <a:p>
+                      <a:pPr latinLnBrk="1"/>
+                      <a:r>
+                        <a:rPr lang="en-US" altLang="ko-KR" sz="1400" dirty="0" smtClean="0"/>
+                        <a:t>Slave</a:t>
+                      </a:r>
+                      <a:endParaRPr lang="ko-KR" altLang="en-US" sz="1400" dirty="0"/>
+                    </a:p>
+                  </a:txBody>
+                  <a:tcPr/>
+                </a:tc>
+                <a:extLst>
+                  <a:ext uri="{0D108BD9-81ED-4DB2-BD59-A6C34878D82A}">
+                    <a16:rowId xmlns:a16="http://schemas.microsoft.com/office/drawing/2014/main" val="2724142797"/>
+                  </a:ext>
+                </a:extLst>
+              </a:tr>
+              <a:tr h="750863">
+                <a:tc>
+                  <a:txBody>
+                    <a:bodyPr/>
+                    <a:lstStyle/>
+                    <a:p>
+                      <a:pPr latinLnBrk="1"/>
+                      <a:r>
+                        <a:rPr lang="en-US" altLang="ko-KR" sz="1400" dirty="0" smtClean="0"/>
+                        <a:t>contents</a:t>
+                      </a:r>
+                      <a:endParaRPr lang="ko-KR" altLang="en-US" sz="1400" dirty="0"/>
+                    </a:p>
+                  </a:txBody>
+                  <a:tcPr/>
+                </a:tc>
+                <a:tc>
+                  <a:txBody>
+                    <a:bodyPr/>
+                    <a:lstStyle/>
+                    <a:p>
+                      <a:pPr latinLnBrk="1"/>
+                      <a:r>
+                        <a:rPr lang="en-US" altLang="ko-KR" sz="1400" dirty="0" smtClean="0"/>
+                        <a:t>void</a:t>
+                      </a:r>
+                      <a:endParaRPr lang="ko-KR" altLang="en-US" sz="1400" dirty="0"/>
+                    </a:p>
+                  </a:txBody>
+                  <a:tcPr/>
+                </a:tc>
+                <a:extLst>
+                  <a:ext uri="{0D108BD9-81ED-4DB2-BD59-A6C34878D82A}">
+                    <a16:rowId xmlns:a16="http://schemas.microsoft.com/office/drawing/2014/main" val="3855224543"/>
+                  </a:ext>
+                </a:extLst>
+              </a:tr>
+            </a:tbl>
+          </a:graphicData>
+        </a:graphic>
+      </p:graphicFrame>
     </p:spTree>
     <p:extLst>
       <p:ext uri="{BB962C8B-B14F-4D97-AF65-F5344CB8AC3E}">
-        <p14:creationId xmlns:p14="http://schemas.microsoft.com/office/powerpoint/2010/main" val="3094943406"/>
+        <p14:creationId xmlns:p14="http://schemas.microsoft.com/office/powerpoint/2010/main" val="766018234"/>
       </p:ext>
     </p:extLst>
   </p:cSld>
@@ -3295,65 +3476,262 @@
           <a:p>
             <a:r>
               <a:rPr lang="en-US" altLang="ko-KR" dirty="0" smtClean="0"/>
-              <a:t>Common message</a:t>
+              <a:t>Messages</a:t>
             </a:r>
             <a:endParaRPr lang="ko-KR" altLang="en-US" dirty="0"/>
           </a:p>
         </p:txBody>
       </p:sp>
-      <p:sp>
-        <p:nvSpPr>
-          <p:cNvPr id="3" name="내용 개체 틀 2"/>
-          <p:cNvSpPr>
-            <a:spLocks noGrp="1"/>
-          </p:cNvSpPr>
+      <p:graphicFrame>
+        <p:nvGraphicFramePr>
+          <p:cNvPr id="4" name="표 3"/>
+          <p:cNvGraphicFramePr>
+            <a:graphicFrameLocks noGrp="1"/>
+          </p:cNvGraphicFramePr>
           <p:nvPr>
-            <p:ph idx="1"/>
+            <p:extLst>
+              <p:ext uri="{D42A27DB-BD31-4B8C-83A1-F6EECF244321}">
+                <p14:modId xmlns:p14="http://schemas.microsoft.com/office/powerpoint/2010/main" val="1188756203"/>
+              </p:ext>
+            </p:extLst>
           </p:nvPr>
-        </p:nvSpPr>
-        <p:spPr/>
-        <p:txBody>
-          <a:bodyPr/>
-          <a:lstStyle/>
-          <a:p>
-            <a:pPr marL="0" indent="0">
-              <a:buNone/>
-            </a:pPr>
-            <a:r>
-              <a:rPr lang="en-US" altLang="ko-KR" dirty="0" smtClean="0"/>
-              <a:t>Parent message class for all messages</a:t>
-            </a:r>
-          </a:p>
-          <a:p>
-            <a:r>
-              <a:rPr lang="en-US" altLang="ko-KR" dirty="0"/>
-              <a:t>s</a:t>
-            </a:r>
-            <a:r>
-              <a:rPr lang="en-US" altLang="ko-KR" dirty="0" smtClean="0"/>
-              <a:t>ender: </a:t>
-            </a:r>
-            <a:r>
-              <a:rPr lang="en-US" altLang="ko-KR" dirty="0" err="1" smtClean="0"/>
-              <a:t>NodeId</a:t>
-            </a:r>
-            <a:endParaRPr lang="en-US" altLang="ko-KR" dirty="0" smtClean="0"/>
-          </a:p>
-          <a:p>
-            <a:r>
-              <a:rPr lang="en-US" altLang="ko-KR" dirty="0" smtClean="0"/>
-              <a:t>…</a:t>
-            </a:r>
-          </a:p>
-          <a:p>
-            <a:endParaRPr lang="en-US" altLang="ko-KR" dirty="0" smtClean="0"/>
-          </a:p>
-        </p:txBody>
-      </p:sp>
+        </p:nvGraphicFramePr>
+        <p:xfrm>
+          <a:off x="838199" y="1934308"/>
+          <a:ext cx="10099432" cy="3754315"/>
+        </p:xfrm>
+        <a:graphic>
+          <a:graphicData uri="http://schemas.openxmlformats.org/drawingml/2006/table">
+            <a:tbl>
+              <a:tblPr firstRow="1" bandRow="1">
+                <a:tableStyleId>{5C22544A-7EE6-4342-B048-85BDC9FD1C3A}</a:tableStyleId>
+              </a:tblPr>
+              <a:tblGrid>
+                <a:gridCol w="1544516">
+                  <a:extLst>
+                    <a:ext uri="{9D8B030D-6E8A-4147-A177-3AD203B41FA5}">
+                      <a16:colId xmlns:a16="http://schemas.microsoft.com/office/drawing/2014/main" val="1678945514"/>
+                    </a:ext>
+                  </a:extLst>
+                </a:gridCol>
+                <a:gridCol w="8554916">
+                  <a:extLst>
+                    <a:ext uri="{9D8B030D-6E8A-4147-A177-3AD203B41FA5}">
+                      <a16:colId xmlns:a16="http://schemas.microsoft.com/office/drawing/2014/main" val="2500095497"/>
+                    </a:ext>
+                  </a:extLst>
+                </a:gridCol>
+              </a:tblGrid>
+              <a:tr h="750863">
+                <a:tc>
+                  <a:txBody>
+                    <a:bodyPr/>
+                    <a:lstStyle/>
+                    <a:p>
+                      <a:pPr latinLnBrk="1"/>
+                      <a:r>
+                        <a:rPr lang="en-US" altLang="ko-KR" sz="1400" dirty="0" smtClean="0"/>
+                        <a:t>Name</a:t>
+                      </a:r>
+                      <a:endParaRPr lang="ko-KR" altLang="en-US" sz="1400" dirty="0"/>
+                    </a:p>
+                  </a:txBody>
+                  <a:tcPr/>
+                </a:tc>
+                <a:tc>
+                  <a:txBody>
+                    <a:bodyPr/>
+                    <a:lstStyle/>
+                    <a:p>
+                      <a:pPr latinLnBrk="1"/>
+                      <a:r>
+                        <a:rPr lang="en-US" altLang="ko-KR" sz="1400" dirty="0" err="1" smtClean="0"/>
+                        <a:t>MetainfoMessage</a:t>
+                      </a:r>
+                      <a:endParaRPr lang="ko-KR" altLang="en-US" sz="1400" dirty="0"/>
+                    </a:p>
+                  </a:txBody>
+                  <a:tcPr/>
+                </a:tc>
+                <a:extLst>
+                  <a:ext uri="{0D108BD9-81ED-4DB2-BD59-A6C34878D82A}">
+                    <a16:rowId xmlns:a16="http://schemas.microsoft.com/office/drawing/2014/main" val="3274201054"/>
+                  </a:ext>
+                </a:extLst>
+              </a:tr>
+              <a:tr h="750863">
+                <a:tc>
+                  <a:txBody>
+                    <a:bodyPr/>
+                    <a:lstStyle/>
+                    <a:p>
+                      <a:pPr latinLnBrk="1"/>
+                      <a:r>
+                        <a:rPr lang="en-US" altLang="ko-KR" sz="1400" dirty="0" smtClean="0"/>
+                        <a:t>When</a:t>
+                      </a:r>
+                      <a:endParaRPr lang="ko-KR" altLang="en-US" sz="1400" dirty="0"/>
+                    </a:p>
+                  </a:txBody>
+                  <a:tcPr/>
+                </a:tc>
+                <a:tc>
+                  <a:txBody>
+                    <a:bodyPr/>
+                    <a:lstStyle/>
+                    <a:p>
+                      <a:pPr latinLnBrk="1"/>
+                      <a:r>
+                        <a:rPr lang="en-US" altLang="ko-KR" sz="1400" dirty="0" smtClean="0"/>
+                        <a:t>Slave finish to sample its</a:t>
+                      </a:r>
+                      <a:r>
+                        <a:rPr lang="en-US" altLang="ko-KR" sz="1400" baseline="0" dirty="0" smtClean="0"/>
+                        <a:t> input data</a:t>
+                      </a:r>
+                      <a:endParaRPr lang="ko-KR" altLang="en-US" sz="1400" dirty="0"/>
+                    </a:p>
+                  </a:txBody>
+                  <a:tcPr/>
+                </a:tc>
+                <a:extLst>
+                  <a:ext uri="{0D108BD9-81ED-4DB2-BD59-A6C34878D82A}">
+                    <a16:rowId xmlns:a16="http://schemas.microsoft.com/office/drawing/2014/main" val="208055639"/>
+                  </a:ext>
+                </a:extLst>
+              </a:tr>
+              <a:tr h="750863">
+                <a:tc>
+                  <a:txBody>
+                    <a:bodyPr/>
+                    <a:lstStyle/>
+                    <a:p>
+                      <a:pPr latinLnBrk="1"/>
+                      <a:r>
+                        <a:rPr lang="en-US" altLang="ko-KR" sz="1400" dirty="0" smtClean="0"/>
+                        <a:t>Sender</a:t>
+                      </a:r>
+                      <a:endParaRPr lang="ko-KR" altLang="en-US" sz="1400" dirty="0"/>
+                    </a:p>
+                  </a:txBody>
+                  <a:tcPr/>
+                </a:tc>
+                <a:tc>
+                  <a:txBody>
+                    <a:bodyPr/>
+                    <a:lstStyle/>
+                    <a:p>
+                      <a:pPr latinLnBrk="1"/>
+                      <a:r>
+                        <a:rPr lang="en-US" altLang="ko-KR" sz="1400" dirty="0" smtClean="0"/>
+                        <a:t>Slave</a:t>
+                      </a:r>
+                      <a:endParaRPr lang="ko-KR" altLang="en-US" sz="1400" dirty="0"/>
+                    </a:p>
+                  </a:txBody>
+                  <a:tcPr/>
+                </a:tc>
+                <a:extLst>
+                  <a:ext uri="{0D108BD9-81ED-4DB2-BD59-A6C34878D82A}">
+                    <a16:rowId xmlns:a16="http://schemas.microsoft.com/office/drawing/2014/main" val="1000982902"/>
+                  </a:ext>
+                </a:extLst>
+              </a:tr>
+              <a:tr h="750863">
+                <a:tc>
+                  <a:txBody>
+                    <a:bodyPr/>
+                    <a:lstStyle/>
+                    <a:p>
+                      <a:pPr latinLnBrk="1"/>
+                      <a:r>
+                        <a:rPr lang="en-US" altLang="ko-KR" sz="1400" dirty="0" smtClean="0"/>
+                        <a:t>Receiver</a:t>
+                      </a:r>
+                      <a:endParaRPr lang="ko-KR" altLang="en-US" sz="1400" dirty="0"/>
+                    </a:p>
+                  </a:txBody>
+                  <a:tcPr/>
+                </a:tc>
+                <a:tc>
+                  <a:txBody>
+                    <a:bodyPr/>
+                    <a:lstStyle/>
+                    <a:p>
+                      <a:pPr latinLnBrk="1"/>
+                      <a:r>
+                        <a:rPr lang="en-US" altLang="ko-KR" sz="1400" dirty="0" smtClean="0"/>
+                        <a:t>Master</a:t>
+                      </a:r>
+                      <a:endParaRPr lang="ko-KR" altLang="en-US" sz="1400" dirty="0"/>
+                    </a:p>
+                  </a:txBody>
+                  <a:tcPr/>
+                </a:tc>
+                <a:extLst>
+                  <a:ext uri="{0D108BD9-81ED-4DB2-BD59-A6C34878D82A}">
+                    <a16:rowId xmlns:a16="http://schemas.microsoft.com/office/drawing/2014/main" val="2724142797"/>
+                  </a:ext>
+                </a:extLst>
+              </a:tr>
+              <a:tr h="750863">
+                <a:tc>
+                  <a:txBody>
+                    <a:bodyPr/>
+                    <a:lstStyle/>
+                    <a:p>
+                      <a:pPr latinLnBrk="1"/>
+                      <a:r>
+                        <a:rPr lang="en-US" altLang="ko-KR" sz="1400" dirty="0" smtClean="0"/>
+                        <a:t>contents</a:t>
+                      </a:r>
+                      <a:endParaRPr lang="ko-KR" altLang="en-US" sz="1400" dirty="0"/>
+                    </a:p>
+                  </a:txBody>
+                  <a:tcPr/>
+                </a:tc>
+                <a:tc>
+                  <a:txBody>
+                    <a:bodyPr/>
+                    <a:lstStyle/>
+                    <a:p>
+                      <a:pPr marL="285750" indent="-285750" latinLnBrk="1">
+                        <a:buFont typeface="Arial" panose="020B0604020202020204" pitchFamily="34" charset="0"/>
+                        <a:buChar char="•"/>
+                      </a:pPr>
+                      <a:r>
+                        <a:rPr lang="en-US" altLang="ko-KR" sz="1400" baseline="0" dirty="0" smtClean="0"/>
+                        <a:t>Minimum key value</a:t>
+                      </a:r>
+                    </a:p>
+                    <a:p>
+                      <a:pPr marL="285750" indent="-285750" latinLnBrk="1">
+                        <a:buFont typeface="Arial" panose="020B0604020202020204" pitchFamily="34" charset="0"/>
+                        <a:buChar char="•"/>
+                      </a:pPr>
+                      <a:r>
+                        <a:rPr lang="en-US" altLang="ko-KR" sz="1400" baseline="0" dirty="0" smtClean="0"/>
+                        <a:t>Maximum key value</a:t>
+                      </a:r>
+                      <a:endParaRPr lang="ko-KR" altLang="en-US" sz="1400" dirty="0"/>
+                    </a:p>
+                  </a:txBody>
+                  <a:tcPr/>
+                </a:tc>
+                <a:extLst>
+                  <a:ext uri="{0D108BD9-81ED-4DB2-BD59-A6C34878D82A}">
+                    <a16:rowId xmlns:a16="http://schemas.microsoft.com/office/drawing/2014/main" val="3855224543"/>
+                  </a:ext>
+                </a:extLst>
+              </a:tr>
+            </a:tbl>
+          </a:graphicData>
+        </a:graphic>
+      </p:graphicFrame>
     </p:spTree>
     <p:extLst>
       <p:ext uri="{BB962C8B-B14F-4D97-AF65-F5344CB8AC3E}">
-        <p14:creationId xmlns:p14="http://schemas.microsoft.com/office/powerpoint/2010/main" val="1913998012"/>
+        <p14:creationId xmlns:p14="http://schemas.microsoft.com/office/powerpoint/2010/main" val="1418396082"/>
       </p:ext>
     </p:extLst>
   </p:cSld>
@@ -3397,70 +3775,274 @@
           <a:p>
             <a:r>
               <a:rPr lang="en-US" altLang="ko-KR" dirty="0" smtClean="0"/>
-              <a:t>Meta information</a:t>
+              <a:t>Messages</a:t>
             </a:r>
             <a:endParaRPr lang="ko-KR" altLang="en-US" dirty="0"/>
           </a:p>
         </p:txBody>
       </p:sp>
-      <p:sp>
-        <p:nvSpPr>
-          <p:cNvPr id="3" name="내용 개체 틀 2"/>
-          <p:cNvSpPr>
-            <a:spLocks noGrp="1"/>
-          </p:cNvSpPr>
+      <p:graphicFrame>
+        <p:nvGraphicFramePr>
+          <p:cNvPr id="4" name="표 3"/>
+          <p:cNvGraphicFramePr>
+            <a:graphicFrameLocks noGrp="1"/>
+          </p:cNvGraphicFramePr>
           <p:nvPr>
-            <p:ph idx="1"/>
+            <p:extLst>
+              <p:ext uri="{D42A27DB-BD31-4B8C-83A1-F6EECF244321}">
+                <p14:modId xmlns:p14="http://schemas.microsoft.com/office/powerpoint/2010/main" val="1852949641"/>
+              </p:ext>
+            </p:extLst>
           </p:nvPr>
-        </p:nvSpPr>
-        <p:spPr/>
-        <p:txBody>
-          <a:bodyPr/>
-          <a:lstStyle/>
-          <a:p>
-            <a:r>
-              <a:rPr lang="en-US" altLang="ko-KR" dirty="0" err="1"/>
-              <a:t>m</a:t>
-            </a:r>
-            <a:r>
-              <a:rPr lang="en-US" altLang="ko-KR" dirty="0" err="1" smtClean="0"/>
-              <a:t>inimumKeyValue</a:t>
-            </a:r>
-            <a:r>
-              <a:rPr lang="en-US" altLang="ko-KR" dirty="0" smtClean="0"/>
-              <a:t>: </a:t>
-            </a:r>
-            <a:r>
-              <a:rPr lang="en-US" altLang="ko-KR" dirty="0" err="1" smtClean="0"/>
-              <a:t>Int</a:t>
-            </a:r>
-            <a:endParaRPr lang="en-US" altLang="ko-KR" dirty="0" smtClean="0"/>
-          </a:p>
-          <a:p>
-            <a:r>
-              <a:rPr lang="en-US" altLang="ko-KR" dirty="0" err="1"/>
-              <a:t>m</a:t>
-            </a:r>
-            <a:r>
-              <a:rPr lang="en-US" altLang="ko-KR" dirty="0" err="1" smtClean="0"/>
-              <a:t>aximumKeyValue</a:t>
-            </a:r>
-            <a:r>
-              <a:rPr lang="en-US" altLang="ko-KR" dirty="0" smtClean="0"/>
-              <a:t>: </a:t>
-            </a:r>
-            <a:r>
-              <a:rPr lang="en-US" altLang="ko-KR" dirty="0" err="1" smtClean="0"/>
-              <a:t>Int</a:t>
-            </a:r>
-            <a:endParaRPr lang="ko-KR" altLang="en-US" dirty="0"/>
-          </a:p>
-        </p:txBody>
-      </p:sp>
+        </p:nvGraphicFramePr>
+        <p:xfrm>
+          <a:off x="838199" y="1934308"/>
+          <a:ext cx="10099432" cy="3754315"/>
+        </p:xfrm>
+        <a:graphic>
+          <a:graphicData uri="http://schemas.openxmlformats.org/drawingml/2006/table">
+            <a:tbl>
+              <a:tblPr firstRow="1" bandRow="1">
+                <a:tableStyleId>{5C22544A-7EE6-4342-B048-85BDC9FD1C3A}</a:tableStyleId>
+              </a:tblPr>
+              <a:tblGrid>
+                <a:gridCol w="1544516">
+                  <a:extLst>
+                    <a:ext uri="{9D8B030D-6E8A-4147-A177-3AD203B41FA5}">
+                      <a16:colId xmlns:a16="http://schemas.microsoft.com/office/drawing/2014/main" val="1678945514"/>
+                    </a:ext>
+                  </a:extLst>
+                </a:gridCol>
+                <a:gridCol w="8554916">
+                  <a:extLst>
+                    <a:ext uri="{9D8B030D-6E8A-4147-A177-3AD203B41FA5}">
+                      <a16:colId xmlns:a16="http://schemas.microsoft.com/office/drawing/2014/main" val="2500095497"/>
+                    </a:ext>
+                  </a:extLst>
+                </a:gridCol>
+              </a:tblGrid>
+              <a:tr h="750863">
+                <a:tc>
+                  <a:txBody>
+                    <a:bodyPr/>
+                    <a:lstStyle/>
+                    <a:p>
+                      <a:pPr latinLnBrk="1"/>
+                      <a:r>
+                        <a:rPr lang="en-US" altLang="ko-KR" sz="1400" dirty="0" smtClean="0"/>
+                        <a:t>Name</a:t>
+                      </a:r>
+                      <a:endParaRPr lang="ko-KR" altLang="en-US" sz="1400" dirty="0"/>
+                    </a:p>
+                  </a:txBody>
+                  <a:tcPr/>
+                </a:tc>
+                <a:tc>
+                  <a:txBody>
+                    <a:bodyPr/>
+                    <a:lstStyle/>
+                    <a:p>
+                      <a:pPr latinLnBrk="1"/>
+                      <a:r>
+                        <a:rPr lang="en-US" altLang="ko-KR" sz="1400" dirty="0" err="1" smtClean="0"/>
+                        <a:t>MetainfoTableMessage</a:t>
+                      </a:r>
+                      <a:endParaRPr lang="ko-KR" altLang="en-US" sz="1400" dirty="0"/>
+                    </a:p>
+                  </a:txBody>
+                  <a:tcPr/>
+                </a:tc>
+                <a:extLst>
+                  <a:ext uri="{0D108BD9-81ED-4DB2-BD59-A6C34878D82A}">
+                    <a16:rowId xmlns:a16="http://schemas.microsoft.com/office/drawing/2014/main" val="3274201054"/>
+                  </a:ext>
+                </a:extLst>
+              </a:tr>
+              <a:tr h="750863">
+                <a:tc>
+                  <a:txBody>
+                    <a:bodyPr/>
+                    <a:lstStyle/>
+                    <a:p>
+                      <a:pPr latinLnBrk="1"/>
+                      <a:r>
+                        <a:rPr lang="en-US" altLang="ko-KR" sz="1400" dirty="0" smtClean="0"/>
+                        <a:t>When</a:t>
+                      </a:r>
+                      <a:endParaRPr lang="ko-KR" altLang="en-US" sz="1400" dirty="0"/>
+                    </a:p>
+                  </a:txBody>
+                  <a:tcPr/>
+                </a:tc>
+                <a:tc>
+                  <a:txBody>
+                    <a:bodyPr/>
+                    <a:lstStyle/>
+                    <a:p>
+                      <a:pPr latinLnBrk="1"/>
+                      <a:r>
+                        <a:rPr lang="en-US" altLang="ko-KR" sz="1400" dirty="0" smtClean="0"/>
+                        <a:t>Master collect</a:t>
+                      </a:r>
+                      <a:r>
+                        <a:rPr lang="en-US" altLang="ko-KR" sz="1400" baseline="0" dirty="0" smtClean="0"/>
+                        <a:t> </a:t>
+                      </a:r>
+                      <a:r>
+                        <a:rPr lang="en-US" altLang="ko-KR" sz="1400" baseline="0" dirty="0" err="1" smtClean="0"/>
+                        <a:t>MetainfoMessage</a:t>
+                      </a:r>
+                      <a:r>
+                        <a:rPr lang="en-US" altLang="ko-KR" sz="1400" baseline="0" dirty="0" smtClean="0"/>
+                        <a:t> from all slaves</a:t>
+                      </a:r>
+                      <a:endParaRPr lang="ko-KR" altLang="en-US" sz="1400" dirty="0"/>
+                    </a:p>
+                  </a:txBody>
+                  <a:tcPr/>
+                </a:tc>
+                <a:extLst>
+                  <a:ext uri="{0D108BD9-81ED-4DB2-BD59-A6C34878D82A}">
+                    <a16:rowId xmlns:a16="http://schemas.microsoft.com/office/drawing/2014/main" val="208055639"/>
+                  </a:ext>
+                </a:extLst>
+              </a:tr>
+              <a:tr h="750863">
+                <a:tc>
+                  <a:txBody>
+                    <a:bodyPr/>
+                    <a:lstStyle/>
+                    <a:p>
+                      <a:pPr latinLnBrk="1"/>
+                      <a:r>
+                        <a:rPr lang="en-US" altLang="ko-KR" sz="1400" dirty="0" smtClean="0"/>
+                        <a:t>Sender</a:t>
+                      </a:r>
+                      <a:endParaRPr lang="ko-KR" altLang="en-US" sz="1400" dirty="0"/>
+                    </a:p>
+                  </a:txBody>
+                  <a:tcPr/>
+                </a:tc>
+                <a:tc>
+                  <a:txBody>
+                    <a:bodyPr/>
+                    <a:lstStyle/>
+                    <a:p>
+                      <a:pPr latinLnBrk="1"/>
+                      <a:r>
+                        <a:rPr lang="en-US" altLang="ko-KR" sz="1400" dirty="0" smtClean="0"/>
+                        <a:t>Master</a:t>
+                      </a:r>
+                      <a:endParaRPr lang="ko-KR" altLang="en-US" sz="1400" dirty="0"/>
+                    </a:p>
+                  </a:txBody>
+                  <a:tcPr/>
+                </a:tc>
+                <a:extLst>
+                  <a:ext uri="{0D108BD9-81ED-4DB2-BD59-A6C34878D82A}">
+                    <a16:rowId xmlns:a16="http://schemas.microsoft.com/office/drawing/2014/main" val="1000982902"/>
+                  </a:ext>
+                </a:extLst>
+              </a:tr>
+              <a:tr h="750863">
+                <a:tc>
+                  <a:txBody>
+                    <a:bodyPr/>
+                    <a:lstStyle/>
+                    <a:p>
+                      <a:pPr latinLnBrk="1"/>
+                      <a:r>
+                        <a:rPr lang="en-US" altLang="ko-KR" sz="1400" dirty="0" smtClean="0"/>
+                        <a:t>Receiver</a:t>
+                      </a:r>
+                      <a:endParaRPr lang="ko-KR" altLang="en-US" sz="1400" dirty="0"/>
+                    </a:p>
+                  </a:txBody>
+                  <a:tcPr/>
+                </a:tc>
+                <a:tc>
+                  <a:txBody>
+                    <a:bodyPr/>
+                    <a:lstStyle/>
+                    <a:p>
+                      <a:pPr latinLnBrk="1"/>
+                      <a:r>
+                        <a:rPr lang="en-US" altLang="ko-KR" sz="1400" dirty="0" smtClean="0"/>
+                        <a:t>Slave</a:t>
+                      </a:r>
+                      <a:endParaRPr lang="ko-KR" altLang="en-US" sz="1400" dirty="0"/>
+                    </a:p>
+                  </a:txBody>
+                  <a:tcPr/>
+                </a:tc>
+                <a:extLst>
+                  <a:ext uri="{0D108BD9-81ED-4DB2-BD59-A6C34878D82A}">
+                    <a16:rowId xmlns:a16="http://schemas.microsoft.com/office/drawing/2014/main" val="2724142797"/>
+                  </a:ext>
+                </a:extLst>
+              </a:tr>
+              <a:tr h="750863">
+                <a:tc>
+                  <a:txBody>
+                    <a:bodyPr/>
+                    <a:lstStyle/>
+                    <a:p>
+                      <a:pPr latinLnBrk="1"/>
+                      <a:r>
+                        <a:rPr lang="en-US" altLang="ko-KR" sz="1400" dirty="0" smtClean="0"/>
+                        <a:t>contents</a:t>
+                      </a:r>
+                      <a:endParaRPr lang="ko-KR" altLang="en-US" sz="1400" dirty="0"/>
+                    </a:p>
+                  </a:txBody>
+                  <a:tcPr/>
+                </a:tc>
+                <a:tc>
+                  <a:txBody>
+                    <a:bodyPr/>
+                    <a:lstStyle/>
+                    <a:p>
+                      <a:pPr marL="285750" indent="-285750" latinLnBrk="1">
+                        <a:buFont typeface="Arial" panose="020B0604020202020204" pitchFamily="34" charset="0"/>
+                        <a:buChar char="•"/>
+                      </a:pPr>
+                      <a:r>
+                        <a:rPr lang="en-US" altLang="ko-KR" sz="1400" dirty="0" smtClean="0"/>
+                        <a:t>Slave’s network information</a:t>
+                      </a:r>
+                      <a:r>
+                        <a:rPr lang="en-US" altLang="ko-KR" sz="1400" baseline="0" dirty="0" smtClean="0"/>
+                        <a:t> list</a:t>
+                      </a:r>
+                    </a:p>
+                    <a:p>
+                      <a:pPr marL="285750" indent="-285750" latinLnBrk="1">
+                        <a:buFont typeface="Arial" panose="020B0604020202020204" pitchFamily="34" charset="0"/>
+                        <a:buChar char="•"/>
+                      </a:pPr>
+                      <a:r>
+                        <a:rPr lang="en-US" altLang="ko-KR" sz="1400" baseline="0" dirty="0" smtClean="0"/>
+                        <a:t>Pivot list</a:t>
+                      </a:r>
+                      <a:endParaRPr lang="ko-KR" altLang="en-US" sz="1400" dirty="0"/>
+                    </a:p>
+                  </a:txBody>
+                  <a:tcPr/>
+                </a:tc>
+                <a:extLst>
+                  <a:ext uri="{0D108BD9-81ED-4DB2-BD59-A6C34878D82A}">
+                    <a16:rowId xmlns:a16="http://schemas.microsoft.com/office/drawing/2014/main" val="3855224543"/>
+                  </a:ext>
+                </a:extLst>
+              </a:tr>
+            </a:tbl>
+          </a:graphicData>
+        </a:graphic>
+      </p:graphicFrame>
     </p:spTree>
     <p:extLst>
       <p:ext uri="{BB962C8B-B14F-4D97-AF65-F5344CB8AC3E}">
-        <p14:creationId xmlns:p14="http://schemas.microsoft.com/office/powerpoint/2010/main" val="1543646638"/>
+        <p14:creationId xmlns:p14="http://schemas.microsoft.com/office/powerpoint/2010/main" val="1554679561"/>
       </p:ext>
     </p:extLst>
   </p:cSld>
@@ -3504,63 +4086,249 @@
           <a:p>
             <a:r>
               <a:rPr lang="en-US" altLang="ko-KR" dirty="0" smtClean="0"/>
-              <a:t>Decision message</a:t>
+              <a:t>Messages</a:t>
             </a:r>
             <a:endParaRPr lang="ko-KR" altLang="en-US" dirty="0"/>
           </a:p>
         </p:txBody>
       </p:sp>
-      <p:sp>
-        <p:nvSpPr>
-          <p:cNvPr id="3" name="내용 개체 틀 2"/>
-          <p:cNvSpPr>
-            <a:spLocks noGrp="1"/>
-          </p:cNvSpPr>
+      <p:graphicFrame>
+        <p:nvGraphicFramePr>
+          <p:cNvPr id="4" name="표 3"/>
+          <p:cNvGraphicFramePr>
+            <a:graphicFrameLocks noGrp="1"/>
+          </p:cNvGraphicFramePr>
           <p:nvPr>
-            <p:ph idx="1"/>
+            <p:extLst>
+              <p:ext uri="{D42A27DB-BD31-4B8C-83A1-F6EECF244321}">
+                <p14:modId xmlns:p14="http://schemas.microsoft.com/office/powerpoint/2010/main" val="1093341397"/>
+              </p:ext>
+            </p:extLst>
           </p:nvPr>
-        </p:nvSpPr>
-        <p:spPr/>
-        <p:txBody>
-          <a:bodyPr/>
-          <a:lstStyle/>
-          <a:p>
-            <a:r>
-              <a:rPr lang="en-US" altLang="ko-KR" dirty="0"/>
-              <a:t>d</a:t>
-            </a:r>
-            <a:r>
-              <a:rPr lang="en-US" altLang="ko-KR" dirty="0" smtClean="0"/>
-              <a:t>ecisions: Map[</a:t>
-            </a:r>
-            <a:r>
-              <a:rPr lang="en-US" altLang="ko-KR" dirty="0" err="1"/>
-              <a:t>n</a:t>
-            </a:r>
-            <a:r>
-              <a:rPr lang="en-US" altLang="ko-KR" dirty="0" err="1" smtClean="0"/>
-              <a:t>odeId</a:t>
-            </a:r>
-            <a:r>
-              <a:rPr lang="en-US" altLang="ko-KR" dirty="0" smtClean="0"/>
-              <a:t>, Tuple[start, end]]: </a:t>
-            </a:r>
-            <a:r>
-              <a:rPr lang="en-US" altLang="ko-KR" dirty="0" err="1" smtClean="0"/>
-              <a:t>NodeId</a:t>
-            </a:r>
-            <a:r>
-              <a:rPr lang="en-US" altLang="ko-KR" dirty="0" smtClean="0"/>
-              <a:t> is a unique value for each node. start and end value means a range of key value on which each slave has responsibility.</a:t>
-            </a:r>
-            <a:endParaRPr lang="ko-KR" altLang="en-US" dirty="0"/>
-          </a:p>
-        </p:txBody>
-      </p:sp>
+        </p:nvGraphicFramePr>
+        <p:xfrm>
+          <a:off x="838199" y="1934308"/>
+          <a:ext cx="10099432" cy="3754315"/>
+        </p:xfrm>
+        <a:graphic>
+          <a:graphicData uri="http://schemas.openxmlformats.org/drawingml/2006/table">
+            <a:tbl>
+              <a:tblPr firstRow="1" bandRow="1">
+                <a:tableStyleId>{5C22544A-7EE6-4342-B048-85BDC9FD1C3A}</a:tableStyleId>
+              </a:tblPr>
+              <a:tblGrid>
+                <a:gridCol w="1544516">
+                  <a:extLst>
+                    <a:ext uri="{9D8B030D-6E8A-4147-A177-3AD203B41FA5}">
+                      <a16:colId xmlns:a16="http://schemas.microsoft.com/office/drawing/2014/main" val="1678945514"/>
+                    </a:ext>
+                  </a:extLst>
+                </a:gridCol>
+                <a:gridCol w="8554916">
+                  <a:extLst>
+                    <a:ext uri="{9D8B030D-6E8A-4147-A177-3AD203B41FA5}">
+                      <a16:colId xmlns:a16="http://schemas.microsoft.com/office/drawing/2014/main" val="2500095497"/>
+                    </a:ext>
+                  </a:extLst>
+                </a:gridCol>
+              </a:tblGrid>
+              <a:tr h="750863">
+                <a:tc>
+                  <a:txBody>
+                    <a:bodyPr/>
+                    <a:lstStyle/>
+                    <a:p>
+                      <a:pPr latinLnBrk="1"/>
+                      <a:r>
+                        <a:rPr lang="en-US" altLang="ko-KR" sz="1400" dirty="0" smtClean="0"/>
+                        <a:t>Name</a:t>
+                      </a:r>
+                      <a:endParaRPr lang="ko-KR" altLang="en-US" sz="1400" dirty="0"/>
+                    </a:p>
+                  </a:txBody>
+                  <a:tcPr/>
+                </a:tc>
+                <a:tc>
+                  <a:txBody>
+                    <a:bodyPr/>
+                    <a:lstStyle/>
+                    <a:p>
+                      <a:pPr latinLnBrk="1"/>
+                      <a:r>
+                        <a:rPr lang="en-US" altLang="ko-KR" sz="1400" dirty="0" err="1" smtClean="0"/>
+                        <a:t>FinishSortMessage</a:t>
+                      </a:r>
+                      <a:endParaRPr lang="ko-KR" altLang="en-US" sz="1400" dirty="0"/>
+                    </a:p>
+                  </a:txBody>
+                  <a:tcPr/>
+                </a:tc>
+                <a:extLst>
+                  <a:ext uri="{0D108BD9-81ED-4DB2-BD59-A6C34878D82A}">
+                    <a16:rowId xmlns:a16="http://schemas.microsoft.com/office/drawing/2014/main" val="3274201054"/>
+                  </a:ext>
+                </a:extLst>
+              </a:tr>
+              <a:tr h="750863">
+                <a:tc>
+                  <a:txBody>
+                    <a:bodyPr/>
+                    <a:lstStyle/>
+                    <a:p>
+                      <a:pPr latinLnBrk="1"/>
+                      <a:r>
+                        <a:rPr lang="en-US" altLang="ko-KR" sz="1400" dirty="0" smtClean="0"/>
+                        <a:t>When</a:t>
+                      </a:r>
+                      <a:endParaRPr lang="ko-KR" altLang="en-US" sz="1400" dirty="0"/>
+                    </a:p>
+                  </a:txBody>
+                  <a:tcPr/>
+                </a:tc>
+                <a:tc>
+                  <a:txBody>
+                    <a:bodyPr/>
+                    <a:lstStyle/>
+                    <a:p>
+                      <a:pPr latinLnBrk="1"/>
+                      <a:r>
+                        <a:rPr lang="en-US" altLang="ko-KR" sz="1400" dirty="0" smtClean="0"/>
+                        <a:t>Slave finish to sort</a:t>
+                      </a:r>
+                      <a:r>
+                        <a:rPr lang="en-US" altLang="ko-KR" sz="1400" baseline="0" dirty="0" smtClean="0"/>
+                        <a:t> its input message</a:t>
+                      </a:r>
+                      <a:endParaRPr lang="ko-KR" altLang="en-US" sz="1400" dirty="0"/>
+                    </a:p>
+                  </a:txBody>
+                  <a:tcPr/>
+                </a:tc>
+                <a:extLst>
+                  <a:ext uri="{0D108BD9-81ED-4DB2-BD59-A6C34878D82A}">
+                    <a16:rowId xmlns:a16="http://schemas.microsoft.com/office/drawing/2014/main" val="208055639"/>
+                  </a:ext>
+                </a:extLst>
+              </a:tr>
+              <a:tr h="750863">
+                <a:tc>
+                  <a:txBody>
+                    <a:bodyPr/>
+                    <a:lstStyle/>
+                    <a:p>
+                      <a:pPr latinLnBrk="1"/>
+                      <a:r>
+                        <a:rPr lang="en-US" altLang="ko-KR" sz="1400" dirty="0" smtClean="0"/>
+                        <a:t>Sender</a:t>
+                      </a:r>
+                      <a:endParaRPr lang="ko-KR" altLang="en-US" sz="1400" dirty="0"/>
+                    </a:p>
+                  </a:txBody>
+                  <a:tcPr/>
+                </a:tc>
+                <a:tc>
+                  <a:txBody>
+                    <a:bodyPr/>
+                    <a:lstStyle/>
+                    <a:p>
+                      <a:pPr latinLnBrk="1"/>
+                      <a:r>
+                        <a:rPr lang="en-US" altLang="ko-KR" sz="1400" dirty="0" smtClean="0"/>
+                        <a:t>Slave</a:t>
+                      </a:r>
+                      <a:endParaRPr lang="ko-KR" altLang="en-US" sz="1400" dirty="0"/>
+                    </a:p>
+                  </a:txBody>
+                  <a:tcPr/>
+                </a:tc>
+                <a:extLst>
+                  <a:ext uri="{0D108BD9-81ED-4DB2-BD59-A6C34878D82A}">
+                    <a16:rowId xmlns:a16="http://schemas.microsoft.com/office/drawing/2014/main" val="1000982902"/>
+                  </a:ext>
+                </a:extLst>
+              </a:tr>
+              <a:tr h="750863">
+                <a:tc>
+                  <a:txBody>
+                    <a:bodyPr/>
+                    <a:lstStyle/>
+                    <a:p>
+                      <a:pPr latinLnBrk="1"/>
+                      <a:r>
+                        <a:rPr lang="en-US" altLang="ko-KR" sz="1400" dirty="0" smtClean="0"/>
+                        <a:t>Receiver</a:t>
+                      </a:r>
+                      <a:endParaRPr lang="ko-KR" altLang="en-US" sz="1400" dirty="0"/>
+                    </a:p>
+                  </a:txBody>
+                  <a:tcPr/>
+                </a:tc>
+                <a:tc>
+                  <a:txBody>
+                    <a:bodyPr/>
+                    <a:lstStyle/>
+                    <a:p>
+                      <a:pPr latinLnBrk="1"/>
+                      <a:r>
+                        <a:rPr lang="en-US" altLang="ko-KR" sz="1400" dirty="0" smtClean="0"/>
+                        <a:t>Master</a:t>
+                      </a:r>
+                      <a:endParaRPr lang="ko-KR" altLang="en-US" sz="1400" dirty="0"/>
+                    </a:p>
+                  </a:txBody>
+                  <a:tcPr/>
+                </a:tc>
+                <a:extLst>
+                  <a:ext uri="{0D108BD9-81ED-4DB2-BD59-A6C34878D82A}">
+                    <a16:rowId xmlns:a16="http://schemas.microsoft.com/office/drawing/2014/main" val="2724142797"/>
+                  </a:ext>
+                </a:extLst>
+              </a:tr>
+              <a:tr h="750863">
+                <a:tc>
+                  <a:txBody>
+                    <a:bodyPr/>
+                    <a:lstStyle/>
+                    <a:p>
+                      <a:pPr latinLnBrk="1"/>
+                      <a:r>
+                        <a:rPr lang="en-US" altLang="ko-KR" sz="1400" dirty="0" smtClean="0"/>
+                        <a:t>contents</a:t>
+                      </a:r>
+                      <a:endParaRPr lang="ko-KR" altLang="en-US" sz="1400" dirty="0"/>
+                    </a:p>
+                  </a:txBody>
+                  <a:tcPr/>
+                </a:tc>
+                <a:tc>
+                  <a:txBody>
+                    <a:bodyPr/>
+                    <a:lstStyle/>
+                    <a:p>
+                      <a:pPr latinLnBrk="1"/>
+                      <a:r>
+                        <a:rPr lang="en-US" altLang="ko-KR" sz="1400" dirty="0" smtClean="0"/>
+                        <a:t>void</a:t>
+                      </a:r>
+                      <a:endParaRPr lang="ko-KR" altLang="en-US" sz="1400" dirty="0"/>
+                    </a:p>
+                  </a:txBody>
+                  <a:tcPr/>
+                </a:tc>
+                <a:extLst>
+                  <a:ext uri="{0D108BD9-81ED-4DB2-BD59-A6C34878D82A}">
+                    <a16:rowId xmlns:a16="http://schemas.microsoft.com/office/drawing/2014/main" val="3855224543"/>
+                  </a:ext>
+                </a:extLst>
+              </a:tr>
+            </a:tbl>
+          </a:graphicData>
+        </a:graphic>
+      </p:graphicFrame>
     </p:spTree>
     <p:extLst>
       <p:ext uri="{BB962C8B-B14F-4D97-AF65-F5344CB8AC3E}">
-        <p14:creationId xmlns:p14="http://schemas.microsoft.com/office/powerpoint/2010/main" val="2417524092"/>
+        <p14:creationId xmlns:p14="http://schemas.microsoft.com/office/powerpoint/2010/main" val="1222247055"/>
       </p:ext>
     </p:extLst>
   </p:cSld>
@@ -3604,51 +4372,253 @@
           <a:p>
             <a:r>
               <a:rPr lang="en-US" altLang="ko-KR" dirty="0" smtClean="0"/>
-              <a:t>Finishing message</a:t>
+              <a:t>Messages</a:t>
             </a:r>
             <a:endParaRPr lang="ko-KR" altLang="en-US" dirty="0"/>
           </a:p>
         </p:txBody>
       </p:sp>
-      <p:sp>
-        <p:nvSpPr>
-          <p:cNvPr id="3" name="내용 개체 틀 2"/>
-          <p:cNvSpPr>
-            <a:spLocks noGrp="1"/>
-          </p:cNvSpPr>
+      <p:graphicFrame>
+        <p:nvGraphicFramePr>
+          <p:cNvPr id="4" name="표 3"/>
+          <p:cNvGraphicFramePr>
+            <a:graphicFrameLocks noGrp="1"/>
+          </p:cNvGraphicFramePr>
           <p:nvPr>
-            <p:ph idx="1"/>
+            <p:extLst>
+              <p:ext uri="{D42A27DB-BD31-4B8C-83A1-F6EECF244321}">
+                <p14:modId xmlns:p14="http://schemas.microsoft.com/office/powerpoint/2010/main" val="929808817"/>
+              </p:ext>
+            </p:extLst>
           </p:nvPr>
-        </p:nvSpPr>
-        <p:spPr/>
-        <p:txBody>
-          <a:bodyPr/>
-          <a:lstStyle/>
-          <a:p>
-            <a:r>
-              <a:rPr lang="en-US" altLang="ko-KR" dirty="0"/>
-              <a:t>d</a:t>
-            </a:r>
-            <a:r>
-              <a:rPr lang="en-US" altLang="ko-KR" dirty="0" smtClean="0"/>
-              <a:t>estinations: Map[</a:t>
-            </a:r>
-            <a:r>
-              <a:rPr lang="en-US" altLang="ko-KR" dirty="0" err="1" smtClean="0"/>
-              <a:t>nodeId</a:t>
-            </a:r>
-            <a:r>
-              <a:rPr lang="en-US" altLang="ko-KR" dirty="0" smtClean="0"/>
-              <a:t>, size]</a:t>
-            </a:r>
-            <a:endParaRPr lang="ko-KR" altLang="en-US" dirty="0"/>
-          </a:p>
-        </p:txBody>
-      </p:sp>
+        </p:nvGraphicFramePr>
+        <p:xfrm>
+          <a:off x="838199" y="1934308"/>
+          <a:ext cx="10099432" cy="3754315"/>
+        </p:xfrm>
+        <a:graphic>
+          <a:graphicData uri="http://schemas.openxmlformats.org/drawingml/2006/table">
+            <a:tbl>
+              <a:tblPr firstRow="1" bandRow="1">
+                <a:tableStyleId>{5C22544A-7EE6-4342-B048-85BDC9FD1C3A}</a:tableStyleId>
+              </a:tblPr>
+              <a:tblGrid>
+                <a:gridCol w="1544516">
+                  <a:extLst>
+                    <a:ext uri="{9D8B030D-6E8A-4147-A177-3AD203B41FA5}">
+                      <a16:colId xmlns:a16="http://schemas.microsoft.com/office/drawing/2014/main" val="1678945514"/>
+                    </a:ext>
+                  </a:extLst>
+                </a:gridCol>
+                <a:gridCol w="8554916">
+                  <a:extLst>
+                    <a:ext uri="{9D8B030D-6E8A-4147-A177-3AD203B41FA5}">
+                      <a16:colId xmlns:a16="http://schemas.microsoft.com/office/drawing/2014/main" val="2500095497"/>
+                    </a:ext>
+                  </a:extLst>
+                </a:gridCol>
+              </a:tblGrid>
+              <a:tr h="750863">
+                <a:tc>
+                  <a:txBody>
+                    <a:bodyPr/>
+                    <a:lstStyle/>
+                    <a:p>
+                      <a:pPr latinLnBrk="1"/>
+                      <a:r>
+                        <a:rPr lang="en-US" altLang="ko-KR" sz="1400" dirty="0" smtClean="0"/>
+                        <a:t>Name</a:t>
+                      </a:r>
+                      <a:endParaRPr lang="ko-KR" altLang="en-US" sz="1400" dirty="0"/>
+                    </a:p>
+                  </a:txBody>
+                  <a:tcPr/>
+                </a:tc>
+                <a:tc>
+                  <a:txBody>
+                    <a:bodyPr/>
+                    <a:lstStyle/>
+                    <a:p>
+                      <a:pPr latinLnBrk="1"/>
+                      <a:r>
+                        <a:rPr lang="en-US" altLang="ko-KR" sz="1400" dirty="0" err="1" smtClean="0"/>
+                        <a:t>StartShuffleMessage</a:t>
+                      </a:r>
+                      <a:endParaRPr lang="ko-KR" altLang="en-US" sz="1400" dirty="0"/>
+                    </a:p>
+                  </a:txBody>
+                  <a:tcPr/>
+                </a:tc>
+                <a:extLst>
+                  <a:ext uri="{0D108BD9-81ED-4DB2-BD59-A6C34878D82A}">
+                    <a16:rowId xmlns:a16="http://schemas.microsoft.com/office/drawing/2014/main" val="3274201054"/>
+                  </a:ext>
+                </a:extLst>
+              </a:tr>
+              <a:tr h="750863">
+                <a:tc>
+                  <a:txBody>
+                    <a:bodyPr/>
+                    <a:lstStyle/>
+                    <a:p>
+                      <a:pPr latinLnBrk="1"/>
+                      <a:r>
+                        <a:rPr lang="en-US" altLang="ko-KR" sz="1400" dirty="0" smtClean="0"/>
+                        <a:t>When</a:t>
+                      </a:r>
+                      <a:endParaRPr lang="ko-KR" altLang="en-US" sz="1400" dirty="0"/>
+                    </a:p>
+                  </a:txBody>
+                  <a:tcPr/>
+                </a:tc>
+                <a:tc>
+                  <a:txBody>
+                    <a:bodyPr/>
+                    <a:lstStyle/>
+                    <a:p>
+                      <a:pPr latinLnBrk="1"/>
+                      <a:r>
+                        <a:rPr lang="en-US" altLang="ko-KR" sz="1400" dirty="0" smtClean="0"/>
+                        <a:t>Master collect </a:t>
+                      </a:r>
+                      <a:r>
+                        <a:rPr lang="en-US" altLang="ko-KR" sz="1400" dirty="0" err="1" smtClean="0"/>
+                        <a:t>FinishSortMessage</a:t>
+                      </a:r>
+                      <a:r>
+                        <a:rPr lang="en-US" altLang="ko-KR" sz="1400" dirty="0" smtClean="0"/>
+                        <a:t> from all slaves</a:t>
+                      </a:r>
+                      <a:endParaRPr lang="ko-KR" altLang="en-US" sz="1400" dirty="0"/>
+                    </a:p>
+                  </a:txBody>
+                  <a:tcPr/>
+                </a:tc>
+                <a:extLst>
+                  <a:ext uri="{0D108BD9-81ED-4DB2-BD59-A6C34878D82A}">
+                    <a16:rowId xmlns:a16="http://schemas.microsoft.com/office/drawing/2014/main" val="208055639"/>
+                  </a:ext>
+                </a:extLst>
+              </a:tr>
+              <a:tr h="750863">
+                <a:tc>
+                  <a:txBody>
+                    <a:bodyPr/>
+                    <a:lstStyle/>
+                    <a:p>
+                      <a:pPr latinLnBrk="1"/>
+                      <a:r>
+                        <a:rPr lang="en-US" altLang="ko-KR" sz="1400" dirty="0" smtClean="0"/>
+                        <a:t>Sender</a:t>
+                      </a:r>
+                      <a:endParaRPr lang="ko-KR" altLang="en-US" sz="1400" dirty="0"/>
+                    </a:p>
+                  </a:txBody>
+                  <a:tcPr/>
+                </a:tc>
+                <a:tc>
+                  <a:txBody>
+                    <a:bodyPr/>
+                    <a:lstStyle/>
+                    <a:p>
+                      <a:pPr latinLnBrk="1"/>
+                      <a:r>
+                        <a:rPr lang="en-US" altLang="ko-KR" sz="1400" dirty="0" smtClean="0"/>
+                        <a:t>Master</a:t>
+                      </a:r>
+                      <a:endParaRPr lang="ko-KR" altLang="en-US" sz="1400" dirty="0"/>
+                    </a:p>
+                  </a:txBody>
+                  <a:tcPr/>
+                </a:tc>
+                <a:extLst>
+                  <a:ext uri="{0D108BD9-81ED-4DB2-BD59-A6C34878D82A}">
+                    <a16:rowId xmlns:a16="http://schemas.microsoft.com/office/drawing/2014/main" val="1000982902"/>
+                  </a:ext>
+                </a:extLst>
+              </a:tr>
+              <a:tr h="750863">
+                <a:tc>
+                  <a:txBody>
+                    <a:bodyPr/>
+                    <a:lstStyle/>
+                    <a:p>
+                      <a:pPr latinLnBrk="1"/>
+                      <a:r>
+                        <a:rPr lang="en-US" altLang="ko-KR" sz="1400" dirty="0" smtClean="0"/>
+                        <a:t>Receiver</a:t>
+                      </a:r>
+                      <a:endParaRPr lang="ko-KR" altLang="en-US" sz="1400" dirty="0"/>
+                    </a:p>
+                  </a:txBody>
+                  <a:tcPr/>
+                </a:tc>
+                <a:tc>
+                  <a:txBody>
+                    <a:bodyPr/>
+                    <a:lstStyle/>
+                    <a:p>
+                      <a:pPr latinLnBrk="1"/>
+                      <a:r>
+                        <a:rPr lang="en-US" altLang="ko-KR" sz="1400" dirty="0" smtClean="0"/>
+                        <a:t>Slave</a:t>
+                      </a:r>
+                      <a:endParaRPr lang="ko-KR" altLang="en-US" sz="1400" dirty="0"/>
+                    </a:p>
+                  </a:txBody>
+                  <a:tcPr/>
+                </a:tc>
+                <a:extLst>
+                  <a:ext uri="{0D108BD9-81ED-4DB2-BD59-A6C34878D82A}">
+                    <a16:rowId xmlns:a16="http://schemas.microsoft.com/office/drawing/2014/main" val="2724142797"/>
+                  </a:ext>
+                </a:extLst>
+              </a:tr>
+              <a:tr h="750863">
+                <a:tc>
+                  <a:txBody>
+                    <a:bodyPr/>
+                    <a:lstStyle/>
+                    <a:p>
+                      <a:pPr latinLnBrk="1"/>
+                      <a:r>
+                        <a:rPr lang="en-US" altLang="ko-KR" sz="1400" dirty="0" smtClean="0"/>
+                        <a:t>contents</a:t>
+                      </a:r>
+                      <a:endParaRPr lang="ko-KR" altLang="en-US" sz="1400" dirty="0"/>
+                    </a:p>
+                  </a:txBody>
+                  <a:tcPr/>
+                </a:tc>
+                <a:tc>
+                  <a:txBody>
+                    <a:bodyPr/>
+                    <a:lstStyle/>
+                    <a:p>
+                      <a:pPr latinLnBrk="1"/>
+                      <a:r>
+                        <a:rPr lang="en-US" altLang="ko-KR" sz="1400" dirty="0" smtClean="0"/>
+                        <a:t>void</a:t>
+                      </a:r>
+                      <a:endParaRPr lang="ko-KR" altLang="en-US" sz="1400" dirty="0"/>
+                    </a:p>
+                  </a:txBody>
+                  <a:tcPr/>
+                </a:tc>
+                <a:extLst>
+                  <a:ext uri="{0D108BD9-81ED-4DB2-BD59-A6C34878D82A}">
+                    <a16:rowId xmlns:a16="http://schemas.microsoft.com/office/drawing/2014/main" val="3855224543"/>
+                  </a:ext>
+                </a:extLst>
+              </a:tr>
+            </a:tbl>
+          </a:graphicData>
+        </a:graphic>
+      </p:graphicFrame>
     </p:spTree>
     <p:extLst>
       <p:ext uri="{BB962C8B-B14F-4D97-AF65-F5344CB8AC3E}">
-        <p14:creationId xmlns:p14="http://schemas.microsoft.com/office/powerpoint/2010/main" val="2627077940"/>
+        <p14:creationId xmlns:p14="http://schemas.microsoft.com/office/powerpoint/2010/main" val="138007396"/>
       </p:ext>
     </p:extLst>
   </p:cSld>
@@ -3685,29 +4655,256 @@
             <p:ph type="title"/>
           </p:nvPr>
         </p:nvSpPr>
-        <p:spPr>
-          <a:xfrm>
-            <a:off x="864577" y="2695087"/>
-            <a:ext cx="10515600" cy="1325563"/>
-          </a:xfrm>
-        </p:spPr>
+        <p:spPr/>
         <p:txBody>
           <a:bodyPr/>
           <a:lstStyle/>
           <a:p>
-            <a:pPr algn="ctr"/>
             <a:r>
               <a:rPr lang="en-US" altLang="ko-KR" dirty="0" smtClean="0"/>
-              <a:t>END</a:t>
+              <a:t>Messages</a:t>
             </a:r>
             <a:endParaRPr lang="ko-KR" altLang="en-US" dirty="0"/>
           </a:p>
         </p:txBody>
       </p:sp>
+      <p:graphicFrame>
+        <p:nvGraphicFramePr>
+          <p:cNvPr id="4" name="표 3"/>
+          <p:cNvGraphicFramePr>
+            <a:graphicFrameLocks noGrp="1"/>
+          </p:cNvGraphicFramePr>
+          <p:nvPr>
+            <p:extLst>
+              <p:ext uri="{D42A27DB-BD31-4B8C-83A1-F6EECF244321}">
+                <p14:modId xmlns:p14="http://schemas.microsoft.com/office/powerpoint/2010/main" val="2523225469"/>
+              </p:ext>
+            </p:extLst>
+          </p:nvPr>
+        </p:nvGraphicFramePr>
+        <p:xfrm>
+          <a:off x="838199" y="1934308"/>
+          <a:ext cx="10099432" cy="3754315"/>
+        </p:xfrm>
+        <a:graphic>
+          <a:graphicData uri="http://schemas.openxmlformats.org/drawingml/2006/table">
+            <a:tbl>
+              <a:tblPr firstRow="1" bandRow="1">
+                <a:tableStyleId>{5C22544A-7EE6-4342-B048-85BDC9FD1C3A}</a:tableStyleId>
+              </a:tblPr>
+              <a:tblGrid>
+                <a:gridCol w="1544516">
+                  <a:extLst>
+                    <a:ext uri="{9D8B030D-6E8A-4147-A177-3AD203B41FA5}">
+                      <a16:colId xmlns:a16="http://schemas.microsoft.com/office/drawing/2014/main" val="1678945514"/>
+                    </a:ext>
+                  </a:extLst>
+                </a:gridCol>
+                <a:gridCol w="8554916">
+                  <a:extLst>
+                    <a:ext uri="{9D8B030D-6E8A-4147-A177-3AD203B41FA5}">
+                      <a16:colId xmlns:a16="http://schemas.microsoft.com/office/drawing/2014/main" val="2500095497"/>
+                    </a:ext>
+                  </a:extLst>
+                </a:gridCol>
+              </a:tblGrid>
+              <a:tr h="750863">
+                <a:tc>
+                  <a:txBody>
+                    <a:bodyPr/>
+                    <a:lstStyle/>
+                    <a:p>
+                      <a:pPr latinLnBrk="1"/>
+                      <a:r>
+                        <a:rPr lang="en-US" altLang="ko-KR" sz="1400" dirty="0" smtClean="0"/>
+                        <a:t>Name</a:t>
+                      </a:r>
+                      <a:endParaRPr lang="ko-KR" altLang="en-US" sz="1400" dirty="0"/>
+                    </a:p>
+                  </a:txBody>
+                  <a:tcPr/>
+                </a:tc>
+                <a:tc>
+                  <a:txBody>
+                    <a:bodyPr/>
+                    <a:lstStyle/>
+                    <a:p>
+                      <a:pPr latinLnBrk="1"/>
+                      <a:r>
+                        <a:rPr lang="en-US" altLang="ko-KR" sz="1400" dirty="0" err="1" smtClean="0"/>
+                        <a:t>SlaveSuccessMessage</a:t>
+                      </a:r>
+                      <a:endParaRPr lang="ko-KR" altLang="en-US" sz="1400" dirty="0"/>
+                    </a:p>
+                  </a:txBody>
+                  <a:tcPr/>
+                </a:tc>
+                <a:extLst>
+                  <a:ext uri="{0D108BD9-81ED-4DB2-BD59-A6C34878D82A}">
+                    <a16:rowId xmlns:a16="http://schemas.microsoft.com/office/drawing/2014/main" val="3274201054"/>
+                  </a:ext>
+                </a:extLst>
+              </a:tr>
+              <a:tr h="750863">
+                <a:tc>
+                  <a:txBody>
+                    <a:bodyPr/>
+                    <a:lstStyle/>
+                    <a:p>
+                      <a:pPr latinLnBrk="1"/>
+                      <a:r>
+                        <a:rPr lang="en-US" altLang="ko-KR" sz="1400" dirty="0" smtClean="0"/>
+                        <a:t>When</a:t>
+                      </a:r>
+                      <a:endParaRPr lang="ko-KR" altLang="en-US" sz="1400" dirty="0"/>
+                    </a:p>
+                  </a:txBody>
+                  <a:tcPr/>
+                </a:tc>
+                <a:tc>
+                  <a:txBody>
+                    <a:bodyPr/>
+                    <a:lstStyle/>
+                    <a:p>
+                      <a:pPr latinLnBrk="1"/>
+                      <a:r>
+                        <a:rPr lang="en-US" altLang="ko-KR" sz="1400" dirty="0" smtClean="0"/>
+                        <a:t>Slave finish to send</a:t>
+                      </a:r>
+                      <a:r>
+                        <a:rPr lang="en-US" altLang="ko-KR" sz="1400" baseline="0" dirty="0" smtClean="0"/>
+                        <a:t> its data to appropriate peers and receive data. Also, it complete merge sort to its disk.</a:t>
+                      </a:r>
+                      <a:endParaRPr lang="ko-KR" altLang="en-US" sz="1400" dirty="0"/>
+                    </a:p>
+                  </a:txBody>
+                  <a:tcPr/>
+                </a:tc>
+                <a:extLst>
+                  <a:ext uri="{0D108BD9-81ED-4DB2-BD59-A6C34878D82A}">
+                    <a16:rowId xmlns:a16="http://schemas.microsoft.com/office/drawing/2014/main" val="208055639"/>
+                  </a:ext>
+                </a:extLst>
+              </a:tr>
+              <a:tr h="750863">
+                <a:tc>
+                  <a:txBody>
+                    <a:bodyPr/>
+                    <a:lstStyle/>
+                    <a:p>
+                      <a:pPr latinLnBrk="1"/>
+                      <a:r>
+                        <a:rPr lang="en-US" altLang="ko-KR" sz="1400" dirty="0" smtClean="0"/>
+                        <a:t>Sender</a:t>
+                      </a:r>
+                      <a:endParaRPr lang="ko-KR" altLang="en-US" sz="1400" dirty="0"/>
+                    </a:p>
+                  </a:txBody>
+                  <a:tcPr/>
+                </a:tc>
+                <a:tc>
+                  <a:txBody>
+                    <a:bodyPr/>
+                    <a:lstStyle/>
+                    <a:p>
+                      <a:pPr latinLnBrk="1"/>
+                      <a:r>
+                        <a:rPr lang="en-US" altLang="ko-KR" sz="1400" dirty="0" smtClean="0"/>
+                        <a:t>Slave</a:t>
+                      </a:r>
+                      <a:endParaRPr lang="ko-KR" altLang="en-US" sz="1400" dirty="0"/>
+                    </a:p>
+                  </a:txBody>
+                  <a:tcPr/>
+                </a:tc>
+                <a:extLst>
+                  <a:ext uri="{0D108BD9-81ED-4DB2-BD59-A6C34878D82A}">
+                    <a16:rowId xmlns:a16="http://schemas.microsoft.com/office/drawing/2014/main" val="1000982902"/>
+                  </a:ext>
+                </a:extLst>
+              </a:tr>
+              <a:tr h="750863">
+                <a:tc>
+                  <a:txBody>
+                    <a:bodyPr/>
+                    <a:lstStyle/>
+                    <a:p>
+                      <a:pPr latinLnBrk="1"/>
+                      <a:r>
+                        <a:rPr lang="en-US" altLang="ko-KR" sz="1400" dirty="0" smtClean="0"/>
+                        <a:t>Receiver</a:t>
+                      </a:r>
+                      <a:endParaRPr lang="ko-KR" altLang="en-US" sz="1400" dirty="0"/>
+                    </a:p>
+                  </a:txBody>
+                  <a:tcPr/>
+                </a:tc>
+                <a:tc>
+                  <a:txBody>
+                    <a:bodyPr/>
+                    <a:lstStyle/>
+                    <a:p>
+                      <a:pPr latinLnBrk="1"/>
+                      <a:r>
+                        <a:rPr lang="en-US" altLang="ko-KR" sz="1400" dirty="0" smtClean="0"/>
+                        <a:t>Master</a:t>
+                      </a:r>
+                      <a:endParaRPr lang="ko-KR" altLang="en-US" sz="1400" dirty="0"/>
+                    </a:p>
+                  </a:txBody>
+                  <a:tcPr/>
+                </a:tc>
+                <a:extLst>
+                  <a:ext uri="{0D108BD9-81ED-4DB2-BD59-A6C34878D82A}">
+                    <a16:rowId xmlns:a16="http://schemas.microsoft.com/office/drawing/2014/main" val="2724142797"/>
+                  </a:ext>
+                </a:extLst>
+              </a:tr>
+              <a:tr h="750863">
+                <a:tc>
+                  <a:txBody>
+                    <a:bodyPr/>
+                    <a:lstStyle/>
+                    <a:p>
+                      <a:pPr latinLnBrk="1"/>
+                      <a:r>
+                        <a:rPr lang="en-US" altLang="ko-KR" sz="1400" dirty="0" smtClean="0"/>
+                        <a:t>contents</a:t>
+                      </a:r>
+                      <a:endParaRPr lang="ko-KR" altLang="en-US" sz="1400" dirty="0"/>
+                    </a:p>
+                  </a:txBody>
+                  <a:tcPr/>
+                </a:tc>
+                <a:tc>
+                  <a:txBody>
+                    <a:bodyPr/>
+                    <a:lstStyle/>
+                    <a:p>
+                      <a:pPr latinLnBrk="1"/>
+                      <a:r>
+                        <a:rPr lang="en-US" altLang="ko-KR" sz="1400" dirty="0" smtClean="0"/>
+                        <a:t>void</a:t>
+                      </a:r>
+                      <a:endParaRPr lang="ko-KR" altLang="en-US" sz="1400" dirty="0"/>
+                    </a:p>
+                  </a:txBody>
+                  <a:tcPr/>
+                </a:tc>
+                <a:extLst>
+                  <a:ext uri="{0D108BD9-81ED-4DB2-BD59-A6C34878D82A}">
+                    <a16:rowId xmlns:a16="http://schemas.microsoft.com/office/drawing/2014/main" val="3855224543"/>
+                  </a:ext>
+                </a:extLst>
+              </a:tr>
+            </a:tbl>
+          </a:graphicData>
+        </a:graphic>
+      </p:graphicFrame>
     </p:spTree>
     <p:extLst>
       <p:ext uri="{BB962C8B-B14F-4D97-AF65-F5344CB8AC3E}">
-        <p14:creationId xmlns:p14="http://schemas.microsoft.com/office/powerpoint/2010/main" val="1828546751"/>
+        <p14:creationId xmlns:p14="http://schemas.microsoft.com/office/powerpoint/2010/main" val="3426510189"/>
       </p:ext>
     </p:extLst>
   </p:cSld>
@@ -3751,35 +4948,575 @@
           <a:p>
             <a:r>
               <a:rPr lang="en-US" altLang="ko-KR" dirty="0" smtClean="0"/>
-              <a:t>Report</a:t>
+              <a:t>Variables</a:t>
             </a:r>
             <a:endParaRPr lang="ko-KR" altLang="en-US" dirty="0"/>
           </a:p>
         </p:txBody>
       </p:sp>
-      <p:sp>
-        <p:nvSpPr>
-          <p:cNvPr id="3" name="텍스트 개체 틀 2"/>
-          <p:cNvSpPr>
-            <a:spLocks noGrp="1"/>
-          </p:cNvSpPr>
+      <p:graphicFrame>
+        <p:nvGraphicFramePr>
+          <p:cNvPr id="4" name="표 3"/>
+          <p:cNvGraphicFramePr>
+            <a:graphicFrameLocks noGrp="1"/>
+          </p:cNvGraphicFramePr>
           <p:nvPr>
-            <p:ph type="body" idx="1"/>
+            <p:extLst>
+              <p:ext uri="{D42A27DB-BD31-4B8C-83A1-F6EECF244321}">
+                <p14:modId xmlns:p14="http://schemas.microsoft.com/office/powerpoint/2010/main" val="677661648"/>
+              </p:ext>
+            </p:extLst>
           </p:nvPr>
-        </p:nvSpPr>
-        <p:spPr/>
-        <p:txBody>
-          <a:bodyPr/>
-          <a:lstStyle/>
-          <a:p>
-            <a:endParaRPr lang="ko-KR" altLang="en-US"/>
-          </a:p>
-        </p:txBody>
-      </p:sp>
+        </p:nvGraphicFramePr>
+        <p:xfrm>
+          <a:off x="924168" y="1906620"/>
+          <a:ext cx="10365155" cy="4160071"/>
+        </p:xfrm>
+        <a:graphic>
+          <a:graphicData uri="http://schemas.openxmlformats.org/drawingml/2006/table">
+            <a:tbl>
+              <a:tblPr firstRow="1" bandRow="1">
+                <a:tableStyleId>{5C22544A-7EE6-4342-B048-85BDC9FD1C3A}</a:tableStyleId>
+              </a:tblPr>
+              <a:tblGrid>
+                <a:gridCol w="2267440">
+                  <a:extLst>
+                    <a:ext uri="{9D8B030D-6E8A-4147-A177-3AD203B41FA5}">
+                      <a16:colId xmlns:a16="http://schemas.microsoft.com/office/drawing/2014/main" val="3682929656"/>
+                    </a:ext>
+                  </a:extLst>
+                </a:gridCol>
+                <a:gridCol w="1116623">
+                  <a:extLst>
+                    <a:ext uri="{9D8B030D-6E8A-4147-A177-3AD203B41FA5}">
+                      <a16:colId xmlns:a16="http://schemas.microsoft.com/office/drawing/2014/main" val="350396180"/>
+                    </a:ext>
+                  </a:extLst>
+                </a:gridCol>
+                <a:gridCol w="6981092">
+                  <a:extLst>
+                    <a:ext uri="{9D8B030D-6E8A-4147-A177-3AD203B41FA5}">
+                      <a16:colId xmlns:a16="http://schemas.microsoft.com/office/drawing/2014/main" val="1347880583"/>
+                    </a:ext>
+                  </a:extLst>
+                </a:gridCol>
+              </a:tblGrid>
+              <a:tr h="784579">
+                <a:tc>
+                  <a:txBody>
+                    <a:bodyPr/>
+                    <a:lstStyle/>
+                    <a:p>
+                      <a:pPr latinLnBrk="1"/>
+                      <a:r>
+                        <a:rPr lang="en-US" altLang="ko-KR" sz="1400" dirty="0" smtClean="0"/>
+                        <a:t>name</a:t>
+                      </a:r>
+                      <a:endParaRPr lang="ko-KR" altLang="en-US" sz="1400" dirty="0"/>
+                    </a:p>
+                  </a:txBody>
+                  <a:tcPr/>
+                </a:tc>
+                <a:tc>
+                  <a:txBody>
+                    <a:bodyPr/>
+                    <a:lstStyle/>
+                    <a:p>
+                      <a:pPr latinLnBrk="1"/>
+                      <a:r>
+                        <a:rPr lang="en-US" altLang="ko-KR" sz="1400" dirty="0" smtClean="0"/>
+                        <a:t>Location</a:t>
+                      </a:r>
+                      <a:endParaRPr lang="ko-KR" altLang="en-US" sz="1400" dirty="0"/>
+                    </a:p>
+                  </a:txBody>
+                  <a:tcPr/>
+                </a:tc>
+                <a:tc>
+                  <a:txBody>
+                    <a:bodyPr/>
+                    <a:lstStyle/>
+                    <a:p>
+                      <a:pPr latinLnBrk="1"/>
+                      <a:r>
+                        <a:rPr lang="en-US" altLang="ko-KR" sz="1400" dirty="0" smtClean="0"/>
+                        <a:t>Definition</a:t>
+                      </a:r>
+                      <a:endParaRPr lang="ko-KR" altLang="en-US" sz="1400" dirty="0"/>
+                    </a:p>
+                  </a:txBody>
+                  <a:tcPr/>
+                </a:tc>
+                <a:extLst>
+                  <a:ext uri="{0D108BD9-81ED-4DB2-BD59-A6C34878D82A}">
+                    <a16:rowId xmlns:a16="http://schemas.microsoft.com/office/drawing/2014/main" val="1979754109"/>
+                  </a:ext>
+                </a:extLst>
+              </a:tr>
+              <a:tr h="417852">
+                <a:tc>
+                  <a:txBody>
+                    <a:bodyPr/>
+                    <a:lstStyle/>
+                    <a:p>
+                      <a:pPr latinLnBrk="1"/>
+                      <a:r>
+                        <a:rPr lang="en-US" altLang="ko-KR" sz="1400" dirty="0" err="1" smtClean="0"/>
+                        <a:t>connectionCount</a:t>
+                      </a:r>
+                      <a:endParaRPr lang="ko-KR" altLang="en-US" sz="1400" dirty="0"/>
+                    </a:p>
+                  </a:txBody>
+                  <a:tcPr/>
+                </a:tc>
+                <a:tc>
+                  <a:txBody>
+                    <a:bodyPr/>
+                    <a:lstStyle/>
+                    <a:p>
+                      <a:pPr latinLnBrk="1"/>
+                      <a:r>
+                        <a:rPr lang="en-US" altLang="ko-KR" sz="1400" dirty="0" smtClean="0"/>
+                        <a:t>Master</a:t>
+                      </a:r>
+                      <a:endParaRPr lang="ko-KR" altLang="en-US" sz="1400" dirty="0"/>
+                    </a:p>
+                  </a:txBody>
+                  <a:tcPr/>
+                </a:tc>
+                <a:tc>
+                  <a:txBody>
+                    <a:bodyPr/>
+                    <a:lstStyle/>
+                    <a:p>
+                      <a:pPr latinLnBrk="1"/>
+                      <a:r>
+                        <a:rPr lang="en-US" altLang="ko-KR" sz="1400" dirty="0" smtClean="0"/>
+                        <a:t>The number of slave that make a TCP connection</a:t>
+                      </a:r>
+                      <a:endParaRPr lang="ko-KR" altLang="en-US" sz="1400" dirty="0"/>
+                    </a:p>
+                  </a:txBody>
+                  <a:tcPr/>
+                </a:tc>
+                <a:extLst>
+                  <a:ext uri="{0D108BD9-81ED-4DB2-BD59-A6C34878D82A}">
+                    <a16:rowId xmlns:a16="http://schemas.microsoft.com/office/drawing/2014/main" val="3626085922"/>
+                  </a:ext>
+                </a:extLst>
+              </a:tr>
+              <a:tr h="417852">
+                <a:tc>
+                  <a:txBody>
+                    <a:bodyPr/>
+                    <a:lstStyle/>
+                    <a:p>
+                      <a:pPr latinLnBrk="1"/>
+                      <a:r>
+                        <a:rPr lang="en-US" altLang="ko-KR" sz="1400" dirty="0" err="1" smtClean="0"/>
+                        <a:t>metainfoCount</a:t>
+                      </a:r>
+                      <a:endParaRPr lang="ko-KR" altLang="en-US" sz="1400" dirty="0"/>
+                    </a:p>
+                  </a:txBody>
+                  <a:tcPr/>
+                </a:tc>
+                <a:tc>
+                  <a:txBody>
+                    <a:bodyPr/>
+                    <a:lstStyle/>
+                    <a:p>
+                      <a:pPr latinLnBrk="1"/>
+                      <a:r>
+                        <a:rPr lang="en-US" altLang="ko-KR" sz="1400" dirty="0" smtClean="0"/>
+                        <a:t>Master</a:t>
+                      </a:r>
+                      <a:endParaRPr lang="ko-KR" altLang="en-US" sz="1400" dirty="0"/>
+                    </a:p>
+                  </a:txBody>
+                  <a:tcPr/>
+                </a:tc>
+                <a:tc>
+                  <a:txBody>
+                    <a:bodyPr/>
+                    <a:lstStyle/>
+                    <a:p>
+                      <a:pPr latinLnBrk="1"/>
+                      <a:r>
+                        <a:rPr lang="en-US" altLang="ko-KR" sz="1400" dirty="0" smtClean="0"/>
+                        <a:t>The number of slave sent</a:t>
+                      </a:r>
+                      <a:r>
+                        <a:rPr lang="en-US" altLang="ko-KR" sz="1400" baseline="0" dirty="0" smtClean="0"/>
+                        <a:t> </a:t>
+                      </a:r>
+                      <a:r>
+                        <a:rPr lang="en-US" altLang="ko-KR" sz="1400" baseline="0" dirty="0" err="1" smtClean="0"/>
+                        <a:t>MetainfoMessage</a:t>
+                      </a:r>
+                      <a:endParaRPr lang="ko-KR" altLang="en-US" sz="1400" dirty="0"/>
+                    </a:p>
+                  </a:txBody>
+                  <a:tcPr/>
+                </a:tc>
+                <a:extLst>
+                  <a:ext uri="{0D108BD9-81ED-4DB2-BD59-A6C34878D82A}">
+                    <a16:rowId xmlns:a16="http://schemas.microsoft.com/office/drawing/2014/main" val="1315448559"/>
+                  </a:ext>
+                </a:extLst>
+              </a:tr>
+              <a:tr h="417852">
+                <a:tc>
+                  <a:txBody>
+                    <a:bodyPr/>
+                    <a:lstStyle/>
+                    <a:p>
+                      <a:pPr latinLnBrk="1"/>
+                      <a:r>
+                        <a:rPr lang="en-US" altLang="ko-KR" sz="1400" dirty="0" err="1" smtClean="0"/>
+                        <a:t>sorted</a:t>
+                      </a:r>
+                      <a:r>
+                        <a:rPr lang="en-US" altLang="ko-KR" sz="1400" baseline="0" dirty="0" err="1" smtClean="0"/>
+                        <a:t>Count</a:t>
+                      </a:r>
+                      <a:endParaRPr lang="ko-KR" altLang="en-US" sz="1400" dirty="0"/>
+                    </a:p>
+                  </a:txBody>
+                  <a:tcPr/>
+                </a:tc>
+                <a:tc>
+                  <a:txBody>
+                    <a:bodyPr/>
+                    <a:lstStyle/>
+                    <a:p>
+                      <a:pPr latinLnBrk="1"/>
+                      <a:r>
+                        <a:rPr lang="en-US" altLang="ko-KR" sz="1400" dirty="0" smtClean="0"/>
+                        <a:t>Master</a:t>
+                      </a:r>
+                      <a:endParaRPr lang="ko-KR" altLang="en-US" sz="1400" dirty="0"/>
+                    </a:p>
+                  </a:txBody>
+                  <a:tcPr/>
+                </a:tc>
+                <a:tc>
+                  <a:txBody>
+                    <a:bodyPr/>
+                    <a:lstStyle/>
+                    <a:p>
+                      <a:pPr latinLnBrk="1"/>
+                      <a:r>
+                        <a:rPr lang="en-US" altLang="ko-KR" sz="1400" dirty="0" smtClean="0"/>
+                        <a:t>The number of slave sent </a:t>
+                      </a:r>
+                      <a:r>
+                        <a:rPr lang="en-US" altLang="ko-KR" sz="1400" dirty="0" err="1" smtClean="0"/>
+                        <a:t>FinishSortMeesage</a:t>
+                      </a:r>
+                      <a:endParaRPr lang="ko-KR" altLang="en-US" sz="1400" dirty="0"/>
+                    </a:p>
+                  </a:txBody>
+                  <a:tcPr/>
+                </a:tc>
+                <a:extLst>
+                  <a:ext uri="{0D108BD9-81ED-4DB2-BD59-A6C34878D82A}">
+                    <a16:rowId xmlns:a16="http://schemas.microsoft.com/office/drawing/2014/main" val="204196383"/>
+                  </a:ext>
+                </a:extLst>
+              </a:tr>
+              <a:tr h="417852">
+                <a:tc>
+                  <a:txBody>
+                    <a:bodyPr/>
+                    <a:lstStyle/>
+                    <a:p>
+                      <a:pPr latinLnBrk="1"/>
+                      <a:r>
+                        <a:rPr lang="en-US" altLang="ko-KR" sz="1400" dirty="0" err="1" smtClean="0"/>
+                        <a:t>successCount</a:t>
+                      </a:r>
+                      <a:endParaRPr lang="ko-KR" altLang="en-US" sz="1400" dirty="0"/>
+                    </a:p>
+                  </a:txBody>
+                  <a:tcPr/>
+                </a:tc>
+                <a:tc>
+                  <a:txBody>
+                    <a:bodyPr/>
+                    <a:lstStyle/>
+                    <a:p>
+                      <a:pPr latinLnBrk="1"/>
+                      <a:r>
+                        <a:rPr lang="en-US" altLang="ko-KR" sz="1400" dirty="0" smtClean="0"/>
+                        <a:t>Master</a:t>
+                      </a:r>
+                      <a:endParaRPr lang="ko-KR" altLang="en-US" sz="1400" dirty="0"/>
+                    </a:p>
+                  </a:txBody>
+                  <a:tcPr/>
+                </a:tc>
+                <a:tc>
+                  <a:txBody>
+                    <a:bodyPr/>
+                    <a:lstStyle/>
+                    <a:p>
+                      <a:pPr latinLnBrk="1"/>
+                      <a:r>
+                        <a:rPr lang="en-US" altLang="ko-KR" sz="1400" dirty="0" smtClean="0"/>
+                        <a:t>The number of slave sent </a:t>
+                      </a:r>
+                      <a:r>
+                        <a:rPr lang="en-US" altLang="ko-KR" sz="1400" dirty="0" err="1" smtClean="0"/>
+                        <a:t>SlaveSuccessMessage</a:t>
+                      </a:r>
+                      <a:endParaRPr lang="ko-KR" altLang="en-US" sz="1400" dirty="0"/>
+                    </a:p>
+                  </a:txBody>
+                  <a:tcPr/>
+                </a:tc>
+                <a:extLst>
+                  <a:ext uri="{0D108BD9-81ED-4DB2-BD59-A6C34878D82A}">
+                    <a16:rowId xmlns:a16="http://schemas.microsoft.com/office/drawing/2014/main" val="1810943868"/>
+                  </a:ext>
+                </a:extLst>
+              </a:tr>
+              <a:tr h="417852">
+                <a:tc>
+                  <a:txBody>
+                    <a:bodyPr/>
+                    <a:lstStyle/>
+                    <a:p>
+                      <a:pPr latinLnBrk="1"/>
+                      <a:r>
+                        <a:rPr lang="en-US" altLang="ko-KR" sz="1400" dirty="0" err="1" smtClean="0"/>
+                        <a:t>metainfoMessageSent</a:t>
+                      </a:r>
+                      <a:endParaRPr lang="ko-KR" altLang="en-US" sz="1400" dirty="0"/>
+                    </a:p>
+                  </a:txBody>
+                  <a:tcPr/>
+                </a:tc>
+                <a:tc>
+                  <a:txBody>
+                    <a:bodyPr/>
+                    <a:lstStyle/>
+                    <a:p>
+                      <a:pPr latinLnBrk="1"/>
+                      <a:r>
+                        <a:rPr lang="en-US" altLang="ko-KR" sz="1400" dirty="0" smtClean="0"/>
+                        <a:t>Slave</a:t>
+                      </a:r>
+                      <a:endParaRPr lang="ko-KR" altLang="en-US" sz="1400" dirty="0"/>
+                    </a:p>
+                  </a:txBody>
+                  <a:tcPr/>
+                </a:tc>
+                <a:tc>
+                  <a:txBody>
+                    <a:bodyPr/>
+                    <a:lstStyle/>
+                    <a:p>
+                      <a:pPr latinLnBrk="1"/>
+                      <a:r>
+                        <a:rPr lang="en-US" altLang="ko-KR" sz="1400" dirty="0" smtClean="0"/>
+                        <a:t>Whether a slave sent</a:t>
+                      </a:r>
+                      <a:r>
+                        <a:rPr lang="en-US" altLang="ko-KR" sz="1400" baseline="0" dirty="0" smtClean="0"/>
+                        <a:t> </a:t>
+                      </a:r>
+                      <a:r>
+                        <a:rPr lang="en-US" altLang="ko-KR" sz="1400" baseline="0" dirty="0" err="1" smtClean="0"/>
+                        <a:t>MetainfoMessage</a:t>
+                      </a:r>
+                      <a:endParaRPr lang="ko-KR" altLang="en-US" sz="1400" dirty="0"/>
+                    </a:p>
+                  </a:txBody>
+                  <a:tcPr/>
+                </a:tc>
+                <a:extLst>
+                  <a:ext uri="{0D108BD9-81ED-4DB2-BD59-A6C34878D82A}">
+                    <a16:rowId xmlns:a16="http://schemas.microsoft.com/office/drawing/2014/main" val="1119048382"/>
+                  </a:ext>
+                </a:extLst>
+              </a:tr>
+              <a:tr h="417852">
+                <a:tc>
+                  <a:txBody>
+                    <a:bodyPr/>
+                    <a:lstStyle/>
+                    <a:p>
+                      <a:pPr latinLnBrk="1"/>
+                      <a:r>
+                        <a:rPr lang="en-US" altLang="ko-KR" sz="1400" dirty="0" err="1" smtClean="0"/>
+                        <a:t>finishSortMessageSent</a:t>
+                      </a:r>
+                      <a:endParaRPr lang="ko-KR" altLang="en-US" sz="1400" dirty="0"/>
+                    </a:p>
+                  </a:txBody>
+                  <a:tcPr/>
+                </a:tc>
+                <a:tc>
+                  <a:txBody>
+                    <a:bodyPr/>
+                    <a:lstStyle/>
+                    <a:p>
+                      <a:pPr latinLnBrk="1"/>
+                      <a:r>
+                        <a:rPr lang="en-US" altLang="ko-KR" sz="1400" dirty="0" smtClean="0"/>
+                        <a:t>Slave</a:t>
+                      </a:r>
+                      <a:endParaRPr lang="ko-KR" altLang="en-US" sz="1400" dirty="0"/>
+                    </a:p>
+                  </a:txBody>
+                  <a:tcPr/>
+                </a:tc>
+                <a:tc>
+                  <a:txBody>
+                    <a:bodyPr/>
+                    <a:lstStyle/>
+                    <a:p>
+                      <a:pPr latinLnBrk="1"/>
+                      <a:r>
+                        <a:rPr lang="en-US" altLang="ko-KR" sz="1400" dirty="0" smtClean="0"/>
+                        <a:t>Whether a slave sent </a:t>
+                      </a:r>
+                      <a:r>
+                        <a:rPr lang="en-US" altLang="ko-KR" sz="1400" dirty="0" err="1" smtClean="0"/>
+                        <a:t>FinishSortMessage</a:t>
+                      </a:r>
+                      <a:endParaRPr lang="ko-KR" altLang="en-US" sz="1400" dirty="0"/>
+                    </a:p>
+                  </a:txBody>
+                  <a:tcPr/>
+                </a:tc>
+                <a:extLst>
+                  <a:ext uri="{0D108BD9-81ED-4DB2-BD59-A6C34878D82A}">
+                    <a16:rowId xmlns:a16="http://schemas.microsoft.com/office/drawing/2014/main" val="3744254881"/>
+                  </a:ext>
+                </a:extLst>
+              </a:tr>
+              <a:tr h="434190">
+                <a:tc>
+                  <a:txBody>
+                    <a:bodyPr/>
+                    <a:lstStyle/>
+                    <a:p>
+                      <a:pPr latinLnBrk="1"/>
+                      <a:r>
+                        <a:rPr lang="en-US" altLang="ko-KR" sz="1400" dirty="0" err="1" smtClean="0"/>
+                        <a:t>sortedComplete</a:t>
+                      </a:r>
+                      <a:endParaRPr lang="ko-KR" altLang="en-US" sz="1400" dirty="0"/>
+                    </a:p>
+                  </a:txBody>
+                  <a:tcPr/>
+                </a:tc>
+                <a:tc>
+                  <a:txBody>
+                    <a:bodyPr/>
+                    <a:lstStyle/>
+                    <a:p>
+                      <a:pPr latinLnBrk="1"/>
+                      <a:r>
+                        <a:rPr lang="en-US" altLang="ko-KR" sz="1400" dirty="0" smtClean="0"/>
+                        <a:t>Slave</a:t>
+                      </a:r>
+                      <a:endParaRPr lang="ko-KR" altLang="en-US" sz="1400" dirty="0"/>
+                    </a:p>
+                  </a:txBody>
+                  <a:tcPr/>
+                </a:tc>
+                <a:tc>
+                  <a:txBody>
+                    <a:bodyPr/>
+                    <a:lstStyle/>
+                    <a:p>
+                      <a:pPr latinLnBrk="1"/>
+                      <a:r>
+                        <a:rPr lang="en-US" altLang="ko-KR" sz="1400" dirty="0" smtClean="0"/>
+                        <a:t>Whether data</a:t>
+                      </a:r>
+                      <a:r>
+                        <a:rPr lang="en-US" altLang="ko-KR" sz="1400" baseline="0" dirty="0" smtClean="0"/>
+                        <a:t> after shuffling is sorted in a disk of slave</a:t>
+                      </a:r>
+                      <a:endParaRPr lang="ko-KR" altLang="en-US" sz="1400" dirty="0"/>
+                    </a:p>
+                  </a:txBody>
+                  <a:tcPr/>
+                </a:tc>
+                <a:extLst>
+                  <a:ext uri="{0D108BD9-81ED-4DB2-BD59-A6C34878D82A}">
+                    <a16:rowId xmlns:a16="http://schemas.microsoft.com/office/drawing/2014/main" val="1208207346"/>
+                  </a:ext>
+                </a:extLst>
+              </a:tr>
+              <a:tr h="434190">
+                <a:tc>
+                  <a:txBody>
+                    <a:bodyPr/>
+                    <a:lstStyle/>
+                    <a:p>
+                      <a:pPr latinLnBrk="1"/>
+                      <a:r>
+                        <a:rPr lang="en-US" altLang="ko-KR" sz="1400" dirty="0" err="1" smtClean="0"/>
+                        <a:t>slaveId</a:t>
+                      </a:r>
+                      <a:endParaRPr lang="ko-KR" altLang="en-US" sz="1400" dirty="0"/>
+                    </a:p>
+                  </a:txBody>
+                  <a:tcPr/>
+                </a:tc>
+                <a:tc>
+                  <a:txBody>
+                    <a:bodyPr/>
+                    <a:lstStyle/>
+                    <a:p>
+                      <a:pPr latinLnBrk="1"/>
+                      <a:r>
+                        <a:rPr lang="en-US" altLang="ko-KR" sz="1400" dirty="0" smtClean="0"/>
+                        <a:t>Slave</a:t>
+                      </a:r>
+                      <a:endParaRPr lang="ko-KR" altLang="en-US" sz="1400" dirty="0"/>
+                    </a:p>
+                  </a:txBody>
+                  <a:tcPr/>
+                </a:tc>
+                <a:tc>
+                  <a:txBody>
+                    <a:bodyPr/>
+                    <a:lstStyle/>
+                    <a:p>
+                      <a:pPr latinLnBrk="1"/>
+                      <a:r>
+                        <a:rPr lang="en-US" altLang="ko-KR" sz="1400" dirty="0" smtClean="0"/>
+                        <a:t>Slave’s ID</a:t>
+                      </a:r>
+                      <a:r>
+                        <a:rPr lang="en-US" altLang="ko-KR" sz="1400" baseline="0" dirty="0" smtClean="0"/>
+                        <a:t> needed to be included in all messages it send</a:t>
+                      </a:r>
+                      <a:endParaRPr lang="ko-KR" altLang="en-US" sz="1400" dirty="0"/>
+                    </a:p>
+                  </a:txBody>
+                  <a:tcPr/>
+                </a:tc>
+                <a:extLst>
+                  <a:ext uri="{0D108BD9-81ED-4DB2-BD59-A6C34878D82A}">
+                    <a16:rowId xmlns:a16="http://schemas.microsoft.com/office/drawing/2014/main" val="3731155028"/>
+                  </a:ext>
+                </a:extLst>
+              </a:tr>
+            </a:tbl>
+          </a:graphicData>
+        </a:graphic>
+      </p:graphicFrame>
     </p:spTree>
     <p:extLst>
       <p:ext uri="{BB962C8B-B14F-4D97-AF65-F5344CB8AC3E}">
-        <p14:creationId xmlns:p14="http://schemas.microsoft.com/office/powerpoint/2010/main" val="2061114743"/>
+        <p14:creationId xmlns:p14="http://schemas.microsoft.com/office/powerpoint/2010/main" val="4256705110"/>
       </p:ext>
     </p:extLst>
   </p:cSld>
@@ -3823,7 +5560,7 @@
           <a:p>
             <a:r>
               <a:rPr lang="en-US" altLang="ko-KR" dirty="0" smtClean="0"/>
-              <a:t>What I did</a:t>
+              <a:t>States</a:t>
             </a:r>
             <a:endParaRPr lang="ko-KR" altLang="en-US" dirty="0"/>
           </a:p>
@@ -3841,43 +5578,149 @@
         </p:nvSpPr>
         <p:spPr/>
         <p:txBody>
-          <a:bodyPr/>
+          <a:bodyPr>
+            <a:normAutofit fontScale="92500" lnSpcReduction="10000"/>
+          </a:bodyPr>
           <a:lstStyle/>
           <a:p>
-            <a:r>
-              <a:rPr lang="en-US" altLang="ko-KR" dirty="0" smtClean="0"/>
-              <a:t>Add logging system(log4j)</a:t>
-            </a:r>
-          </a:p>
-          <a:p>
-            <a:r>
-              <a:rPr lang="en-US" altLang="ko-KR" dirty="0" smtClean="0"/>
-              <a:t>Add test library(Junit)</a:t>
-            </a:r>
-          </a:p>
-          <a:p>
-            <a:r>
-              <a:rPr lang="en-US" altLang="ko-KR" dirty="0" smtClean="0"/>
-              <a:t>TCP establishment(using </a:t>
-            </a:r>
-            <a:r>
-              <a:rPr lang="en-US" altLang="ko-KR" dirty="0" err="1" smtClean="0"/>
-              <a:t>Akka</a:t>
-            </a:r>
-            <a:r>
-              <a:rPr lang="en-US" altLang="ko-KR" dirty="0" smtClean="0"/>
-              <a:t>) between salve and master</a:t>
-            </a:r>
-          </a:p>
-          <a:p>
-            <a:endParaRPr lang="ko-KR" altLang="en-US" dirty="0"/>
+            <a:pPr marL="0" indent="0">
+              <a:buNone/>
+            </a:pPr>
+            <a:r>
+              <a:rPr lang="en-US" altLang="ko-KR" sz="1800" dirty="0" smtClean="0"/>
+              <a:t>Master</a:t>
+            </a:r>
+          </a:p>
+          <a:p>
+            <a:pPr marL="514350" indent="-514350">
+              <a:buAutoNum type="arabicPeriod"/>
+            </a:pPr>
+            <a:r>
+              <a:rPr lang="en-US" altLang="ko-KR" sz="1800" dirty="0" err="1" smtClean="0"/>
+              <a:t>Init</a:t>
+            </a:r>
+            <a:endParaRPr lang="en-US" altLang="ko-KR" sz="1800" dirty="0" smtClean="0"/>
+          </a:p>
+          <a:p>
+            <a:pPr marL="514350" indent="-514350">
+              <a:buAutoNum type="arabicPeriod"/>
+            </a:pPr>
+            <a:r>
+              <a:rPr lang="en-US" altLang="ko-KR" sz="1800" dirty="0" smtClean="0"/>
+              <a:t>Sample</a:t>
+            </a:r>
+          </a:p>
+          <a:p>
+            <a:pPr marL="514350" indent="-514350">
+              <a:buAutoNum type="arabicPeriod"/>
+            </a:pPr>
+            <a:r>
+              <a:rPr lang="en-US" altLang="ko-KR" sz="1800" dirty="0" err="1" smtClean="0"/>
+              <a:t>Sortcheck</a:t>
+            </a:r>
+            <a:endParaRPr lang="en-US" altLang="ko-KR" sz="1800" dirty="0" smtClean="0"/>
+          </a:p>
+          <a:p>
+            <a:pPr marL="514350" indent="-514350">
+              <a:buAutoNum type="arabicPeriod"/>
+            </a:pPr>
+            <a:r>
+              <a:rPr lang="en-US" altLang="ko-KR" sz="1800" dirty="0" err="1" smtClean="0"/>
+              <a:t>ShuffleCheck</a:t>
+            </a:r>
+            <a:endParaRPr lang="en-US" altLang="ko-KR" sz="1800" dirty="0" smtClean="0"/>
+          </a:p>
+          <a:p>
+            <a:pPr marL="514350" indent="-514350">
+              <a:buAutoNum type="arabicPeriod"/>
+            </a:pPr>
+            <a:r>
+              <a:rPr lang="en-US" altLang="ko-KR" sz="1800" dirty="0" smtClean="0"/>
+              <a:t>Success</a:t>
+            </a:r>
+          </a:p>
+          <a:p>
+            <a:pPr marL="0" indent="0">
+              <a:buNone/>
+            </a:pPr>
+            <a:r>
+              <a:rPr lang="en-US" altLang="ko-KR" sz="1800" dirty="0" smtClean="0"/>
+              <a:t>Slave</a:t>
+            </a:r>
+          </a:p>
+          <a:p>
+            <a:pPr marL="514350" indent="-514350">
+              <a:buAutoNum type="arabicPeriod"/>
+            </a:pPr>
+            <a:r>
+              <a:rPr lang="en-US" altLang="ko-KR" sz="1800" dirty="0" err="1" smtClean="0"/>
+              <a:t>Init</a:t>
+            </a:r>
+            <a:endParaRPr lang="en-US" altLang="ko-KR" sz="1800" dirty="0" smtClean="0"/>
+          </a:p>
+          <a:p>
+            <a:pPr marL="514350" indent="-514350">
+              <a:buAutoNum type="arabicPeriod"/>
+            </a:pPr>
+            <a:r>
+              <a:rPr lang="en-US" altLang="ko-KR" sz="1800" dirty="0" smtClean="0"/>
+              <a:t>Sample</a:t>
+            </a:r>
+          </a:p>
+          <a:p>
+            <a:pPr marL="514350" indent="-514350">
+              <a:buAutoNum type="arabicPeriod"/>
+            </a:pPr>
+            <a:r>
+              <a:rPr lang="en-US" altLang="ko-KR" sz="1800" dirty="0" smtClean="0"/>
+              <a:t>Sort</a:t>
+            </a:r>
+          </a:p>
+          <a:p>
+            <a:pPr marL="514350" indent="-514350">
+              <a:buAutoNum type="arabicPeriod"/>
+            </a:pPr>
+            <a:r>
+              <a:rPr lang="en-US" altLang="ko-KR" sz="1800" dirty="0" smtClean="0"/>
+              <a:t>Shuffle</a:t>
+            </a:r>
+          </a:p>
+          <a:p>
+            <a:pPr marL="514350" indent="-514350">
+              <a:buAutoNum type="arabicPeriod"/>
+            </a:pPr>
+            <a:r>
+              <a:rPr lang="en-US" altLang="ko-KR" sz="1800" dirty="0" smtClean="0"/>
+              <a:t>Success</a:t>
+            </a:r>
+          </a:p>
+          <a:p>
+            <a:pPr marL="514350" indent="-514350">
+              <a:buAutoNum type="arabicPeriod"/>
+            </a:pPr>
+            <a:r>
+              <a:rPr lang="en-US" altLang="ko-KR" sz="1800" dirty="0" smtClean="0"/>
+              <a:t>Fail</a:t>
+            </a:r>
+          </a:p>
+          <a:p>
+            <a:pPr marL="514350" indent="-514350">
+              <a:buAutoNum type="arabicPeriod"/>
+            </a:pPr>
+            <a:endParaRPr lang="en-US" altLang="ko-KR" sz="1800" dirty="0" smtClean="0"/>
+          </a:p>
+          <a:p>
+            <a:pPr marL="514350" indent="-514350">
+              <a:buAutoNum type="arabicPeriod"/>
+            </a:pPr>
+            <a:endParaRPr lang="ko-KR" altLang="en-US" sz="1800" dirty="0"/>
           </a:p>
         </p:txBody>
       </p:sp>
     </p:spTree>
     <p:extLst>
       <p:ext uri="{BB962C8B-B14F-4D97-AF65-F5344CB8AC3E}">
-        <p14:creationId xmlns:p14="http://schemas.microsoft.com/office/powerpoint/2010/main" val="4205502534"/>
+        <p14:creationId xmlns:p14="http://schemas.microsoft.com/office/powerpoint/2010/main" val="1361949374"/>
       </p:ext>
     </p:extLst>
   </p:cSld>
@@ -3921,7 +5764,7 @@
           <a:p>
             <a:r>
               <a:rPr lang="en-US" altLang="ko-KR" dirty="0" smtClean="0"/>
-              <a:t>TODO</a:t>
+              <a:t>State transition rules (Master)</a:t>
             </a:r>
             <a:endParaRPr lang="ko-KR" altLang="en-US" dirty="0"/>
           </a:p>
@@ -3942,36 +5785,280 @@
           <a:bodyPr/>
           <a:lstStyle/>
           <a:p>
+            <a:pPr marL="0" indent="0">
+              <a:buNone/>
+            </a:pPr>
+            <a:r>
+              <a:rPr lang="en-US" altLang="ko-KR" dirty="0" err="1" smtClean="0"/>
+              <a:t>Init</a:t>
+            </a:r>
             <a:r>
               <a:rPr lang="en-US" altLang="ko-KR" dirty="0" smtClean="0"/>
-              <a:t>Milestone2</a:t>
-            </a:r>
-          </a:p>
-          <a:p>
-            <a:pPr lvl="1"/>
+              <a:t> -&gt; Sample</a:t>
+            </a:r>
+          </a:p>
+          <a:p>
+            <a:pPr marL="0" indent="0">
+              <a:buNone/>
+            </a:pPr>
+            <a:r>
+              <a:rPr lang="en-US" altLang="ko-KR" dirty="0" err="1">
+                <a:solidFill>
+                  <a:schemeClr val="bg2">
+                    <a:lumMod val="90000"/>
+                  </a:schemeClr>
+                </a:solidFill>
+              </a:rPr>
+              <a:t>c</a:t>
+            </a:r>
+            <a:r>
+              <a:rPr lang="en-US" altLang="ko-KR" dirty="0" err="1" smtClean="0">
+                <a:solidFill>
+                  <a:schemeClr val="bg2">
+                    <a:lumMod val="90000"/>
+                  </a:schemeClr>
+                </a:solidFill>
+              </a:rPr>
+              <a:t>onnectionCount</a:t>
+            </a:r>
+            <a:r>
+              <a:rPr lang="en-US" altLang="ko-KR" dirty="0" smtClean="0">
+                <a:solidFill>
+                  <a:schemeClr val="bg2">
+                    <a:lumMod val="90000"/>
+                  </a:schemeClr>
+                </a:solidFill>
+              </a:rPr>
+              <a:t> == n</a:t>
+            </a:r>
+          </a:p>
+          <a:p>
+            <a:pPr marL="0" indent="0">
+              <a:buNone/>
+            </a:pPr>
             <a:r>
               <a:rPr lang="en-US" altLang="ko-KR" dirty="0" smtClean="0"/>
-              <a:t>Pre-phase, sorting</a:t>
-            </a:r>
-          </a:p>
-          <a:p>
-            <a:pPr lvl="1"/>
+              <a:t>Sample -&gt; </a:t>
+            </a:r>
+            <a:r>
+              <a:rPr lang="en-US" altLang="ko-KR" dirty="0" err="1" smtClean="0"/>
+              <a:t>SortCheck</a:t>
+            </a:r>
+            <a:endParaRPr lang="en-US" altLang="ko-KR" dirty="0" smtClean="0"/>
+          </a:p>
+          <a:p>
+            <a:pPr marL="0" indent="0">
+              <a:buNone/>
+            </a:pPr>
+            <a:r>
+              <a:rPr lang="en-US" altLang="ko-KR" dirty="0" err="1">
+                <a:solidFill>
+                  <a:schemeClr val="bg2">
+                    <a:lumMod val="90000"/>
+                  </a:schemeClr>
+                </a:solidFill>
+              </a:rPr>
+              <a:t>m</a:t>
+            </a:r>
+            <a:r>
+              <a:rPr lang="en-US" altLang="ko-KR" dirty="0" err="1" smtClean="0">
+                <a:solidFill>
+                  <a:schemeClr val="bg2">
+                    <a:lumMod val="90000"/>
+                  </a:schemeClr>
+                </a:solidFill>
+              </a:rPr>
+              <a:t>etainfoCount</a:t>
+            </a:r>
+            <a:r>
+              <a:rPr lang="en-US" altLang="ko-KR" dirty="0" smtClean="0">
+                <a:solidFill>
+                  <a:schemeClr val="bg2">
+                    <a:lumMod val="90000"/>
+                  </a:schemeClr>
+                </a:solidFill>
+              </a:rPr>
+              <a:t> == n</a:t>
+            </a:r>
+          </a:p>
+          <a:p>
+            <a:pPr marL="0" indent="0">
+              <a:buNone/>
+            </a:pPr>
+            <a:r>
+              <a:rPr lang="en-US" altLang="ko-KR" dirty="0" err="1" smtClean="0"/>
+              <a:t>SortCheck</a:t>
+            </a:r>
             <a:r>
               <a:rPr lang="en-US" altLang="ko-KR" dirty="0" smtClean="0"/>
-              <a:t>Complete doc</a:t>
-            </a:r>
-          </a:p>
-          <a:p>
+              <a:t> -&gt; </a:t>
+            </a:r>
+            <a:r>
+              <a:rPr lang="en-US" altLang="ko-KR" dirty="0" err="1" smtClean="0"/>
+              <a:t>ShuffleCheck</a:t>
+            </a:r>
+            <a:endParaRPr lang="en-US" altLang="ko-KR" dirty="0" smtClean="0"/>
+          </a:p>
+          <a:p>
+            <a:pPr marL="0" indent="0">
+              <a:buNone/>
+            </a:pPr>
+            <a:r>
+              <a:rPr lang="en-US" altLang="ko-KR" dirty="0" err="1">
+                <a:solidFill>
+                  <a:schemeClr val="bg2">
+                    <a:lumMod val="90000"/>
+                  </a:schemeClr>
+                </a:solidFill>
+              </a:rPr>
+              <a:t>s</a:t>
+            </a:r>
+            <a:r>
+              <a:rPr lang="en-US" altLang="ko-KR" dirty="0" err="1" smtClean="0">
+                <a:solidFill>
+                  <a:schemeClr val="bg2">
+                    <a:lumMod val="90000"/>
+                  </a:schemeClr>
+                </a:solidFill>
+              </a:rPr>
+              <a:t>ortedCount</a:t>
+            </a:r>
+            <a:r>
+              <a:rPr lang="en-US" altLang="ko-KR" dirty="0" smtClean="0">
+                <a:solidFill>
+                  <a:schemeClr val="bg2">
+                    <a:lumMod val="90000"/>
+                  </a:schemeClr>
+                </a:solidFill>
+              </a:rPr>
+              <a:t> == n</a:t>
+            </a:r>
+          </a:p>
+          <a:p>
+            <a:pPr marL="0" indent="0">
+              <a:buNone/>
+            </a:pPr>
+            <a:r>
+              <a:rPr lang="en-US" altLang="ko-KR" dirty="0" err="1" smtClean="0"/>
+              <a:t>ShuffleCheck</a:t>
+            </a:r>
             <a:r>
               <a:rPr lang="en-US" altLang="ko-KR" dirty="0" smtClean="0"/>
-              <a:t>Milestone3</a:t>
-            </a:r>
-          </a:p>
-          <a:p>
-            <a:pPr lvl="1"/>
+              <a:t> -&gt; Success</a:t>
+            </a:r>
+          </a:p>
+          <a:p>
+            <a:pPr marL="0" indent="0">
+              <a:buNone/>
+            </a:pPr>
+            <a:r>
+              <a:rPr lang="en-US" altLang="ko-KR" dirty="0" err="1" smtClean="0">
+                <a:solidFill>
+                  <a:schemeClr val="bg2">
+                    <a:lumMod val="90000"/>
+                  </a:schemeClr>
+                </a:solidFill>
+              </a:rPr>
+              <a:t>SuccessCount</a:t>
+            </a:r>
+            <a:r>
+              <a:rPr lang="en-US" altLang="ko-KR" dirty="0" smtClean="0">
+                <a:solidFill>
+                  <a:schemeClr val="bg2">
+                    <a:lumMod val="90000"/>
+                  </a:schemeClr>
+                </a:solidFill>
+              </a:rPr>
+              <a:t> == n</a:t>
+            </a:r>
+          </a:p>
+          <a:p>
+            <a:pPr marL="0" indent="0">
+              <a:buNone/>
+            </a:pPr>
+            <a:endParaRPr lang="ko-KR" altLang="en-US" dirty="0"/>
+          </a:p>
+        </p:txBody>
+      </p:sp>
+      <p:sp>
+        <p:nvSpPr>
+          <p:cNvPr id="4" name="TextBox 3"/>
+          <p:cNvSpPr txBox="1"/>
+          <p:nvPr/>
+        </p:nvSpPr>
+        <p:spPr>
+          <a:xfrm>
+            <a:off x="899746" y="6311900"/>
+            <a:ext cx="3628292" cy="276999"/>
+          </a:xfrm>
+          <a:prstGeom prst="rect">
+            <a:avLst/>
+          </a:prstGeom>
+          <a:noFill/>
+        </p:spPr>
+        <p:txBody>
+          <a:bodyPr wrap="square" rtlCol="0">
+            <a:spAutoFit/>
+          </a:bodyPr>
+          <a:lstStyle/>
+          <a:p>
+            <a:r>
+              <a:rPr lang="en-US" altLang="ko-KR" sz="1200" dirty="0" smtClean="0">
+                <a:solidFill>
+                  <a:srgbClr val="FF0000"/>
+                </a:solidFill>
+              </a:rPr>
+              <a:t>“n” is the number of slave</a:t>
+            </a:r>
+            <a:endParaRPr lang="ko-KR" altLang="en-US" dirty="0">
+              <a:solidFill>
+                <a:srgbClr val="FF0000"/>
+              </a:solidFill>
+            </a:endParaRPr>
+          </a:p>
+        </p:txBody>
+      </p:sp>
+      <p:sp>
+        <p:nvSpPr>
+          <p:cNvPr id="5" name="TextBox 4"/>
+          <p:cNvSpPr txBox="1"/>
+          <p:nvPr/>
+        </p:nvSpPr>
+        <p:spPr>
+          <a:xfrm>
+            <a:off x="8519745" y="2031023"/>
+            <a:ext cx="2453054" cy="646331"/>
+          </a:xfrm>
+          <a:prstGeom prst="rect">
+            <a:avLst/>
+          </a:prstGeom>
+          <a:noFill/>
+        </p:spPr>
+        <p:txBody>
+          <a:bodyPr wrap="square" rtlCol="0">
+            <a:spAutoFit/>
+          </a:bodyPr>
+          <a:lstStyle/>
+          <a:p>
             <a:r>
               <a:rPr lang="en-US" altLang="ko-KR" dirty="0" smtClean="0"/>
-              <a:t>Post-phase</a:t>
+              <a:t>- State transition</a:t>
+            </a:r>
+          </a:p>
+          <a:p>
+            <a:r>
+              <a:rPr lang="en-US" altLang="ko-KR" dirty="0" smtClean="0">
+                <a:solidFill>
+                  <a:schemeClr val="bg2">
+                    <a:lumMod val="90000"/>
+                  </a:schemeClr>
+                </a:solidFill>
+              </a:rPr>
+              <a:t>- </a:t>
+            </a:r>
+            <a:r>
+              <a:rPr lang="en-US" altLang="ko-KR" dirty="0" smtClean="0"/>
+              <a:t>Condition</a:t>
             </a:r>
             <a:endParaRPr lang="ko-KR" altLang="en-US" dirty="0"/>
           </a:p>
@@ -3980,7 +6067,7 @@
     </p:spTree>
     <p:extLst>
       <p:ext uri="{BB962C8B-B14F-4D97-AF65-F5344CB8AC3E}">
-        <p14:creationId xmlns:p14="http://schemas.microsoft.com/office/powerpoint/2010/main" val="3896577078"/>
+        <p14:creationId xmlns:p14="http://schemas.microsoft.com/office/powerpoint/2010/main" val="227053636"/>
       </p:ext>
     </p:extLst>
   </p:cSld>
@@ -4024,9 +6111,21 @@
           <a:p>
             <a:r>
               <a:rPr lang="en-US" altLang="ko-KR" dirty="0" smtClean="0"/>
-              <a:t>Goal</a:t>
-            </a:r>
-            <a:endParaRPr lang="ko-KR" altLang="en-US" dirty="0"/>
+              <a:t>Goal						   </a:t>
+            </a:r>
+            <a:r>
+              <a:rPr lang="en-US" altLang="ko-KR" dirty="0" smtClean="0">
+                <a:solidFill>
+                  <a:srgbClr val="FF0000"/>
+                </a:solidFill>
+              </a:rPr>
+              <a:t>Assumptions</a:t>
+            </a:r>
+            <a:endParaRPr lang="ko-KR" altLang="en-US" dirty="0">
+              <a:solidFill>
+                <a:srgbClr val="FF0000"/>
+              </a:solidFill>
+            </a:endParaRPr>
           </a:p>
         </p:txBody>
       </p:sp>
@@ -4271,7 +6370,7 @@
         </p:nvSpPr>
         <p:spPr>
           <a:xfrm>
-            <a:off x="6626470" y="2107070"/>
+            <a:off x="7338646" y="2242007"/>
             <a:ext cx="4428392" cy="346075"/>
           </a:xfrm>
           <a:prstGeom prst="rect">
@@ -4477,7 +6576,7 @@
         </p:nvSpPr>
         <p:spPr>
           <a:xfrm>
-            <a:off x="6626470" y="2423991"/>
+            <a:off x="7338646" y="2558928"/>
             <a:ext cx="4428392" cy="346075"/>
           </a:xfrm>
           <a:prstGeom prst="rect">
@@ -4881,7 +6980,7 @@
         </p:nvSpPr>
         <p:spPr>
           <a:xfrm>
-            <a:off x="6759819" y="3891477"/>
+            <a:off x="7471995" y="4026414"/>
             <a:ext cx="4428392" cy="346075"/>
           </a:xfrm>
           <a:prstGeom prst="rect">
@@ -5160,6 +7259,2439 @@
 </p:sld>
 </file>
 
+<file path=ppt/slides/slide20.xml><?xml version="1.0" encoding="utf-8"?>
+<p:sld xmlns:a="http://schemas.openxmlformats.org/drawingml/2006/main" xmlns:r="http://schemas.openxmlformats.org/officeDocument/2006/relationships" xmlns:p="http://schemas.openxmlformats.org/presentationml/2006/main">
+  <p:cSld>
+    <p:spTree>
+      <p:nvGrpSpPr>
+        <p:cNvPr id="1" name=""/>
+        <p:cNvGrpSpPr/>
+        <p:nvPr/>
+      </p:nvGrpSpPr>
+      <p:grpSpPr>
+        <a:xfrm>
+          <a:off x="0" y="0"/>
+          <a:ext cx="0" cy="0"/>
+          <a:chOff x="0" y="0"/>
+          <a:chExt cx="0" cy="0"/>
+        </a:xfrm>
+      </p:grpSpPr>
+      <p:sp>
+        <p:nvSpPr>
+          <p:cNvPr id="2" name="제목 1"/>
+          <p:cNvSpPr>
+            <a:spLocks noGrp="1"/>
+          </p:cNvSpPr>
+          <p:nvPr>
+            <p:ph type="title"/>
+          </p:nvPr>
+        </p:nvSpPr>
+        <p:spPr/>
+        <p:txBody>
+          <a:bodyPr/>
+          <a:lstStyle/>
+          <a:p>
+            <a:r>
+              <a:rPr lang="en-US" altLang="ko-KR" dirty="0" smtClean="0"/>
+              <a:t>State transition rules (Slave)</a:t>
+            </a:r>
+            <a:endParaRPr lang="ko-KR" altLang="en-US" dirty="0"/>
+          </a:p>
+        </p:txBody>
+      </p:sp>
+      <p:sp>
+        <p:nvSpPr>
+          <p:cNvPr id="3" name="내용 개체 틀 2"/>
+          <p:cNvSpPr>
+            <a:spLocks noGrp="1"/>
+          </p:cNvSpPr>
+          <p:nvPr>
+            <p:ph idx="1"/>
+          </p:nvPr>
+        </p:nvSpPr>
+        <p:spPr/>
+        <p:txBody>
+          <a:bodyPr>
+            <a:normAutofit fontScale="47500" lnSpcReduction="20000"/>
+          </a:bodyPr>
+          <a:lstStyle/>
+          <a:p>
+            <a:pPr marL="0" indent="0">
+              <a:buNone/>
+            </a:pPr>
+            <a:r>
+              <a:rPr lang="en-US" altLang="ko-KR" dirty="0" err="1" smtClean="0"/>
+              <a:t>Init</a:t>
+            </a:r>
+            <a:r>
+              <a:rPr lang="en-US" altLang="ko-KR" dirty="0" smtClean="0"/>
+              <a:t> -&gt; Sample</a:t>
+            </a:r>
+          </a:p>
+          <a:p>
+            <a:pPr marL="0" indent="0">
+              <a:buNone/>
+            </a:pPr>
+            <a:r>
+              <a:rPr lang="en-US" altLang="ko-KR" dirty="0" smtClean="0">
+                <a:solidFill>
+                  <a:schemeClr val="bg2">
+                    <a:lumMod val="90000"/>
+                  </a:schemeClr>
+                </a:solidFill>
+              </a:rPr>
+              <a:t>Received(</a:t>
+            </a:r>
+            <a:r>
+              <a:rPr lang="en-US" altLang="ko-KR" dirty="0" err="1" smtClean="0">
+                <a:solidFill>
+                  <a:schemeClr val="bg2">
+                    <a:lumMod val="90000"/>
+                  </a:schemeClr>
+                </a:solidFill>
+              </a:rPr>
+              <a:t>StartSampleMessage</a:t>
+            </a:r>
+            <a:r>
+              <a:rPr lang="en-US" altLang="ko-KR" dirty="0" smtClean="0">
+                <a:solidFill>
+                  <a:schemeClr val="bg2">
+                    <a:lumMod val="90000"/>
+                  </a:schemeClr>
+                </a:solidFill>
+              </a:rPr>
+              <a:t>) == True</a:t>
+            </a:r>
+          </a:p>
+          <a:p>
+            <a:pPr marL="0" indent="0">
+              <a:buNone/>
+            </a:pPr>
+            <a:r>
+              <a:rPr lang="en-US" altLang="ko-KR" dirty="0" err="1" smtClean="0"/>
+              <a:t>Init</a:t>
+            </a:r>
+            <a:r>
+              <a:rPr lang="en-US" altLang="ko-KR" dirty="0" smtClean="0"/>
+              <a:t> -&gt; Fail</a:t>
+            </a:r>
+          </a:p>
+          <a:p>
+            <a:pPr marL="0" indent="0">
+              <a:buNone/>
+            </a:pPr>
+            <a:r>
+              <a:rPr lang="en-US" altLang="ko-KR" dirty="0" smtClean="0">
+                <a:solidFill>
+                  <a:schemeClr val="bg2">
+                    <a:lumMod val="90000"/>
+                  </a:schemeClr>
+                </a:solidFill>
+              </a:rPr>
+              <a:t>Connection fail to Master</a:t>
+            </a:r>
+          </a:p>
+          <a:p>
+            <a:pPr marL="0" indent="0">
+              <a:buNone/>
+            </a:pPr>
+            <a:r>
+              <a:rPr lang="en-US" altLang="ko-KR" dirty="0" smtClean="0"/>
+              <a:t>Sample -&gt; Sort</a:t>
+            </a:r>
+          </a:p>
+          <a:p>
+            <a:pPr marL="0" indent="0">
+              <a:buNone/>
+            </a:pPr>
+            <a:r>
+              <a:rPr lang="en-US" altLang="ko-KR" dirty="0" smtClean="0">
+                <a:solidFill>
+                  <a:schemeClr val="bg2">
+                    <a:lumMod val="90000"/>
+                  </a:schemeClr>
+                </a:solidFill>
+              </a:rPr>
+              <a:t>Received(</a:t>
+            </a:r>
+            <a:r>
+              <a:rPr lang="en-US" altLang="ko-KR" dirty="0" err="1" smtClean="0">
+                <a:solidFill>
+                  <a:schemeClr val="bg2">
+                    <a:lumMod val="90000"/>
+                  </a:schemeClr>
+                </a:solidFill>
+              </a:rPr>
+              <a:t>MetainfoTableMessage</a:t>
+            </a:r>
+            <a:r>
+              <a:rPr lang="en-US" altLang="ko-KR" dirty="0" smtClean="0">
+                <a:solidFill>
+                  <a:schemeClr val="bg2">
+                    <a:lumMod val="90000"/>
+                  </a:schemeClr>
+                </a:solidFill>
+              </a:rPr>
+              <a:t>) == True, </a:t>
+            </a:r>
+            <a:r>
+              <a:rPr lang="en-US" altLang="ko-KR" dirty="0" err="1" smtClean="0">
+                <a:solidFill>
+                  <a:schemeClr val="bg2">
+                    <a:lumMod val="90000"/>
+                  </a:schemeClr>
+                </a:solidFill>
+              </a:rPr>
+              <a:t>metainfoMessageSent</a:t>
+            </a:r>
+            <a:r>
+              <a:rPr lang="en-US" altLang="ko-KR" dirty="0" smtClean="0">
+                <a:solidFill>
+                  <a:schemeClr val="bg2">
+                    <a:lumMod val="90000"/>
+                  </a:schemeClr>
+                </a:solidFill>
+              </a:rPr>
+              <a:t> </a:t>
+            </a:r>
+            <a:r>
+              <a:rPr lang="en-US" altLang="ko-KR" dirty="0">
+                <a:solidFill>
+                  <a:schemeClr val="bg2">
+                    <a:lumMod val="90000"/>
+                  </a:schemeClr>
+                </a:solidFill>
+              </a:rPr>
+              <a:t>== </a:t>
+            </a:r>
+            <a:r>
+              <a:rPr lang="en-US" altLang="ko-KR" dirty="0" smtClean="0">
+                <a:solidFill>
+                  <a:schemeClr val="bg2">
+                    <a:lumMod val="90000"/>
+                  </a:schemeClr>
+                </a:solidFill>
+              </a:rPr>
+              <a:t>True</a:t>
+            </a:r>
+          </a:p>
+          <a:p>
+            <a:pPr marL="0" indent="0">
+              <a:buNone/>
+            </a:pPr>
+            <a:r>
+              <a:rPr lang="en-US" altLang="ko-KR" dirty="0" smtClean="0"/>
+              <a:t>Sample -&gt; Fail</a:t>
+            </a:r>
+          </a:p>
+          <a:p>
+            <a:pPr marL="0" indent="0">
+              <a:buNone/>
+            </a:pPr>
+            <a:r>
+              <a:rPr lang="en-US" altLang="ko-KR" dirty="0" smtClean="0">
+                <a:solidFill>
+                  <a:schemeClr val="bg2">
+                    <a:lumMod val="90000"/>
+                  </a:schemeClr>
+                </a:solidFill>
+              </a:rPr>
+              <a:t>Fail to get </a:t>
+            </a:r>
+            <a:r>
+              <a:rPr lang="en-US" altLang="ko-KR" dirty="0" err="1" smtClean="0">
+                <a:solidFill>
+                  <a:schemeClr val="bg2">
+                    <a:lumMod val="90000"/>
+                  </a:schemeClr>
+                </a:solidFill>
+              </a:rPr>
+              <a:t>MetainfoTableMessage</a:t>
+            </a:r>
+            <a:r>
+              <a:rPr lang="en-US" altLang="ko-KR" dirty="0" smtClean="0">
+                <a:solidFill>
+                  <a:schemeClr val="bg2">
+                    <a:lumMod val="90000"/>
+                  </a:schemeClr>
+                </a:solidFill>
+              </a:rPr>
+              <a:t> within a time, </a:t>
+            </a:r>
+            <a:r>
+              <a:rPr lang="en-US" altLang="ko-KR" dirty="0">
+                <a:solidFill>
+                  <a:schemeClr val="bg2">
+                    <a:lumMod val="90000"/>
+                  </a:schemeClr>
+                </a:solidFill>
+              </a:rPr>
+              <a:t>Received(</a:t>
+            </a:r>
+            <a:r>
+              <a:rPr lang="en-US" altLang="ko-KR" dirty="0" err="1">
+                <a:solidFill>
+                  <a:schemeClr val="bg2">
+                    <a:lumMod val="90000"/>
+                  </a:schemeClr>
+                </a:solidFill>
+              </a:rPr>
+              <a:t>MetainfoTableMessage</a:t>
+            </a:r>
+            <a:r>
+              <a:rPr lang="en-US" altLang="ko-KR" dirty="0">
+                <a:solidFill>
+                  <a:schemeClr val="bg2">
+                    <a:lumMod val="90000"/>
+                  </a:schemeClr>
+                </a:solidFill>
+              </a:rPr>
+              <a:t>) == </a:t>
+            </a:r>
+            <a:r>
+              <a:rPr lang="en-US" altLang="ko-KR" dirty="0" smtClean="0">
+                <a:solidFill>
+                  <a:schemeClr val="bg2">
+                    <a:lumMod val="90000"/>
+                  </a:schemeClr>
+                </a:solidFill>
+              </a:rPr>
+              <a:t>True, </a:t>
+            </a:r>
+            <a:r>
+              <a:rPr lang="en-US" altLang="ko-KR" dirty="0" err="1">
+                <a:solidFill>
+                  <a:schemeClr val="bg2">
+                    <a:lumMod val="90000"/>
+                  </a:schemeClr>
+                </a:solidFill>
+              </a:rPr>
+              <a:t>metainfo</a:t>
+            </a:r>
+            <a:r>
+              <a:rPr lang="en-US" altLang="ko-KR" dirty="0" err="1" smtClean="0">
+                <a:solidFill>
+                  <a:schemeClr val="bg2">
+                    <a:lumMod val="90000"/>
+                  </a:schemeClr>
+                </a:solidFill>
+              </a:rPr>
+              <a:t>MessageSent</a:t>
+            </a:r>
+            <a:r>
+              <a:rPr lang="en-US" altLang="ko-KR" dirty="0" smtClean="0">
+                <a:solidFill>
+                  <a:schemeClr val="bg2">
+                    <a:lumMod val="90000"/>
+                  </a:schemeClr>
+                </a:solidFill>
+              </a:rPr>
+              <a:t> == False</a:t>
+            </a:r>
+          </a:p>
+          <a:p>
+            <a:pPr marL="0" indent="0">
+              <a:buNone/>
+            </a:pPr>
+            <a:r>
+              <a:rPr lang="en-US" altLang="ko-KR" dirty="0" smtClean="0"/>
+              <a:t>Sort -&gt; Shuffle</a:t>
+            </a:r>
+          </a:p>
+          <a:p>
+            <a:pPr marL="0" indent="0">
+              <a:buNone/>
+            </a:pPr>
+            <a:r>
+              <a:rPr lang="en-US" altLang="ko-KR" dirty="0" smtClean="0">
+                <a:solidFill>
+                  <a:schemeClr val="bg2">
+                    <a:lumMod val="90000"/>
+                  </a:schemeClr>
+                </a:solidFill>
+              </a:rPr>
+              <a:t>Received(</a:t>
+            </a:r>
+            <a:r>
+              <a:rPr lang="en-US" altLang="ko-KR" dirty="0" err="1" smtClean="0">
+                <a:solidFill>
+                  <a:schemeClr val="bg2">
+                    <a:lumMod val="90000"/>
+                  </a:schemeClr>
+                </a:solidFill>
+              </a:rPr>
+              <a:t>StartShuffleMessage</a:t>
+            </a:r>
+            <a:r>
+              <a:rPr lang="en-US" altLang="ko-KR" dirty="0" smtClean="0">
+                <a:solidFill>
+                  <a:schemeClr val="bg2">
+                    <a:lumMod val="90000"/>
+                  </a:schemeClr>
+                </a:solidFill>
+              </a:rPr>
+              <a:t>) == True, </a:t>
+            </a:r>
+            <a:r>
+              <a:rPr lang="en-US" altLang="ko-KR" dirty="0" err="1" smtClean="0">
+                <a:solidFill>
+                  <a:schemeClr val="bg2">
+                    <a:lumMod val="90000"/>
+                  </a:schemeClr>
+                </a:solidFill>
+              </a:rPr>
+              <a:t>finishSortMessageSent</a:t>
+            </a:r>
+            <a:r>
+              <a:rPr lang="en-US" altLang="ko-KR" dirty="0" smtClean="0">
+                <a:solidFill>
+                  <a:schemeClr val="bg2">
+                    <a:lumMod val="90000"/>
+                  </a:schemeClr>
+                </a:solidFill>
+              </a:rPr>
+              <a:t> == True</a:t>
+            </a:r>
+          </a:p>
+          <a:p>
+            <a:pPr marL="0" indent="0">
+              <a:buNone/>
+            </a:pPr>
+            <a:r>
+              <a:rPr lang="en-US" altLang="ko-KR" dirty="0" smtClean="0"/>
+              <a:t>Sort -&gt; Fail</a:t>
+            </a:r>
+          </a:p>
+          <a:p>
+            <a:pPr marL="0" indent="0">
+              <a:buNone/>
+            </a:pPr>
+            <a:r>
+              <a:rPr lang="en-US" altLang="ko-KR" dirty="0">
+                <a:solidFill>
+                  <a:schemeClr val="bg2">
+                    <a:lumMod val="90000"/>
+                  </a:schemeClr>
+                </a:solidFill>
+              </a:rPr>
+              <a:t>Received(</a:t>
+            </a:r>
+            <a:r>
+              <a:rPr lang="en-US" altLang="ko-KR" dirty="0" err="1">
+                <a:solidFill>
+                  <a:schemeClr val="bg2">
+                    <a:lumMod val="90000"/>
+                  </a:schemeClr>
+                </a:solidFill>
+              </a:rPr>
+              <a:t>StartShuffleMessage</a:t>
+            </a:r>
+            <a:r>
+              <a:rPr lang="en-US" altLang="ko-KR" dirty="0">
+                <a:solidFill>
+                  <a:schemeClr val="bg2">
+                    <a:lumMod val="90000"/>
+                  </a:schemeClr>
+                </a:solidFill>
+              </a:rPr>
+              <a:t>) == </a:t>
+            </a:r>
+            <a:r>
+              <a:rPr lang="en-US" altLang="ko-KR" dirty="0" smtClean="0">
+                <a:solidFill>
+                  <a:schemeClr val="bg2">
+                    <a:lumMod val="90000"/>
+                  </a:schemeClr>
+                </a:solidFill>
+              </a:rPr>
+              <a:t>True, </a:t>
+            </a:r>
+            <a:r>
+              <a:rPr lang="en-US" altLang="ko-KR" dirty="0" err="1">
+                <a:solidFill>
+                  <a:schemeClr val="bg2">
+                    <a:lumMod val="90000"/>
+                  </a:schemeClr>
+                </a:solidFill>
+              </a:rPr>
+              <a:t>finishSortMessageSent</a:t>
+            </a:r>
+            <a:r>
+              <a:rPr lang="en-US" altLang="ko-KR" dirty="0">
+                <a:solidFill>
+                  <a:schemeClr val="bg2">
+                    <a:lumMod val="90000"/>
+                  </a:schemeClr>
+                </a:solidFill>
+              </a:rPr>
+              <a:t> == </a:t>
+            </a:r>
+            <a:r>
+              <a:rPr lang="en-US" altLang="ko-KR" dirty="0" smtClean="0">
+                <a:solidFill>
+                  <a:schemeClr val="bg2">
+                    <a:lumMod val="90000"/>
+                  </a:schemeClr>
+                </a:solidFill>
+              </a:rPr>
+              <a:t>False</a:t>
+            </a:r>
+          </a:p>
+          <a:p>
+            <a:pPr marL="0" indent="0">
+              <a:buNone/>
+            </a:pPr>
+            <a:r>
+              <a:rPr lang="en-US" altLang="ko-KR" dirty="0" smtClean="0"/>
+              <a:t>Shuffle -&gt; Success</a:t>
+            </a:r>
+          </a:p>
+          <a:p>
+            <a:pPr marL="0" indent="0">
+              <a:buNone/>
+            </a:pPr>
+            <a:r>
+              <a:rPr lang="en-US" altLang="ko-KR" dirty="0" err="1" smtClean="0">
+                <a:solidFill>
+                  <a:schemeClr val="bg2">
+                    <a:lumMod val="90000"/>
+                  </a:schemeClr>
+                </a:solidFill>
+              </a:rPr>
+              <a:t>fileTransferFinishCount</a:t>
+            </a:r>
+            <a:r>
+              <a:rPr lang="en-US" altLang="ko-KR" dirty="0" smtClean="0">
+                <a:solidFill>
+                  <a:schemeClr val="bg2">
+                    <a:lumMod val="90000"/>
+                  </a:schemeClr>
+                </a:solidFill>
+              </a:rPr>
+              <a:t> == n, size(</a:t>
+            </a:r>
+            <a:r>
+              <a:rPr lang="en-US" altLang="ko-KR" dirty="0" err="1" smtClean="0">
+                <a:solidFill>
+                  <a:schemeClr val="bg2">
+                    <a:lumMod val="90000"/>
+                  </a:schemeClr>
+                </a:solidFill>
+              </a:rPr>
+              <a:t>fiileTransferQueue</a:t>
+            </a:r>
+            <a:r>
+              <a:rPr lang="en-US" altLang="ko-KR" dirty="0" smtClean="0">
+                <a:solidFill>
+                  <a:schemeClr val="bg2">
+                    <a:lumMod val="90000"/>
+                  </a:schemeClr>
+                </a:solidFill>
+              </a:rPr>
+              <a:t>) == 0, </a:t>
+            </a:r>
+            <a:r>
+              <a:rPr lang="en-US" altLang="ko-KR" dirty="0" err="1" smtClean="0">
+                <a:solidFill>
+                  <a:schemeClr val="bg2">
+                    <a:lumMod val="90000"/>
+                  </a:schemeClr>
+                </a:solidFill>
+              </a:rPr>
+              <a:t>sortedComplete</a:t>
+            </a:r>
+            <a:r>
+              <a:rPr lang="en-US" altLang="ko-KR" dirty="0" smtClean="0">
+                <a:solidFill>
+                  <a:schemeClr val="bg2">
+                    <a:lumMod val="90000"/>
+                  </a:schemeClr>
+                </a:solidFill>
+              </a:rPr>
+              <a:t> == True</a:t>
+            </a:r>
+          </a:p>
+          <a:p>
+            <a:pPr marL="0" indent="0">
+              <a:buNone/>
+            </a:pPr>
+            <a:r>
+              <a:rPr lang="en-US" altLang="ko-KR" dirty="0" smtClean="0"/>
+              <a:t>Shuffle -&gt; Fail</a:t>
+            </a:r>
+          </a:p>
+          <a:p>
+            <a:pPr marL="0" indent="0">
+              <a:buNone/>
+            </a:pPr>
+            <a:r>
+              <a:rPr lang="en-US" altLang="ko-KR" dirty="0" smtClean="0">
+                <a:solidFill>
+                  <a:schemeClr val="bg2">
+                    <a:lumMod val="90000"/>
+                  </a:schemeClr>
+                </a:solidFill>
+              </a:rPr>
+              <a:t>Received out of bound data</a:t>
+            </a:r>
+          </a:p>
+          <a:p>
+            <a:pPr marL="0" indent="0">
+              <a:buNone/>
+            </a:pPr>
+            <a:endParaRPr lang="en-US" altLang="ko-KR" dirty="0" smtClean="0"/>
+          </a:p>
+          <a:p>
+            <a:pPr marL="0" indent="0">
+              <a:buNone/>
+            </a:pPr>
+            <a:endParaRPr lang="ko-KR" altLang="en-US" dirty="0"/>
+          </a:p>
+        </p:txBody>
+      </p:sp>
+    </p:spTree>
+    <p:extLst>
+      <p:ext uri="{BB962C8B-B14F-4D97-AF65-F5344CB8AC3E}">
+        <p14:creationId xmlns:p14="http://schemas.microsoft.com/office/powerpoint/2010/main" val="2549960440"/>
+      </p:ext>
+    </p:extLst>
+  </p:cSld>
+  <p:clrMapOvr>
+    <a:masterClrMapping/>
+  </p:clrMapOvr>
+</p:sld>
+</file>
+
+<file path=ppt/slides/slide21.xml><?xml version="1.0" encoding="utf-8"?>
+<p:sld xmlns:a="http://schemas.openxmlformats.org/drawingml/2006/main" xmlns:r="http://schemas.openxmlformats.org/officeDocument/2006/relationships" xmlns:p="http://schemas.openxmlformats.org/presentationml/2006/main">
+  <p:cSld>
+    <p:spTree>
+      <p:nvGrpSpPr>
+        <p:cNvPr id="1" name=""/>
+        <p:cNvGrpSpPr/>
+        <p:nvPr/>
+      </p:nvGrpSpPr>
+      <p:grpSpPr>
+        <a:xfrm>
+          <a:off x="0" y="0"/>
+          <a:ext cx="0" cy="0"/>
+          <a:chOff x="0" y="0"/>
+          <a:chExt cx="0" cy="0"/>
+        </a:xfrm>
+      </p:grpSpPr>
+      <p:sp>
+        <p:nvSpPr>
+          <p:cNvPr id="2" name="제목 1"/>
+          <p:cNvSpPr>
+            <a:spLocks noGrp="1"/>
+          </p:cNvSpPr>
+          <p:nvPr>
+            <p:ph type="title"/>
+          </p:nvPr>
+        </p:nvSpPr>
+        <p:spPr/>
+        <p:txBody>
+          <a:bodyPr/>
+          <a:lstStyle/>
+          <a:p>
+            <a:r>
+              <a:rPr lang="en-US" altLang="ko-KR" dirty="0" smtClean="0"/>
+              <a:t>State diagram</a:t>
+            </a:r>
+            <a:endParaRPr lang="ko-KR" altLang="en-US" dirty="0"/>
+          </a:p>
+        </p:txBody>
+      </p:sp>
+      <p:sp>
+        <p:nvSpPr>
+          <p:cNvPr id="3" name="TextBox 2"/>
+          <p:cNvSpPr txBox="1"/>
+          <p:nvPr/>
+        </p:nvSpPr>
+        <p:spPr>
+          <a:xfrm>
+            <a:off x="987670" y="1506022"/>
+            <a:ext cx="2256692" cy="369332"/>
+          </a:xfrm>
+          <a:prstGeom prst="rect">
+            <a:avLst/>
+          </a:prstGeom>
+          <a:noFill/>
+        </p:spPr>
+        <p:txBody>
+          <a:bodyPr wrap="square" rtlCol="0">
+            <a:spAutoFit/>
+          </a:bodyPr>
+          <a:lstStyle/>
+          <a:p>
+            <a:r>
+              <a:rPr lang="en-US" altLang="ko-KR" dirty="0" smtClean="0"/>
+              <a:t>Master</a:t>
+            </a:r>
+            <a:endParaRPr lang="ko-KR" altLang="en-US" dirty="0"/>
+          </a:p>
+        </p:txBody>
+      </p:sp>
+      <p:sp>
+        <p:nvSpPr>
+          <p:cNvPr id="4" name="타원 3"/>
+          <p:cNvSpPr/>
+          <p:nvPr/>
+        </p:nvSpPr>
+        <p:spPr>
+          <a:xfrm>
+            <a:off x="1125416" y="2307677"/>
+            <a:ext cx="2274276" cy="402125"/>
+          </a:xfrm>
+          <a:prstGeom prst="ellipse">
+            <a:avLst/>
+          </a:prstGeom>
+          <a:solidFill>
+            <a:schemeClr val="bg1"/>
+          </a:solidFill>
+          <a:ln>
+            <a:solidFill>
+              <a:schemeClr val="tx1"/>
+            </a:solidFill>
+          </a:ln>
+        </p:spPr>
+        <p:style>
+          <a:lnRef idx="2">
+            <a:schemeClr val="accent1">
+              <a:shade val="50000"/>
+            </a:schemeClr>
+          </a:lnRef>
+          <a:fillRef idx="1">
+            <a:schemeClr val="accent1"/>
+          </a:fillRef>
+          <a:effectRef idx="0">
+            <a:schemeClr val="accent1"/>
+          </a:effectRef>
+          <a:fontRef idx="minor">
+            <a:schemeClr val="lt1"/>
+          </a:fontRef>
+        </p:style>
+        <p:txBody>
+          <a:bodyPr rtlCol="0" anchor="ctr"/>
+          <a:lstStyle/>
+          <a:p>
+            <a:pPr algn="ctr"/>
+            <a:r>
+              <a:rPr lang="en-US" altLang="ko-KR" dirty="0" err="1" smtClean="0">
+                <a:solidFill>
+                  <a:schemeClr val="tx1"/>
+                </a:solidFill>
+              </a:rPr>
+              <a:t>Init</a:t>
+            </a:r>
+            <a:endParaRPr lang="ko-KR" altLang="en-US" dirty="0">
+              <a:solidFill>
+                <a:schemeClr val="tx1"/>
+              </a:solidFill>
+            </a:endParaRPr>
+          </a:p>
+        </p:txBody>
+      </p:sp>
+      <p:sp>
+        <p:nvSpPr>
+          <p:cNvPr id="5" name="타원 4"/>
+          <p:cNvSpPr/>
+          <p:nvPr/>
+        </p:nvSpPr>
+        <p:spPr>
+          <a:xfrm>
+            <a:off x="3552093" y="3096206"/>
+            <a:ext cx="2274276" cy="402125"/>
+          </a:xfrm>
+          <a:prstGeom prst="ellipse">
+            <a:avLst/>
+          </a:prstGeom>
+          <a:solidFill>
+            <a:schemeClr val="bg1"/>
+          </a:solidFill>
+          <a:ln>
+            <a:solidFill>
+              <a:schemeClr val="tx1"/>
+            </a:solidFill>
+          </a:ln>
+        </p:spPr>
+        <p:style>
+          <a:lnRef idx="2">
+            <a:schemeClr val="accent1">
+              <a:shade val="50000"/>
+            </a:schemeClr>
+          </a:lnRef>
+          <a:fillRef idx="1">
+            <a:schemeClr val="accent1"/>
+          </a:fillRef>
+          <a:effectRef idx="0">
+            <a:schemeClr val="accent1"/>
+          </a:effectRef>
+          <a:fontRef idx="minor">
+            <a:schemeClr val="lt1"/>
+          </a:fontRef>
+        </p:style>
+        <p:txBody>
+          <a:bodyPr rtlCol="0" anchor="ctr"/>
+          <a:lstStyle/>
+          <a:p>
+            <a:pPr algn="ctr"/>
+            <a:r>
+              <a:rPr lang="en-US" altLang="ko-KR" dirty="0">
+                <a:solidFill>
+                  <a:schemeClr val="tx1"/>
+                </a:solidFill>
+              </a:rPr>
+              <a:t>S</a:t>
+            </a:r>
+            <a:r>
+              <a:rPr lang="en-US" altLang="ko-KR" dirty="0" smtClean="0">
+                <a:solidFill>
+                  <a:schemeClr val="tx1"/>
+                </a:solidFill>
+              </a:rPr>
+              <a:t>ample</a:t>
+            </a:r>
+            <a:endParaRPr lang="ko-KR" altLang="en-US" dirty="0">
+              <a:solidFill>
+                <a:schemeClr val="tx1"/>
+              </a:solidFill>
+            </a:endParaRPr>
+          </a:p>
+        </p:txBody>
+      </p:sp>
+      <p:sp>
+        <p:nvSpPr>
+          <p:cNvPr id="6" name="타원 5"/>
+          <p:cNvSpPr/>
+          <p:nvPr/>
+        </p:nvSpPr>
+        <p:spPr>
+          <a:xfrm>
+            <a:off x="6201508" y="3886888"/>
+            <a:ext cx="2274276" cy="402125"/>
+          </a:xfrm>
+          <a:prstGeom prst="ellipse">
+            <a:avLst/>
+          </a:prstGeom>
+          <a:solidFill>
+            <a:schemeClr val="bg1"/>
+          </a:solidFill>
+          <a:ln>
+            <a:solidFill>
+              <a:schemeClr val="tx1"/>
+            </a:solidFill>
+          </a:ln>
+        </p:spPr>
+        <p:style>
+          <a:lnRef idx="2">
+            <a:schemeClr val="accent1">
+              <a:shade val="50000"/>
+            </a:schemeClr>
+          </a:lnRef>
+          <a:fillRef idx="1">
+            <a:schemeClr val="accent1"/>
+          </a:fillRef>
+          <a:effectRef idx="0">
+            <a:schemeClr val="accent1"/>
+          </a:effectRef>
+          <a:fontRef idx="minor">
+            <a:schemeClr val="lt1"/>
+          </a:fontRef>
+        </p:style>
+        <p:txBody>
+          <a:bodyPr rtlCol="0" anchor="ctr"/>
+          <a:lstStyle/>
+          <a:p>
+            <a:pPr algn="ctr"/>
+            <a:r>
+              <a:rPr lang="en-US" altLang="ko-KR" dirty="0" err="1" smtClean="0">
+                <a:solidFill>
+                  <a:schemeClr val="tx1"/>
+                </a:solidFill>
+              </a:rPr>
+              <a:t>SortCheck</a:t>
+            </a:r>
+            <a:endParaRPr lang="ko-KR" altLang="en-US" dirty="0">
+              <a:solidFill>
+                <a:schemeClr val="tx1"/>
+              </a:solidFill>
+            </a:endParaRPr>
+          </a:p>
+        </p:txBody>
+      </p:sp>
+      <p:sp>
+        <p:nvSpPr>
+          <p:cNvPr id="7" name="타원 6"/>
+          <p:cNvSpPr/>
+          <p:nvPr/>
+        </p:nvSpPr>
+        <p:spPr>
+          <a:xfrm>
+            <a:off x="8856785" y="4719211"/>
+            <a:ext cx="2274276" cy="402125"/>
+          </a:xfrm>
+          <a:prstGeom prst="ellipse">
+            <a:avLst/>
+          </a:prstGeom>
+          <a:solidFill>
+            <a:schemeClr val="bg1"/>
+          </a:solidFill>
+          <a:ln>
+            <a:solidFill>
+              <a:schemeClr val="tx1"/>
+            </a:solidFill>
+          </a:ln>
+        </p:spPr>
+        <p:style>
+          <a:lnRef idx="2">
+            <a:schemeClr val="accent1">
+              <a:shade val="50000"/>
+            </a:schemeClr>
+          </a:lnRef>
+          <a:fillRef idx="1">
+            <a:schemeClr val="accent1"/>
+          </a:fillRef>
+          <a:effectRef idx="0">
+            <a:schemeClr val="accent1"/>
+          </a:effectRef>
+          <a:fontRef idx="minor">
+            <a:schemeClr val="lt1"/>
+          </a:fontRef>
+        </p:style>
+        <p:txBody>
+          <a:bodyPr rtlCol="0" anchor="ctr"/>
+          <a:lstStyle/>
+          <a:p>
+            <a:pPr algn="ctr"/>
+            <a:r>
+              <a:rPr lang="en-US" altLang="ko-KR" dirty="0" err="1" smtClean="0">
+                <a:solidFill>
+                  <a:schemeClr val="tx1"/>
+                </a:solidFill>
+              </a:rPr>
+              <a:t>ShuffleCheck</a:t>
+            </a:r>
+            <a:endParaRPr lang="ko-KR" altLang="en-US" dirty="0">
+              <a:solidFill>
+                <a:schemeClr val="tx1"/>
+              </a:solidFill>
+            </a:endParaRPr>
+          </a:p>
+        </p:txBody>
+      </p:sp>
+      <p:sp>
+        <p:nvSpPr>
+          <p:cNvPr id="8" name="타원 7"/>
+          <p:cNvSpPr/>
+          <p:nvPr/>
+        </p:nvSpPr>
+        <p:spPr>
+          <a:xfrm>
+            <a:off x="9220201" y="6110716"/>
+            <a:ext cx="2274276" cy="402125"/>
+          </a:xfrm>
+          <a:prstGeom prst="ellipse">
+            <a:avLst/>
+          </a:prstGeom>
+          <a:solidFill>
+            <a:schemeClr val="bg1"/>
+          </a:solidFill>
+          <a:ln>
+            <a:solidFill>
+              <a:schemeClr val="tx1"/>
+            </a:solidFill>
+          </a:ln>
+        </p:spPr>
+        <p:style>
+          <a:lnRef idx="2">
+            <a:schemeClr val="accent1">
+              <a:shade val="50000"/>
+            </a:schemeClr>
+          </a:lnRef>
+          <a:fillRef idx="1">
+            <a:schemeClr val="accent1"/>
+          </a:fillRef>
+          <a:effectRef idx="0">
+            <a:schemeClr val="accent1"/>
+          </a:effectRef>
+          <a:fontRef idx="minor">
+            <a:schemeClr val="lt1"/>
+          </a:fontRef>
+        </p:style>
+        <p:txBody>
+          <a:bodyPr rtlCol="0" anchor="ctr"/>
+          <a:lstStyle/>
+          <a:p>
+            <a:pPr algn="ctr"/>
+            <a:r>
+              <a:rPr lang="en-US" altLang="ko-KR" dirty="0" smtClean="0">
+                <a:solidFill>
+                  <a:schemeClr val="tx1"/>
+                </a:solidFill>
+              </a:rPr>
+              <a:t>Success</a:t>
+            </a:r>
+            <a:endParaRPr lang="ko-KR" altLang="en-US" dirty="0">
+              <a:solidFill>
+                <a:schemeClr val="tx1"/>
+              </a:solidFill>
+            </a:endParaRPr>
+          </a:p>
+        </p:txBody>
+      </p:sp>
+      <p:cxnSp>
+        <p:nvCxnSpPr>
+          <p:cNvPr id="19" name="구부러진 연결선 18"/>
+          <p:cNvCxnSpPr>
+            <a:stCxn id="4" idx="4"/>
+            <a:endCxn id="5" idx="0"/>
+          </p:cNvCxnSpPr>
+          <p:nvPr/>
+        </p:nvCxnSpPr>
+        <p:spPr>
+          <a:xfrm rot="16200000" flipH="1">
+            <a:off x="3282690" y="1689665"/>
+            <a:ext cx="386404" cy="2426677"/>
+          </a:xfrm>
+          <a:prstGeom prst="curvedConnector3">
+            <a:avLst/>
+          </a:prstGeom>
+          <a:ln>
+            <a:tailEnd type="triangle"/>
+          </a:ln>
+        </p:spPr>
+        <p:style>
+          <a:lnRef idx="1">
+            <a:schemeClr val="accent1"/>
+          </a:lnRef>
+          <a:fillRef idx="0">
+            <a:schemeClr val="accent1"/>
+          </a:fillRef>
+          <a:effectRef idx="0">
+            <a:schemeClr val="accent1"/>
+          </a:effectRef>
+          <a:fontRef idx="minor">
+            <a:schemeClr val="tx1"/>
+          </a:fontRef>
+        </p:style>
+      </p:cxnSp>
+      <p:cxnSp>
+        <p:nvCxnSpPr>
+          <p:cNvPr id="21" name="구부러진 연결선 20"/>
+          <p:cNvCxnSpPr>
+            <a:stCxn id="5" idx="4"/>
+            <a:endCxn id="6" idx="0"/>
+          </p:cNvCxnSpPr>
+          <p:nvPr/>
+        </p:nvCxnSpPr>
+        <p:spPr>
+          <a:xfrm rot="16200000" flipH="1">
+            <a:off x="5819660" y="2367901"/>
+            <a:ext cx="388557" cy="2649415"/>
+          </a:xfrm>
+          <a:prstGeom prst="curvedConnector3">
+            <a:avLst/>
+          </a:prstGeom>
+          <a:ln>
+            <a:headEnd type="triangle"/>
+            <a:tailEnd type="triangle"/>
+          </a:ln>
+        </p:spPr>
+        <p:style>
+          <a:lnRef idx="1">
+            <a:schemeClr val="accent1"/>
+          </a:lnRef>
+          <a:fillRef idx="0">
+            <a:schemeClr val="accent1"/>
+          </a:fillRef>
+          <a:effectRef idx="0">
+            <a:schemeClr val="accent1"/>
+          </a:effectRef>
+          <a:fontRef idx="minor">
+            <a:schemeClr val="tx1"/>
+          </a:fontRef>
+        </p:style>
+      </p:cxnSp>
+      <p:cxnSp>
+        <p:nvCxnSpPr>
+          <p:cNvPr id="23" name="구부러진 연결선 22"/>
+          <p:cNvCxnSpPr>
+            <a:stCxn id="6" idx="4"/>
+            <a:endCxn id="7" idx="0"/>
+          </p:cNvCxnSpPr>
+          <p:nvPr/>
+        </p:nvCxnSpPr>
+        <p:spPr>
+          <a:xfrm rot="16200000" flipH="1">
+            <a:off x="8451185" y="3176473"/>
+            <a:ext cx="430198" cy="2655277"/>
+          </a:xfrm>
+          <a:prstGeom prst="curvedConnector3">
+            <a:avLst/>
+          </a:prstGeom>
+          <a:ln>
+            <a:tailEnd type="triangle"/>
+          </a:ln>
+        </p:spPr>
+        <p:style>
+          <a:lnRef idx="1">
+            <a:schemeClr val="accent1"/>
+          </a:lnRef>
+          <a:fillRef idx="0">
+            <a:schemeClr val="accent1"/>
+          </a:fillRef>
+          <a:effectRef idx="0">
+            <a:schemeClr val="accent1"/>
+          </a:effectRef>
+          <a:fontRef idx="minor">
+            <a:schemeClr val="tx1"/>
+          </a:fontRef>
+        </p:style>
+      </p:cxnSp>
+      <p:cxnSp>
+        <p:nvCxnSpPr>
+          <p:cNvPr id="25" name="구부러진 연결선 24"/>
+          <p:cNvCxnSpPr>
+            <a:stCxn id="7" idx="4"/>
+            <a:endCxn id="8" idx="0"/>
+          </p:cNvCxnSpPr>
+          <p:nvPr/>
+        </p:nvCxnSpPr>
+        <p:spPr>
+          <a:xfrm rot="16200000" flipH="1">
+            <a:off x="9680941" y="5434318"/>
+            <a:ext cx="989380" cy="363416"/>
+          </a:xfrm>
+          <a:prstGeom prst="curvedConnector3">
+            <a:avLst/>
+          </a:prstGeom>
+          <a:ln>
+            <a:tailEnd type="triangle"/>
+          </a:ln>
+        </p:spPr>
+        <p:style>
+          <a:lnRef idx="1">
+            <a:schemeClr val="accent1"/>
+          </a:lnRef>
+          <a:fillRef idx="0">
+            <a:schemeClr val="accent1"/>
+          </a:fillRef>
+          <a:effectRef idx="0">
+            <a:schemeClr val="accent1"/>
+          </a:effectRef>
+          <a:fontRef idx="minor">
+            <a:schemeClr val="tx1"/>
+          </a:fontRef>
+        </p:style>
+      </p:cxnSp>
+    </p:spTree>
+    <p:extLst>
+      <p:ext uri="{BB962C8B-B14F-4D97-AF65-F5344CB8AC3E}">
+        <p14:creationId xmlns:p14="http://schemas.microsoft.com/office/powerpoint/2010/main" val="2392384077"/>
+      </p:ext>
+    </p:extLst>
+  </p:cSld>
+  <p:clrMapOvr>
+    <a:masterClrMapping/>
+  </p:clrMapOvr>
+</p:sld>
+</file>
+
+<file path=ppt/slides/slide22.xml><?xml version="1.0" encoding="utf-8"?>
+<p:sld xmlns:a="http://schemas.openxmlformats.org/drawingml/2006/main" xmlns:r="http://schemas.openxmlformats.org/officeDocument/2006/relationships" xmlns:p="http://schemas.openxmlformats.org/presentationml/2006/main">
+  <p:cSld>
+    <p:spTree>
+      <p:nvGrpSpPr>
+        <p:cNvPr id="1" name=""/>
+        <p:cNvGrpSpPr/>
+        <p:nvPr/>
+      </p:nvGrpSpPr>
+      <p:grpSpPr>
+        <a:xfrm>
+          <a:off x="0" y="0"/>
+          <a:ext cx="0" cy="0"/>
+          <a:chOff x="0" y="0"/>
+          <a:chExt cx="0" cy="0"/>
+        </a:xfrm>
+      </p:grpSpPr>
+      <p:sp>
+        <p:nvSpPr>
+          <p:cNvPr id="2" name="제목 1"/>
+          <p:cNvSpPr>
+            <a:spLocks noGrp="1"/>
+          </p:cNvSpPr>
+          <p:nvPr>
+            <p:ph type="title"/>
+          </p:nvPr>
+        </p:nvSpPr>
+        <p:spPr/>
+        <p:txBody>
+          <a:bodyPr/>
+          <a:lstStyle/>
+          <a:p>
+            <a:r>
+              <a:rPr lang="en-US" altLang="ko-KR" dirty="0" smtClean="0"/>
+              <a:t>State diagram</a:t>
+            </a:r>
+            <a:endParaRPr lang="ko-KR" altLang="en-US" dirty="0"/>
+          </a:p>
+        </p:txBody>
+      </p:sp>
+      <p:sp>
+        <p:nvSpPr>
+          <p:cNvPr id="3" name="TextBox 2"/>
+          <p:cNvSpPr txBox="1"/>
+          <p:nvPr/>
+        </p:nvSpPr>
+        <p:spPr>
+          <a:xfrm>
+            <a:off x="987670" y="1506022"/>
+            <a:ext cx="2256692" cy="369332"/>
+          </a:xfrm>
+          <a:prstGeom prst="rect">
+            <a:avLst/>
+          </a:prstGeom>
+          <a:noFill/>
+        </p:spPr>
+        <p:txBody>
+          <a:bodyPr wrap="square" rtlCol="0">
+            <a:spAutoFit/>
+          </a:bodyPr>
+          <a:lstStyle/>
+          <a:p>
+            <a:r>
+              <a:rPr lang="en-US" altLang="ko-KR" dirty="0" smtClean="0"/>
+              <a:t>Slave</a:t>
+            </a:r>
+            <a:endParaRPr lang="ko-KR" altLang="en-US" dirty="0"/>
+          </a:p>
+        </p:txBody>
+      </p:sp>
+      <p:sp>
+        <p:nvSpPr>
+          <p:cNvPr id="4" name="타원 3"/>
+          <p:cNvSpPr/>
+          <p:nvPr/>
+        </p:nvSpPr>
+        <p:spPr>
+          <a:xfrm>
+            <a:off x="1125416" y="2307677"/>
+            <a:ext cx="2274276" cy="402125"/>
+          </a:xfrm>
+          <a:prstGeom prst="ellipse">
+            <a:avLst/>
+          </a:prstGeom>
+          <a:solidFill>
+            <a:schemeClr val="bg1"/>
+          </a:solidFill>
+          <a:ln>
+            <a:solidFill>
+              <a:schemeClr val="tx1"/>
+            </a:solidFill>
+          </a:ln>
+        </p:spPr>
+        <p:style>
+          <a:lnRef idx="2">
+            <a:schemeClr val="accent1">
+              <a:shade val="50000"/>
+            </a:schemeClr>
+          </a:lnRef>
+          <a:fillRef idx="1">
+            <a:schemeClr val="accent1"/>
+          </a:fillRef>
+          <a:effectRef idx="0">
+            <a:schemeClr val="accent1"/>
+          </a:effectRef>
+          <a:fontRef idx="minor">
+            <a:schemeClr val="lt1"/>
+          </a:fontRef>
+        </p:style>
+        <p:txBody>
+          <a:bodyPr rtlCol="0" anchor="ctr"/>
+          <a:lstStyle/>
+          <a:p>
+            <a:pPr algn="ctr"/>
+            <a:r>
+              <a:rPr lang="en-US" altLang="ko-KR" dirty="0" err="1" smtClean="0">
+                <a:solidFill>
+                  <a:schemeClr val="tx1"/>
+                </a:solidFill>
+              </a:rPr>
+              <a:t>Init</a:t>
+            </a:r>
+            <a:endParaRPr lang="ko-KR" altLang="en-US" dirty="0">
+              <a:solidFill>
+                <a:schemeClr val="tx1"/>
+              </a:solidFill>
+            </a:endParaRPr>
+          </a:p>
+        </p:txBody>
+      </p:sp>
+      <p:sp>
+        <p:nvSpPr>
+          <p:cNvPr id="5" name="타원 4"/>
+          <p:cNvSpPr/>
+          <p:nvPr/>
+        </p:nvSpPr>
+        <p:spPr>
+          <a:xfrm>
+            <a:off x="1764324" y="5918016"/>
+            <a:ext cx="2274276" cy="402125"/>
+          </a:xfrm>
+          <a:prstGeom prst="ellipse">
+            <a:avLst/>
+          </a:prstGeom>
+          <a:solidFill>
+            <a:schemeClr val="bg1"/>
+          </a:solidFill>
+          <a:ln>
+            <a:solidFill>
+              <a:schemeClr val="tx1"/>
+            </a:solidFill>
+          </a:ln>
+        </p:spPr>
+        <p:style>
+          <a:lnRef idx="2">
+            <a:schemeClr val="accent1">
+              <a:shade val="50000"/>
+            </a:schemeClr>
+          </a:lnRef>
+          <a:fillRef idx="1">
+            <a:schemeClr val="accent1"/>
+          </a:fillRef>
+          <a:effectRef idx="0">
+            <a:schemeClr val="accent1"/>
+          </a:effectRef>
+          <a:fontRef idx="minor">
+            <a:schemeClr val="lt1"/>
+          </a:fontRef>
+        </p:style>
+        <p:txBody>
+          <a:bodyPr rtlCol="0" anchor="ctr"/>
+          <a:lstStyle/>
+          <a:p>
+            <a:pPr algn="ctr"/>
+            <a:r>
+              <a:rPr lang="en-US" altLang="ko-KR" dirty="0" smtClean="0">
+                <a:solidFill>
+                  <a:schemeClr val="tx1"/>
+                </a:solidFill>
+              </a:rPr>
+              <a:t>Fail</a:t>
+            </a:r>
+            <a:endParaRPr lang="ko-KR" altLang="en-US" dirty="0">
+              <a:solidFill>
+                <a:schemeClr val="tx1"/>
+              </a:solidFill>
+            </a:endParaRPr>
+          </a:p>
+        </p:txBody>
+      </p:sp>
+      <p:sp>
+        <p:nvSpPr>
+          <p:cNvPr id="6" name="타원 5"/>
+          <p:cNvSpPr/>
+          <p:nvPr/>
+        </p:nvSpPr>
+        <p:spPr>
+          <a:xfrm>
+            <a:off x="3633421" y="3050169"/>
+            <a:ext cx="2274276" cy="402125"/>
+          </a:xfrm>
+          <a:prstGeom prst="ellipse">
+            <a:avLst/>
+          </a:prstGeom>
+          <a:solidFill>
+            <a:schemeClr val="bg1"/>
+          </a:solidFill>
+          <a:ln>
+            <a:solidFill>
+              <a:schemeClr val="tx1"/>
+            </a:solidFill>
+          </a:ln>
+        </p:spPr>
+        <p:style>
+          <a:lnRef idx="2">
+            <a:schemeClr val="accent1">
+              <a:shade val="50000"/>
+            </a:schemeClr>
+          </a:lnRef>
+          <a:fillRef idx="1">
+            <a:schemeClr val="accent1"/>
+          </a:fillRef>
+          <a:effectRef idx="0">
+            <a:schemeClr val="accent1"/>
+          </a:effectRef>
+          <a:fontRef idx="minor">
+            <a:schemeClr val="lt1"/>
+          </a:fontRef>
+        </p:style>
+        <p:txBody>
+          <a:bodyPr rtlCol="0" anchor="ctr"/>
+          <a:lstStyle/>
+          <a:p>
+            <a:pPr algn="ctr"/>
+            <a:r>
+              <a:rPr lang="en-US" altLang="ko-KR" dirty="0" smtClean="0">
+                <a:solidFill>
+                  <a:schemeClr val="tx1"/>
+                </a:solidFill>
+              </a:rPr>
+              <a:t>Sample</a:t>
+            </a:r>
+            <a:endParaRPr lang="ko-KR" altLang="en-US" dirty="0">
+              <a:solidFill>
+                <a:schemeClr val="tx1"/>
+              </a:solidFill>
+            </a:endParaRPr>
+          </a:p>
+        </p:txBody>
+      </p:sp>
+      <p:sp>
+        <p:nvSpPr>
+          <p:cNvPr id="7" name="타원 6"/>
+          <p:cNvSpPr/>
+          <p:nvPr/>
+        </p:nvSpPr>
+        <p:spPr>
+          <a:xfrm>
+            <a:off x="5797061" y="3699639"/>
+            <a:ext cx="2274276" cy="402125"/>
+          </a:xfrm>
+          <a:prstGeom prst="ellipse">
+            <a:avLst/>
+          </a:prstGeom>
+          <a:solidFill>
+            <a:schemeClr val="bg1"/>
+          </a:solidFill>
+          <a:ln>
+            <a:solidFill>
+              <a:schemeClr val="tx1"/>
+            </a:solidFill>
+          </a:ln>
+        </p:spPr>
+        <p:style>
+          <a:lnRef idx="2">
+            <a:schemeClr val="accent1">
+              <a:shade val="50000"/>
+            </a:schemeClr>
+          </a:lnRef>
+          <a:fillRef idx="1">
+            <a:schemeClr val="accent1"/>
+          </a:fillRef>
+          <a:effectRef idx="0">
+            <a:schemeClr val="accent1"/>
+          </a:effectRef>
+          <a:fontRef idx="minor">
+            <a:schemeClr val="lt1"/>
+          </a:fontRef>
+        </p:style>
+        <p:txBody>
+          <a:bodyPr rtlCol="0" anchor="ctr"/>
+          <a:lstStyle/>
+          <a:p>
+            <a:pPr algn="ctr"/>
+            <a:r>
+              <a:rPr lang="en-US" altLang="ko-KR" dirty="0" smtClean="0">
+                <a:solidFill>
+                  <a:schemeClr val="tx1"/>
+                </a:solidFill>
+              </a:rPr>
+              <a:t>Sort</a:t>
+            </a:r>
+            <a:endParaRPr lang="ko-KR" altLang="en-US" dirty="0">
+              <a:solidFill>
+                <a:schemeClr val="tx1"/>
+              </a:solidFill>
+            </a:endParaRPr>
+          </a:p>
+        </p:txBody>
+      </p:sp>
+      <p:sp>
+        <p:nvSpPr>
+          <p:cNvPr id="8" name="타원 7"/>
+          <p:cNvSpPr/>
+          <p:nvPr/>
+        </p:nvSpPr>
+        <p:spPr>
+          <a:xfrm>
+            <a:off x="9038493" y="5939813"/>
+            <a:ext cx="2274276" cy="402125"/>
+          </a:xfrm>
+          <a:prstGeom prst="ellipse">
+            <a:avLst/>
+          </a:prstGeom>
+          <a:solidFill>
+            <a:schemeClr val="bg1"/>
+          </a:solidFill>
+          <a:ln>
+            <a:solidFill>
+              <a:schemeClr val="tx1"/>
+            </a:solidFill>
+          </a:ln>
+        </p:spPr>
+        <p:style>
+          <a:lnRef idx="2">
+            <a:schemeClr val="accent1">
+              <a:shade val="50000"/>
+            </a:schemeClr>
+          </a:lnRef>
+          <a:fillRef idx="1">
+            <a:schemeClr val="accent1"/>
+          </a:fillRef>
+          <a:effectRef idx="0">
+            <a:schemeClr val="accent1"/>
+          </a:effectRef>
+          <a:fontRef idx="minor">
+            <a:schemeClr val="lt1"/>
+          </a:fontRef>
+        </p:style>
+        <p:txBody>
+          <a:bodyPr rtlCol="0" anchor="ctr"/>
+          <a:lstStyle/>
+          <a:p>
+            <a:pPr algn="ctr"/>
+            <a:r>
+              <a:rPr lang="en-US" altLang="ko-KR" dirty="0" smtClean="0">
+                <a:solidFill>
+                  <a:schemeClr val="tx1"/>
+                </a:solidFill>
+              </a:rPr>
+              <a:t>Success</a:t>
+            </a:r>
+            <a:endParaRPr lang="ko-KR" altLang="en-US" dirty="0">
+              <a:solidFill>
+                <a:schemeClr val="tx1"/>
+              </a:solidFill>
+            </a:endParaRPr>
+          </a:p>
+        </p:txBody>
+      </p:sp>
+      <p:cxnSp>
+        <p:nvCxnSpPr>
+          <p:cNvPr id="19" name="구부러진 연결선 18"/>
+          <p:cNvCxnSpPr>
+            <a:stCxn id="4" idx="4"/>
+            <a:endCxn id="5" idx="0"/>
+          </p:cNvCxnSpPr>
+          <p:nvPr/>
+        </p:nvCxnSpPr>
+        <p:spPr>
+          <a:xfrm rot="16200000" flipH="1">
+            <a:off x="977901" y="3994455"/>
+            <a:ext cx="3208214" cy="638908"/>
+          </a:xfrm>
+          <a:prstGeom prst="curvedConnector3">
+            <a:avLst/>
+          </a:prstGeom>
+          <a:ln>
+            <a:tailEnd type="triangle"/>
+          </a:ln>
+        </p:spPr>
+        <p:style>
+          <a:lnRef idx="1">
+            <a:schemeClr val="accent2"/>
+          </a:lnRef>
+          <a:fillRef idx="0">
+            <a:schemeClr val="accent2"/>
+          </a:fillRef>
+          <a:effectRef idx="0">
+            <a:schemeClr val="accent2"/>
+          </a:effectRef>
+          <a:fontRef idx="minor">
+            <a:schemeClr val="tx1"/>
+          </a:fontRef>
+        </p:style>
+      </p:cxnSp>
+      <p:cxnSp>
+        <p:nvCxnSpPr>
+          <p:cNvPr id="21" name="구부러진 연결선 20"/>
+          <p:cNvCxnSpPr>
+            <a:stCxn id="4" idx="4"/>
+            <a:endCxn id="6" idx="0"/>
+          </p:cNvCxnSpPr>
+          <p:nvPr/>
+        </p:nvCxnSpPr>
+        <p:spPr>
+          <a:xfrm rot="16200000" flipH="1">
+            <a:off x="3346373" y="1625982"/>
+            <a:ext cx="340367" cy="2508005"/>
+          </a:xfrm>
+          <a:prstGeom prst="curvedConnector3">
+            <a:avLst/>
+          </a:prstGeom>
+          <a:ln>
+            <a:headEnd type="triangle"/>
+            <a:tailEnd type="triangle"/>
+          </a:ln>
+        </p:spPr>
+        <p:style>
+          <a:lnRef idx="1">
+            <a:schemeClr val="accent1"/>
+          </a:lnRef>
+          <a:fillRef idx="0">
+            <a:schemeClr val="accent1"/>
+          </a:fillRef>
+          <a:effectRef idx="0">
+            <a:schemeClr val="accent1"/>
+          </a:effectRef>
+          <a:fontRef idx="minor">
+            <a:schemeClr val="tx1"/>
+          </a:fontRef>
+        </p:style>
+      </p:cxnSp>
+      <p:cxnSp>
+        <p:nvCxnSpPr>
+          <p:cNvPr id="23" name="구부러진 연결선 22"/>
+          <p:cNvCxnSpPr>
+            <a:stCxn id="6" idx="4"/>
+            <a:endCxn id="7" idx="0"/>
+          </p:cNvCxnSpPr>
+          <p:nvPr/>
+        </p:nvCxnSpPr>
+        <p:spPr>
+          <a:xfrm rot="16200000" flipH="1">
+            <a:off x="5728707" y="2494146"/>
+            <a:ext cx="247345" cy="2163640"/>
+          </a:xfrm>
+          <a:prstGeom prst="curvedConnector3">
+            <a:avLst/>
+          </a:prstGeom>
+          <a:ln>
+            <a:tailEnd type="triangle"/>
+          </a:ln>
+        </p:spPr>
+        <p:style>
+          <a:lnRef idx="1">
+            <a:schemeClr val="accent1"/>
+          </a:lnRef>
+          <a:fillRef idx="0">
+            <a:schemeClr val="accent1"/>
+          </a:fillRef>
+          <a:effectRef idx="0">
+            <a:schemeClr val="accent1"/>
+          </a:effectRef>
+          <a:fontRef idx="minor">
+            <a:schemeClr val="tx1"/>
+          </a:fontRef>
+        </p:style>
+      </p:cxnSp>
+      <p:cxnSp>
+        <p:nvCxnSpPr>
+          <p:cNvPr id="25" name="구부러진 연결선 24"/>
+          <p:cNvCxnSpPr>
+            <a:stCxn id="13" idx="4"/>
+            <a:endCxn id="8" idx="0"/>
+          </p:cNvCxnSpPr>
+          <p:nvPr/>
+        </p:nvCxnSpPr>
+        <p:spPr>
+          <a:xfrm rot="16200000" flipH="1">
+            <a:off x="9012773" y="4776954"/>
+            <a:ext cx="1188579" cy="1137138"/>
+          </a:xfrm>
+          <a:prstGeom prst="curvedConnector3">
+            <a:avLst>
+              <a:gd name="adj1" fmla="val 50000"/>
+            </a:avLst>
+          </a:prstGeom>
+          <a:ln>
+            <a:tailEnd type="triangle"/>
+          </a:ln>
+        </p:spPr>
+        <p:style>
+          <a:lnRef idx="1">
+            <a:schemeClr val="accent1"/>
+          </a:lnRef>
+          <a:fillRef idx="0">
+            <a:schemeClr val="accent1"/>
+          </a:fillRef>
+          <a:effectRef idx="0">
+            <a:schemeClr val="accent1"/>
+          </a:effectRef>
+          <a:fontRef idx="minor">
+            <a:schemeClr val="tx1"/>
+          </a:fontRef>
+        </p:style>
+      </p:cxnSp>
+      <p:sp>
+        <p:nvSpPr>
+          <p:cNvPr id="13" name="타원 12"/>
+          <p:cNvSpPr/>
+          <p:nvPr/>
+        </p:nvSpPr>
+        <p:spPr>
+          <a:xfrm>
+            <a:off x="7901355" y="4349109"/>
+            <a:ext cx="2274276" cy="402125"/>
+          </a:xfrm>
+          <a:prstGeom prst="ellipse">
+            <a:avLst/>
+          </a:prstGeom>
+          <a:solidFill>
+            <a:schemeClr val="bg1"/>
+          </a:solidFill>
+          <a:ln>
+            <a:solidFill>
+              <a:schemeClr val="tx1"/>
+            </a:solidFill>
+          </a:ln>
+        </p:spPr>
+        <p:style>
+          <a:lnRef idx="2">
+            <a:schemeClr val="accent1">
+              <a:shade val="50000"/>
+            </a:schemeClr>
+          </a:lnRef>
+          <a:fillRef idx="1">
+            <a:schemeClr val="accent1"/>
+          </a:fillRef>
+          <a:effectRef idx="0">
+            <a:schemeClr val="accent1"/>
+          </a:effectRef>
+          <a:fontRef idx="minor">
+            <a:schemeClr val="lt1"/>
+          </a:fontRef>
+        </p:style>
+        <p:txBody>
+          <a:bodyPr rtlCol="0" anchor="ctr"/>
+          <a:lstStyle/>
+          <a:p>
+            <a:pPr algn="ctr"/>
+            <a:r>
+              <a:rPr lang="en-US" altLang="ko-KR" dirty="0" smtClean="0">
+                <a:solidFill>
+                  <a:schemeClr val="tx1"/>
+                </a:solidFill>
+              </a:rPr>
+              <a:t>Shuffle</a:t>
+            </a:r>
+            <a:endParaRPr lang="ko-KR" altLang="en-US" dirty="0">
+              <a:solidFill>
+                <a:schemeClr val="tx1"/>
+              </a:solidFill>
+            </a:endParaRPr>
+          </a:p>
+        </p:txBody>
+      </p:sp>
+      <p:cxnSp>
+        <p:nvCxnSpPr>
+          <p:cNvPr id="26" name="구부러진 연결선 25"/>
+          <p:cNvCxnSpPr>
+            <a:stCxn id="7" idx="4"/>
+            <a:endCxn id="13" idx="0"/>
+          </p:cNvCxnSpPr>
+          <p:nvPr/>
+        </p:nvCxnSpPr>
+        <p:spPr>
+          <a:xfrm rot="16200000" flipH="1">
+            <a:off x="7862674" y="3173289"/>
+            <a:ext cx="247345" cy="2104294"/>
+          </a:xfrm>
+          <a:prstGeom prst="curvedConnector3">
+            <a:avLst/>
+          </a:prstGeom>
+          <a:ln>
+            <a:tailEnd type="triangle"/>
+          </a:ln>
+        </p:spPr>
+        <p:style>
+          <a:lnRef idx="1">
+            <a:schemeClr val="accent1"/>
+          </a:lnRef>
+          <a:fillRef idx="0">
+            <a:schemeClr val="accent1"/>
+          </a:fillRef>
+          <a:effectRef idx="0">
+            <a:schemeClr val="accent1"/>
+          </a:effectRef>
+          <a:fontRef idx="minor">
+            <a:schemeClr val="tx1"/>
+          </a:fontRef>
+        </p:style>
+      </p:cxnSp>
+      <p:cxnSp>
+        <p:nvCxnSpPr>
+          <p:cNvPr id="36" name="구부러진 연결선 35"/>
+          <p:cNvCxnSpPr>
+            <a:stCxn id="6" idx="4"/>
+            <a:endCxn id="5" idx="0"/>
+          </p:cNvCxnSpPr>
+          <p:nvPr/>
+        </p:nvCxnSpPr>
+        <p:spPr>
+          <a:xfrm rot="5400000">
+            <a:off x="2603150" y="3750607"/>
+            <a:ext cx="2465722" cy="1869097"/>
+          </a:xfrm>
+          <a:prstGeom prst="curvedConnector3">
+            <a:avLst/>
+          </a:prstGeom>
+          <a:ln>
+            <a:tailEnd type="triangle"/>
+          </a:ln>
+        </p:spPr>
+        <p:style>
+          <a:lnRef idx="1">
+            <a:schemeClr val="accent2"/>
+          </a:lnRef>
+          <a:fillRef idx="0">
+            <a:schemeClr val="accent2"/>
+          </a:fillRef>
+          <a:effectRef idx="0">
+            <a:schemeClr val="accent2"/>
+          </a:effectRef>
+          <a:fontRef idx="minor">
+            <a:schemeClr val="tx1"/>
+          </a:fontRef>
+        </p:style>
+      </p:cxnSp>
+      <p:cxnSp>
+        <p:nvCxnSpPr>
+          <p:cNvPr id="38" name="구부러진 연결선 37"/>
+          <p:cNvCxnSpPr>
+            <a:stCxn id="7" idx="4"/>
+            <a:endCxn id="5" idx="0"/>
+          </p:cNvCxnSpPr>
+          <p:nvPr/>
+        </p:nvCxnSpPr>
+        <p:spPr>
+          <a:xfrm rot="5400000">
+            <a:off x="4009705" y="2993522"/>
+            <a:ext cx="1816252" cy="4032737"/>
+          </a:xfrm>
+          <a:prstGeom prst="curvedConnector3">
+            <a:avLst/>
+          </a:prstGeom>
+          <a:ln>
+            <a:tailEnd type="triangle"/>
+          </a:ln>
+        </p:spPr>
+        <p:style>
+          <a:lnRef idx="1">
+            <a:schemeClr val="accent2"/>
+          </a:lnRef>
+          <a:fillRef idx="0">
+            <a:schemeClr val="accent2"/>
+          </a:fillRef>
+          <a:effectRef idx="0">
+            <a:schemeClr val="accent2"/>
+          </a:effectRef>
+          <a:fontRef idx="minor">
+            <a:schemeClr val="tx1"/>
+          </a:fontRef>
+        </p:style>
+      </p:cxnSp>
+      <p:cxnSp>
+        <p:nvCxnSpPr>
+          <p:cNvPr id="40" name="구부러진 연결선 39"/>
+          <p:cNvCxnSpPr>
+            <a:stCxn id="13" idx="4"/>
+            <a:endCxn id="5" idx="0"/>
+          </p:cNvCxnSpPr>
+          <p:nvPr/>
+        </p:nvCxnSpPr>
+        <p:spPr>
+          <a:xfrm rot="5400000">
+            <a:off x="5386587" y="2266110"/>
+            <a:ext cx="1166782" cy="6137031"/>
+          </a:xfrm>
+          <a:prstGeom prst="curvedConnector3">
+            <a:avLst/>
+          </a:prstGeom>
+          <a:ln>
+            <a:tailEnd type="triangle"/>
+          </a:ln>
+        </p:spPr>
+        <p:style>
+          <a:lnRef idx="1">
+            <a:schemeClr val="accent2"/>
+          </a:lnRef>
+          <a:fillRef idx="0">
+            <a:schemeClr val="accent2"/>
+          </a:fillRef>
+          <a:effectRef idx="0">
+            <a:schemeClr val="accent2"/>
+          </a:effectRef>
+          <a:fontRef idx="minor">
+            <a:schemeClr val="tx1"/>
+          </a:fontRef>
+        </p:style>
+      </p:cxnSp>
+    </p:spTree>
+    <p:extLst>
+      <p:ext uri="{BB962C8B-B14F-4D97-AF65-F5344CB8AC3E}">
+        <p14:creationId xmlns:p14="http://schemas.microsoft.com/office/powerpoint/2010/main" val="760784379"/>
+      </p:ext>
+    </p:extLst>
+  </p:cSld>
+  <p:clrMapOvr>
+    <a:masterClrMapping/>
+  </p:clrMapOvr>
+</p:sld>
+</file>
+
+<file path=ppt/slides/slide23.xml><?xml version="1.0" encoding="utf-8"?>
+<p:sld xmlns:a="http://schemas.openxmlformats.org/drawingml/2006/main" xmlns:r="http://schemas.openxmlformats.org/officeDocument/2006/relationships" xmlns:p="http://schemas.openxmlformats.org/presentationml/2006/main">
+  <p:cSld>
+    <p:spTree>
+      <p:nvGrpSpPr>
+        <p:cNvPr id="1" name=""/>
+        <p:cNvGrpSpPr/>
+        <p:nvPr/>
+      </p:nvGrpSpPr>
+      <p:grpSpPr>
+        <a:xfrm>
+          <a:off x="0" y="0"/>
+          <a:ext cx="0" cy="0"/>
+          <a:chOff x="0" y="0"/>
+          <a:chExt cx="0" cy="0"/>
+        </a:xfrm>
+      </p:grpSpPr>
+      <p:sp>
+        <p:nvSpPr>
+          <p:cNvPr id="2" name="제목 1"/>
+          <p:cNvSpPr>
+            <a:spLocks noGrp="1"/>
+          </p:cNvSpPr>
+          <p:nvPr>
+            <p:ph type="title"/>
+          </p:nvPr>
+        </p:nvSpPr>
+        <p:spPr/>
+        <p:txBody>
+          <a:bodyPr/>
+          <a:lstStyle/>
+          <a:p>
+            <a:r>
+              <a:rPr lang="en-US" altLang="ko-KR" dirty="0" smtClean="0"/>
+              <a:t>Flow Chart (TBA)</a:t>
+            </a:r>
+            <a:endParaRPr lang="ko-KR" altLang="en-US" dirty="0"/>
+          </a:p>
+        </p:txBody>
+      </p:sp>
+      <p:sp>
+        <p:nvSpPr>
+          <p:cNvPr id="3" name="내용 개체 틀 2"/>
+          <p:cNvSpPr>
+            <a:spLocks noGrp="1"/>
+          </p:cNvSpPr>
+          <p:nvPr>
+            <p:ph idx="1"/>
+          </p:nvPr>
+        </p:nvSpPr>
+        <p:spPr/>
+        <p:txBody>
+          <a:bodyPr/>
+          <a:lstStyle/>
+          <a:p>
+            <a:endParaRPr lang="ko-KR" altLang="en-US"/>
+          </a:p>
+        </p:txBody>
+      </p:sp>
+    </p:spTree>
+    <p:extLst>
+      <p:ext uri="{BB962C8B-B14F-4D97-AF65-F5344CB8AC3E}">
+        <p14:creationId xmlns:p14="http://schemas.microsoft.com/office/powerpoint/2010/main" val="3009508717"/>
+      </p:ext>
+    </p:extLst>
+  </p:cSld>
+  <p:clrMapOvr>
+    <a:masterClrMapping/>
+  </p:clrMapOvr>
+</p:sld>
+</file>
+
+<file path=ppt/slides/slide24.xml><?xml version="1.0" encoding="utf-8"?>
+<p:sld xmlns:a="http://schemas.openxmlformats.org/drawingml/2006/main" xmlns:r="http://schemas.openxmlformats.org/officeDocument/2006/relationships" xmlns:p="http://schemas.openxmlformats.org/presentationml/2006/main">
+  <p:cSld>
+    <p:spTree>
+      <p:nvGrpSpPr>
+        <p:cNvPr id="1" name=""/>
+        <p:cNvGrpSpPr/>
+        <p:nvPr/>
+      </p:nvGrpSpPr>
+      <p:grpSpPr>
+        <a:xfrm>
+          <a:off x="0" y="0"/>
+          <a:ext cx="0" cy="0"/>
+          <a:chOff x="0" y="0"/>
+          <a:chExt cx="0" cy="0"/>
+        </a:xfrm>
+      </p:grpSpPr>
+      <p:sp>
+        <p:nvSpPr>
+          <p:cNvPr id="2" name="제목 1"/>
+          <p:cNvSpPr>
+            <a:spLocks noGrp="1"/>
+          </p:cNvSpPr>
+          <p:nvPr>
+            <p:ph type="title"/>
+          </p:nvPr>
+        </p:nvSpPr>
+        <p:spPr/>
+        <p:txBody>
+          <a:bodyPr/>
+          <a:lstStyle/>
+          <a:p>
+            <a:r>
+              <a:rPr lang="en-US" altLang="ko-KR" dirty="0" smtClean="0"/>
+              <a:t>Slave ordering</a:t>
+            </a:r>
+            <a:endParaRPr lang="ko-KR" altLang="en-US" dirty="0"/>
+          </a:p>
+        </p:txBody>
+      </p:sp>
+      <p:sp>
+        <p:nvSpPr>
+          <p:cNvPr id="3" name="텍스트 개체 틀 2"/>
+          <p:cNvSpPr>
+            <a:spLocks noGrp="1"/>
+          </p:cNvSpPr>
+          <p:nvPr>
+            <p:ph type="body" idx="1"/>
+          </p:nvPr>
+        </p:nvSpPr>
+        <p:spPr/>
+        <p:txBody>
+          <a:bodyPr/>
+          <a:lstStyle/>
+          <a:p>
+            <a:endParaRPr lang="ko-KR" altLang="en-US"/>
+          </a:p>
+        </p:txBody>
+      </p:sp>
+    </p:spTree>
+    <p:extLst>
+      <p:ext uri="{BB962C8B-B14F-4D97-AF65-F5344CB8AC3E}">
+        <p14:creationId xmlns:p14="http://schemas.microsoft.com/office/powerpoint/2010/main" val="3880663853"/>
+      </p:ext>
+    </p:extLst>
+  </p:cSld>
+  <p:clrMapOvr>
+    <a:masterClrMapping/>
+  </p:clrMapOvr>
+</p:sld>
+</file>
+
+<file path=ppt/slides/slide25.xml><?xml version="1.0" encoding="utf-8"?>
+<p:sld xmlns:a="http://schemas.openxmlformats.org/drawingml/2006/main" xmlns:r="http://schemas.openxmlformats.org/officeDocument/2006/relationships" xmlns:p="http://schemas.openxmlformats.org/presentationml/2006/main">
+  <p:cSld>
+    <p:spTree>
+      <p:nvGrpSpPr>
+        <p:cNvPr id="1" name=""/>
+        <p:cNvGrpSpPr/>
+        <p:nvPr/>
+      </p:nvGrpSpPr>
+      <p:grpSpPr>
+        <a:xfrm>
+          <a:off x="0" y="0"/>
+          <a:ext cx="0" cy="0"/>
+          <a:chOff x="0" y="0"/>
+          <a:chExt cx="0" cy="0"/>
+        </a:xfrm>
+      </p:grpSpPr>
+      <p:sp>
+        <p:nvSpPr>
+          <p:cNvPr id="2" name="제목 1"/>
+          <p:cNvSpPr>
+            <a:spLocks noGrp="1"/>
+          </p:cNvSpPr>
+          <p:nvPr>
+            <p:ph type="title"/>
+          </p:nvPr>
+        </p:nvSpPr>
+        <p:spPr/>
+        <p:txBody>
+          <a:bodyPr/>
+          <a:lstStyle/>
+          <a:p>
+            <a:r>
+              <a:rPr lang="en-US" altLang="ko-KR" dirty="0" smtClean="0"/>
+              <a:t>Ordering</a:t>
+            </a:r>
+            <a:endParaRPr lang="ko-KR" altLang="en-US" dirty="0"/>
+          </a:p>
+        </p:txBody>
+      </p:sp>
+      <p:sp>
+        <p:nvSpPr>
+          <p:cNvPr id="3" name="내용 개체 틀 2"/>
+          <p:cNvSpPr>
+            <a:spLocks noGrp="1"/>
+          </p:cNvSpPr>
+          <p:nvPr>
+            <p:ph idx="1"/>
+          </p:nvPr>
+        </p:nvSpPr>
+        <p:spPr/>
+        <p:txBody>
+          <a:bodyPr/>
+          <a:lstStyle/>
+          <a:p>
+            <a:r>
+              <a:rPr lang="en-US" altLang="ko-KR" dirty="0" smtClean="0"/>
+              <a:t>We need to assign a proper id to each slaves</a:t>
+            </a:r>
+          </a:p>
+          <a:p>
+            <a:r>
+              <a:rPr lang="en-US" altLang="ko-KR" dirty="0" smtClean="0"/>
+              <a:t>slaves are ordered by its sequence of connecting to master node</a:t>
+            </a:r>
+          </a:p>
+          <a:p>
+            <a:r>
+              <a:rPr lang="en-US" altLang="ko-KR" dirty="0" smtClean="0"/>
+              <a:t>slave’s id can be 1 ~ n</a:t>
+            </a:r>
+          </a:p>
+          <a:p>
+            <a:r>
+              <a:rPr lang="en-US" altLang="ko-KR" dirty="0" smtClean="0"/>
+              <a:t>slave’s id can be inferred from slave list of </a:t>
+            </a:r>
+            <a:r>
+              <a:rPr lang="en-US" altLang="ko-KR" dirty="0" err="1" smtClean="0"/>
+              <a:t>MetainfoTableMessage</a:t>
+            </a:r>
+            <a:r>
+              <a:rPr lang="en-US" altLang="ko-KR" dirty="0" smtClean="0"/>
+              <a:t> </a:t>
+            </a:r>
+            <a:endParaRPr lang="ko-KR" altLang="en-US" dirty="0"/>
+          </a:p>
+        </p:txBody>
+      </p:sp>
+    </p:spTree>
+    <p:extLst>
+      <p:ext uri="{BB962C8B-B14F-4D97-AF65-F5344CB8AC3E}">
+        <p14:creationId xmlns:p14="http://schemas.microsoft.com/office/powerpoint/2010/main" val="3981236371"/>
+      </p:ext>
+    </p:extLst>
+  </p:cSld>
+  <p:clrMapOvr>
+    <a:masterClrMapping/>
+  </p:clrMapOvr>
+</p:sld>
+</file>
+
+<file path=ppt/slides/slide26.xml><?xml version="1.0" encoding="utf-8"?>
+<p:sld xmlns:a="http://schemas.openxmlformats.org/drawingml/2006/main" xmlns:r="http://schemas.openxmlformats.org/officeDocument/2006/relationships" xmlns:p="http://schemas.openxmlformats.org/presentationml/2006/main">
+  <p:cSld>
+    <p:spTree>
+      <p:nvGrpSpPr>
+        <p:cNvPr id="1" name=""/>
+        <p:cNvGrpSpPr/>
+        <p:nvPr/>
+      </p:nvGrpSpPr>
+      <p:grpSpPr>
+        <a:xfrm>
+          <a:off x="0" y="0"/>
+          <a:ext cx="0" cy="0"/>
+          <a:chOff x="0" y="0"/>
+          <a:chExt cx="0" cy="0"/>
+        </a:xfrm>
+      </p:grpSpPr>
+      <p:sp>
+        <p:nvSpPr>
+          <p:cNvPr id="2" name="제목 1"/>
+          <p:cNvSpPr>
+            <a:spLocks noGrp="1"/>
+          </p:cNvSpPr>
+          <p:nvPr>
+            <p:ph type="title"/>
+          </p:nvPr>
+        </p:nvSpPr>
+        <p:spPr/>
+        <p:txBody>
+          <a:bodyPr/>
+          <a:lstStyle/>
+          <a:p>
+            <a:r>
+              <a:rPr lang="en-US" altLang="ko-KR" dirty="0" smtClean="0"/>
+              <a:t>Sampling</a:t>
+            </a:r>
+            <a:endParaRPr lang="ko-KR" altLang="en-US" dirty="0"/>
+          </a:p>
+        </p:txBody>
+      </p:sp>
+      <p:sp>
+        <p:nvSpPr>
+          <p:cNvPr id="3" name="텍스트 개체 틀 2"/>
+          <p:cNvSpPr>
+            <a:spLocks noGrp="1"/>
+          </p:cNvSpPr>
+          <p:nvPr>
+            <p:ph type="body" idx="1"/>
+          </p:nvPr>
+        </p:nvSpPr>
+        <p:spPr/>
+        <p:txBody>
+          <a:bodyPr/>
+          <a:lstStyle/>
+          <a:p>
+            <a:endParaRPr lang="ko-KR" altLang="en-US"/>
+          </a:p>
+        </p:txBody>
+      </p:sp>
+    </p:spTree>
+    <p:extLst>
+      <p:ext uri="{BB962C8B-B14F-4D97-AF65-F5344CB8AC3E}">
+        <p14:creationId xmlns:p14="http://schemas.microsoft.com/office/powerpoint/2010/main" val="2180783887"/>
+      </p:ext>
+    </p:extLst>
+  </p:cSld>
+  <p:clrMapOvr>
+    <a:masterClrMapping/>
+  </p:clrMapOvr>
+</p:sld>
+</file>
+
+<file path=ppt/slides/slide27.xml><?xml version="1.0" encoding="utf-8"?>
+<p:sld xmlns:a="http://schemas.openxmlformats.org/drawingml/2006/main" xmlns:r="http://schemas.openxmlformats.org/officeDocument/2006/relationships" xmlns:p="http://schemas.openxmlformats.org/presentationml/2006/main">
+  <p:cSld>
+    <p:spTree>
+      <p:nvGrpSpPr>
+        <p:cNvPr id="1" name=""/>
+        <p:cNvGrpSpPr/>
+        <p:nvPr/>
+      </p:nvGrpSpPr>
+      <p:grpSpPr>
+        <a:xfrm>
+          <a:off x="0" y="0"/>
+          <a:ext cx="0" cy="0"/>
+          <a:chOff x="0" y="0"/>
+          <a:chExt cx="0" cy="0"/>
+        </a:xfrm>
+      </p:grpSpPr>
+      <p:sp>
+        <p:nvSpPr>
+          <p:cNvPr id="2" name="제목 1"/>
+          <p:cNvSpPr>
+            <a:spLocks noGrp="1"/>
+          </p:cNvSpPr>
+          <p:nvPr>
+            <p:ph type="title"/>
+          </p:nvPr>
+        </p:nvSpPr>
+        <p:spPr/>
+        <p:txBody>
+          <a:bodyPr/>
+          <a:lstStyle/>
+          <a:p>
+            <a:r>
+              <a:rPr lang="en-US" altLang="ko-KR" dirty="0" smtClean="0"/>
+              <a:t>Sampling - Master</a:t>
+            </a:r>
+            <a:endParaRPr lang="ko-KR" altLang="en-US" dirty="0"/>
+          </a:p>
+        </p:txBody>
+      </p:sp>
+      <p:sp>
+        <p:nvSpPr>
+          <p:cNvPr id="3" name="내용 개체 틀 2"/>
+          <p:cNvSpPr>
+            <a:spLocks noGrp="1"/>
+          </p:cNvSpPr>
+          <p:nvPr>
+            <p:ph idx="1"/>
+          </p:nvPr>
+        </p:nvSpPr>
+        <p:spPr/>
+        <p:txBody>
+          <a:bodyPr/>
+          <a:lstStyle/>
+          <a:p>
+            <a:r>
+              <a:rPr lang="en-US" altLang="ko-KR" dirty="0"/>
+              <a:t>G</a:t>
+            </a:r>
+            <a:r>
+              <a:rPr lang="en-US" altLang="ko-KR" dirty="0" smtClean="0"/>
+              <a:t>et minimum and maximum key from samples</a:t>
+            </a:r>
+          </a:p>
+          <a:p>
+            <a:r>
+              <a:rPr lang="en-US" altLang="ko-KR" dirty="0" smtClean="0"/>
+              <a:t>Select pivot positions which divide a range between minimum and maximum key value into N subdivision for each slave</a:t>
+            </a:r>
+          </a:p>
+          <a:p>
+            <a:endParaRPr lang="ko-KR" altLang="en-US" dirty="0"/>
+          </a:p>
+        </p:txBody>
+      </p:sp>
+    </p:spTree>
+    <p:extLst>
+      <p:ext uri="{BB962C8B-B14F-4D97-AF65-F5344CB8AC3E}">
+        <p14:creationId xmlns:p14="http://schemas.microsoft.com/office/powerpoint/2010/main" val="3354224861"/>
+      </p:ext>
+    </p:extLst>
+  </p:cSld>
+  <p:clrMapOvr>
+    <a:masterClrMapping/>
+  </p:clrMapOvr>
+</p:sld>
+</file>
+
+<file path=ppt/slides/slide28.xml><?xml version="1.0" encoding="utf-8"?>
+<p:sld xmlns:a="http://schemas.openxmlformats.org/drawingml/2006/main" xmlns:r="http://schemas.openxmlformats.org/officeDocument/2006/relationships" xmlns:p="http://schemas.openxmlformats.org/presentationml/2006/main">
+  <p:cSld>
+    <p:spTree>
+      <p:nvGrpSpPr>
+        <p:cNvPr id="1" name=""/>
+        <p:cNvGrpSpPr/>
+        <p:nvPr/>
+      </p:nvGrpSpPr>
+      <p:grpSpPr>
+        <a:xfrm>
+          <a:off x="0" y="0"/>
+          <a:ext cx="0" cy="0"/>
+          <a:chOff x="0" y="0"/>
+          <a:chExt cx="0" cy="0"/>
+        </a:xfrm>
+      </p:grpSpPr>
+      <p:sp>
+        <p:nvSpPr>
+          <p:cNvPr id="2" name="제목 1"/>
+          <p:cNvSpPr>
+            <a:spLocks noGrp="1"/>
+          </p:cNvSpPr>
+          <p:nvPr>
+            <p:ph type="title"/>
+          </p:nvPr>
+        </p:nvSpPr>
+        <p:spPr/>
+        <p:txBody>
+          <a:bodyPr/>
+          <a:lstStyle/>
+          <a:p>
+            <a:r>
+              <a:rPr lang="en-US" altLang="ko-KR" dirty="0" smtClean="0"/>
+              <a:t>Sampling - Slave</a:t>
+            </a:r>
+            <a:endParaRPr lang="ko-KR" altLang="en-US" dirty="0"/>
+          </a:p>
+        </p:txBody>
+      </p:sp>
+      <p:sp>
+        <p:nvSpPr>
+          <p:cNvPr id="3" name="내용 개체 틀 2"/>
+          <p:cNvSpPr>
+            <a:spLocks noGrp="1"/>
+          </p:cNvSpPr>
+          <p:nvPr>
+            <p:ph idx="1"/>
+          </p:nvPr>
+        </p:nvSpPr>
+        <p:spPr/>
+        <p:txBody>
+          <a:bodyPr/>
+          <a:lstStyle/>
+          <a:p>
+            <a:r>
+              <a:rPr lang="en-US" altLang="ko-KR" dirty="0" smtClean="0"/>
+              <a:t>Scan all the input data</a:t>
+            </a:r>
+          </a:p>
+          <a:p>
+            <a:r>
+              <a:rPr lang="en-US" altLang="ko-KR" dirty="0" smtClean="0"/>
+              <a:t>Send minimum and maximum key value to master</a:t>
+            </a:r>
+            <a:endParaRPr lang="ko-KR" altLang="en-US" dirty="0"/>
+          </a:p>
+        </p:txBody>
+      </p:sp>
+    </p:spTree>
+    <p:extLst>
+      <p:ext uri="{BB962C8B-B14F-4D97-AF65-F5344CB8AC3E}">
+        <p14:creationId xmlns:p14="http://schemas.microsoft.com/office/powerpoint/2010/main" val="1403608208"/>
+      </p:ext>
+    </p:extLst>
+  </p:cSld>
+  <p:clrMapOvr>
+    <a:masterClrMapping/>
+  </p:clrMapOvr>
+</p:sld>
+</file>
+
+<file path=ppt/slides/slide29.xml><?xml version="1.0" encoding="utf-8"?>
+<p:sld xmlns:a="http://schemas.openxmlformats.org/drawingml/2006/main" xmlns:r="http://schemas.openxmlformats.org/officeDocument/2006/relationships" xmlns:p="http://schemas.openxmlformats.org/presentationml/2006/main">
+  <p:cSld>
+    <p:spTree>
+      <p:nvGrpSpPr>
+        <p:cNvPr id="1" name=""/>
+        <p:cNvGrpSpPr/>
+        <p:nvPr/>
+      </p:nvGrpSpPr>
+      <p:grpSpPr>
+        <a:xfrm>
+          <a:off x="0" y="0"/>
+          <a:ext cx="0" cy="0"/>
+          <a:chOff x="0" y="0"/>
+          <a:chExt cx="0" cy="0"/>
+        </a:xfrm>
+      </p:grpSpPr>
+      <p:sp>
+        <p:nvSpPr>
+          <p:cNvPr id="2" name="제목 1"/>
+          <p:cNvSpPr>
+            <a:spLocks noGrp="1"/>
+          </p:cNvSpPr>
+          <p:nvPr>
+            <p:ph type="title"/>
+          </p:nvPr>
+        </p:nvSpPr>
+        <p:spPr/>
+        <p:txBody>
+          <a:bodyPr/>
+          <a:lstStyle/>
+          <a:p>
+            <a:r>
+              <a:rPr lang="en-US" altLang="ko-KR" dirty="0" smtClean="0"/>
+              <a:t>Test (TBA)</a:t>
+            </a:r>
+            <a:endParaRPr lang="ko-KR" altLang="en-US" dirty="0"/>
+          </a:p>
+        </p:txBody>
+      </p:sp>
+      <p:sp>
+        <p:nvSpPr>
+          <p:cNvPr id="3" name="텍스트 개체 틀 2"/>
+          <p:cNvSpPr>
+            <a:spLocks noGrp="1"/>
+          </p:cNvSpPr>
+          <p:nvPr>
+            <p:ph type="body" idx="1"/>
+          </p:nvPr>
+        </p:nvSpPr>
+        <p:spPr/>
+        <p:txBody>
+          <a:bodyPr/>
+          <a:lstStyle/>
+          <a:p>
+            <a:endParaRPr lang="ko-KR" altLang="en-US"/>
+          </a:p>
+        </p:txBody>
+      </p:sp>
+    </p:spTree>
+    <p:extLst>
+      <p:ext uri="{BB962C8B-B14F-4D97-AF65-F5344CB8AC3E}">
+        <p14:creationId xmlns:p14="http://schemas.microsoft.com/office/powerpoint/2010/main" val="1012392627"/>
+      </p:ext>
+    </p:extLst>
+  </p:cSld>
+  <p:clrMapOvr>
+    <a:masterClrMapping/>
+  </p:clrMapOvr>
+</p:sld>
+</file>
+
 <file path=ppt/slides/slide3.xml><?xml version="1.0" encoding="utf-8"?>
 <p:sld xmlns:a="http://schemas.openxmlformats.org/drawingml/2006/main" xmlns:r="http://schemas.openxmlformats.org/officeDocument/2006/relationships" xmlns:p="http://schemas.openxmlformats.org/presentationml/2006/main">
   <p:cSld>
@@ -5223,6 +9755,443 @@
     <p:extLst>
       <p:ext uri="{BB962C8B-B14F-4D97-AF65-F5344CB8AC3E}">
         <p14:creationId xmlns:p14="http://schemas.microsoft.com/office/powerpoint/2010/main" val="2386636022"/>
+      </p:ext>
+    </p:extLst>
+  </p:cSld>
+  <p:clrMapOvr>
+    <a:masterClrMapping/>
+  </p:clrMapOvr>
+</p:sld>
+</file>
+
+<file path=ppt/slides/slide30.xml><?xml version="1.0" encoding="utf-8"?>
+<p:sld xmlns:a="http://schemas.openxmlformats.org/drawingml/2006/main" xmlns:r="http://schemas.openxmlformats.org/officeDocument/2006/relationships" xmlns:p="http://schemas.openxmlformats.org/presentationml/2006/main">
+  <p:cSld>
+    <p:spTree>
+      <p:nvGrpSpPr>
+        <p:cNvPr id="1" name=""/>
+        <p:cNvGrpSpPr/>
+        <p:nvPr/>
+      </p:nvGrpSpPr>
+      <p:grpSpPr>
+        <a:xfrm>
+          <a:off x="0" y="0"/>
+          <a:ext cx="0" cy="0"/>
+          <a:chOff x="0" y="0"/>
+          <a:chExt cx="0" cy="0"/>
+        </a:xfrm>
+      </p:grpSpPr>
+      <p:sp>
+        <p:nvSpPr>
+          <p:cNvPr id="2" name="제목 1"/>
+          <p:cNvSpPr>
+            <a:spLocks noGrp="1"/>
+          </p:cNvSpPr>
+          <p:nvPr>
+            <p:ph type="title"/>
+          </p:nvPr>
+        </p:nvSpPr>
+        <p:spPr/>
+        <p:txBody>
+          <a:bodyPr/>
+          <a:lstStyle/>
+          <a:p>
+            <a:r>
+              <a:rPr lang="en-US" altLang="ko-KR" dirty="0" smtClean="0"/>
+              <a:t>logging</a:t>
+            </a:r>
+            <a:endParaRPr lang="ko-KR" altLang="en-US" dirty="0"/>
+          </a:p>
+        </p:txBody>
+      </p:sp>
+      <p:sp>
+        <p:nvSpPr>
+          <p:cNvPr id="3" name="내용 개체 틀 2"/>
+          <p:cNvSpPr>
+            <a:spLocks noGrp="1"/>
+          </p:cNvSpPr>
+          <p:nvPr>
+            <p:ph idx="1"/>
+          </p:nvPr>
+        </p:nvSpPr>
+        <p:spPr/>
+        <p:txBody>
+          <a:bodyPr/>
+          <a:lstStyle/>
+          <a:p>
+            <a:r>
+              <a:rPr lang="en-US" altLang="ko-KR" dirty="0" smtClean="0"/>
+              <a:t>Master prints log message listing every slave who finish a task for a state at every state</a:t>
+            </a:r>
+          </a:p>
+          <a:p>
+            <a:r>
+              <a:rPr lang="en-US" altLang="ko-KR" dirty="0" smtClean="0"/>
+              <a:t>Slave prints its state whenever it changes its state</a:t>
+            </a:r>
+            <a:endParaRPr lang="ko-KR" altLang="en-US" dirty="0"/>
+          </a:p>
+        </p:txBody>
+      </p:sp>
+    </p:spTree>
+    <p:extLst>
+      <p:ext uri="{BB962C8B-B14F-4D97-AF65-F5344CB8AC3E}">
+        <p14:creationId xmlns:p14="http://schemas.microsoft.com/office/powerpoint/2010/main" val="3624648154"/>
+      </p:ext>
+    </p:extLst>
+  </p:cSld>
+  <p:clrMapOvr>
+    <a:masterClrMapping/>
+  </p:clrMapOvr>
+</p:sld>
+</file>
+
+<file path=ppt/slides/slide31.xml><?xml version="1.0" encoding="utf-8"?>
+<p:sld xmlns:a="http://schemas.openxmlformats.org/drawingml/2006/main" xmlns:r="http://schemas.openxmlformats.org/officeDocument/2006/relationships" xmlns:p="http://schemas.openxmlformats.org/presentationml/2006/main">
+  <p:cSld>
+    <p:spTree>
+      <p:nvGrpSpPr>
+        <p:cNvPr id="1" name=""/>
+        <p:cNvGrpSpPr/>
+        <p:nvPr/>
+      </p:nvGrpSpPr>
+      <p:grpSpPr>
+        <a:xfrm>
+          <a:off x="0" y="0"/>
+          <a:ext cx="0" cy="0"/>
+          <a:chOff x="0" y="0"/>
+          <a:chExt cx="0" cy="0"/>
+        </a:xfrm>
+      </p:grpSpPr>
+      <p:sp>
+        <p:nvSpPr>
+          <p:cNvPr id="2" name="제목 1"/>
+          <p:cNvSpPr>
+            <a:spLocks noGrp="1"/>
+          </p:cNvSpPr>
+          <p:nvPr>
+            <p:ph type="title"/>
+          </p:nvPr>
+        </p:nvSpPr>
+        <p:spPr>
+          <a:xfrm>
+            <a:off x="864577" y="2695087"/>
+            <a:ext cx="10515600" cy="1325563"/>
+          </a:xfrm>
+        </p:spPr>
+        <p:txBody>
+          <a:bodyPr/>
+          <a:lstStyle/>
+          <a:p>
+            <a:pPr algn="ctr"/>
+            <a:r>
+              <a:rPr lang="en-US" altLang="ko-KR" dirty="0" smtClean="0"/>
+              <a:t>END</a:t>
+            </a:r>
+            <a:endParaRPr lang="ko-KR" altLang="en-US" dirty="0"/>
+          </a:p>
+        </p:txBody>
+      </p:sp>
+    </p:spTree>
+    <p:extLst>
+      <p:ext uri="{BB962C8B-B14F-4D97-AF65-F5344CB8AC3E}">
+        <p14:creationId xmlns:p14="http://schemas.microsoft.com/office/powerpoint/2010/main" val="1828546751"/>
+      </p:ext>
+    </p:extLst>
+  </p:cSld>
+  <p:clrMapOvr>
+    <a:masterClrMapping/>
+  </p:clrMapOvr>
+</p:sld>
+</file>
+
+<file path=ppt/slides/slide32.xml><?xml version="1.0" encoding="utf-8"?>
+<p:sld xmlns:a="http://schemas.openxmlformats.org/drawingml/2006/main" xmlns:r="http://schemas.openxmlformats.org/officeDocument/2006/relationships" xmlns:p="http://schemas.openxmlformats.org/presentationml/2006/main">
+  <p:cSld>
+    <p:spTree>
+      <p:nvGrpSpPr>
+        <p:cNvPr id="1" name=""/>
+        <p:cNvGrpSpPr/>
+        <p:nvPr/>
+      </p:nvGrpSpPr>
+      <p:grpSpPr>
+        <a:xfrm>
+          <a:off x="0" y="0"/>
+          <a:ext cx="0" cy="0"/>
+          <a:chOff x="0" y="0"/>
+          <a:chExt cx="0" cy="0"/>
+        </a:xfrm>
+      </p:grpSpPr>
+      <p:sp>
+        <p:nvSpPr>
+          <p:cNvPr id="2" name="제목 1"/>
+          <p:cNvSpPr>
+            <a:spLocks noGrp="1"/>
+          </p:cNvSpPr>
+          <p:nvPr>
+            <p:ph type="title"/>
+          </p:nvPr>
+        </p:nvSpPr>
+        <p:spPr/>
+        <p:txBody>
+          <a:bodyPr/>
+          <a:lstStyle/>
+          <a:p>
+            <a:r>
+              <a:rPr lang="en-US" altLang="ko-KR" dirty="0" smtClean="0"/>
+              <a:t>Report</a:t>
+            </a:r>
+            <a:endParaRPr lang="ko-KR" altLang="en-US" dirty="0"/>
+          </a:p>
+        </p:txBody>
+      </p:sp>
+      <p:sp>
+        <p:nvSpPr>
+          <p:cNvPr id="3" name="텍스트 개체 틀 2"/>
+          <p:cNvSpPr>
+            <a:spLocks noGrp="1"/>
+          </p:cNvSpPr>
+          <p:nvPr>
+            <p:ph type="body" idx="1"/>
+          </p:nvPr>
+        </p:nvSpPr>
+        <p:spPr/>
+        <p:txBody>
+          <a:bodyPr/>
+          <a:lstStyle/>
+          <a:p>
+            <a:endParaRPr lang="ko-KR" altLang="en-US"/>
+          </a:p>
+        </p:txBody>
+      </p:sp>
+    </p:spTree>
+    <p:extLst>
+      <p:ext uri="{BB962C8B-B14F-4D97-AF65-F5344CB8AC3E}">
+        <p14:creationId xmlns:p14="http://schemas.microsoft.com/office/powerpoint/2010/main" val="2061114743"/>
+      </p:ext>
+    </p:extLst>
+  </p:cSld>
+  <p:clrMapOvr>
+    <a:masterClrMapping/>
+  </p:clrMapOvr>
+</p:sld>
+</file>
+
+<file path=ppt/slides/slide33.xml><?xml version="1.0" encoding="utf-8"?>
+<p:sld xmlns:a="http://schemas.openxmlformats.org/drawingml/2006/main" xmlns:r="http://schemas.openxmlformats.org/officeDocument/2006/relationships" xmlns:p="http://schemas.openxmlformats.org/presentationml/2006/main">
+  <p:cSld>
+    <p:spTree>
+      <p:nvGrpSpPr>
+        <p:cNvPr id="1" name=""/>
+        <p:cNvGrpSpPr/>
+        <p:nvPr/>
+      </p:nvGrpSpPr>
+      <p:grpSpPr>
+        <a:xfrm>
+          <a:off x="0" y="0"/>
+          <a:ext cx="0" cy="0"/>
+          <a:chOff x="0" y="0"/>
+          <a:chExt cx="0" cy="0"/>
+        </a:xfrm>
+      </p:grpSpPr>
+      <p:sp>
+        <p:nvSpPr>
+          <p:cNvPr id="2" name="제목 1"/>
+          <p:cNvSpPr>
+            <a:spLocks noGrp="1"/>
+          </p:cNvSpPr>
+          <p:nvPr>
+            <p:ph type="title"/>
+          </p:nvPr>
+        </p:nvSpPr>
+        <p:spPr/>
+        <p:txBody>
+          <a:bodyPr/>
+          <a:lstStyle/>
+          <a:p>
+            <a:r>
+              <a:rPr lang="en-US" altLang="ko-KR" dirty="0" smtClean="0"/>
+              <a:t>What I did</a:t>
+            </a:r>
+            <a:endParaRPr lang="ko-KR" altLang="en-US" dirty="0"/>
+          </a:p>
+        </p:txBody>
+      </p:sp>
+      <p:sp>
+        <p:nvSpPr>
+          <p:cNvPr id="3" name="내용 개체 틀 2"/>
+          <p:cNvSpPr>
+            <a:spLocks noGrp="1"/>
+          </p:cNvSpPr>
+          <p:nvPr>
+            <p:ph idx="1"/>
+          </p:nvPr>
+        </p:nvSpPr>
+        <p:spPr/>
+        <p:txBody>
+          <a:bodyPr/>
+          <a:lstStyle/>
+          <a:p>
+            <a:r>
+              <a:rPr lang="en-US" altLang="ko-KR" dirty="0" smtClean="0"/>
+              <a:t>Remove this implementation </a:t>
+            </a:r>
+          </a:p>
+          <a:p>
+            <a:pPr lvl="1"/>
+            <a:r>
+              <a:rPr lang="en-US" altLang="ko-KR" dirty="0" smtClean="0"/>
+              <a:t>TCP </a:t>
+            </a:r>
+            <a:r>
+              <a:rPr lang="en-US" altLang="ko-KR" dirty="0" smtClean="0"/>
+              <a:t>establishment(using </a:t>
+            </a:r>
+            <a:r>
+              <a:rPr lang="en-US" altLang="ko-KR" dirty="0" err="1" smtClean="0"/>
+              <a:t>Akka</a:t>
+            </a:r>
+            <a:r>
+              <a:rPr lang="en-US" altLang="ko-KR" dirty="0" smtClean="0"/>
+              <a:t>) between salve and </a:t>
+            </a:r>
+            <a:r>
+              <a:rPr lang="en-US" altLang="ko-KR" dirty="0" smtClean="0"/>
+              <a:t>master</a:t>
+            </a:r>
+          </a:p>
+          <a:p>
+            <a:r>
+              <a:rPr lang="en-US" altLang="ko-KR" dirty="0" smtClean="0"/>
+              <a:t>TBA</a:t>
+            </a:r>
+            <a:endParaRPr lang="en-US" altLang="ko-KR" dirty="0" smtClean="0"/>
+          </a:p>
+        </p:txBody>
+      </p:sp>
+    </p:spTree>
+    <p:extLst>
+      <p:ext uri="{BB962C8B-B14F-4D97-AF65-F5344CB8AC3E}">
+        <p14:creationId xmlns:p14="http://schemas.microsoft.com/office/powerpoint/2010/main" val="4205502534"/>
+      </p:ext>
+    </p:extLst>
+  </p:cSld>
+  <p:clrMapOvr>
+    <a:masterClrMapping/>
+  </p:clrMapOvr>
+</p:sld>
+</file>
+
+<file path=ppt/slides/slide34.xml><?xml version="1.0" encoding="utf-8"?>
+<p:sld xmlns:a="http://schemas.openxmlformats.org/drawingml/2006/main" xmlns:r="http://schemas.openxmlformats.org/officeDocument/2006/relationships" xmlns:p="http://schemas.openxmlformats.org/presentationml/2006/main">
+  <p:cSld>
+    <p:spTree>
+      <p:nvGrpSpPr>
+        <p:cNvPr id="1" name=""/>
+        <p:cNvGrpSpPr/>
+        <p:nvPr/>
+      </p:nvGrpSpPr>
+      <p:grpSpPr>
+        <a:xfrm>
+          <a:off x="0" y="0"/>
+          <a:ext cx="0" cy="0"/>
+          <a:chOff x="0" y="0"/>
+          <a:chExt cx="0" cy="0"/>
+        </a:xfrm>
+      </p:grpSpPr>
+      <p:sp>
+        <p:nvSpPr>
+          <p:cNvPr id="2" name="제목 1"/>
+          <p:cNvSpPr>
+            <a:spLocks noGrp="1"/>
+          </p:cNvSpPr>
+          <p:nvPr>
+            <p:ph type="title"/>
+          </p:nvPr>
+        </p:nvSpPr>
+        <p:spPr/>
+        <p:txBody>
+          <a:bodyPr/>
+          <a:lstStyle/>
+          <a:p>
+            <a:r>
+              <a:rPr lang="en-US" altLang="ko-KR" dirty="0" smtClean="0"/>
+              <a:t>TODO</a:t>
+            </a:r>
+            <a:endParaRPr lang="ko-KR" altLang="en-US" dirty="0"/>
+          </a:p>
+        </p:txBody>
+      </p:sp>
+      <p:sp>
+        <p:nvSpPr>
+          <p:cNvPr id="3" name="내용 개체 틀 2"/>
+          <p:cNvSpPr>
+            <a:spLocks noGrp="1"/>
+          </p:cNvSpPr>
+          <p:nvPr>
+            <p:ph idx="1"/>
+          </p:nvPr>
+        </p:nvSpPr>
+        <p:spPr/>
+        <p:txBody>
+          <a:bodyPr/>
+          <a:lstStyle/>
+          <a:p>
+            <a:r>
+              <a:rPr lang="en-US" altLang="ko-KR" dirty="0" smtClean="0"/>
+              <a:t>Milestone1</a:t>
+            </a:r>
+            <a:endParaRPr lang="en-US" altLang="ko-KR" dirty="0" smtClean="0"/>
+          </a:p>
+          <a:p>
+            <a:pPr lvl="1"/>
+            <a:r>
+              <a:rPr lang="en-US" altLang="ko-KR" dirty="0" smtClean="0"/>
+              <a:t>Pre-phase, sorting</a:t>
+            </a:r>
+          </a:p>
+          <a:p>
+            <a:pPr lvl="1"/>
+            <a:r>
+              <a:rPr lang="en-US" altLang="ko-KR" dirty="0" smtClean="0"/>
+              <a:t>Complete </a:t>
+            </a:r>
+            <a:r>
+              <a:rPr lang="en-US" altLang="ko-KR" dirty="0" smtClean="0"/>
+              <a:t>doc</a:t>
+            </a:r>
+            <a:endParaRPr lang="en-US" altLang="ko-KR" dirty="0" smtClean="0"/>
+          </a:p>
+          <a:p>
+            <a:r>
+              <a:rPr lang="en-US" altLang="ko-KR" dirty="0" smtClean="0"/>
+              <a:t>Milestone2</a:t>
+            </a:r>
+          </a:p>
+          <a:p>
+            <a:pPr lvl="1"/>
+            <a:endParaRPr lang="en-US" altLang="ko-KR" dirty="0" smtClean="0"/>
+          </a:p>
+          <a:p>
+            <a:r>
+              <a:rPr lang="en-US" altLang="ko-KR" dirty="0" smtClean="0"/>
+              <a:t>Milestone3</a:t>
+            </a:r>
+            <a:endParaRPr lang="en-US" altLang="ko-KR" dirty="0" smtClean="0"/>
+          </a:p>
+          <a:p>
+            <a:pPr lvl="1"/>
+            <a:r>
+              <a:rPr lang="en-US" altLang="ko-KR" dirty="0" smtClean="0"/>
+              <a:t>Po</a:t>
+            </a:r>
+          </a:p>
+        </p:txBody>
+      </p:sp>
+    </p:spTree>
+    <p:extLst>
+      <p:ext uri="{BB962C8B-B14F-4D97-AF65-F5344CB8AC3E}">
+        <p14:creationId xmlns:p14="http://schemas.microsoft.com/office/powerpoint/2010/main" val="3896577078"/>
       </p:ext>
     </p:extLst>
   </p:cSld>
@@ -5284,7 +10253,9 @@
         </p:nvSpPr>
         <p:spPr/>
         <p:txBody>
-          <a:bodyPr/>
+          <a:bodyPr>
+            <a:normAutofit/>
+          </a:bodyPr>
           <a:lstStyle/>
           <a:p>
             <a:pPr marL="0" indent="0">
@@ -5292,8 +10263,55 @@
             </a:pPr>
             <a:r>
               <a:rPr lang="en-US" altLang="ko-KR" dirty="0" smtClean="0"/>
-              <a:t>Camel case: each word is capitalized, except possibly the first word</a:t>
-            </a:r>
+              <a:t>Variable: Camel case(each </a:t>
+            </a:r>
+            <a:r>
+              <a:rPr lang="en-US" altLang="ko-KR" dirty="0" smtClean="0"/>
+              <a:t>word is capitalized, except possibly the first </a:t>
+            </a:r>
+            <a:r>
+              <a:rPr lang="en-US" altLang="ko-KR" dirty="0" smtClean="0"/>
+              <a:t>word)</a:t>
+            </a:r>
+          </a:p>
+          <a:p>
+            <a:pPr marL="0" indent="0">
+              <a:buNone/>
+            </a:pPr>
+            <a:r>
+              <a:rPr lang="en-US" altLang="ko-KR" dirty="0" smtClean="0"/>
+              <a:t>Class: Pascal case</a:t>
+            </a:r>
+            <a:endParaRPr lang="en-US" altLang="ko-KR" dirty="0"/>
+          </a:p>
+          <a:p>
+            <a:pPr marL="0" indent="0">
+              <a:buNone/>
+            </a:pPr>
+            <a:r>
+              <a:rPr lang="en-US" altLang="ko-KR" dirty="0" smtClean="0"/>
+              <a:t>Module:</a:t>
+            </a:r>
+            <a:endParaRPr lang="en-US" altLang="ko-KR" dirty="0"/>
+          </a:p>
+          <a:p>
+            <a:pPr marL="0" indent="0">
+              <a:buNone/>
+            </a:pPr>
+            <a:r>
+              <a:rPr lang="en-US" altLang="ko-KR" dirty="0" smtClean="0"/>
+              <a:t>Method: Camel case</a:t>
+            </a:r>
+          </a:p>
+          <a:p>
+            <a:pPr marL="0" indent="0">
+              <a:buNone/>
+            </a:pPr>
+            <a:r>
+              <a:rPr lang="en-US" altLang="ko-KR" dirty="0" smtClean="0"/>
+              <a:t>Method parentheses: yes for side effect</a:t>
+            </a:r>
+            <a:endParaRPr lang="en-US" altLang="ko-KR" dirty="0" smtClean="0"/>
           </a:p>
           <a:p>
             <a:pPr marL="0" indent="0">
@@ -5307,7 +10325,11 @@
             </a:pPr>
             <a:r>
               <a:rPr lang="en-US" altLang="ko-KR" dirty="0" smtClean="0"/>
-              <a:t>Others will follow this doc(https://docs.scala-lang.org/style/naming-conventions.html)</a:t>
+              <a:t>* Others </a:t>
+            </a:r>
+            <a:r>
+              <a:rPr lang="en-US" altLang="ko-KR" dirty="0" smtClean="0"/>
+              <a:t>will follow this doc(https://docs.scala-lang.org/style/naming-conventions.html)</a:t>
             </a:r>
           </a:p>
         </p:txBody>
@@ -5388,10 +10410,34 @@
               <a:t>Use </a:t>
             </a:r>
             <a:r>
-              <a:rPr lang="en-US" altLang="ko-KR" smtClean="0"/>
+              <a:rPr lang="en-US" altLang="ko-KR" dirty="0" err="1" smtClean="0"/>
               <a:t>scalafix</a:t>
             </a:r>
-            <a:endParaRPr lang="ko-KR" altLang="en-US"/>
+            <a:r>
+              <a:rPr lang="en-US" altLang="ko-KR" dirty="0" smtClean="0"/>
+              <a:t> 0.9.23 for </a:t>
+            </a:r>
+            <a:r>
+              <a:rPr lang="en-US" altLang="ko-KR" dirty="0" err="1" smtClean="0"/>
+              <a:t>sbt</a:t>
+            </a:r>
+            <a:endParaRPr lang="en-US" altLang="ko-KR" dirty="0" smtClean="0"/>
+          </a:p>
+          <a:p>
+            <a:pPr marL="0" indent="0">
+              <a:buNone/>
+            </a:pPr>
+            <a:endParaRPr lang="en-US" altLang="ko-KR" dirty="0"/>
+          </a:p>
+          <a:p>
+            <a:pPr marL="0" indent="0">
+              <a:buNone/>
+            </a:pPr>
+            <a:r>
+              <a:rPr lang="en-US" altLang="ko-KR" dirty="0"/>
+              <a:t>* https://scalacenter.github.io/scalafix/</a:t>
+            </a:r>
+            <a:endParaRPr lang="ko-KR" altLang="en-US" dirty="0"/>
           </a:p>
         </p:txBody>
       </p:sp>
@@ -5460,10 +10506,51 @@
         </p:nvSpPr>
         <p:spPr/>
         <p:txBody>
-          <a:bodyPr/>
+          <a:bodyPr>
+            <a:normAutofit fontScale="92500" lnSpcReduction="20000"/>
+          </a:bodyPr>
           <a:lstStyle/>
           <a:p>
-            <a:endParaRPr lang="ko-KR" altLang="en-US"/>
+            <a:pPr marL="342900" indent="-342900">
+              <a:buFont typeface="Arial" panose="020B0604020202020204" pitchFamily="34" charset="0"/>
+              <a:buChar char="•"/>
+            </a:pPr>
+            <a:r>
+              <a:rPr lang="en-US" altLang="ko-KR" dirty="0" smtClean="0"/>
+              <a:t>Communication model</a:t>
+            </a:r>
+          </a:p>
+          <a:p>
+            <a:pPr marL="342900" indent="-342900">
+              <a:buFont typeface="Arial" panose="020B0604020202020204" pitchFamily="34" charset="0"/>
+              <a:buChar char="•"/>
+            </a:pPr>
+            <a:r>
+              <a:rPr lang="en-US" altLang="ko-KR" dirty="0" smtClean="0"/>
+              <a:t>State transition rules</a:t>
+            </a:r>
+            <a:endParaRPr lang="en-US" altLang="ko-KR" dirty="0"/>
+          </a:p>
+          <a:p>
+            <a:pPr marL="342900" indent="-342900">
+              <a:buFont typeface="Arial" panose="020B0604020202020204" pitchFamily="34" charset="0"/>
+              <a:buChar char="•"/>
+            </a:pPr>
+            <a:r>
+              <a:rPr lang="en-US" altLang="ko-KR" dirty="0" smtClean="0"/>
+              <a:t>State diagram</a:t>
+            </a:r>
+          </a:p>
+          <a:p>
+            <a:pPr marL="342900" indent="-342900">
+              <a:buFont typeface="Arial" panose="020B0604020202020204" pitchFamily="34" charset="0"/>
+              <a:buChar char="•"/>
+            </a:pPr>
+            <a:r>
+              <a:rPr lang="en-US" altLang="ko-KR" dirty="0" smtClean="0"/>
+              <a:t>Flow chart</a:t>
+            </a:r>
+            <a:endParaRPr lang="ko-KR" altLang="en-US" dirty="0"/>
           </a:p>
         </p:txBody>
       </p:sp>
@@ -5558,7 +10645,7 @@
     </p:spTree>
     <p:extLst>
       <p:ext uri="{BB962C8B-B14F-4D97-AF65-F5344CB8AC3E}">
-        <p14:creationId xmlns:p14="http://schemas.microsoft.com/office/powerpoint/2010/main" val="4071457820"/>
+        <p14:creationId xmlns:p14="http://schemas.microsoft.com/office/powerpoint/2010/main" val="2063902038"/>
       </p:ext>
     </p:extLst>
   </p:cSld>
@@ -5606,11 +10693,7 @@
             </a:r>
             <a:r>
               <a:rPr lang="en-US" altLang="ko-KR" dirty="0" smtClean="0"/>
-              <a:t> </a:t>
-            </a:r>
-            <a:r>
-              <a:rPr lang="en-US" altLang="ko-KR" dirty="0" smtClean="0"/>
-              <a:t>phase for sorting</a:t>
+              <a:t> phase for sorting</a:t>
             </a:r>
             <a:endParaRPr lang="ko-KR" altLang="en-US" dirty="0"/>
           </a:p>
@@ -5645,11 +10728,7 @@
             </a:pPr>
             <a:r>
               <a:rPr lang="en-US" altLang="ko-KR" dirty="0" smtClean="0"/>
-              <a:t>Sort/Partition phase: </a:t>
-            </a:r>
-            <a:r>
-              <a:rPr lang="en-US" altLang="ko-KR" dirty="0" smtClean="0"/>
-              <a:t>sorting in parallel at each slave</a:t>
+              <a:t>Sort/Partition phase: sorting in parallel at each slave</a:t>
             </a:r>
           </a:p>
           <a:p>
@@ -5658,19 +10737,7 @@
             </a:pPr>
             <a:r>
               <a:rPr lang="en-US" altLang="ko-KR" dirty="0" smtClean="0"/>
-              <a:t>Shuffle phase</a:t>
-            </a:r>
-            <a:r>
-              <a:rPr lang="en-US" altLang="ko-KR" dirty="0" smtClean="0"/>
-              <a:t>: </a:t>
-            </a:r>
-            <a:r>
-              <a:rPr lang="en-US" altLang="ko-KR" dirty="0" smtClean="0"/>
-              <a:t>data exchange via the master node under its </a:t>
-            </a:r>
-            <a:r>
-              <a:rPr lang="en-US" altLang="ko-KR" dirty="0" smtClean="0"/>
-              <a:t>coordination</a:t>
+              <a:t>Shuffle phase: data exchange via the master node under its coordination</a:t>
             </a:r>
           </a:p>
           <a:p>
@@ -5688,7 +10755,7 @@
     </p:spTree>
     <p:extLst>
       <p:ext uri="{BB962C8B-B14F-4D97-AF65-F5344CB8AC3E}">
-        <p14:creationId xmlns:p14="http://schemas.microsoft.com/office/powerpoint/2010/main" val="3650328757"/>
+        <p14:creationId xmlns:p14="http://schemas.microsoft.com/office/powerpoint/2010/main" val="1493605830"/>
       </p:ext>
     </p:extLst>
   </p:cSld>
@@ -5732,59 +10799,1700 @@
           <a:p>
             <a:r>
               <a:rPr lang="en-US" altLang="ko-KR" dirty="0" smtClean="0"/>
-              <a:t>Pre-phase for sorting</a:t>
+              <a:t>Communication model</a:t>
             </a:r>
             <a:endParaRPr lang="ko-KR" altLang="en-US" dirty="0"/>
           </a:p>
         </p:txBody>
       </p:sp>
-      <p:sp>
-        <p:nvSpPr>
-          <p:cNvPr id="3" name="내용 개체 틀 2"/>
-          <p:cNvSpPr>
-            <a:spLocks noGrp="1"/>
-          </p:cNvSpPr>
-          <p:nvPr>
-            <p:ph idx="1"/>
-          </p:nvPr>
-        </p:nvSpPr>
-        <p:spPr/>
-        <p:txBody>
-          <a:bodyPr/>
+      <p:grpSp>
+        <p:nvGrpSpPr>
+          <p:cNvPr id="95" name="그룹 94"/>
+          <p:cNvGrpSpPr/>
+          <p:nvPr/>
+        </p:nvGrpSpPr>
+        <p:grpSpPr>
+          <a:xfrm>
+            <a:off x="318402" y="3128116"/>
+            <a:ext cx="3015348" cy="1807684"/>
+            <a:chOff x="4159127" y="1506339"/>
+            <a:chExt cx="3873746" cy="1112041"/>
+          </a:xfrm>
+        </p:grpSpPr>
+        <p:sp>
+          <p:nvSpPr>
+            <p:cNvPr id="4" name="모서리가 둥근 직사각형 3"/>
+            <p:cNvSpPr/>
+            <p:nvPr/>
+          </p:nvSpPr>
+          <p:spPr>
+            <a:xfrm>
+              <a:off x="4159127" y="1506339"/>
+              <a:ext cx="3873746" cy="1112041"/>
+            </a:xfrm>
+            <a:prstGeom prst="roundRect">
+              <a:avLst/>
+            </a:prstGeom>
+          </p:spPr>
+          <p:style>
+            <a:lnRef idx="2">
+              <a:schemeClr val="accent1">
+                <a:shade val="50000"/>
+              </a:schemeClr>
+            </a:lnRef>
+            <a:fillRef idx="1">
+              <a:schemeClr val="accent1"/>
+            </a:fillRef>
+            <a:effectRef idx="0">
+              <a:schemeClr val="accent1"/>
+            </a:effectRef>
+            <a:fontRef idx="minor">
+              <a:schemeClr val="lt1"/>
+            </a:fontRef>
+          </p:style>
+          <p:txBody>
+            <a:bodyPr rtlCol="0" anchor="t" anchorCtr="0"/>
+            <a:lstStyle/>
+            <a:p>
+              <a:pPr algn="ctr"/>
+              <a:r>
+                <a:rPr lang="en-US" altLang="ko-KR" dirty="0" smtClean="0"/>
+                <a:t>Master</a:t>
+              </a:r>
+              <a:endParaRPr lang="ko-KR" altLang="en-US" dirty="0"/>
+            </a:p>
+          </p:txBody>
+        </p:sp>
+        <p:sp>
+          <p:nvSpPr>
+            <p:cNvPr id="5" name="타원 4"/>
+            <p:cNvSpPr/>
+            <p:nvPr/>
+          </p:nvSpPr>
+          <p:spPr>
+            <a:xfrm>
+              <a:off x="4434565" y="1996579"/>
+              <a:ext cx="1241537" cy="301245"/>
+            </a:xfrm>
+            <a:prstGeom prst="ellipse">
+              <a:avLst/>
+            </a:prstGeom>
+          </p:spPr>
+          <p:style>
+            <a:lnRef idx="2">
+              <a:schemeClr val="accent2">
+                <a:shade val="50000"/>
+              </a:schemeClr>
+            </a:lnRef>
+            <a:fillRef idx="1">
+              <a:schemeClr val="accent2"/>
+            </a:fillRef>
+            <a:effectRef idx="0">
+              <a:schemeClr val="accent2"/>
+            </a:effectRef>
+            <a:fontRef idx="minor">
+              <a:schemeClr val="lt1"/>
+            </a:fontRef>
+          </p:style>
+          <p:txBody>
+            <a:bodyPr rtlCol="0" anchor="ctr"/>
+            <a:lstStyle/>
+            <a:p>
+              <a:pPr algn="ctr"/>
+              <a:r>
+                <a:rPr lang="en-US" altLang="ko-KR" sz="1400" dirty="0" smtClean="0"/>
+                <a:t>Main</a:t>
+              </a:r>
+              <a:endParaRPr lang="ko-KR" altLang="en-US" sz="1400" dirty="0"/>
+            </a:p>
+          </p:txBody>
+        </p:sp>
+        <p:sp>
+          <p:nvSpPr>
+            <p:cNvPr id="8" name="직사각형 7"/>
+            <p:cNvSpPr/>
+            <p:nvPr/>
+          </p:nvSpPr>
+          <p:spPr>
+            <a:xfrm>
+              <a:off x="6165768" y="1984793"/>
+              <a:ext cx="1339932" cy="324819"/>
+            </a:xfrm>
+            <a:prstGeom prst="rect">
+              <a:avLst/>
+            </a:prstGeom>
+          </p:spPr>
+          <p:style>
+            <a:lnRef idx="2">
+              <a:schemeClr val="accent3">
+                <a:shade val="50000"/>
+              </a:schemeClr>
+            </a:lnRef>
+            <a:fillRef idx="1">
+              <a:schemeClr val="accent3"/>
+            </a:fillRef>
+            <a:effectRef idx="0">
+              <a:schemeClr val="accent3"/>
+            </a:effectRef>
+            <a:fontRef idx="minor">
+              <a:schemeClr val="lt1"/>
+            </a:fontRef>
+          </p:style>
+          <p:txBody>
+            <a:bodyPr rtlCol="0" anchor="ctr"/>
+            <a:lstStyle/>
+            <a:p>
+              <a:pPr algn="ctr"/>
+              <a:r>
+                <a:rPr lang="en-US" altLang="ko-KR" sz="1400" dirty="0" err="1" smtClean="0"/>
+                <a:t>SlavePool</a:t>
+              </a:r>
+              <a:endParaRPr lang="ko-KR" altLang="en-US" sz="1400" dirty="0"/>
+            </a:p>
+          </p:txBody>
+        </p:sp>
+        <p:cxnSp>
+          <p:nvCxnSpPr>
+            <p:cNvPr id="28" name="직선 화살표 연결선 27"/>
+            <p:cNvCxnSpPr>
+              <a:stCxn id="5" idx="6"/>
+              <a:endCxn id="8" idx="1"/>
+            </p:cNvCxnSpPr>
+            <p:nvPr/>
+          </p:nvCxnSpPr>
+          <p:spPr>
+            <a:xfrm>
+              <a:off x="5676102" y="2147202"/>
+              <a:ext cx="489666" cy="1"/>
+            </a:xfrm>
+            <a:prstGeom prst="straightConnector1">
+              <a:avLst/>
+            </a:prstGeom>
+            <a:ln w="31750">
+              <a:solidFill>
+                <a:srgbClr val="FF0000"/>
+              </a:solidFill>
+              <a:headEnd type="triangle"/>
+              <a:tailEnd type="triangle"/>
+            </a:ln>
+          </p:spPr>
+          <p:style>
+            <a:lnRef idx="1">
+              <a:schemeClr val="dk1"/>
+            </a:lnRef>
+            <a:fillRef idx="0">
+              <a:schemeClr val="dk1"/>
+            </a:fillRef>
+            <a:effectRef idx="0">
+              <a:schemeClr val="dk1"/>
+            </a:effectRef>
+            <a:fontRef idx="minor">
+              <a:schemeClr val="tx1"/>
+            </a:fontRef>
+          </p:style>
+        </p:cxnSp>
+      </p:grpSp>
+      <p:grpSp>
+        <p:nvGrpSpPr>
+          <p:cNvPr id="77" name="그룹 76"/>
+          <p:cNvGrpSpPr/>
+          <p:nvPr/>
+        </p:nvGrpSpPr>
+        <p:grpSpPr>
+          <a:xfrm flipH="1">
+            <a:off x="4450675" y="1956024"/>
+            <a:ext cx="3290650" cy="1757361"/>
+            <a:chOff x="419100" y="4219575"/>
+            <a:chExt cx="5057775" cy="2400300"/>
+          </a:xfrm>
+        </p:grpSpPr>
+        <p:sp>
+          <p:nvSpPr>
+            <p:cNvPr id="78" name="모서리가 둥근 직사각형 77"/>
+            <p:cNvSpPr/>
+            <p:nvPr/>
+          </p:nvSpPr>
+          <p:spPr>
+            <a:xfrm>
+              <a:off x="419100" y="4219575"/>
+              <a:ext cx="5057775" cy="2400300"/>
+            </a:xfrm>
+            <a:prstGeom prst="roundRect">
+              <a:avLst/>
+            </a:prstGeom>
+          </p:spPr>
+          <p:style>
+            <a:lnRef idx="2">
+              <a:schemeClr val="accent4">
+                <a:shade val="50000"/>
+              </a:schemeClr>
+            </a:lnRef>
+            <a:fillRef idx="1">
+              <a:schemeClr val="accent4"/>
+            </a:fillRef>
+            <a:effectRef idx="0">
+              <a:schemeClr val="accent4"/>
+            </a:effectRef>
+            <a:fontRef idx="minor">
+              <a:schemeClr val="lt1"/>
+            </a:fontRef>
+          </p:style>
+          <p:txBody>
+            <a:bodyPr rtlCol="0" anchor="t" anchorCtr="0"/>
+            <a:lstStyle/>
+            <a:p>
+              <a:pPr algn="ctr"/>
+              <a:r>
+                <a:rPr lang="en-US" altLang="ko-KR" dirty="0" smtClean="0"/>
+                <a:t>Slave</a:t>
+              </a:r>
+              <a:endParaRPr lang="ko-KR" altLang="en-US" dirty="0"/>
+            </a:p>
+          </p:txBody>
+        </p:sp>
+        <p:sp>
+          <p:nvSpPr>
+            <p:cNvPr id="79" name="타원 78"/>
+            <p:cNvSpPr/>
+            <p:nvPr/>
+          </p:nvSpPr>
+          <p:spPr>
+            <a:xfrm>
+              <a:off x="838200" y="5203031"/>
+              <a:ext cx="1685925" cy="447675"/>
+            </a:xfrm>
+            <a:prstGeom prst="ellipse">
+              <a:avLst/>
+            </a:prstGeom>
+          </p:spPr>
+          <p:style>
+            <a:lnRef idx="2">
+              <a:schemeClr val="accent2">
+                <a:shade val="50000"/>
+              </a:schemeClr>
+            </a:lnRef>
+            <a:fillRef idx="1">
+              <a:schemeClr val="accent2"/>
+            </a:fillRef>
+            <a:effectRef idx="0">
+              <a:schemeClr val="accent2"/>
+            </a:effectRef>
+            <a:fontRef idx="minor">
+              <a:schemeClr val="lt1"/>
+            </a:fontRef>
+          </p:style>
+          <p:txBody>
+            <a:bodyPr rtlCol="0" anchor="ctr"/>
+            <a:lstStyle/>
+            <a:p>
+              <a:pPr algn="ctr"/>
+              <a:r>
+                <a:rPr lang="en-US" altLang="ko-KR" dirty="0" smtClean="0"/>
+                <a:t>Main</a:t>
+              </a:r>
+              <a:endParaRPr lang="ko-KR" altLang="en-US" dirty="0"/>
+            </a:p>
+          </p:txBody>
+        </p:sp>
+        <p:sp>
+          <p:nvSpPr>
+            <p:cNvPr id="80" name="직사각형 79"/>
+            <p:cNvSpPr/>
+            <p:nvPr/>
+          </p:nvSpPr>
+          <p:spPr>
+            <a:xfrm>
+              <a:off x="3476625" y="4306887"/>
+              <a:ext cx="1743075" cy="695326"/>
+            </a:xfrm>
+            <a:prstGeom prst="rect">
+              <a:avLst/>
+            </a:prstGeom>
+          </p:spPr>
+          <p:style>
+            <a:lnRef idx="2">
+              <a:schemeClr val="accent3">
+                <a:shade val="50000"/>
+              </a:schemeClr>
+            </a:lnRef>
+            <a:fillRef idx="1">
+              <a:schemeClr val="accent3"/>
+            </a:fillRef>
+            <a:effectRef idx="0">
+              <a:schemeClr val="accent3"/>
+            </a:effectRef>
+            <a:fontRef idx="minor">
+              <a:schemeClr val="lt1"/>
+            </a:fontRef>
+          </p:style>
+          <p:txBody>
+            <a:bodyPr rtlCol="0" anchor="ctr"/>
+            <a:lstStyle/>
+            <a:p>
+              <a:pPr algn="ctr"/>
+              <a:r>
+                <a:rPr lang="en-US" altLang="ko-KR" sz="1000" dirty="0" err="1" smtClean="0"/>
+                <a:t>MasterConnectionHandler</a:t>
+              </a:r>
+              <a:endParaRPr lang="ko-KR" altLang="en-US" sz="1000" dirty="0"/>
+            </a:p>
+          </p:txBody>
+        </p:sp>
+        <p:sp>
+          <p:nvSpPr>
+            <p:cNvPr id="81" name="직사각형 80"/>
+            <p:cNvSpPr/>
+            <p:nvPr/>
+          </p:nvSpPr>
+          <p:spPr>
+            <a:xfrm>
+              <a:off x="3476624" y="5089525"/>
+              <a:ext cx="1743075" cy="695326"/>
+            </a:xfrm>
+            <a:prstGeom prst="rect">
+              <a:avLst/>
+            </a:prstGeom>
+          </p:spPr>
+          <p:style>
+            <a:lnRef idx="2">
+              <a:schemeClr val="accent3">
+                <a:shade val="50000"/>
+              </a:schemeClr>
+            </a:lnRef>
+            <a:fillRef idx="1">
+              <a:schemeClr val="accent3"/>
+            </a:fillRef>
+            <a:effectRef idx="0">
+              <a:schemeClr val="accent3"/>
+            </a:effectRef>
+            <a:fontRef idx="minor">
+              <a:schemeClr val="lt1"/>
+            </a:fontRef>
+          </p:style>
+          <p:txBody>
+            <a:bodyPr rtlCol="0" anchor="ctr"/>
+            <a:lstStyle/>
+            <a:p>
+              <a:pPr algn="ctr"/>
+              <a:r>
+                <a:rPr lang="en-US" altLang="ko-KR" sz="1000" dirty="0" err="1" smtClean="0"/>
+                <a:t>FileTransfer</a:t>
+              </a:r>
+              <a:r>
+                <a:rPr lang="en-US" altLang="ko-KR" sz="1000" dirty="0" err="1"/>
+                <a:t>Queue</a:t>
+              </a:r>
+              <a:endParaRPr lang="ko-KR" altLang="en-US" sz="1000" dirty="0"/>
+            </a:p>
+          </p:txBody>
+        </p:sp>
+        <p:sp>
+          <p:nvSpPr>
+            <p:cNvPr id="82" name="직사각형 81"/>
+            <p:cNvSpPr/>
+            <p:nvPr/>
+          </p:nvSpPr>
+          <p:spPr>
+            <a:xfrm>
+              <a:off x="3476623" y="5865018"/>
+              <a:ext cx="1743075" cy="695326"/>
+            </a:xfrm>
+            <a:prstGeom prst="rect">
+              <a:avLst/>
+            </a:prstGeom>
+          </p:spPr>
+          <p:style>
+            <a:lnRef idx="2">
+              <a:schemeClr val="accent3">
+                <a:shade val="50000"/>
+              </a:schemeClr>
+            </a:lnRef>
+            <a:fillRef idx="1">
+              <a:schemeClr val="accent3"/>
+            </a:fillRef>
+            <a:effectRef idx="0">
+              <a:schemeClr val="accent3"/>
+            </a:effectRef>
+            <a:fontRef idx="minor">
+              <a:schemeClr val="lt1"/>
+            </a:fontRef>
+          </p:style>
+          <p:txBody>
+            <a:bodyPr rtlCol="0" anchor="ctr"/>
+            <a:lstStyle/>
+            <a:p>
+              <a:pPr algn="ctr"/>
+              <a:r>
+                <a:rPr lang="en-US" altLang="ko-KR" sz="1000" dirty="0" err="1" smtClean="0"/>
+                <a:t>FileReceivingServer</a:t>
+              </a:r>
+              <a:endParaRPr lang="ko-KR" altLang="en-US" sz="1000" dirty="0"/>
+            </a:p>
+          </p:txBody>
+        </p:sp>
+      </p:grpSp>
+      <p:cxnSp>
+        <p:nvCxnSpPr>
+          <p:cNvPr id="83" name="직선 화살표 연결선 82"/>
+          <p:cNvCxnSpPr>
+            <a:stCxn id="79" idx="6"/>
+            <a:endCxn id="80" idx="1"/>
+          </p:cNvCxnSpPr>
+          <p:nvPr/>
+        </p:nvCxnSpPr>
+        <p:spPr>
+          <a:xfrm flipH="1" flipV="1">
+            <a:off x="5752062" y="2274488"/>
+            <a:ext cx="619708" cy="565447"/>
+          </a:xfrm>
+          <a:prstGeom prst="straightConnector1">
+            <a:avLst/>
+          </a:prstGeom>
+          <a:ln w="31750">
+            <a:solidFill>
+              <a:srgbClr val="FF0000"/>
+            </a:solidFill>
+            <a:headEnd type="triangle"/>
+            <a:tailEnd type="triangle"/>
+          </a:ln>
+        </p:spPr>
+        <p:style>
+          <a:lnRef idx="1">
+            <a:schemeClr val="dk1"/>
+          </a:lnRef>
+          <a:fillRef idx="0">
+            <a:schemeClr val="dk1"/>
+          </a:fillRef>
+          <a:effectRef idx="0">
+            <a:schemeClr val="dk1"/>
+          </a:effectRef>
+          <a:fontRef idx="minor">
+            <a:schemeClr val="tx1"/>
+          </a:fontRef>
+        </p:style>
+      </p:cxnSp>
+      <p:cxnSp>
+        <p:nvCxnSpPr>
+          <p:cNvPr id="84" name="직선 화살표 연결선 83"/>
+          <p:cNvCxnSpPr>
+            <a:stCxn id="79" idx="6"/>
+            <a:endCxn id="81" idx="1"/>
+          </p:cNvCxnSpPr>
+          <p:nvPr/>
+        </p:nvCxnSpPr>
+        <p:spPr>
+          <a:xfrm flipH="1">
+            <a:off x="5752063" y="2839935"/>
+            <a:ext cx="619707" cy="7555"/>
+          </a:xfrm>
+          <a:prstGeom prst="straightConnector1">
+            <a:avLst/>
+          </a:prstGeom>
+          <a:ln w="31750">
+            <a:solidFill>
+              <a:srgbClr val="FF0000"/>
+            </a:solidFill>
+            <a:headEnd type="triangle"/>
+            <a:tailEnd type="triangle"/>
+          </a:ln>
+        </p:spPr>
+        <p:style>
+          <a:lnRef idx="1">
+            <a:schemeClr val="dk1"/>
+          </a:lnRef>
+          <a:fillRef idx="0">
+            <a:schemeClr val="dk1"/>
+          </a:fillRef>
+          <a:effectRef idx="0">
+            <a:schemeClr val="dk1"/>
+          </a:effectRef>
+          <a:fontRef idx="minor">
+            <a:schemeClr val="tx1"/>
+          </a:fontRef>
+        </p:style>
+      </p:cxnSp>
+      <p:cxnSp>
+        <p:nvCxnSpPr>
+          <p:cNvPr id="85" name="직선 화살표 연결선 84"/>
+          <p:cNvCxnSpPr>
+            <a:stCxn id="79" idx="6"/>
+            <a:endCxn id="82" idx="1"/>
+          </p:cNvCxnSpPr>
+          <p:nvPr/>
+        </p:nvCxnSpPr>
+        <p:spPr>
+          <a:xfrm flipH="1">
+            <a:off x="5752063" y="2839935"/>
+            <a:ext cx="619707" cy="575326"/>
+          </a:xfrm>
+          <a:prstGeom prst="straightConnector1">
+            <a:avLst/>
+          </a:prstGeom>
+          <a:ln w="31750">
+            <a:solidFill>
+              <a:srgbClr val="FF0000"/>
+            </a:solidFill>
+            <a:headEnd type="triangle"/>
+            <a:tailEnd type="triangle"/>
+          </a:ln>
+        </p:spPr>
+        <p:style>
+          <a:lnRef idx="1">
+            <a:schemeClr val="dk1"/>
+          </a:lnRef>
+          <a:fillRef idx="0">
+            <a:schemeClr val="dk1"/>
+          </a:fillRef>
+          <a:effectRef idx="0">
+            <a:schemeClr val="dk1"/>
+          </a:effectRef>
+          <a:fontRef idx="minor">
+            <a:schemeClr val="tx1"/>
+          </a:fontRef>
+        </p:style>
+      </p:cxnSp>
+      <p:sp>
+        <p:nvSpPr>
+          <p:cNvPr id="96" name="직사각형 95"/>
+          <p:cNvSpPr/>
+          <p:nvPr/>
+        </p:nvSpPr>
+        <p:spPr>
+          <a:xfrm>
+            <a:off x="3812791" y="1419624"/>
+            <a:ext cx="8097383" cy="5224667"/>
+          </a:xfrm>
+          <a:prstGeom prst="rect">
+            <a:avLst/>
+          </a:prstGeom>
+          <a:noFill/>
+          <a:ln>
+            <a:solidFill>
+              <a:schemeClr val="tx1"/>
+            </a:solidFill>
+          </a:ln>
+        </p:spPr>
+        <p:style>
+          <a:lnRef idx="2">
+            <a:schemeClr val="accent1">
+              <a:shade val="50000"/>
+            </a:schemeClr>
+          </a:lnRef>
+          <a:fillRef idx="1">
+            <a:schemeClr val="accent1"/>
+          </a:fillRef>
+          <a:effectRef idx="0">
+            <a:schemeClr val="accent1"/>
+          </a:effectRef>
+          <a:fontRef idx="minor">
+            <a:schemeClr val="lt1"/>
+          </a:fontRef>
+        </p:style>
+        <p:txBody>
+          <a:bodyPr rtlCol="0" anchor="ctr"/>
           <a:lstStyle/>
           <a:p>
-            <a:pPr marL="514350" indent="-514350">
-              <a:buAutoNum type="arabicPeriod"/>
-            </a:pPr>
-            <a:r>
-              <a:rPr lang="en-US" altLang="ko-KR" dirty="0" smtClean="0"/>
-              <a:t>Every slave node sand “meta information” about their own data.</a:t>
-            </a:r>
-          </a:p>
-          <a:p>
-            <a:pPr marL="514350" indent="-514350">
-              <a:buAutoNum type="arabicPeriod"/>
-            </a:pPr>
-            <a:r>
-              <a:rPr lang="en-US" altLang="ko-KR" dirty="0" smtClean="0"/>
-              <a:t>Master node collects these data and assigns each node for its responsible data.</a:t>
-            </a:r>
-          </a:p>
-          <a:p>
-            <a:pPr marL="514350" indent="-514350">
-              <a:buAutoNum type="arabicPeriod"/>
-            </a:pPr>
-            <a:r>
-              <a:rPr lang="en-US" altLang="ko-KR" dirty="0" smtClean="0"/>
-              <a:t>Master node spreads these “decision” to every slave.</a:t>
-            </a:r>
-          </a:p>
-        </p:txBody>
-      </p:sp>
+            <a:pPr algn="ctr"/>
+            <a:endParaRPr lang="ko-KR" altLang="en-US"/>
+          </a:p>
+        </p:txBody>
+      </p:sp>
+      <p:sp>
+        <p:nvSpPr>
+          <p:cNvPr id="97" name="직사각형 96"/>
+          <p:cNvSpPr/>
+          <p:nvPr/>
+        </p:nvSpPr>
+        <p:spPr>
+          <a:xfrm>
+            <a:off x="164082" y="1419624"/>
+            <a:ext cx="3267551" cy="5224667"/>
+          </a:xfrm>
+          <a:prstGeom prst="rect">
+            <a:avLst/>
+          </a:prstGeom>
+          <a:noFill/>
+          <a:ln>
+            <a:solidFill>
+              <a:schemeClr val="tx1"/>
+            </a:solidFill>
+          </a:ln>
+        </p:spPr>
+        <p:style>
+          <a:lnRef idx="2">
+            <a:schemeClr val="accent1">
+              <a:shade val="50000"/>
+            </a:schemeClr>
+          </a:lnRef>
+          <a:fillRef idx="1">
+            <a:schemeClr val="accent1"/>
+          </a:fillRef>
+          <a:effectRef idx="0">
+            <a:schemeClr val="accent1"/>
+          </a:effectRef>
+          <a:fontRef idx="minor">
+            <a:schemeClr val="lt1"/>
+          </a:fontRef>
+        </p:style>
+        <p:txBody>
+          <a:bodyPr rtlCol="0" anchor="ctr"/>
+          <a:lstStyle/>
+          <a:p>
+            <a:pPr algn="ctr"/>
+            <a:endParaRPr lang="ko-KR" altLang="en-US"/>
+          </a:p>
+        </p:txBody>
+      </p:sp>
+      <p:grpSp>
+        <p:nvGrpSpPr>
+          <p:cNvPr id="114" name="그룹 113"/>
+          <p:cNvGrpSpPr/>
+          <p:nvPr/>
+        </p:nvGrpSpPr>
+        <p:grpSpPr>
+          <a:xfrm flipH="1">
+            <a:off x="8488820" y="1947689"/>
+            <a:ext cx="3290650" cy="1757361"/>
+            <a:chOff x="419100" y="4219575"/>
+            <a:chExt cx="5057775" cy="2400300"/>
+          </a:xfrm>
+        </p:grpSpPr>
+        <p:sp>
+          <p:nvSpPr>
+            <p:cNvPr id="115" name="모서리가 둥근 직사각형 114"/>
+            <p:cNvSpPr/>
+            <p:nvPr/>
+          </p:nvSpPr>
+          <p:spPr>
+            <a:xfrm>
+              <a:off x="419100" y="4219575"/>
+              <a:ext cx="5057775" cy="2400300"/>
+            </a:xfrm>
+            <a:prstGeom prst="roundRect">
+              <a:avLst/>
+            </a:prstGeom>
+          </p:spPr>
+          <p:style>
+            <a:lnRef idx="2">
+              <a:schemeClr val="accent4">
+                <a:shade val="50000"/>
+              </a:schemeClr>
+            </a:lnRef>
+            <a:fillRef idx="1">
+              <a:schemeClr val="accent4"/>
+            </a:fillRef>
+            <a:effectRef idx="0">
+              <a:schemeClr val="accent4"/>
+            </a:effectRef>
+            <a:fontRef idx="minor">
+              <a:schemeClr val="lt1"/>
+            </a:fontRef>
+          </p:style>
+          <p:txBody>
+            <a:bodyPr rtlCol="0" anchor="t" anchorCtr="0"/>
+            <a:lstStyle/>
+            <a:p>
+              <a:pPr algn="ctr"/>
+              <a:r>
+                <a:rPr lang="en-US" altLang="ko-KR" dirty="0" smtClean="0"/>
+                <a:t>Slave</a:t>
+              </a:r>
+              <a:endParaRPr lang="ko-KR" altLang="en-US" dirty="0"/>
+            </a:p>
+          </p:txBody>
+        </p:sp>
+        <p:sp>
+          <p:nvSpPr>
+            <p:cNvPr id="116" name="타원 115"/>
+            <p:cNvSpPr/>
+            <p:nvPr/>
+          </p:nvSpPr>
+          <p:spPr>
+            <a:xfrm>
+              <a:off x="838200" y="5203031"/>
+              <a:ext cx="1685925" cy="447675"/>
+            </a:xfrm>
+            <a:prstGeom prst="ellipse">
+              <a:avLst/>
+            </a:prstGeom>
+          </p:spPr>
+          <p:style>
+            <a:lnRef idx="2">
+              <a:schemeClr val="accent2">
+                <a:shade val="50000"/>
+              </a:schemeClr>
+            </a:lnRef>
+            <a:fillRef idx="1">
+              <a:schemeClr val="accent2"/>
+            </a:fillRef>
+            <a:effectRef idx="0">
+              <a:schemeClr val="accent2"/>
+            </a:effectRef>
+            <a:fontRef idx="minor">
+              <a:schemeClr val="lt1"/>
+            </a:fontRef>
+          </p:style>
+          <p:txBody>
+            <a:bodyPr rtlCol="0" anchor="ctr"/>
+            <a:lstStyle/>
+            <a:p>
+              <a:pPr algn="ctr"/>
+              <a:r>
+                <a:rPr lang="en-US" altLang="ko-KR" dirty="0" smtClean="0"/>
+                <a:t>Main</a:t>
+              </a:r>
+              <a:endParaRPr lang="ko-KR" altLang="en-US" dirty="0"/>
+            </a:p>
+          </p:txBody>
+        </p:sp>
+        <p:sp>
+          <p:nvSpPr>
+            <p:cNvPr id="117" name="직사각형 116"/>
+            <p:cNvSpPr/>
+            <p:nvPr/>
+          </p:nvSpPr>
+          <p:spPr>
+            <a:xfrm>
+              <a:off x="3476625" y="4306887"/>
+              <a:ext cx="1743075" cy="695326"/>
+            </a:xfrm>
+            <a:prstGeom prst="rect">
+              <a:avLst/>
+            </a:prstGeom>
+          </p:spPr>
+          <p:style>
+            <a:lnRef idx="2">
+              <a:schemeClr val="accent3">
+                <a:shade val="50000"/>
+              </a:schemeClr>
+            </a:lnRef>
+            <a:fillRef idx="1">
+              <a:schemeClr val="accent3"/>
+            </a:fillRef>
+            <a:effectRef idx="0">
+              <a:schemeClr val="accent3"/>
+            </a:effectRef>
+            <a:fontRef idx="minor">
+              <a:schemeClr val="lt1"/>
+            </a:fontRef>
+          </p:style>
+          <p:txBody>
+            <a:bodyPr rtlCol="0" anchor="ctr"/>
+            <a:lstStyle/>
+            <a:p>
+              <a:pPr algn="ctr"/>
+              <a:r>
+                <a:rPr lang="en-US" altLang="ko-KR" sz="1000" dirty="0" err="1" smtClean="0"/>
+                <a:t>MasterConnectionHandler</a:t>
+              </a:r>
+              <a:endParaRPr lang="ko-KR" altLang="en-US" sz="1000" dirty="0"/>
+            </a:p>
+          </p:txBody>
+        </p:sp>
+        <p:sp>
+          <p:nvSpPr>
+            <p:cNvPr id="118" name="직사각형 117"/>
+            <p:cNvSpPr/>
+            <p:nvPr/>
+          </p:nvSpPr>
+          <p:spPr>
+            <a:xfrm>
+              <a:off x="3476624" y="5089525"/>
+              <a:ext cx="1743075" cy="695326"/>
+            </a:xfrm>
+            <a:prstGeom prst="rect">
+              <a:avLst/>
+            </a:prstGeom>
+          </p:spPr>
+          <p:style>
+            <a:lnRef idx="2">
+              <a:schemeClr val="accent3">
+                <a:shade val="50000"/>
+              </a:schemeClr>
+            </a:lnRef>
+            <a:fillRef idx="1">
+              <a:schemeClr val="accent3"/>
+            </a:fillRef>
+            <a:effectRef idx="0">
+              <a:schemeClr val="accent3"/>
+            </a:effectRef>
+            <a:fontRef idx="minor">
+              <a:schemeClr val="lt1"/>
+            </a:fontRef>
+          </p:style>
+          <p:txBody>
+            <a:bodyPr rtlCol="0" anchor="ctr"/>
+            <a:lstStyle/>
+            <a:p>
+              <a:pPr algn="ctr"/>
+              <a:r>
+                <a:rPr lang="en-US" altLang="ko-KR" sz="1000" dirty="0" err="1" smtClean="0"/>
+                <a:t>FileTransferQueue</a:t>
+              </a:r>
+              <a:endParaRPr lang="ko-KR" altLang="en-US" sz="1000" dirty="0"/>
+            </a:p>
+          </p:txBody>
+        </p:sp>
+        <p:sp>
+          <p:nvSpPr>
+            <p:cNvPr id="119" name="직사각형 118"/>
+            <p:cNvSpPr/>
+            <p:nvPr/>
+          </p:nvSpPr>
+          <p:spPr>
+            <a:xfrm>
+              <a:off x="3476623" y="5865018"/>
+              <a:ext cx="1743075" cy="695326"/>
+            </a:xfrm>
+            <a:prstGeom prst="rect">
+              <a:avLst/>
+            </a:prstGeom>
+          </p:spPr>
+          <p:style>
+            <a:lnRef idx="2">
+              <a:schemeClr val="accent3">
+                <a:shade val="50000"/>
+              </a:schemeClr>
+            </a:lnRef>
+            <a:fillRef idx="1">
+              <a:schemeClr val="accent3"/>
+            </a:fillRef>
+            <a:effectRef idx="0">
+              <a:schemeClr val="accent3"/>
+            </a:effectRef>
+            <a:fontRef idx="minor">
+              <a:schemeClr val="lt1"/>
+            </a:fontRef>
+          </p:style>
+          <p:txBody>
+            <a:bodyPr rtlCol="0" anchor="ctr"/>
+            <a:lstStyle/>
+            <a:p>
+              <a:pPr algn="ctr"/>
+              <a:r>
+                <a:rPr lang="en-US" altLang="ko-KR" sz="1000" dirty="0" err="1" smtClean="0"/>
+                <a:t>FileReceivingServer</a:t>
+              </a:r>
+              <a:endParaRPr lang="ko-KR" altLang="en-US" sz="1000" dirty="0"/>
+            </a:p>
+          </p:txBody>
+        </p:sp>
+      </p:grpSp>
+      <p:grpSp>
+        <p:nvGrpSpPr>
+          <p:cNvPr id="120" name="그룹 119"/>
+          <p:cNvGrpSpPr/>
+          <p:nvPr/>
+        </p:nvGrpSpPr>
+        <p:grpSpPr>
+          <a:xfrm flipH="1">
+            <a:off x="6320075" y="4560103"/>
+            <a:ext cx="3290650" cy="1757361"/>
+            <a:chOff x="419100" y="4219575"/>
+            <a:chExt cx="5057775" cy="2400300"/>
+          </a:xfrm>
+        </p:grpSpPr>
+        <p:sp>
+          <p:nvSpPr>
+            <p:cNvPr id="121" name="모서리가 둥근 직사각형 120"/>
+            <p:cNvSpPr/>
+            <p:nvPr/>
+          </p:nvSpPr>
+          <p:spPr>
+            <a:xfrm>
+              <a:off x="419100" y="4219575"/>
+              <a:ext cx="5057775" cy="2400300"/>
+            </a:xfrm>
+            <a:prstGeom prst="roundRect">
+              <a:avLst/>
+            </a:prstGeom>
+          </p:spPr>
+          <p:style>
+            <a:lnRef idx="2">
+              <a:schemeClr val="accent4">
+                <a:shade val="50000"/>
+              </a:schemeClr>
+            </a:lnRef>
+            <a:fillRef idx="1">
+              <a:schemeClr val="accent4"/>
+            </a:fillRef>
+            <a:effectRef idx="0">
+              <a:schemeClr val="accent4"/>
+            </a:effectRef>
+            <a:fontRef idx="minor">
+              <a:schemeClr val="lt1"/>
+            </a:fontRef>
+          </p:style>
+          <p:txBody>
+            <a:bodyPr rtlCol="0" anchor="t" anchorCtr="0"/>
+            <a:lstStyle/>
+            <a:p>
+              <a:pPr algn="ctr"/>
+              <a:r>
+                <a:rPr lang="en-US" altLang="ko-KR" dirty="0" smtClean="0"/>
+                <a:t>Slave</a:t>
+              </a:r>
+              <a:endParaRPr lang="ko-KR" altLang="en-US" dirty="0"/>
+            </a:p>
+          </p:txBody>
+        </p:sp>
+        <p:sp>
+          <p:nvSpPr>
+            <p:cNvPr id="122" name="타원 121"/>
+            <p:cNvSpPr/>
+            <p:nvPr/>
+          </p:nvSpPr>
+          <p:spPr>
+            <a:xfrm>
+              <a:off x="838200" y="5203031"/>
+              <a:ext cx="1685925" cy="447675"/>
+            </a:xfrm>
+            <a:prstGeom prst="ellipse">
+              <a:avLst/>
+            </a:prstGeom>
+          </p:spPr>
+          <p:style>
+            <a:lnRef idx="2">
+              <a:schemeClr val="accent2">
+                <a:shade val="50000"/>
+              </a:schemeClr>
+            </a:lnRef>
+            <a:fillRef idx="1">
+              <a:schemeClr val="accent2"/>
+            </a:fillRef>
+            <a:effectRef idx="0">
+              <a:schemeClr val="accent2"/>
+            </a:effectRef>
+            <a:fontRef idx="minor">
+              <a:schemeClr val="lt1"/>
+            </a:fontRef>
+          </p:style>
+          <p:txBody>
+            <a:bodyPr rtlCol="0" anchor="ctr"/>
+            <a:lstStyle/>
+            <a:p>
+              <a:pPr algn="ctr"/>
+              <a:r>
+                <a:rPr lang="en-US" altLang="ko-KR" dirty="0" smtClean="0"/>
+                <a:t>Main</a:t>
+              </a:r>
+              <a:endParaRPr lang="ko-KR" altLang="en-US" dirty="0"/>
+            </a:p>
+          </p:txBody>
+        </p:sp>
+        <p:sp>
+          <p:nvSpPr>
+            <p:cNvPr id="123" name="직사각형 122"/>
+            <p:cNvSpPr/>
+            <p:nvPr/>
+          </p:nvSpPr>
+          <p:spPr>
+            <a:xfrm>
+              <a:off x="3476625" y="4306887"/>
+              <a:ext cx="1743075" cy="695326"/>
+            </a:xfrm>
+            <a:prstGeom prst="rect">
+              <a:avLst/>
+            </a:prstGeom>
+          </p:spPr>
+          <p:style>
+            <a:lnRef idx="2">
+              <a:schemeClr val="accent3">
+                <a:shade val="50000"/>
+              </a:schemeClr>
+            </a:lnRef>
+            <a:fillRef idx="1">
+              <a:schemeClr val="accent3"/>
+            </a:fillRef>
+            <a:effectRef idx="0">
+              <a:schemeClr val="accent3"/>
+            </a:effectRef>
+            <a:fontRef idx="minor">
+              <a:schemeClr val="lt1"/>
+            </a:fontRef>
+          </p:style>
+          <p:txBody>
+            <a:bodyPr rtlCol="0" anchor="ctr"/>
+            <a:lstStyle/>
+            <a:p>
+              <a:pPr algn="ctr"/>
+              <a:r>
+                <a:rPr lang="en-US" altLang="ko-KR" sz="1000" dirty="0" err="1" smtClean="0"/>
+                <a:t>MasterConnectionHandler</a:t>
+              </a:r>
+              <a:endParaRPr lang="ko-KR" altLang="en-US" sz="1000" dirty="0"/>
+            </a:p>
+          </p:txBody>
+        </p:sp>
+        <p:sp>
+          <p:nvSpPr>
+            <p:cNvPr id="124" name="직사각형 123"/>
+            <p:cNvSpPr/>
+            <p:nvPr/>
+          </p:nvSpPr>
+          <p:spPr>
+            <a:xfrm>
+              <a:off x="3476624" y="5089525"/>
+              <a:ext cx="1743075" cy="695326"/>
+            </a:xfrm>
+            <a:prstGeom prst="rect">
+              <a:avLst/>
+            </a:prstGeom>
+          </p:spPr>
+          <p:style>
+            <a:lnRef idx="2">
+              <a:schemeClr val="accent3">
+                <a:shade val="50000"/>
+              </a:schemeClr>
+            </a:lnRef>
+            <a:fillRef idx="1">
+              <a:schemeClr val="accent3"/>
+            </a:fillRef>
+            <a:effectRef idx="0">
+              <a:schemeClr val="accent3"/>
+            </a:effectRef>
+            <a:fontRef idx="minor">
+              <a:schemeClr val="lt1"/>
+            </a:fontRef>
+          </p:style>
+          <p:txBody>
+            <a:bodyPr rtlCol="0" anchor="ctr"/>
+            <a:lstStyle/>
+            <a:p>
+              <a:pPr algn="ctr"/>
+              <a:r>
+                <a:rPr lang="en-US" altLang="ko-KR" sz="1000" dirty="0" err="1" smtClean="0"/>
+                <a:t>FileTransfer</a:t>
+              </a:r>
+              <a:r>
+                <a:rPr lang="en-US" altLang="ko-KR" sz="1000" dirty="0" err="1"/>
+                <a:t>Queue</a:t>
+              </a:r>
+              <a:endParaRPr lang="ko-KR" altLang="en-US" sz="1000" dirty="0"/>
+            </a:p>
+          </p:txBody>
+        </p:sp>
+        <p:sp>
+          <p:nvSpPr>
+            <p:cNvPr id="125" name="직사각형 124"/>
+            <p:cNvSpPr/>
+            <p:nvPr/>
+          </p:nvSpPr>
+          <p:spPr>
+            <a:xfrm>
+              <a:off x="3476623" y="5865018"/>
+              <a:ext cx="1743075" cy="695326"/>
+            </a:xfrm>
+            <a:prstGeom prst="rect">
+              <a:avLst/>
+            </a:prstGeom>
+          </p:spPr>
+          <p:style>
+            <a:lnRef idx="2">
+              <a:schemeClr val="accent3">
+                <a:shade val="50000"/>
+              </a:schemeClr>
+            </a:lnRef>
+            <a:fillRef idx="1">
+              <a:schemeClr val="accent3"/>
+            </a:fillRef>
+            <a:effectRef idx="0">
+              <a:schemeClr val="accent3"/>
+            </a:effectRef>
+            <a:fontRef idx="minor">
+              <a:schemeClr val="lt1"/>
+            </a:fontRef>
+          </p:style>
+          <p:txBody>
+            <a:bodyPr rtlCol="0" anchor="ctr"/>
+            <a:lstStyle/>
+            <a:p>
+              <a:pPr algn="ctr"/>
+              <a:r>
+                <a:rPr lang="en-US" altLang="ko-KR" sz="1000" dirty="0" err="1" smtClean="0"/>
+                <a:t>FileReceivingServer</a:t>
+              </a:r>
+              <a:endParaRPr lang="ko-KR" altLang="en-US" sz="1000" dirty="0"/>
+            </a:p>
+          </p:txBody>
+        </p:sp>
+      </p:grpSp>
+      <p:cxnSp>
+        <p:nvCxnSpPr>
+          <p:cNvPr id="126" name="직선 화살표 연결선 125"/>
+          <p:cNvCxnSpPr>
+            <a:stCxn id="80" idx="3"/>
+            <a:endCxn id="8" idx="3"/>
+          </p:cNvCxnSpPr>
+          <p:nvPr/>
+        </p:nvCxnSpPr>
+        <p:spPr>
+          <a:xfrm flipH="1">
+            <a:off x="2923395" y="2274488"/>
+            <a:ext cx="1694601" cy="1895387"/>
+          </a:xfrm>
+          <a:prstGeom prst="straightConnector1">
+            <a:avLst/>
+          </a:prstGeom>
+          <a:ln w="31750">
+            <a:headEnd type="triangle"/>
+            <a:tailEnd type="triangle"/>
+          </a:ln>
+        </p:spPr>
+        <p:style>
+          <a:lnRef idx="1">
+            <a:schemeClr val="dk1"/>
+          </a:lnRef>
+          <a:fillRef idx="0">
+            <a:schemeClr val="dk1"/>
+          </a:fillRef>
+          <a:effectRef idx="0">
+            <a:schemeClr val="dk1"/>
+          </a:effectRef>
+          <a:fontRef idx="minor">
+            <a:schemeClr val="tx1"/>
+          </a:fontRef>
+        </p:style>
+      </p:cxnSp>
+      <p:cxnSp>
+        <p:nvCxnSpPr>
+          <p:cNvPr id="129" name="직선 화살표 연결선 128"/>
+          <p:cNvCxnSpPr>
+            <a:stCxn id="117" idx="3"/>
+            <a:endCxn id="8" idx="3"/>
+          </p:cNvCxnSpPr>
+          <p:nvPr/>
+        </p:nvCxnSpPr>
+        <p:spPr>
+          <a:xfrm flipH="1">
+            <a:off x="2923395" y="2266153"/>
+            <a:ext cx="5732746" cy="1903722"/>
+          </a:xfrm>
+          <a:prstGeom prst="straightConnector1">
+            <a:avLst/>
+          </a:prstGeom>
+          <a:ln w="31750">
+            <a:headEnd type="triangle"/>
+            <a:tailEnd type="triangle"/>
+          </a:ln>
+        </p:spPr>
+        <p:style>
+          <a:lnRef idx="1">
+            <a:schemeClr val="dk1"/>
+          </a:lnRef>
+          <a:fillRef idx="0">
+            <a:schemeClr val="dk1"/>
+          </a:fillRef>
+          <a:effectRef idx="0">
+            <a:schemeClr val="dk1"/>
+          </a:effectRef>
+          <a:fontRef idx="minor">
+            <a:schemeClr val="tx1"/>
+          </a:fontRef>
+        </p:style>
+      </p:cxnSp>
+      <p:cxnSp>
+        <p:nvCxnSpPr>
+          <p:cNvPr id="132" name="직선 화살표 연결선 131"/>
+          <p:cNvCxnSpPr>
+            <a:stCxn id="123" idx="3"/>
+            <a:endCxn id="8" idx="3"/>
+          </p:cNvCxnSpPr>
+          <p:nvPr/>
+        </p:nvCxnSpPr>
+        <p:spPr>
+          <a:xfrm flipH="1" flipV="1">
+            <a:off x="2923395" y="4169875"/>
+            <a:ext cx="3564001" cy="708692"/>
+          </a:xfrm>
+          <a:prstGeom prst="straightConnector1">
+            <a:avLst/>
+          </a:prstGeom>
+          <a:ln w="31750">
+            <a:headEnd type="triangle"/>
+            <a:tailEnd type="triangle"/>
+          </a:ln>
+        </p:spPr>
+        <p:style>
+          <a:lnRef idx="1">
+            <a:schemeClr val="dk1"/>
+          </a:lnRef>
+          <a:fillRef idx="0">
+            <a:schemeClr val="dk1"/>
+          </a:fillRef>
+          <a:effectRef idx="0">
+            <a:schemeClr val="dk1"/>
+          </a:effectRef>
+          <a:fontRef idx="minor">
+            <a:schemeClr val="tx1"/>
+          </a:fontRef>
+        </p:style>
+      </p:cxnSp>
+      <p:cxnSp>
+        <p:nvCxnSpPr>
+          <p:cNvPr id="138" name="구부러진 연결선 137"/>
+          <p:cNvCxnSpPr>
+            <a:stCxn id="81" idx="2"/>
+            <a:endCxn id="125" idx="3"/>
+          </p:cNvCxnSpPr>
+          <p:nvPr/>
+        </p:nvCxnSpPr>
+        <p:spPr>
+          <a:xfrm rot="16200000" flipH="1">
+            <a:off x="4377558" y="3909500"/>
+            <a:ext cx="2917311" cy="1302367"/>
+          </a:xfrm>
+          <a:prstGeom prst="curvedConnector2">
+            <a:avLst/>
+          </a:prstGeom>
+          <a:ln w="25400">
+            <a:tailEnd type="triangle"/>
+          </a:ln>
+        </p:spPr>
+        <p:style>
+          <a:lnRef idx="1">
+            <a:schemeClr val="accent1"/>
+          </a:lnRef>
+          <a:fillRef idx="0">
+            <a:schemeClr val="accent1"/>
+          </a:fillRef>
+          <a:effectRef idx="0">
+            <a:schemeClr val="accent1"/>
+          </a:effectRef>
+          <a:fontRef idx="minor">
+            <a:schemeClr val="tx1"/>
+          </a:fontRef>
+        </p:style>
+      </p:cxnSp>
+      <p:cxnSp>
+        <p:nvCxnSpPr>
+          <p:cNvPr id="140" name="구부러진 연결선 139"/>
+          <p:cNvCxnSpPr>
+            <a:stCxn id="81" idx="2"/>
+            <a:endCxn id="119" idx="3"/>
+          </p:cNvCxnSpPr>
+          <p:nvPr/>
+        </p:nvCxnSpPr>
+        <p:spPr>
+          <a:xfrm rot="16200000" flipH="1">
+            <a:off x="6768138" y="1518921"/>
+            <a:ext cx="304897" cy="3471112"/>
+          </a:xfrm>
+          <a:prstGeom prst="curvedConnector2">
+            <a:avLst/>
+          </a:prstGeom>
+          <a:ln w="25400">
+            <a:tailEnd type="triangle"/>
+          </a:ln>
+        </p:spPr>
+        <p:style>
+          <a:lnRef idx="1">
+            <a:schemeClr val="accent1"/>
+          </a:lnRef>
+          <a:fillRef idx="0">
+            <a:schemeClr val="accent1"/>
+          </a:fillRef>
+          <a:effectRef idx="0">
+            <a:schemeClr val="accent1"/>
+          </a:effectRef>
+          <a:fontRef idx="minor">
+            <a:schemeClr val="tx1"/>
+          </a:fontRef>
+        </p:style>
+      </p:cxnSp>
+      <p:cxnSp>
+        <p:nvCxnSpPr>
+          <p:cNvPr id="142" name="구부러진 연결선 141"/>
+          <p:cNvCxnSpPr>
+            <a:stCxn id="118" idx="3"/>
+            <a:endCxn id="82" idx="2"/>
+          </p:cNvCxnSpPr>
+          <p:nvPr/>
+        </p:nvCxnSpPr>
+        <p:spPr>
+          <a:xfrm rot="10800000" flipV="1">
+            <a:off x="5185030" y="2839154"/>
+            <a:ext cx="3471112" cy="830645"/>
+          </a:xfrm>
+          <a:prstGeom prst="curvedConnector4">
+            <a:avLst>
+              <a:gd name="adj1" fmla="val 41832"/>
+              <a:gd name="adj2" fmla="val 127521"/>
+            </a:avLst>
+          </a:prstGeom>
+          <a:ln w="25400">
+            <a:tailEnd type="triangle"/>
+          </a:ln>
+        </p:spPr>
+        <p:style>
+          <a:lnRef idx="1">
+            <a:schemeClr val="accent1"/>
+          </a:lnRef>
+          <a:fillRef idx="0">
+            <a:schemeClr val="accent1"/>
+          </a:fillRef>
+          <a:effectRef idx="0">
+            <a:schemeClr val="accent1"/>
+          </a:effectRef>
+          <a:fontRef idx="minor">
+            <a:schemeClr val="tx1"/>
+          </a:fontRef>
+        </p:style>
+      </p:cxnSp>
+      <p:cxnSp>
+        <p:nvCxnSpPr>
+          <p:cNvPr id="146" name="구부러진 연결선 145"/>
+          <p:cNvCxnSpPr>
+            <a:stCxn id="118" idx="3"/>
+            <a:endCxn id="125" idx="1"/>
+          </p:cNvCxnSpPr>
+          <p:nvPr/>
+        </p:nvCxnSpPr>
+        <p:spPr>
+          <a:xfrm rot="10800000" flipV="1">
+            <a:off x="7621464" y="2839154"/>
+            <a:ext cx="1034679" cy="3180185"/>
+          </a:xfrm>
+          <a:prstGeom prst="curvedConnector3">
+            <a:avLst/>
+          </a:prstGeom>
+          <a:ln w="25400">
+            <a:tailEnd type="triangle"/>
+          </a:ln>
+        </p:spPr>
+        <p:style>
+          <a:lnRef idx="1">
+            <a:schemeClr val="accent1"/>
+          </a:lnRef>
+          <a:fillRef idx="0">
+            <a:schemeClr val="accent1"/>
+          </a:fillRef>
+          <a:effectRef idx="0">
+            <a:schemeClr val="accent1"/>
+          </a:effectRef>
+          <a:fontRef idx="minor">
+            <a:schemeClr val="tx1"/>
+          </a:fontRef>
+        </p:style>
+      </p:cxnSp>
+      <p:cxnSp>
+        <p:nvCxnSpPr>
+          <p:cNvPr id="148" name="구부러진 연결선 147"/>
+          <p:cNvCxnSpPr>
+            <a:stCxn id="124" idx="3"/>
+            <a:endCxn id="82" idx="3"/>
+          </p:cNvCxnSpPr>
+          <p:nvPr/>
+        </p:nvCxnSpPr>
+        <p:spPr>
+          <a:xfrm rot="10800000">
+            <a:off x="4617997" y="3415261"/>
+            <a:ext cx="1869400" cy="2036308"/>
+          </a:xfrm>
+          <a:prstGeom prst="curvedConnector3">
+            <a:avLst>
+              <a:gd name="adj1" fmla="val 112229"/>
+            </a:avLst>
+          </a:prstGeom>
+          <a:ln w="25400">
+            <a:tailEnd type="triangle"/>
+          </a:ln>
+        </p:spPr>
+        <p:style>
+          <a:lnRef idx="1">
+            <a:schemeClr val="accent1"/>
+          </a:lnRef>
+          <a:fillRef idx="0">
+            <a:schemeClr val="accent1"/>
+          </a:fillRef>
+          <a:effectRef idx="0">
+            <a:schemeClr val="accent1"/>
+          </a:effectRef>
+          <a:fontRef idx="minor">
+            <a:schemeClr val="tx1"/>
+          </a:fontRef>
+        </p:style>
+      </p:cxnSp>
+      <p:cxnSp>
+        <p:nvCxnSpPr>
+          <p:cNvPr id="150" name="구부러진 연결선 149"/>
+          <p:cNvCxnSpPr>
+            <a:stCxn id="124" idx="1"/>
+            <a:endCxn id="119" idx="2"/>
+          </p:cNvCxnSpPr>
+          <p:nvPr/>
+        </p:nvCxnSpPr>
+        <p:spPr>
+          <a:xfrm flipV="1">
+            <a:off x="7621463" y="3661465"/>
+            <a:ext cx="1601712" cy="1790104"/>
+          </a:xfrm>
+          <a:prstGeom prst="curvedConnector2">
+            <a:avLst/>
+          </a:prstGeom>
+          <a:ln w="25400">
+            <a:tailEnd type="triangle"/>
+          </a:ln>
+        </p:spPr>
+        <p:style>
+          <a:lnRef idx="1">
+            <a:schemeClr val="accent1"/>
+          </a:lnRef>
+          <a:fillRef idx="0">
+            <a:schemeClr val="accent1"/>
+          </a:fillRef>
+          <a:effectRef idx="0">
+            <a:schemeClr val="accent1"/>
+          </a:effectRef>
+          <a:fontRef idx="minor">
+            <a:schemeClr val="tx1"/>
+          </a:fontRef>
+        </p:style>
+      </p:cxnSp>
+      <p:cxnSp>
+        <p:nvCxnSpPr>
+          <p:cNvPr id="151" name="직선 화살표 연결선 150"/>
+          <p:cNvCxnSpPr>
+            <a:stCxn id="122" idx="6"/>
+            <a:endCxn id="123" idx="1"/>
+          </p:cNvCxnSpPr>
+          <p:nvPr/>
+        </p:nvCxnSpPr>
+        <p:spPr>
+          <a:xfrm flipH="1" flipV="1">
+            <a:off x="7621462" y="4878567"/>
+            <a:ext cx="619708" cy="565447"/>
+          </a:xfrm>
+          <a:prstGeom prst="straightConnector1">
+            <a:avLst/>
+          </a:prstGeom>
+          <a:ln w="31750">
+            <a:solidFill>
+              <a:srgbClr val="FF0000"/>
+            </a:solidFill>
+            <a:headEnd type="triangle"/>
+            <a:tailEnd type="triangle"/>
+          </a:ln>
+        </p:spPr>
+        <p:style>
+          <a:lnRef idx="1">
+            <a:schemeClr val="dk1"/>
+          </a:lnRef>
+          <a:fillRef idx="0">
+            <a:schemeClr val="dk1"/>
+          </a:fillRef>
+          <a:effectRef idx="0">
+            <a:schemeClr val="dk1"/>
+          </a:effectRef>
+          <a:fontRef idx="minor">
+            <a:schemeClr val="tx1"/>
+          </a:fontRef>
+        </p:style>
+      </p:cxnSp>
+      <p:cxnSp>
+        <p:nvCxnSpPr>
+          <p:cNvPr id="152" name="직선 화살표 연결선 151"/>
+          <p:cNvCxnSpPr>
+            <a:stCxn id="124" idx="1"/>
+            <a:endCxn id="122" idx="6"/>
+          </p:cNvCxnSpPr>
+          <p:nvPr/>
+        </p:nvCxnSpPr>
+        <p:spPr>
+          <a:xfrm flipV="1">
+            <a:off x="7621463" y="5444014"/>
+            <a:ext cx="619707" cy="7555"/>
+          </a:xfrm>
+          <a:prstGeom prst="straightConnector1">
+            <a:avLst/>
+          </a:prstGeom>
+          <a:ln w="31750">
+            <a:solidFill>
+              <a:srgbClr val="FF0000"/>
+            </a:solidFill>
+            <a:headEnd type="triangle"/>
+            <a:tailEnd type="triangle"/>
+          </a:ln>
+        </p:spPr>
+        <p:style>
+          <a:lnRef idx="1">
+            <a:schemeClr val="dk1"/>
+          </a:lnRef>
+          <a:fillRef idx="0">
+            <a:schemeClr val="dk1"/>
+          </a:fillRef>
+          <a:effectRef idx="0">
+            <a:schemeClr val="dk1"/>
+          </a:effectRef>
+          <a:fontRef idx="minor">
+            <a:schemeClr val="tx1"/>
+          </a:fontRef>
+        </p:style>
+      </p:cxnSp>
+      <p:cxnSp>
+        <p:nvCxnSpPr>
+          <p:cNvPr id="153" name="직선 화살표 연결선 152"/>
+          <p:cNvCxnSpPr>
+            <a:stCxn id="122" idx="6"/>
+            <a:endCxn id="125" idx="1"/>
+          </p:cNvCxnSpPr>
+          <p:nvPr/>
+        </p:nvCxnSpPr>
+        <p:spPr>
+          <a:xfrm flipH="1">
+            <a:off x="7621463" y="5444014"/>
+            <a:ext cx="619707" cy="575326"/>
+          </a:xfrm>
+          <a:prstGeom prst="straightConnector1">
+            <a:avLst/>
+          </a:prstGeom>
+          <a:ln w="31750">
+            <a:solidFill>
+              <a:srgbClr val="FF0000"/>
+            </a:solidFill>
+            <a:headEnd type="triangle"/>
+            <a:tailEnd type="triangle"/>
+          </a:ln>
+        </p:spPr>
+        <p:style>
+          <a:lnRef idx="1">
+            <a:schemeClr val="dk1"/>
+          </a:lnRef>
+          <a:fillRef idx="0">
+            <a:schemeClr val="dk1"/>
+          </a:fillRef>
+          <a:effectRef idx="0">
+            <a:schemeClr val="dk1"/>
+          </a:effectRef>
+          <a:fontRef idx="minor">
+            <a:schemeClr val="tx1"/>
+          </a:fontRef>
+        </p:style>
+      </p:cxnSp>
+      <p:cxnSp>
+        <p:nvCxnSpPr>
+          <p:cNvPr id="154" name="직선 화살표 연결선 153"/>
+          <p:cNvCxnSpPr>
+            <a:stCxn id="116" idx="6"/>
+            <a:endCxn id="117" idx="1"/>
+          </p:cNvCxnSpPr>
+          <p:nvPr/>
+        </p:nvCxnSpPr>
+        <p:spPr>
+          <a:xfrm flipH="1" flipV="1">
+            <a:off x="9790207" y="2266153"/>
+            <a:ext cx="619708" cy="565447"/>
+          </a:xfrm>
+          <a:prstGeom prst="straightConnector1">
+            <a:avLst/>
+          </a:prstGeom>
+          <a:ln w="31750">
+            <a:solidFill>
+              <a:srgbClr val="FF0000"/>
+            </a:solidFill>
+            <a:headEnd type="triangle"/>
+            <a:tailEnd type="triangle"/>
+          </a:ln>
+        </p:spPr>
+        <p:style>
+          <a:lnRef idx="1">
+            <a:schemeClr val="dk1"/>
+          </a:lnRef>
+          <a:fillRef idx="0">
+            <a:schemeClr val="dk1"/>
+          </a:fillRef>
+          <a:effectRef idx="0">
+            <a:schemeClr val="dk1"/>
+          </a:effectRef>
+          <a:fontRef idx="minor">
+            <a:schemeClr val="tx1"/>
+          </a:fontRef>
+        </p:style>
+      </p:cxnSp>
+      <p:cxnSp>
+        <p:nvCxnSpPr>
+          <p:cNvPr id="155" name="직선 화살표 연결선 154"/>
+          <p:cNvCxnSpPr>
+            <a:stCxn id="116" idx="6"/>
+            <a:endCxn id="118" idx="1"/>
+          </p:cNvCxnSpPr>
+          <p:nvPr/>
+        </p:nvCxnSpPr>
+        <p:spPr>
+          <a:xfrm flipH="1">
+            <a:off x="9790208" y="2831600"/>
+            <a:ext cx="619707" cy="7555"/>
+          </a:xfrm>
+          <a:prstGeom prst="straightConnector1">
+            <a:avLst/>
+          </a:prstGeom>
+          <a:ln w="31750">
+            <a:solidFill>
+              <a:srgbClr val="FF0000"/>
+            </a:solidFill>
+            <a:headEnd type="triangle"/>
+            <a:tailEnd type="triangle"/>
+          </a:ln>
+        </p:spPr>
+        <p:style>
+          <a:lnRef idx="1">
+            <a:schemeClr val="dk1"/>
+          </a:lnRef>
+          <a:fillRef idx="0">
+            <a:schemeClr val="dk1"/>
+          </a:fillRef>
+          <a:effectRef idx="0">
+            <a:schemeClr val="dk1"/>
+          </a:effectRef>
+          <a:fontRef idx="minor">
+            <a:schemeClr val="tx1"/>
+          </a:fontRef>
+        </p:style>
+      </p:cxnSp>
+      <p:cxnSp>
+        <p:nvCxnSpPr>
+          <p:cNvPr id="156" name="직선 화살표 연결선 155"/>
+          <p:cNvCxnSpPr>
+            <a:stCxn id="116" idx="6"/>
+            <a:endCxn id="119" idx="1"/>
+          </p:cNvCxnSpPr>
+          <p:nvPr/>
+        </p:nvCxnSpPr>
+        <p:spPr>
+          <a:xfrm flipH="1">
+            <a:off x="9790208" y="2831600"/>
+            <a:ext cx="619707" cy="575326"/>
+          </a:xfrm>
+          <a:prstGeom prst="straightConnector1">
+            <a:avLst/>
+          </a:prstGeom>
+          <a:ln w="31750">
+            <a:solidFill>
+              <a:srgbClr val="FF0000"/>
+            </a:solidFill>
+            <a:headEnd type="triangle"/>
+            <a:tailEnd type="triangle"/>
+          </a:ln>
+        </p:spPr>
+        <p:style>
+          <a:lnRef idx="1">
+            <a:schemeClr val="dk1"/>
+          </a:lnRef>
+          <a:fillRef idx="0">
+            <a:schemeClr val="dk1"/>
+          </a:fillRef>
+          <a:effectRef idx="0">
+            <a:schemeClr val="dk1"/>
+          </a:effectRef>
+          <a:fontRef idx="minor">
+            <a:schemeClr val="tx1"/>
+          </a:fontRef>
+        </p:style>
+      </p:cxnSp>
     </p:spTree>
     <p:extLst>
       <p:ext uri="{BB962C8B-B14F-4D97-AF65-F5344CB8AC3E}">
-        <p14:creationId xmlns:p14="http://schemas.microsoft.com/office/powerpoint/2010/main" val="2558336290"/>
+        <p14:creationId xmlns:p14="http://schemas.microsoft.com/office/powerpoint/2010/main" val="1685907139"/>
       </p:ext>
     </p:extLst>
   </p:cSld>

--- a/project2.pptx
+++ b/project2.pptx
@@ -276,7 +276,7 @@
           <a:p>
             <a:fld id="{4752427D-6588-4C30-85AC-BDB5603CAC20}" type="datetimeFigureOut">
               <a:rPr lang="ko-KR" altLang="en-US" smtClean="0"/>
-              <a:t>2020-11-15</a:t>
+              <a:t>2020-11-17</a:t>
             </a:fld>
             <a:endParaRPr lang="ko-KR" altLang="en-US"/>
           </a:p>
@@ -446,7 +446,7 @@
           <a:p>
             <a:fld id="{4752427D-6588-4C30-85AC-BDB5603CAC20}" type="datetimeFigureOut">
               <a:rPr lang="ko-KR" altLang="en-US" smtClean="0"/>
-              <a:t>2020-11-15</a:t>
+              <a:t>2020-11-17</a:t>
             </a:fld>
             <a:endParaRPr lang="ko-KR" altLang="en-US"/>
           </a:p>
@@ -626,7 +626,7 @@
           <a:p>
             <a:fld id="{4752427D-6588-4C30-85AC-BDB5603CAC20}" type="datetimeFigureOut">
               <a:rPr lang="ko-KR" altLang="en-US" smtClean="0"/>
-              <a:t>2020-11-15</a:t>
+              <a:t>2020-11-17</a:t>
             </a:fld>
             <a:endParaRPr lang="ko-KR" altLang="en-US"/>
           </a:p>
@@ -796,7 +796,7 @@
           <a:p>
             <a:fld id="{4752427D-6588-4C30-85AC-BDB5603CAC20}" type="datetimeFigureOut">
               <a:rPr lang="ko-KR" altLang="en-US" smtClean="0"/>
-              <a:t>2020-11-15</a:t>
+              <a:t>2020-11-17</a:t>
             </a:fld>
             <a:endParaRPr lang="ko-KR" altLang="en-US"/>
           </a:p>
@@ -1042,7 +1042,7 @@
           <a:p>
             <a:fld id="{4752427D-6588-4C30-85AC-BDB5603CAC20}" type="datetimeFigureOut">
               <a:rPr lang="ko-KR" altLang="en-US" smtClean="0"/>
-              <a:t>2020-11-15</a:t>
+              <a:t>2020-11-17</a:t>
             </a:fld>
             <a:endParaRPr lang="ko-KR" altLang="en-US"/>
           </a:p>
@@ -1274,7 +1274,7 @@
           <a:p>
             <a:fld id="{4752427D-6588-4C30-85AC-BDB5603CAC20}" type="datetimeFigureOut">
               <a:rPr lang="ko-KR" altLang="en-US" smtClean="0"/>
-              <a:t>2020-11-15</a:t>
+              <a:t>2020-11-17</a:t>
             </a:fld>
             <a:endParaRPr lang="ko-KR" altLang="en-US"/>
           </a:p>
@@ -1641,7 +1641,7 @@
           <a:p>
             <a:fld id="{4752427D-6588-4C30-85AC-BDB5603CAC20}" type="datetimeFigureOut">
               <a:rPr lang="ko-KR" altLang="en-US" smtClean="0"/>
-              <a:t>2020-11-15</a:t>
+              <a:t>2020-11-17</a:t>
             </a:fld>
             <a:endParaRPr lang="ko-KR" altLang="en-US"/>
           </a:p>
@@ -1759,7 +1759,7 @@
           <a:p>
             <a:fld id="{4752427D-6588-4C30-85AC-BDB5603CAC20}" type="datetimeFigureOut">
               <a:rPr lang="ko-KR" altLang="en-US" smtClean="0"/>
-              <a:t>2020-11-15</a:t>
+              <a:t>2020-11-17</a:t>
             </a:fld>
             <a:endParaRPr lang="ko-KR" altLang="en-US"/>
           </a:p>
@@ -1854,7 +1854,7 @@
           <a:p>
             <a:fld id="{4752427D-6588-4C30-85AC-BDB5603CAC20}" type="datetimeFigureOut">
               <a:rPr lang="ko-KR" altLang="en-US" smtClean="0"/>
-              <a:t>2020-11-15</a:t>
+              <a:t>2020-11-17</a:t>
             </a:fld>
             <a:endParaRPr lang="ko-KR" altLang="en-US"/>
           </a:p>
@@ -2131,7 +2131,7 @@
           <a:p>
             <a:fld id="{4752427D-6588-4C30-85AC-BDB5603CAC20}" type="datetimeFigureOut">
               <a:rPr lang="ko-KR" altLang="en-US" smtClean="0"/>
-              <a:t>2020-11-15</a:t>
+              <a:t>2020-11-17</a:t>
             </a:fld>
             <a:endParaRPr lang="ko-KR" altLang="en-US"/>
           </a:p>
@@ -2384,7 +2384,7 @@
           <a:p>
             <a:fld id="{4752427D-6588-4C30-85AC-BDB5603CAC20}" type="datetimeFigureOut">
               <a:rPr lang="ko-KR" altLang="en-US" smtClean="0"/>
-              <a:t>2020-11-15</a:t>
+              <a:t>2020-11-17</a:t>
             </a:fld>
             <a:endParaRPr lang="ko-KR" altLang="en-US"/>
           </a:p>
@@ -2597,7 +2597,7 @@
           <a:p>
             <a:fld id="{4752427D-6588-4C30-85AC-BDB5603CAC20}" type="datetimeFigureOut">
               <a:rPr lang="ko-KR" altLang="en-US" smtClean="0"/>
-              <a:t>2020-11-15</a:t>
+              <a:t>2020-11-17</a:t>
             </a:fld>
             <a:endParaRPr lang="ko-KR" altLang="en-US"/>
           </a:p>
@@ -3140,7 +3140,6 @@
               <a:rPr lang="en-US" altLang="ko-KR" dirty="0" smtClean="0"/>
               <a:t>Slave’s ID</a:t>
             </a:r>
-            <a:endParaRPr lang="en-US" altLang="ko-KR" dirty="0" smtClean="0"/>
           </a:p>
           <a:p>
             <a:endParaRPr lang="en-US" altLang="ko-KR" dirty="0" smtClean="0"/>
@@ -10034,18 +10033,55 @@
           <a:p>
             <a:r>
               <a:rPr lang="en-US" altLang="ko-KR" dirty="0" smtClean="0"/>
-              <a:t>Remove this implementation </a:t>
+              <a:t>Documentation</a:t>
             </a:r>
           </a:p>
           <a:p>
             <a:pPr lvl="1"/>
             <a:r>
               <a:rPr lang="en-US" altLang="ko-KR" dirty="0" smtClean="0"/>
-              <a:t>TCP </a:t>
-            </a:r>
+              <a:t>Define communication model</a:t>
+            </a:r>
+          </a:p>
+          <a:p>
+            <a:pPr lvl="1"/>
             <a:r>
               <a:rPr lang="en-US" altLang="ko-KR" dirty="0" smtClean="0"/>
-              <a:t>establishment(using </a:t>
+              <a:t>Define state for master and slave</a:t>
+            </a:r>
+          </a:p>
+          <a:p>
+            <a:pPr lvl="1"/>
+            <a:r>
+              <a:rPr lang="en-US" altLang="ko-KR" dirty="0" smtClean="0"/>
+              <a:t>Define variables and messages for protocol</a:t>
+            </a:r>
+            <a:endParaRPr lang="en-US" altLang="ko-KR" dirty="0" smtClean="0"/>
+          </a:p>
+          <a:p>
+            <a:r>
+              <a:rPr lang="en-US" altLang="ko-KR" dirty="0" smtClean="0"/>
+              <a:t>Remove </a:t>
+            </a:r>
+            <a:r>
+              <a:rPr lang="en-US" altLang="ko-KR" dirty="0" smtClean="0"/>
+              <a:t>this </a:t>
+            </a:r>
+            <a:r>
+              <a:rPr lang="en-US" altLang="ko-KR" dirty="0" smtClean="0"/>
+              <a:t>implementation. </a:t>
+            </a:r>
+            <a:r>
+              <a:rPr lang="en-US" altLang="ko-KR" dirty="0" smtClean="0"/>
+              <a:t>Convert it to java.net library</a:t>
+            </a:r>
+            <a:endParaRPr lang="en-US" altLang="ko-KR" dirty="0" smtClean="0"/>
+          </a:p>
+          <a:p>
+            <a:pPr lvl="1"/>
+            <a:r>
+              <a:rPr lang="en-US" altLang="ko-KR" dirty="0" smtClean="0"/>
+              <a:t>TCP establishment(using </a:t>
             </a:r>
             <a:r>
               <a:rPr lang="en-US" altLang="ko-KR" dirty="0" err="1" smtClean="0"/>
@@ -10059,12 +10095,9 @@
               <a:rPr lang="en-US" altLang="ko-KR" dirty="0" smtClean="0"/>
               <a:t>master</a:t>
             </a:r>
-          </a:p>
-          <a:p>
-            <a:r>
-              <a:rPr lang="en-US" altLang="ko-KR" dirty="0" smtClean="0"/>
-              <a:t>TBA</a:t>
-            </a:r>
+            <a:endParaRPr lang="en-US" altLang="ko-KR" dirty="0" smtClean="0"/>
+          </a:p>
+          <a:p>
             <a:endParaRPr lang="en-US" altLang="ko-KR" dirty="0" smtClean="0"/>
           </a:p>
         </p:txBody>
@@ -10134,31 +10167,42 @@
         </p:nvSpPr>
         <p:spPr/>
         <p:txBody>
-          <a:bodyPr/>
+          <a:bodyPr>
+            <a:normAutofit fontScale="92500" lnSpcReduction="20000"/>
+          </a:bodyPr>
           <a:lstStyle/>
           <a:p>
             <a:r>
               <a:rPr lang="en-US" altLang="ko-KR" dirty="0" smtClean="0"/>
               <a:t>Milestone1</a:t>
             </a:r>
-            <a:endParaRPr lang="en-US" altLang="ko-KR" dirty="0" smtClean="0"/>
           </a:p>
           <a:p>
             <a:pPr lvl="1"/>
             <a:r>
               <a:rPr lang="en-US" altLang="ko-KR" dirty="0" smtClean="0"/>
-              <a:t>Pre-phase, sorting</a:t>
+              <a:t>generate input data (o)</a:t>
             </a:r>
           </a:p>
           <a:p>
             <a:pPr lvl="1"/>
             <a:r>
               <a:rPr lang="en-US" altLang="ko-KR" dirty="0" smtClean="0"/>
-              <a:t>Complete </a:t>
-            </a:r>
+              <a:t>execute master (o)</a:t>
+            </a:r>
+          </a:p>
+          <a:p>
+            <a:pPr lvl="1"/>
             <a:r>
               <a:rPr lang="en-US" altLang="ko-KR" dirty="0" smtClean="0"/>
-              <a:t>doc</a:t>
+              <a:t>slaves can connect to master (o)</a:t>
+            </a:r>
+          </a:p>
+          <a:p>
+            <a:pPr lvl="1"/>
+            <a:r>
+              <a:rPr lang="en-US" altLang="ko-KR" dirty="0" smtClean="0"/>
+              <a:t>learn to use a network library (x)</a:t>
             </a:r>
             <a:endParaRPr lang="en-US" altLang="ko-KR" dirty="0" smtClean="0"/>
           </a:p>
@@ -10170,6 +10214,31 @@
           </a:p>
           <a:p>
             <a:pPr lvl="1"/>
+            <a:r>
+              <a:rPr lang="en-US" altLang="ko-KR" dirty="0" smtClean="0"/>
+              <a:t>Documentation (o)</a:t>
+            </a:r>
+          </a:p>
+          <a:p>
+            <a:pPr lvl="1"/>
+            <a:r>
+              <a:rPr lang="en-US" altLang="ko-KR" dirty="0" smtClean="0"/>
+              <a:t>sampling (x)</a:t>
+            </a:r>
+          </a:p>
+          <a:p>
+            <a:pPr lvl="1"/>
+            <a:r>
+              <a:rPr lang="en-US" altLang="ko-KR" dirty="0" smtClean="0"/>
+              <a:t>sorting (x)</a:t>
+            </a:r>
+          </a:p>
+          <a:p>
+            <a:pPr lvl="1"/>
+            <a:r>
+              <a:rPr lang="en-US" altLang="ko-KR" dirty="0" smtClean="0"/>
+              <a:t>partitioning (x)</a:t>
+            </a:r>
             <a:endParaRPr lang="en-US" altLang="ko-KR" dirty="0" smtClean="0"/>
           </a:p>
           <a:p>
@@ -10177,14 +10246,25 @@
               <a:rPr lang="en-US" altLang="ko-KR" dirty="0" smtClean="0"/>
               <a:t>Milestone3</a:t>
             </a:r>
+          </a:p>
+          <a:p>
+            <a:pPr lvl="1"/>
+            <a:r>
+              <a:rPr lang="en-US" altLang="ko-KR" dirty="0" smtClean="0"/>
+              <a:t>shuffling (x)</a:t>
+            </a:r>
+          </a:p>
+          <a:p>
+            <a:pPr lvl="1"/>
+            <a:r>
+              <a:rPr lang="en-US" altLang="ko-KR" dirty="0" smtClean="0"/>
+              <a:t>merging (x)</a:t>
+            </a:r>
             <a:endParaRPr lang="en-US" altLang="ko-KR" dirty="0" smtClean="0"/>
           </a:p>
           <a:p>
             <a:pPr lvl="1"/>
-            <a:r>
-              <a:rPr lang="en-US" altLang="ko-KR" dirty="0" smtClean="0"/>
-              <a:t>Po</a:t>
-            </a:r>
+            <a:endParaRPr lang="en-US" altLang="ko-KR" dirty="0" smtClean="0"/>
           </a:p>
         </p:txBody>
       </p:sp>
@@ -10263,15 +10343,7 @@
             </a:pPr>
             <a:r>
               <a:rPr lang="en-US" altLang="ko-KR" dirty="0" smtClean="0"/>
-              <a:t>Variable: Camel case(each </a:t>
-            </a:r>
-            <a:r>
-              <a:rPr lang="en-US" altLang="ko-KR" dirty="0" smtClean="0"/>
-              <a:t>word is capitalized, except possibly the first </a:t>
-            </a:r>
-            <a:r>
-              <a:rPr lang="en-US" altLang="ko-KR" dirty="0" smtClean="0"/>
-              <a:t>word)</a:t>
+              <a:t>Variable: Camel case(each word is capitalized, except possibly the first word)</a:t>
             </a:r>
           </a:p>
           <a:p>
@@ -10311,7 +10383,6 @@
               <a:rPr lang="en-US" altLang="ko-KR" dirty="0" smtClean="0"/>
               <a:t>Method parentheses: yes for side effect</a:t>
             </a:r>
-            <a:endParaRPr lang="en-US" altLang="ko-KR" dirty="0" smtClean="0"/>
           </a:p>
           <a:p>
             <a:pPr marL="0" indent="0">
@@ -10325,11 +10396,7 @@
             </a:pPr>
             <a:r>
               <a:rPr lang="en-US" altLang="ko-KR" dirty="0" smtClean="0"/>
-              <a:t>* Others </a:t>
-            </a:r>
-            <a:r>
-              <a:rPr lang="en-US" altLang="ko-KR" dirty="0" smtClean="0"/>
-              <a:t>will follow this doc(https://docs.scala-lang.org/style/naming-conventions.html)</a:t>
+              <a:t>* Others will follow this doc(https://docs.scala-lang.org/style/naming-conventions.html)</a:t>
             </a:r>
           </a:p>
         </p:txBody>

--- a/project2.pptx
+++ b/project2.pptx
@@ -35,10 +35,13 @@
     <p:sldId id="290" r:id="rId29"/>
     <p:sldId id="280" r:id="rId30"/>
     <p:sldId id="281" r:id="rId31"/>
-    <p:sldId id="269" r:id="rId32"/>
-    <p:sldId id="272" r:id="rId33"/>
-    <p:sldId id="267" r:id="rId34"/>
-    <p:sldId id="270" r:id="rId35"/>
+    <p:sldId id="303" r:id="rId32"/>
+    <p:sldId id="304" r:id="rId33"/>
+    <p:sldId id="269" r:id="rId34"/>
+    <p:sldId id="272" r:id="rId35"/>
+    <p:sldId id="267" r:id="rId36"/>
+    <p:sldId id="302" r:id="rId37"/>
+    <p:sldId id="270" r:id="rId38"/>
   </p:sldIdLst>
   <p:sldSz cx="12192000" cy="6858000"/>
   <p:notesSz cx="6858000" cy="9144000"/>
@@ -3132,13 +3135,25 @@
             </a:pPr>
             <a:r>
               <a:rPr lang="en-US" altLang="ko-KR" dirty="0" smtClean="0"/>
-              <a:t>Parent message class for all messages</a:t>
-            </a:r>
+              <a:t>All messages extend trait Message</a:t>
+            </a:r>
+            <a:endParaRPr lang="en-US" altLang="ko-KR" dirty="0" smtClean="0"/>
           </a:p>
           <a:p>
             <a:r>
               <a:rPr lang="en-US" altLang="ko-KR" dirty="0" smtClean="0"/>
-              <a:t>Slave’s ID</a:t>
+              <a:t>Contents</a:t>
+            </a:r>
+          </a:p>
+          <a:p>
+            <a:pPr lvl="1"/>
+            <a:r>
+              <a:rPr lang="en-US" altLang="ko-KR" dirty="0" smtClean="0"/>
+              <a:t>Slave’s </a:t>
+            </a:r>
+            <a:r>
+              <a:rPr lang="en-US" altLang="ko-KR" dirty="0" smtClean="0"/>
+              <a:t>ID</a:t>
             </a:r>
           </a:p>
           <a:p>
@@ -4962,7 +4977,7 @@
           <p:nvPr>
             <p:extLst>
               <p:ext uri="{D42A27DB-BD31-4B8C-83A1-F6EECF244321}">
-                <p14:modId xmlns:p14="http://schemas.microsoft.com/office/powerpoint/2010/main" val="677661648"/>
+                <p14:modId xmlns:p14="http://schemas.microsoft.com/office/powerpoint/2010/main" val="2961293806"/>
               </p:ext>
             </p:extLst>
           </p:nvPr>
@@ -4992,10 +5007,17 @@
                     </a:ext>
                   </a:extLst>
                 </a:gridCol>
-                <a:gridCol w="6981092">
+                <a:gridCol w="5134707">
                   <a:extLst>
                     <a:ext uri="{9D8B030D-6E8A-4147-A177-3AD203B41FA5}">
                       <a16:colId xmlns:a16="http://schemas.microsoft.com/office/drawing/2014/main" val="1347880583"/>
+                    </a:ext>
+                  </a:extLst>
+                </a:gridCol>
+                <a:gridCol w="1846385">
+                  <a:extLst>
+                    <a:ext uri="{9D8B030D-6E8A-4147-A177-3AD203B41FA5}">
+                      <a16:colId xmlns:a16="http://schemas.microsoft.com/office/drawing/2014/main" val="989638864"/>
                     </a:ext>
                   </a:extLst>
                 </a:gridCol>
@@ -5040,6 +5062,37 @@
                       <a:r>
                         <a:rPr lang="en-US" altLang="ko-KR" sz="1400" dirty="0" smtClean="0"/>
                         <a:t>Definition</a:t>
+                      </a:r>
+                      <a:endParaRPr lang="ko-KR" altLang="en-US" sz="1400" dirty="0"/>
+                    </a:p>
+                  </a:txBody>
+                  <a:tcPr/>
+                </a:tc>
+                <a:tc>
+                  <a:txBody>
+                    <a:bodyPr/>
+                    <a:lstStyle/>
+                    <a:p>
+                      <a:pPr latinLnBrk="1"/>
+                      <a:r>
+                        <a:rPr lang="en-US" altLang="ko-KR" sz="1400" dirty="0" smtClean="0">
+                          <a:solidFill>
+                            <a:srgbClr val="FF0000"/>
+                          </a:solidFill>
+                        </a:rPr>
+                        <a:t>Critical</a:t>
+                      </a:r>
+                      <a:r>
+                        <a:rPr lang="en-US" altLang="ko-KR" sz="1400" baseline="0" dirty="0" smtClean="0">
+                          <a:solidFill>
+                            <a:srgbClr val="FF0000"/>
+                          </a:solidFill>
+                        </a:rPr>
+                        <a:t> reason </a:t>
+                      </a:r>
+                      <a:r>
+                        <a:rPr lang="en-US" altLang="ko-KR" sz="1400" baseline="0" dirty="0" smtClean="0"/>
+                        <a:t>(atomic operations are needed</a:t>
                       </a:r>
                       <a:endParaRPr lang="ko-KR" altLang="en-US" sz="1400" dirty="0"/>
                     </a:p>
@@ -5092,6 +5145,21 @@
                       <a:r>
                         <a:rPr lang="en-US" altLang="ko-KR" sz="1400" dirty="0" smtClean="0"/>
                         <a:t>The number of slave that make a TCP connection</a:t>
+                      </a:r>
+                      <a:endParaRPr lang="ko-KR" altLang="en-US" sz="1400" dirty="0"/>
+                    </a:p>
+                  </a:txBody>
+                  <a:tcPr/>
+                </a:tc>
+                <a:tc>
+                  <a:txBody>
+                    <a:bodyPr/>
+                    <a:lstStyle/>
+                    <a:p>
+                      <a:pPr latinLnBrk="1"/>
+                      <a:r>
+                        <a:rPr lang="en-US" altLang="ko-KR" sz="1400" dirty="0" smtClean="0"/>
+                        <a:t>No</a:t>
                       </a:r>
                       <a:endParaRPr lang="ko-KR" altLang="en-US" sz="1400" dirty="0"/>
                     </a:p>
@@ -5158,6 +5226,21 @@
                   </a:txBody>
                   <a:tcPr/>
                 </a:tc>
+                <a:tc>
+                  <a:txBody>
+                    <a:bodyPr/>
+                    <a:lstStyle/>
+                    <a:p>
+                      <a:pPr latinLnBrk="1"/>
+                      <a:r>
+                        <a:rPr lang="en-US" altLang="ko-KR" sz="1400" dirty="0" smtClean="0"/>
+                        <a:t>Yes</a:t>
+                      </a:r>
+                      <a:endParaRPr lang="ko-KR" altLang="en-US" sz="1400" dirty="0"/>
+                    </a:p>
+                  </a:txBody>
+                  <a:tcPr/>
+                </a:tc>
                 <a:extLst>
                   <a:ext uri="{0D108BD9-81ED-4DB2-BD59-A6C34878D82A}">
                     <a16:rowId xmlns:a16="http://schemas.microsoft.com/office/drawing/2014/main" val="1315448559"/>
@@ -5218,6 +5301,21 @@
                   </a:txBody>
                   <a:tcPr/>
                 </a:tc>
+                <a:tc>
+                  <a:txBody>
+                    <a:bodyPr/>
+                    <a:lstStyle/>
+                    <a:p>
+                      <a:pPr latinLnBrk="1"/>
+                      <a:r>
+                        <a:rPr lang="en-US" altLang="ko-KR" sz="1400" dirty="0" smtClean="0"/>
+                        <a:t>Yes</a:t>
+                      </a:r>
+                      <a:endParaRPr lang="ko-KR" altLang="en-US" sz="1400" dirty="0"/>
+                    </a:p>
+                  </a:txBody>
+                  <a:tcPr/>
+                </a:tc>
                 <a:extLst>
                   <a:ext uri="{0D108BD9-81ED-4DB2-BD59-A6C34878D82A}">
                     <a16:rowId xmlns:a16="http://schemas.microsoft.com/office/drawing/2014/main" val="204196383"/>
@@ -5268,6 +5366,21 @@
                       <a:r>
                         <a:rPr lang="en-US" altLang="ko-KR" sz="1400" dirty="0" err="1" smtClean="0"/>
                         <a:t>SlaveSuccessMessage</a:t>
+                      </a:r>
+                      <a:endParaRPr lang="ko-KR" altLang="en-US" sz="1400" dirty="0"/>
+                    </a:p>
+                  </a:txBody>
+                  <a:tcPr/>
+                </a:tc>
+                <a:tc>
+                  <a:txBody>
+                    <a:bodyPr/>
+                    <a:lstStyle/>
+                    <a:p>
+                      <a:pPr latinLnBrk="1"/>
+                      <a:r>
+                        <a:rPr lang="en-US" altLang="ko-KR" sz="1400" dirty="0" smtClean="0"/>
+                        <a:t>Yes</a:t>
                       </a:r>
                       <a:endParaRPr lang="ko-KR" altLang="en-US" sz="1400" dirty="0"/>
                     </a:p>
@@ -5334,6 +5447,21 @@
                   </a:txBody>
                   <a:tcPr/>
                 </a:tc>
+                <a:tc>
+                  <a:txBody>
+                    <a:bodyPr/>
+                    <a:lstStyle/>
+                    <a:p>
+                      <a:pPr latinLnBrk="1"/>
+                      <a:r>
+                        <a:rPr lang="en-US" altLang="ko-KR" sz="1400" dirty="0" smtClean="0"/>
+                        <a:t>No</a:t>
+                      </a:r>
+                      <a:endParaRPr lang="ko-KR" altLang="en-US" sz="1400" dirty="0"/>
+                    </a:p>
+                  </a:txBody>
+                  <a:tcPr/>
+                </a:tc>
                 <a:extLst>
                   <a:ext uri="{0D108BD9-81ED-4DB2-BD59-A6C34878D82A}">
                     <a16:rowId xmlns:a16="http://schemas.microsoft.com/office/drawing/2014/main" val="1119048382"/>
@@ -5384,6 +5512,21 @@
                       <a:r>
                         <a:rPr lang="en-US" altLang="ko-KR" sz="1400" dirty="0" err="1" smtClean="0"/>
                         <a:t>FinishSortMessage</a:t>
+                      </a:r>
+                      <a:endParaRPr lang="ko-KR" altLang="en-US" sz="1400" dirty="0"/>
+                    </a:p>
+                  </a:txBody>
+                  <a:tcPr/>
+                </a:tc>
+                <a:tc>
+                  <a:txBody>
+                    <a:bodyPr/>
+                    <a:lstStyle/>
+                    <a:p>
+                      <a:pPr latinLnBrk="1"/>
+                      <a:r>
+                        <a:rPr lang="en-US" altLang="ko-KR" sz="1400" dirty="0" smtClean="0"/>
+                        <a:t>No</a:t>
                       </a:r>
                       <a:endParaRPr lang="ko-KR" altLang="en-US" sz="1400" dirty="0"/>
                     </a:p>
@@ -5446,6 +5589,21 @@
                   </a:txBody>
                   <a:tcPr/>
                 </a:tc>
+                <a:tc>
+                  <a:txBody>
+                    <a:bodyPr/>
+                    <a:lstStyle/>
+                    <a:p>
+                      <a:pPr latinLnBrk="1"/>
+                      <a:r>
+                        <a:rPr lang="en-US" altLang="ko-KR" sz="1400" dirty="0" smtClean="0"/>
+                        <a:t>No</a:t>
+                      </a:r>
+                      <a:endParaRPr lang="ko-KR" altLang="en-US" sz="1400" dirty="0"/>
+                    </a:p>
+                  </a:txBody>
+                  <a:tcPr/>
+                </a:tc>
                 <a:extLst>
                   <a:ext uri="{0D108BD9-81ED-4DB2-BD59-A6C34878D82A}">
                     <a16:rowId xmlns:a16="http://schemas.microsoft.com/office/drawing/2014/main" val="1208207346"/>
@@ -5496,6 +5654,21 @@
                       <a:r>
                         <a:rPr lang="en-US" altLang="ko-KR" sz="1400" baseline="0" dirty="0" smtClean="0"/>
                         <a:t> needed to be included in all messages it send</a:t>
+                      </a:r>
+                      <a:endParaRPr lang="ko-KR" altLang="en-US" sz="1400" dirty="0"/>
+                    </a:p>
+                  </a:txBody>
+                  <a:tcPr/>
+                </a:tc>
+                <a:tc>
+                  <a:txBody>
+                    <a:bodyPr/>
+                    <a:lstStyle/>
+                    <a:p>
+                      <a:pPr latinLnBrk="1"/>
+                      <a:r>
+                        <a:rPr lang="en-US" altLang="ko-KR" sz="1400" dirty="0" smtClean="0"/>
+                        <a:t>No</a:t>
                       </a:r>
                       <a:endParaRPr lang="ko-KR" altLang="en-US" sz="1400" dirty="0"/>
                     </a:p>
@@ -9746,7 +9919,25 @@
           <a:bodyPr/>
           <a:lstStyle/>
           <a:p>
-            <a:endParaRPr lang="ko-KR" altLang="en-US"/>
+            <a:pPr marL="342900" indent="-342900">
+              <a:buFont typeface="Arial" panose="020B0604020202020204" pitchFamily="34" charset="0"/>
+              <a:buChar char="•"/>
+            </a:pPr>
+            <a:r>
+              <a:rPr lang="en-US" altLang="ko-KR" dirty="0" smtClean="0"/>
+              <a:t>Naming convention</a:t>
+            </a:r>
+          </a:p>
+          <a:p>
+            <a:pPr marL="342900" indent="-342900">
+              <a:buFont typeface="Arial" panose="020B0604020202020204" pitchFamily="34" charset="0"/>
+              <a:buChar char="•"/>
+            </a:pPr>
+            <a:r>
+              <a:rPr lang="en-US" altLang="ko-KR" dirty="0" smtClean="0"/>
+              <a:t>Litter</a:t>
+            </a:r>
+            <a:endParaRPr lang="ko-KR" altLang="en-US" dirty="0"/>
           </a:p>
         </p:txBody>
       </p:sp>
@@ -9872,29 +10063,42 @@
             <p:ph type="title"/>
           </p:nvPr>
         </p:nvSpPr>
-        <p:spPr>
-          <a:xfrm>
-            <a:off x="864577" y="2695087"/>
-            <a:ext cx="10515600" cy="1325563"/>
-          </a:xfrm>
-        </p:spPr>
+        <p:spPr/>
         <p:txBody>
           <a:bodyPr/>
           <a:lstStyle/>
           <a:p>
-            <a:pPr algn="ctr"/>
             <a:r>
               <a:rPr lang="en-US" altLang="ko-KR" dirty="0" smtClean="0"/>
-              <a:t>END</a:t>
+              <a:t>Integration test (RBA)</a:t>
             </a:r>
             <a:endParaRPr lang="ko-KR" altLang="en-US" dirty="0"/>
+          </a:p>
+        </p:txBody>
+      </p:sp>
+      <p:sp>
+        <p:nvSpPr>
+          <p:cNvPr id="3" name="내용 개체 틀 2"/>
+          <p:cNvSpPr>
+            <a:spLocks noGrp="1"/>
+          </p:cNvSpPr>
+          <p:nvPr>
+            <p:ph idx="1"/>
+          </p:nvPr>
+        </p:nvSpPr>
+        <p:spPr/>
+        <p:txBody>
+          <a:bodyPr/>
+          <a:lstStyle/>
+          <a:p>
+            <a:endParaRPr lang="ko-KR" altLang="en-US"/>
           </a:p>
         </p:txBody>
       </p:sp>
     </p:spTree>
     <p:extLst>
       <p:ext uri="{BB962C8B-B14F-4D97-AF65-F5344CB8AC3E}">
-        <p14:creationId xmlns:p14="http://schemas.microsoft.com/office/powerpoint/2010/main" val="1828546751"/>
+        <p14:creationId xmlns:p14="http://schemas.microsoft.com/office/powerpoint/2010/main" val="2033479607"/>
       </p:ext>
     </p:extLst>
   </p:cSld>
@@ -9938,7 +10142,7 @@
           <a:p>
             <a:r>
               <a:rPr lang="en-US" altLang="ko-KR" dirty="0" smtClean="0"/>
-              <a:t>Report</a:t>
+              <a:t>System test</a:t>
             </a:r>
             <a:endParaRPr lang="ko-KR" altLang="en-US" dirty="0"/>
           </a:p>
@@ -9946,27 +10150,89 @@
       </p:sp>
       <p:sp>
         <p:nvSpPr>
-          <p:cNvPr id="3" name="텍스트 개체 틀 2"/>
+          <p:cNvPr id="3" name="내용 개체 틀 2"/>
           <p:cNvSpPr>
             <a:spLocks noGrp="1"/>
           </p:cNvSpPr>
           <p:nvPr>
-            <p:ph type="body" idx="1"/>
+            <p:ph idx="1"/>
           </p:nvPr>
         </p:nvSpPr>
         <p:spPr/>
         <p:txBody>
-          <a:bodyPr/>
+          <a:bodyPr>
+            <a:normAutofit/>
+          </a:bodyPr>
           <a:lstStyle/>
           <a:p>
-            <a:endParaRPr lang="ko-KR" altLang="en-US"/>
+            <a:pPr marL="0" indent="0">
+              <a:buNone/>
+            </a:pPr>
+            <a:r>
+              <a:rPr lang="en-US" altLang="ko-KR" sz="1800" dirty="0" smtClean="0"/>
+              <a:t>Settings</a:t>
+            </a:r>
+          </a:p>
+          <a:p>
+            <a:r>
+              <a:rPr lang="en-US" altLang="ko-KR" sz="1800" dirty="0" smtClean="0"/>
+              <a:t>3 slaves</a:t>
+            </a:r>
+          </a:p>
+          <a:p>
+            <a:r>
+              <a:rPr lang="en-US" altLang="ko-KR" sz="1800" dirty="0" smtClean="0"/>
+              <a:t>10,000 bytes for each slave (100 lines of data for each)</a:t>
+            </a:r>
+          </a:p>
+          <a:p>
+            <a:r>
+              <a:rPr lang="en-US" altLang="ko-KR" sz="1800" dirty="0" smtClean="0"/>
+              <a:t>1 master and 3 slaves run in a single machine</a:t>
+            </a:r>
+          </a:p>
+          <a:p>
+            <a:endParaRPr lang="en-US" altLang="ko-KR" sz="1800" dirty="0"/>
+          </a:p>
+          <a:p>
+            <a:endParaRPr lang="en-US" altLang="ko-KR" sz="1800" dirty="0" smtClean="0"/>
+          </a:p>
+          <a:p>
+            <a:pPr marL="0" indent="0">
+              <a:buNone/>
+            </a:pPr>
+            <a:r>
+              <a:rPr lang="en-US" altLang="ko-KR" sz="1800" dirty="0" smtClean="0"/>
+              <a:t>Requirement</a:t>
+            </a:r>
+          </a:p>
+          <a:p>
+            <a:r>
+              <a:rPr lang="en-US" altLang="ko-KR" sz="1800" dirty="0" smtClean="0"/>
+              <a:t>Whole 30,000 bytes data (300 lines of data) can be sorted by naïve algorithm</a:t>
+            </a:r>
+          </a:p>
+          <a:p>
+            <a:r>
+              <a:rPr lang="en-US" altLang="ko-KR" sz="1800" dirty="0" smtClean="0"/>
+              <a:t>Output of test should be correspond with above sequence</a:t>
+            </a:r>
+          </a:p>
+          <a:p>
+            <a:pPr marL="0" indent="0">
+              <a:buNone/>
+            </a:pPr>
+            <a:endParaRPr lang="en-US" altLang="ko-KR" sz="1800" dirty="0" smtClean="0"/>
+          </a:p>
+          <a:p>
+            <a:endParaRPr lang="ko-KR" altLang="en-US" sz="1800" dirty="0"/>
           </a:p>
         </p:txBody>
       </p:sp>
     </p:spTree>
     <p:extLst>
       <p:ext uri="{BB962C8B-B14F-4D97-AF65-F5344CB8AC3E}">
-        <p14:creationId xmlns:p14="http://schemas.microsoft.com/office/powerpoint/2010/main" val="2061114743"/>
+        <p14:creationId xmlns:p14="http://schemas.microsoft.com/office/powerpoint/2010/main" val="1378473909"/>
       </p:ext>
     </p:extLst>
   </p:cSld>
@@ -10003,109 +10269,29 @@
             <p:ph type="title"/>
           </p:nvPr>
         </p:nvSpPr>
-        <p:spPr/>
+        <p:spPr>
+          <a:xfrm>
+            <a:off x="864577" y="2695087"/>
+            <a:ext cx="10515600" cy="1325563"/>
+          </a:xfrm>
+        </p:spPr>
         <p:txBody>
           <a:bodyPr/>
           <a:lstStyle/>
           <a:p>
+            <a:pPr algn="ctr"/>
             <a:r>
               <a:rPr lang="en-US" altLang="ko-KR" dirty="0" smtClean="0"/>
-              <a:t>What I did</a:t>
+              <a:t>END</a:t>
             </a:r>
             <a:endParaRPr lang="ko-KR" altLang="en-US" dirty="0"/>
-          </a:p>
-        </p:txBody>
-      </p:sp>
-      <p:sp>
-        <p:nvSpPr>
-          <p:cNvPr id="3" name="내용 개체 틀 2"/>
-          <p:cNvSpPr>
-            <a:spLocks noGrp="1"/>
-          </p:cNvSpPr>
-          <p:nvPr>
-            <p:ph idx="1"/>
-          </p:nvPr>
-        </p:nvSpPr>
-        <p:spPr/>
-        <p:txBody>
-          <a:bodyPr/>
-          <a:lstStyle/>
-          <a:p>
-            <a:r>
-              <a:rPr lang="en-US" altLang="ko-KR" dirty="0" smtClean="0"/>
-              <a:t>Documentation</a:t>
-            </a:r>
-          </a:p>
-          <a:p>
-            <a:pPr lvl="1"/>
-            <a:r>
-              <a:rPr lang="en-US" altLang="ko-KR" dirty="0" smtClean="0"/>
-              <a:t>Define communication model</a:t>
-            </a:r>
-          </a:p>
-          <a:p>
-            <a:pPr lvl="1"/>
-            <a:r>
-              <a:rPr lang="en-US" altLang="ko-KR" dirty="0" smtClean="0"/>
-              <a:t>Define state for master and slave</a:t>
-            </a:r>
-          </a:p>
-          <a:p>
-            <a:pPr lvl="1"/>
-            <a:r>
-              <a:rPr lang="en-US" altLang="ko-KR" dirty="0" smtClean="0"/>
-              <a:t>Define variables and messages for protocol</a:t>
-            </a:r>
-            <a:endParaRPr lang="en-US" altLang="ko-KR" dirty="0" smtClean="0"/>
-          </a:p>
-          <a:p>
-            <a:r>
-              <a:rPr lang="en-US" altLang="ko-KR" dirty="0" smtClean="0"/>
-              <a:t>Remove </a:t>
-            </a:r>
-            <a:r>
-              <a:rPr lang="en-US" altLang="ko-KR" dirty="0" smtClean="0"/>
-              <a:t>this </a:t>
-            </a:r>
-            <a:r>
-              <a:rPr lang="en-US" altLang="ko-KR" dirty="0" smtClean="0"/>
-              <a:t>implementation. </a:t>
-            </a:r>
-            <a:r>
-              <a:rPr lang="en-US" altLang="ko-KR" dirty="0" smtClean="0"/>
-              <a:t>Convert it to java.net library</a:t>
-            </a:r>
-            <a:endParaRPr lang="en-US" altLang="ko-KR" dirty="0" smtClean="0"/>
-          </a:p>
-          <a:p>
-            <a:pPr lvl="1"/>
-            <a:r>
-              <a:rPr lang="en-US" altLang="ko-KR" dirty="0" smtClean="0"/>
-              <a:t>TCP establishment(using </a:t>
-            </a:r>
-            <a:r>
-              <a:rPr lang="en-US" altLang="ko-KR" dirty="0" err="1" smtClean="0"/>
-              <a:t>Akka</a:t>
-            </a:r>
-            <a:r>
-              <a:rPr lang="en-US" altLang="ko-KR" dirty="0" smtClean="0"/>
-              <a:t>) between salve and </a:t>
-            </a:r>
-            <a:r>
-              <a:rPr lang="en-US" altLang="ko-KR" dirty="0" smtClean="0"/>
-              <a:t>master</a:t>
-            </a:r>
-            <a:endParaRPr lang="en-US" altLang="ko-KR" dirty="0" smtClean="0"/>
-          </a:p>
-          <a:p>
-            <a:endParaRPr lang="en-US" altLang="ko-KR" dirty="0" smtClean="0"/>
           </a:p>
         </p:txBody>
       </p:sp>
     </p:spTree>
     <p:extLst>
       <p:ext uri="{BB962C8B-B14F-4D97-AF65-F5344CB8AC3E}">
-        <p14:creationId xmlns:p14="http://schemas.microsoft.com/office/powerpoint/2010/main" val="4205502534"/>
+        <p14:creationId xmlns:p14="http://schemas.microsoft.com/office/powerpoint/2010/main" val="1828546751"/>
       </p:ext>
     </p:extLst>
   </p:cSld>
@@ -10149,7 +10335,79 @@
           <a:p>
             <a:r>
               <a:rPr lang="en-US" altLang="ko-KR" dirty="0" smtClean="0"/>
-              <a:t>TODO</a:t>
+              <a:t>Report</a:t>
+            </a:r>
+            <a:endParaRPr lang="ko-KR" altLang="en-US" dirty="0"/>
+          </a:p>
+        </p:txBody>
+      </p:sp>
+      <p:sp>
+        <p:nvSpPr>
+          <p:cNvPr id="3" name="텍스트 개체 틀 2"/>
+          <p:cNvSpPr>
+            <a:spLocks noGrp="1"/>
+          </p:cNvSpPr>
+          <p:nvPr>
+            <p:ph type="body" idx="1"/>
+          </p:nvPr>
+        </p:nvSpPr>
+        <p:spPr/>
+        <p:txBody>
+          <a:bodyPr/>
+          <a:lstStyle/>
+          <a:p>
+            <a:endParaRPr lang="ko-KR" altLang="en-US"/>
+          </a:p>
+        </p:txBody>
+      </p:sp>
+    </p:spTree>
+    <p:extLst>
+      <p:ext uri="{BB962C8B-B14F-4D97-AF65-F5344CB8AC3E}">
+        <p14:creationId xmlns:p14="http://schemas.microsoft.com/office/powerpoint/2010/main" val="2061114743"/>
+      </p:ext>
+    </p:extLst>
+  </p:cSld>
+  <p:clrMapOvr>
+    <a:masterClrMapping/>
+  </p:clrMapOvr>
+</p:sld>
+</file>
+
+<file path=ppt/slides/slide35.xml><?xml version="1.0" encoding="utf-8"?>
+<p:sld xmlns:a="http://schemas.openxmlformats.org/drawingml/2006/main" xmlns:r="http://schemas.openxmlformats.org/officeDocument/2006/relationships" xmlns:p="http://schemas.openxmlformats.org/presentationml/2006/main">
+  <p:cSld>
+    <p:spTree>
+      <p:nvGrpSpPr>
+        <p:cNvPr id="1" name=""/>
+        <p:cNvGrpSpPr/>
+        <p:nvPr/>
+      </p:nvGrpSpPr>
+      <p:grpSpPr>
+        <a:xfrm>
+          <a:off x="0" y="0"/>
+          <a:ext cx="0" cy="0"/>
+          <a:chOff x="0" y="0"/>
+          <a:chExt cx="0" cy="0"/>
+        </a:xfrm>
+      </p:grpSpPr>
+      <p:sp>
+        <p:nvSpPr>
+          <p:cNvPr id="2" name="제목 1"/>
+          <p:cNvSpPr>
+            <a:spLocks noGrp="1"/>
+          </p:cNvSpPr>
+          <p:nvPr>
+            <p:ph type="title"/>
+          </p:nvPr>
+        </p:nvSpPr>
+        <p:spPr/>
+        <p:txBody>
+          <a:bodyPr/>
+          <a:lstStyle/>
+          <a:p>
+            <a:r>
+              <a:rPr lang="en-US" altLang="ko-KR" dirty="0" smtClean="0"/>
+              <a:t>What I did</a:t>
             </a:r>
             <a:endParaRPr lang="ko-KR" altLang="en-US" dirty="0"/>
           </a:p>
@@ -10168,14 +10426,372 @@
         <p:spPr/>
         <p:txBody>
           <a:bodyPr>
-            <a:normAutofit fontScale="92500" lnSpcReduction="20000"/>
+            <a:normAutofit lnSpcReduction="10000"/>
           </a:bodyPr>
           <a:lstStyle/>
           <a:p>
+            <a:pPr marL="0" indent="0">
+              <a:buNone/>
+            </a:pPr>
             <a:r>
               <a:rPr lang="en-US" altLang="ko-KR" dirty="0" smtClean="0"/>
-              <a:t>Milestone1</a:t>
-            </a:r>
+              <a:t>I spent most of my time to write document again. Also, I removed </a:t>
+            </a:r>
+            <a:r>
+              <a:rPr lang="en-US" altLang="ko-KR" dirty="0" err="1" smtClean="0"/>
+              <a:t>Akka</a:t>
+            </a:r>
+            <a:r>
+              <a:rPr lang="en-US" altLang="ko-KR" dirty="0" smtClean="0"/>
+              <a:t> lib due to its so much abstraction.</a:t>
+            </a:r>
+          </a:p>
+          <a:p>
+            <a:endParaRPr lang="en-US" altLang="ko-KR" dirty="0"/>
+          </a:p>
+          <a:p>
+            <a:r>
+              <a:rPr lang="en-US" altLang="ko-KR" dirty="0" smtClean="0"/>
+              <a:t>Documentation</a:t>
+            </a:r>
+            <a:endParaRPr lang="en-US" altLang="ko-KR" dirty="0" smtClean="0"/>
+          </a:p>
+          <a:p>
+            <a:pPr lvl="1"/>
+            <a:r>
+              <a:rPr lang="en-US" altLang="ko-KR" dirty="0" smtClean="0"/>
+              <a:t>Define communication model</a:t>
+            </a:r>
+          </a:p>
+          <a:p>
+            <a:pPr lvl="1"/>
+            <a:r>
+              <a:rPr lang="en-US" altLang="ko-KR" dirty="0" smtClean="0"/>
+              <a:t>Define state for master and slave</a:t>
+            </a:r>
+          </a:p>
+          <a:p>
+            <a:pPr lvl="1"/>
+            <a:r>
+              <a:rPr lang="en-US" altLang="ko-KR" dirty="0" smtClean="0"/>
+              <a:t>Define variables and messages for </a:t>
+            </a:r>
+            <a:r>
+              <a:rPr lang="en-US" altLang="ko-KR" dirty="0" smtClean="0"/>
+              <a:t>protocol</a:t>
+            </a:r>
+          </a:p>
+          <a:p>
+            <a:pPr lvl="1"/>
+            <a:r>
+              <a:rPr lang="en-US" altLang="ko-KR" dirty="0" smtClean="0"/>
+              <a:t>Define sampling method</a:t>
+            </a:r>
+          </a:p>
+          <a:p>
+            <a:pPr lvl="1"/>
+            <a:r>
+              <a:rPr lang="en-US" altLang="ko-KR" dirty="0" smtClean="0"/>
+              <a:t>Define slave ordering</a:t>
+            </a:r>
+            <a:endParaRPr lang="en-US" altLang="ko-KR" dirty="0" smtClean="0"/>
+          </a:p>
+          <a:p>
+            <a:r>
+              <a:rPr lang="en-US" altLang="ko-KR" dirty="0" smtClean="0"/>
+              <a:t>Remove this implementation. Convert it to java.net library</a:t>
+            </a:r>
+          </a:p>
+          <a:p>
+            <a:pPr lvl="1"/>
+            <a:r>
+              <a:rPr lang="en-US" altLang="ko-KR" dirty="0" smtClean="0"/>
+              <a:t>TCP establishment(using </a:t>
+            </a:r>
+            <a:r>
+              <a:rPr lang="en-US" altLang="ko-KR" dirty="0" err="1" smtClean="0"/>
+              <a:t>Akka</a:t>
+            </a:r>
+            <a:r>
+              <a:rPr lang="en-US" altLang="ko-KR" dirty="0" smtClean="0"/>
+              <a:t>) between salve and master</a:t>
+            </a:r>
+          </a:p>
+          <a:p>
+            <a:endParaRPr lang="en-US" altLang="ko-KR" dirty="0" smtClean="0"/>
+          </a:p>
+        </p:txBody>
+      </p:sp>
+    </p:spTree>
+    <p:extLst>
+      <p:ext uri="{BB962C8B-B14F-4D97-AF65-F5344CB8AC3E}">
+        <p14:creationId xmlns:p14="http://schemas.microsoft.com/office/powerpoint/2010/main" val="4205502534"/>
+      </p:ext>
+    </p:extLst>
+  </p:cSld>
+  <p:clrMapOvr>
+    <a:masterClrMapping/>
+  </p:clrMapOvr>
+</p:sld>
+</file>
+
+<file path=ppt/slides/slide36.xml><?xml version="1.0" encoding="utf-8"?>
+<p:sld xmlns:a="http://schemas.openxmlformats.org/drawingml/2006/main" xmlns:r="http://schemas.openxmlformats.org/officeDocument/2006/relationships" xmlns:p="http://schemas.openxmlformats.org/presentationml/2006/main">
+  <p:cSld>
+    <p:spTree>
+      <p:nvGrpSpPr>
+        <p:cNvPr id="1" name=""/>
+        <p:cNvGrpSpPr/>
+        <p:nvPr/>
+      </p:nvGrpSpPr>
+      <p:grpSpPr>
+        <a:xfrm>
+          <a:off x="0" y="0"/>
+          <a:ext cx="0" cy="0"/>
+          <a:chOff x="0" y="0"/>
+          <a:chExt cx="0" cy="0"/>
+        </a:xfrm>
+      </p:grpSpPr>
+      <p:sp>
+        <p:nvSpPr>
+          <p:cNvPr id="2" name="제목 1"/>
+          <p:cNvSpPr>
+            <a:spLocks noGrp="1"/>
+          </p:cNvSpPr>
+          <p:nvPr>
+            <p:ph type="title"/>
+          </p:nvPr>
+        </p:nvSpPr>
+        <p:spPr/>
+        <p:txBody>
+          <a:bodyPr/>
+          <a:lstStyle/>
+          <a:p>
+            <a:r>
+              <a:rPr lang="en-US" altLang="ko-KR" dirty="0" smtClean="0"/>
+              <a:t>Demo</a:t>
+            </a:r>
+            <a:endParaRPr lang="ko-KR" altLang="en-US" dirty="0"/>
+          </a:p>
+        </p:txBody>
+      </p:sp>
+      <p:sp>
+        <p:nvSpPr>
+          <p:cNvPr id="3" name="내용 개체 틀 2"/>
+          <p:cNvSpPr>
+            <a:spLocks noGrp="1"/>
+          </p:cNvSpPr>
+          <p:nvPr>
+            <p:ph idx="1"/>
+          </p:nvPr>
+        </p:nvSpPr>
+        <p:spPr/>
+        <p:txBody>
+          <a:bodyPr/>
+          <a:lstStyle/>
+          <a:p>
+            <a:pPr marL="0" indent="0">
+              <a:buNone/>
+            </a:pPr>
+            <a:r>
+              <a:rPr lang="en-US" altLang="ko-KR" dirty="0" smtClean="0"/>
+              <a:t>Make connection between slave and master</a:t>
+            </a:r>
+            <a:endParaRPr lang="ko-KR" altLang="en-US" dirty="0"/>
+          </a:p>
+        </p:txBody>
+      </p:sp>
+      <p:pic>
+        <p:nvPicPr>
+          <p:cNvPr id="4" name="그림 3"/>
+          <p:cNvPicPr>
+            <a:picLocks noChangeAspect="1"/>
+          </p:cNvPicPr>
+          <p:nvPr/>
+        </p:nvPicPr>
+        <p:blipFill>
+          <a:blip r:embed="rId2"/>
+          <a:stretch>
+            <a:fillRect/>
+          </a:stretch>
+        </p:blipFill>
+        <p:spPr>
+          <a:xfrm>
+            <a:off x="1121385" y="5002457"/>
+            <a:ext cx="3552825" cy="981075"/>
+          </a:xfrm>
+          <a:prstGeom prst="rect">
+            <a:avLst/>
+          </a:prstGeom>
+        </p:spPr>
+      </p:pic>
+      <p:pic>
+        <p:nvPicPr>
+          <p:cNvPr id="5" name="그림 4"/>
+          <p:cNvPicPr>
+            <a:picLocks noChangeAspect="1"/>
+          </p:cNvPicPr>
+          <p:nvPr/>
+        </p:nvPicPr>
+        <p:blipFill>
+          <a:blip r:embed="rId3"/>
+          <a:stretch>
+            <a:fillRect/>
+          </a:stretch>
+        </p:blipFill>
+        <p:spPr>
+          <a:xfrm>
+            <a:off x="1121385" y="3357441"/>
+            <a:ext cx="4638675" cy="485775"/>
+          </a:xfrm>
+          <a:prstGeom prst="rect">
+            <a:avLst/>
+          </a:prstGeom>
+        </p:spPr>
+      </p:pic>
+      <p:sp>
+        <p:nvSpPr>
+          <p:cNvPr id="6" name="TextBox 5"/>
+          <p:cNvSpPr txBox="1"/>
+          <p:nvPr/>
+        </p:nvSpPr>
+        <p:spPr>
+          <a:xfrm>
+            <a:off x="1121385" y="2883877"/>
+            <a:ext cx="1776412" cy="369332"/>
+          </a:xfrm>
+          <a:prstGeom prst="rect">
+            <a:avLst/>
+          </a:prstGeom>
+          <a:noFill/>
+        </p:spPr>
+        <p:txBody>
+          <a:bodyPr wrap="square" rtlCol="0">
+            <a:spAutoFit/>
+          </a:bodyPr>
+          <a:lstStyle/>
+          <a:p>
+            <a:r>
+              <a:rPr lang="en-US" altLang="ko-KR" dirty="0" smtClean="0"/>
+              <a:t>Master</a:t>
+            </a:r>
+            <a:endParaRPr lang="ko-KR" altLang="en-US" dirty="0"/>
+          </a:p>
+        </p:txBody>
+      </p:sp>
+      <p:sp>
+        <p:nvSpPr>
+          <p:cNvPr id="7" name="TextBox 6"/>
+          <p:cNvSpPr txBox="1"/>
+          <p:nvPr/>
+        </p:nvSpPr>
+        <p:spPr>
+          <a:xfrm>
+            <a:off x="1121385" y="4565657"/>
+            <a:ext cx="1776412" cy="369332"/>
+          </a:xfrm>
+          <a:prstGeom prst="rect">
+            <a:avLst/>
+          </a:prstGeom>
+          <a:noFill/>
+        </p:spPr>
+        <p:txBody>
+          <a:bodyPr wrap="square" rtlCol="0">
+            <a:spAutoFit/>
+          </a:bodyPr>
+          <a:lstStyle/>
+          <a:p>
+            <a:r>
+              <a:rPr lang="en-US" altLang="ko-KR" dirty="0" smtClean="0"/>
+              <a:t>Slave</a:t>
+            </a:r>
+            <a:endParaRPr lang="ko-KR" altLang="en-US" dirty="0"/>
+          </a:p>
+        </p:txBody>
+      </p:sp>
+    </p:spTree>
+    <p:extLst>
+      <p:ext uri="{BB962C8B-B14F-4D97-AF65-F5344CB8AC3E}">
+        <p14:creationId xmlns:p14="http://schemas.microsoft.com/office/powerpoint/2010/main" val="1627639833"/>
+      </p:ext>
+    </p:extLst>
+  </p:cSld>
+  <p:clrMapOvr>
+    <a:masterClrMapping/>
+  </p:clrMapOvr>
+</p:sld>
+</file>
+
+<file path=ppt/slides/slide37.xml><?xml version="1.0" encoding="utf-8"?>
+<p:sld xmlns:a="http://schemas.openxmlformats.org/drawingml/2006/main" xmlns:r="http://schemas.openxmlformats.org/officeDocument/2006/relationships" xmlns:p="http://schemas.openxmlformats.org/presentationml/2006/main">
+  <p:cSld>
+    <p:spTree>
+      <p:nvGrpSpPr>
+        <p:cNvPr id="1" name=""/>
+        <p:cNvGrpSpPr/>
+        <p:nvPr/>
+      </p:nvGrpSpPr>
+      <p:grpSpPr>
+        <a:xfrm>
+          <a:off x="0" y="0"/>
+          <a:ext cx="0" cy="0"/>
+          <a:chOff x="0" y="0"/>
+          <a:chExt cx="0" cy="0"/>
+        </a:xfrm>
+      </p:grpSpPr>
+      <p:sp>
+        <p:nvSpPr>
+          <p:cNvPr id="2" name="제목 1"/>
+          <p:cNvSpPr>
+            <a:spLocks noGrp="1"/>
+          </p:cNvSpPr>
+          <p:nvPr>
+            <p:ph type="title"/>
+          </p:nvPr>
+        </p:nvSpPr>
+        <p:spPr/>
+        <p:txBody>
+          <a:bodyPr/>
+          <a:lstStyle/>
+          <a:p>
+            <a:r>
+              <a:rPr lang="en-US" altLang="ko-KR" dirty="0" smtClean="0"/>
+              <a:t>TODO</a:t>
+            </a:r>
+            <a:endParaRPr lang="ko-KR" altLang="en-US" dirty="0"/>
+          </a:p>
+        </p:txBody>
+      </p:sp>
+      <p:sp>
+        <p:nvSpPr>
+          <p:cNvPr id="3" name="내용 개체 틀 2"/>
+          <p:cNvSpPr>
+            <a:spLocks noGrp="1"/>
+          </p:cNvSpPr>
+          <p:nvPr>
+            <p:ph idx="1"/>
+          </p:nvPr>
+        </p:nvSpPr>
+        <p:spPr/>
+        <p:txBody>
+          <a:bodyPr>
+            <a:normAutofit fontScale="55000" lnSpcReduction="20000"/>
+          </a:bodyPr>
+          <a:lstStyle/>
+          <a:p>
+            <a:r>
+              <a:rPr lang="en-US" altLang="ko-KR" dirty="0" smtClean="0"/>
+              <a:t>Milestone1 (</a:t>
+            </a:r>
+            <a:r>
+              <a:rPr lang="en-US" altLang="ko-KR" strike="sngStrike" dirty="0" smtClean="0"/>
+              <a:t>~10/19</a:t>
+            </a:r>
+            <a:r>
+              <a:rPr lang="en-US" altLang="ko-KR" dirty="0" smtClean="0"/>
+              <a:t> ~11/22)</a:t>
+            </a:r>
+            <a:endParaRPr lang="en-US" altLang="ko-KR" dirty="0" smtClean="0"/>
           </a:p>
           <a:p>
             <a:pPr lvl="1"/>
@@ -10202,22 +10818,86 @@
             <a:pPr lvl="1"/>
             <a:r>
               <a:rPr lang="en-US" altLang="ko-KR" dirty="0" smtClean="0"/>
-              <a:t>learn to use a network library (x)</a:t>
+              <a:t>learn to use a network </a:t>
+            </a:r>
+            <a:r>
+              <a:rPr lang="en-US" altLang="ko-KR" dirty="0" smtClean="0"/>
+              <a:t>library</a:t>
+            </a:r>
+          </a:p>
+          <a:p>
+            <a:pPr lvl="2"/>
+            <a:r>
+              <a:rPr lang="en-US" altLang="ko-KR" dirty="0" err="1" smtClean="0"/>
+              <a:t>Protobuf</a:t>
+            </a:r>
+            <a:r>
+              <a:rPr lang="en-US" altLang="ko-KR" dirty="0" smtClean="0"/>
+              <a:t> (x)</a:t>
+            </a:r>
+          </a:p>
+          <a:p>
+            <a:pPr lvl="2"/>
+            <a:r>
+              <a:rPr lang="en-US" altLang="ko-KR" dirty="0" err="1" smtClean="0"/>
+              <a:t>Serversocket</a:t>
+            </a:r>
+            <a:r>
+              <a:rPr lang="en-US" altLang="ko-KR" dirty="0" smtClean="0"/>
+              <a:t>, socket (o)</a:t>
             </a:r>
             <a:endParaRPr lang="en-US" altLang="ko-KR" dirty="0" smtClean="0"/>
           </a:p>
           <a:p>
             <a:r>
               <a:rPr lang="en-US" altLang="ko-KR" dirty="0" smtClean="0"/>
-              <a:t>Milestone2</a:t>
-            </a:r>
+              <a:t>Milestone2 (</a:t>
+            </a:r>
+            <a:r>
+              <a:rPr lang="en-US" altLang="ko-KR" strike="sngStrike" dirty="0" smtClean="0"/>
+              <a:t>~11/16</a:t>
+            </a:r>
+            <a:r>
+              <a:rPr lang="en-US" altLang="ko-KR" dirty="0" smtClean="0"/>
+              <a:t> ~11/29)</a:t>
+            </a:r>
+            <a:endParaRPr lang="en-US" altLang="ko-KR" dirty="0" smtClean="0"/>
           </a:p>
           <a:p>
             <a:pPr lvl="1"/>
             <a:r>
               <a:rPr lang="en-US" altLang="ko-KR" dirty="0" smtClean="0"/>
-              <a:t>Documentation (o)</a:t>
-            </a:r>
+              <a:t>Documentation</a:t>
+            </a:r>
+          </a:p>
+          <a:p>
+            <a:pPr lvl="2"/>
+            <a:r>
+              <a:rPr lang="en-US" altLang="ko-KR" dirty="0" smtClean="0"/>
+              <a:t>Other parts (o)</a:t>
+            </a:r>
+          </a:p>
+          <a:p>
+            <a:pPr lvl="2"/>
+            <a:r>
+              <a:rPr lang="en-US" altLang="ko-KR" dirty="0" smtClean="0"/>
+              <a:t>Flow chart (x)</a:t>
+            </a:r>
+          </a:p>
+          <a:p>
+            <a:pPr lvl="2"/>
+            <a:r>
+              <a:rPr lang="en-US" altLang="ko-KR" dirty="0"/>
+              <a:t>T</a:t>
+            </a:r>
+            <a:r>
+              <a:rPr lang="en-US" altLang="ko-KR" dirty="0" smtClean="0"/>
+              <a:t>est (x)</a:t>
+            </a:r>
+          </a:p>
+          <a:p>
+            <a:pPr lvl="2"/>
+            <a:endParaRPr lang="en-US" altLang="ko-KR" dirty="0" smtClean="0"/>
           </a:p>
           <a:p>
             <a:pPr lvl="1"/>
@@ -10237,15 +10917,20 @@
             <a:pPr lvl="1"/>
             <a:r>
               <a:rPr lang="en-US" altLang="ko-KR" dirty="0" smtClean="0"/>
-              <a:t>partitioning (x)</a:t>
+              <a:t>partitioning (x</a:t>
+            </a:r>
+            <a:r>
+              <a:rPr lang="en-US" altLang="ko-KR" dirty="0" smtClean="0"/>
+              <a:t>)</a:t>
             </a:r>
             <a:endParaRPr lang="en-US" altLang="ko-KR" dirty="0" smtClean="0"/>
           </a:p>
           <a:p>
             <a:r>
               <a:rPr lang="en-US" altLang="ko-KR" dirty="0" smtClean="0"/>
-              <a:t>Milestone3</a:t>
-            </a:r>
+              <a:t>Milestone3 (~12/14)</a:t>
+            </a:r>
+            <a:endParaRPr lang="en-US" altLang="ko-KR" dirty="0" smtClean="0"/>
           </a:p>
           <a:p>
             <a:pPr lvl="1"/>
@@ -10260,7 +10945,6 @@
               <a:rPr lang="en-US" altLang="ko-KR" dirty="0" smtClean="0"/>
               <a:t>merging (x)</a:t>
             </a:r>
-            <a:endParaRPr lang="en-US" altLang="ko-KR" dirty="0" smtClean="0"/>
           </a:p>
           <a:p>
             <a:pPr lvl="1"/>
@@ -10760,7 +11444,11 @@
             </a:r>
             <a:r>
               <a:rPr lang="en-US" altLang="ko-KR" dirty="0" smtClean="0"/>
-              <a:t> phase for sorting</a:t>
+              <a:t> phase </a:t>
+            </a:r>
+            <a:r>
+              <a:rPr lang="en-US" altLang="ko-KR" dirty="0" smtClean="0"/>
+              <a:t>of protocol</a:t>
             </a:r>
             <a:endParaRPr lang="ko-KR" altLang="en-US" dirty="0"/>
           </a:p>

--- a/project2.pptx
+++ b/project2.pptx
@@ -20,28 +20,30 @@
     <p:sldId id="293" r:id="rId14"/>
     <p:sldId id="294" r:id="rId15"/>
     <p:sldId id="295" r:id="rId16"/>
-    <p:sldId id="296" r:id="rId17"/>
-    <p:sldId id="287" r:id="rId18"/>
-    <p:sldId id="283" r:id="rId19"/>
-    <p:sldId id="282" r:id="rId20"/>
-    <p:sldId id="284" r:id="rId21"/>
-    <p:sldId id="278" r:id="rId22"/>
-    <p:sldId id="279" r:id="rId23"/>
-    <p:sldId id="285" r:id="rId24"/>
-    <p:sldId id="299" r:id="rId25"/>
-    <p:sldId id="300" r:id="rId26"/>
-    <p:sldId id="291" r:id="rId27"/>
-    <p:sldId id="289" r:id="rId28"/>
-    <p:sldId id="290" r:id="rId29"/>
-    <p:sldId id="280" r:id="rId30"/>
-    <p:sldId id="281" r:id="rId31"/>
-    <p:sldId id="303" r:id="rId32"/>
-    <p:sldId id="304" r:id="rId33"/>
-    <p:sldId id="269" r:id="rId34"/>
-    <p:sldId id="272" r:id="rId35"/>
-    <p:sldId id="267" r:id="rId36"/>
-    <p:sldId id="302" r:id="rId37"/>
-    <p:sldId id="270" r:id="rId38"/>
+    <p:sldId id="305" r:id="rId17"/>
+    <p:sldId id="296" r:id="rId18"/>
+    <p:sldId id="287" r:id="rId19"/>
+    <p:sldId id="283" r:id="rId20"/>
+    <p:sldId id="282" r:id="rId21"/>
+    <p:sldId id="284" r:id="rId22"/>
+    <p:sldId id="278" r:id="rId23"/>
+    <p:sldId id="279" r:id="rId24"/>
+    <p:sldId id="285" r:id="rId25"/>
+    <p:sldId id="306" r:id="rId26"/>
+    <p:sldId id="299" r:id="rId27"/>
+    <p:sldId id="300" r:id="rId28"/>
+    <p:sldId id="291" r:id="rId29"/>
+    <p:sldId id="289" r:id="rId30"/>
+    <p:sldId id="290" r:id="rId31"/>
+    <p:sldId id="280" r:id="rId32"/>
+    <p:sldId id="281" r:id="rId33"/>
+    <p:sldId id="303" r:id="rId34"/>
+    <p:sldId id="304" r:id="rId35"/>
+    <p:sldId id="269" r:id="rId36"/>
+    <p:sldId id="272" r:id="rId37"/>
+    <p:sldId id="267" r:id="rId38"/>
+    <p:sldId id="302" r:id="rId39"/>
+    <p:sldId id="270" r:id="rId40"/>
   </p:sldIdLst>
   <p:sldSz cx="12192000" cy="6858000"/>
   <p:notesSz cx="6858000" cy="9144000"/>
@@ -279,7 +281,7 @@
           <a:p>
             <a:fld id="{4752427D-6588-4C30-85AC-BDB5603CAC20}" type="datetimeFigureOut">
               <a:rPr lang="ko-KR" altLang="en-US" smtClean="0"/>
-              <a:t>2020-11-17</a:t>
+              <a:t>2020-11-18</a:t>
             </a:fld>
             <a:endParaRPr lang="ko-KR" altLang="en-US"/>
           </a:p>
@@ -449,7 +451,7 @@
           <a:p>
             <a:fld id="{4752427D-6588-4C30-85AC-BDB5603CAC20}" type="datetimeFigureOut">
               <a:rPr lang="ko-KR" altLang="en-US" smtClean="0"/>
-              <a:t>2020-11-17</a:t>
+              <a:t>2020-11-18</a:t>
             </a:fld>
             <a:endParaRPr lang="ko-KR" altLang="en-US"/>
           </a:p>
@@ -629,7 +631,7 @@
           <a:p>
             <a:fld id="{4752427D-6588-4C30-85AC-BDB5603CAC20}" type="datetimeFigureOut">
               <a:rPr lang="ko-KR" altLang="en-US" smtClean="0"/>
-              <a:t>2020-11-17</a:t>
+              <a:t>2020-11-18</a:t>
             </a:fld>
             <a:endParaRPr lang="ko-KR" altLang="en-US"/>
           </a:p>
@@ -799,7 +801,7 @@
           <a:p>
             <a:fld id="{4752427D-6588-4C30-85AC-BDB5603CAC20}" type="datetimeFigureOut">
               <a:rPr lang="ko-KR" altLang="en-US" smtClean="0"/>
-              <a:t>2020-11-17</a:t>
+              <a:t>2020-11-18</a:t>
             </a:fld>
             <a:endParaRPr lang="ko-KR" altLang="en-US"/>
           </a:p>
@@ -1045,7 +1047,7 @@
           <a:p>
             <a:fld id="{4752427D-6588-4C30-85AC-BDB5603CAC20}" type="datetimeFigureOut">
               <a:rPr lang="ko-KR" altLang="en-US" smtClean="0"/>
-              <a:t>2020-11-17</a:t>
+              <a:t>2020-11-18</a:t>
             </a:fld>
             <a:endParaRPr lang="ko-KR" altLang="en-US"/>
           </a:p>
@@ -1277,7 +1279,7 @@
           <a:p>
             <a:fld id="{4752427D-6588-4C30-85AC-BDB5603CAC20}" type="datetimeFigureOut">
               <a:rPr lang="ko-KR" altLang="en-US" smtClean="0"/>
-              <a:t>2020-11-17</a:t>
+              <a:t>2020-11-18</a:t>
             </a:fld>
             <a:endParaRPr lang="ko-KR" altLang="en-US"/>
           </a:p>
@@ -1644,7 +1646,7 @@
           <a:p>
             <a:fld id="{4752427D-6588-4C30-85AC-BDB5603CAC20}" type="datetimeFigureOut">
               <a:rPr lang="ko-KR" altLang="en-US" smtClean="0"/>
-              <a:t>2020-11-17</a:t>
+              <a:t>2020-11-18</a:t>
             </a:fld>
             <a:endParaRPr lang="ko-KR" altLang="en-US"/>
           </a:p>
@@ -1762,7 +1764,7 @@
           <a:p>
             <a:fld id="{4752427D-6588-4C30-85AC-BDB5603CAC20}" type="datetimeFigureOut">
               <a:rPr lang="ko-KR" altLang="en-US" smtClean="0"/>
-              <a:t>2020-11-17</a:t>
+              <a:t>2020-11-18</a:t>
             </a:fld>
             <a:endParaRPr lang="ko-KR" altLang="en-US"/>
           </a:p>
@@ -1857,7 +1859,7 @@
           <a:p>
             <a:fld id="{4752427D-6588-4C30-85AC-BDB5603CAC20}" type="datetimeFigureOut">
               <a:rPr lang="ko-KR" altLang="en-US" smtClean="0"/>
-              <a:t>2020-11-17</a:t>
+              <a:t>2020-11-18</a:t>
             </a:fld>
             <a:endParaRPr lang="ko-KR" altLang="en-US"/>
           </a:p>
@@ -2134,7 +2136,7 @@
           <a:p>
             <a:fld id="{4752427D-6588-4C30-85AC-BDB5603CAC20}" type="datetimeFigureOut">
               <a:rPr lang="ko-KR" altLang="en-US" smtClean="0"/>
-              <a:t>2020-11-17</a:t>
+              <a:t>2020-11-18</a:t>
             </a:fld>
             <a:endParaRPr lang="ko-KR" altLang="en-US"/>
           </a:p>
@@ -2387,7 +2389,7 @@
           <a:p>
             <a:fld id="{4752427D-6588-4C30-85AC-BDB5603CAC20}" type="datetimeFigureOut">
               <a:rPr lang="ko-KR" altLang="en-US" smtClean="0"/>
-              <a:t>2020-11-17</a:t>
+              <a:t>2020-11-18</a:t>
             </a:fld>
             <a:endParaRPr lang="ko-KR" altLang="en-US"/>
           </a:p>
@@ -2600,7 +2602,7 @@
           <a:p>
             <a:fld id="{4752427D-6588-4C30-85AC-BDB5603CAC20}" type="datetimeFigureOut">
               <a:rPr lang="ko-KR" altLang="en-US" smtClean="0"/>
-              <a:t>2020-11-17</a:t>
+              <a:t>2020-11-18</a:t>
             </a:fld>
             <a:endParaRPr lang="ko-KR" altLang="en-US"/>
           </a:p>
@@ -3137,7 +3139,6 @@
               <a:rPr lang="en-US" altLang="ko-KR" dirty="0" smtClean="0"/>
               <a:t>All messages extend trait Message</a:t>
             </a:r>
-            <a:endParaRPr lang="en-US" altLang="ko-KR" dirty="0" smtClean="0"/>
           </a:p>
           <a:p>
             <a:r>
@@ -3149,11 +3150,7 @@
             <a:pPr lvl="1"/>
             <a:r>
               <a:rPr lang="en-US" altLang="ko-KR" dirty="0" smtClean="0"/>
-              <a:t>Slave’s </a:t>
-            </a:r>
-            <a:r>
-              <a:rPr lang="en-US" altLang="ko-KR" dirty="0" smtClean="0"/>
-              <a:t>ID</a:t>
+              <a:t>Slave’s ID</a:t>
             </a:r>
           </a:p>
           <a:p>
@@ -4691,6 +4688,312 @@
           <p:nvPr>
             <p:extLst>
               <p:ext uri="{D42A27DB-BD31-4B8C-83A1-F6EECF244321}">
+                <p14:modId xmlns:p14="http://schemas.microsoft.com/office/powerpoint/2010/main" val="3941843609"/>
+              </p:ext>
+            </p:extLst>
+          </p:nvPr>
+        </p:nvGraphicFramePr>
+        <p:xfrm>
+          <a:off x="838199" y="1934308"/>
+          <a:ext cx="10099432" cy="3754315"/>
+        </p:xfrm>
+        <a:graphic>
+          <a:graphicData uri="http://schemas.openxmlformats.org/drawingml/2006/table">
+            <a:tbl>
+              <a:tblPr firstRow="1" bandRow="1">
+                <a:tableStyleId>{5C22544A-7EE6-4342-B048-85BDC9FD1C3A}</a:tableStyleId>
+              </a:tblPr>
+              <a:tblGrid>
+                <a:gridCol w="1544516">
+                  <a:extLst>
+                    <a:ext uri="{9D8B030D-6E8A-4147-A177-3AD203B41FA5}">
+                      <a16:colId xmlns:a16="http://schemas.microsoft.com/office/drawing/2014/main" val="1678945514"/>
+                    </a:ext>
+                  </a:extLst>
+                </a:gridCol>
+                <a:gridCol w="8554916">
+                  <a:extLst>
+                    <a:ext uri="{9D8B030D-6E8A-4147-A177-3AD203B41FA5}">
+                      <a16:colId xmlns:a16="http://schemas.microsoft.com/office/drawing/2014/main" val="2500095497"/>
+                    </a:ext>
+                  </a:extLst>
+                </a:gridCol>
+              </a:tblGrid>
+              <a:tr h="750863">
+                <a:tc>
+                  <a:txBody>
+                    <a:bodyPr/>
+                    <a:lstStyle/>
+                    <a:p>
+                      <a:pPr latinLnBrk="1"/>
+                      <a:r>
+                        <a:rPr lang="en-US" altLang="ko-KR" sz="1400" dirty="0" smtClean="0"/>
+                        <a:t>Name</a:t>
+                      </a:r>
+                      <a:endParaRPr lang="ko-KR" altLang="en-US" sz="1400" dirty="0"/>
+                    </a:p>
+                  </a:txBody>
+                  <a:tcPr/>
+                </a:tc>
+                <a:tc>
+                  <a:txBody>
+                    <a:bodyPr/>
+                    <a:lstStyle/>
+                    <a:p>
+                      <a:pPr latinLnBrk="1"/>
+                      <a:r>
+                        <a:rPr lang="en-US" altLang="ko-KR" sz="1400" dirty="0" err="1" smtClean="0"/>
+                        <a:t>FileTransferFinishMessage</a:t>
+                      </a:r>
+                      <a:endParaRPr lang="ko-KR" altLang="en-US" sz="1400" dirty="0"/>
+                    </a:p>
+                  </a:txBody>
+                  <a:tcPr/>
+                </a:tc>
+                <a:extLst>
+                  <a:ext uri="{0D108BD9-81ED-4DB2-BD59-A6C34878D82A}">
+                    <a16:rowId xmlns:a16="http://schemas.microsoft.com/office/drawing/2014/main" val="3274201054"/>
+                  </a:ext>
+                </a:extLst>
+              </a:tr>
+              <a:tr h="750863">
+                <a:tc>
+                  <a:txBody>
+                    <a:bodyPr/>
+                    <a:lstStyle/>
+                    <a:p>
+                      <a:pPr latinLnBrk="1"/>
+                      <a:r>
+                        <a:rPr lang="en-US" altLang="ko-KR" sz="1400" dirty="0" smtClean="0"/>
+                        <a:t>When</a:t>
+                      </a:r>
+                      <a:endParaRPr lang="ko-KR" altLang="en-US" sz="1400" dirty="0"/>
+                    </a:p>
+                  </a:txBody>
+                  <a:tcPr/>
+                </a:tc>
+                <a:tc>
+                  <a:txBody>
+                    <a:bodyPr/>
+                    <a:lstStyle/>
+                    <a:p>
+                      <a:pPr latinLnBrk="1"/>
+                      <a:r>
+                        <a:rPr lang="en-US" altLang="ko-KR" sz="1400" dirty="0" smtClean="0"/>
+                        <a:t>Slave finish to send</a:t>
+                      </a:r>
+                      <a:r>
+                        <a:rPr lang="en-US" altLang="ko-KR" sz="1400" baseline="0" dirty="0" smtClean="0"/>
+                        <a:t> </a:t>
+                      </a:r>
+                      <a:r>
+                        <a:rPr lang="en-US" altLang="ko-KR" sz="1400" baseline="0" dirty="0" smtClean="0"/>
+                        <a:t>all </a:t>
+                      </a:r>
+                      <a:r>
+                        <a:rPr lang="en-US" altLang="ko-KR" sz="1400" baseline="0" dirty="0" smtClean="0"/>
+                        <a:t>data </a:t>
+                      </a:r>
+                      <a:r>
+                        <a:rPr lang="en-US" altLang="ko-KR" sz="1400" baseline="0" dirty="0" smtClean="0"/>
+                        <a:t>for single </a:t>
+                      </a:r>
+                      <a:r>
+                        <a:rPr lang="en-US" altLang="ko-KR" sz="1400" baseline="0" dirty="0" smtClean="0"/>
+                        <a:t>appropriate </a:t>
+                      </a:r>
+                      <a:r>
+                        <a:rPr lang="en-US" altLang="ko-KR" sz="1400" baseline="0" dirty="0" smtClean="0"/>
+                        <a:t>peers</a:t>
+                      </a:r>
+                      <a:endParaRPr lang="ko-KR" altLang="en-US" sz="1400" dirty="0"/>
+                    </a:p>
+                  </a:txBody>
+                  <a:tcPr/>
+                </a:tc>
+                <a:extLst>
+                  <a:ext uri="{0D108BD9-81ED-4DB2-BD59-A6C34878D82A}">
+                    <a16:rowId xmlns:a16="http://schemas.microsoft.com/office/drawing/2014/main" val="208055639"/>
+                  </a:ext>
+                </a:extLst>
+              </a:tr>
+              <a:tr h="750863">
+                <a:tc>
+                  <a:txBody>
+                    <a:bodyPr/>
+                    <a:lstStyle/>
+                    <a:p>
+                      <a:pPr latinLnBrk="1"/>
+                      <a:r>
+                        <a:rPr lang="en-US" altLang="ko-KR" sz="1400" dirty="0" smtClean="0"/>
+                        <a:t>Sender</a:t>
+                      </a:r>
+                      <a:endParaRPr lang="ko-KR" altLang="en-US" sz="1400" dirty="0"/>
+                    </a:p>
+                  </a:txBody>
+                  <a:tcPr/>
+                </a:tc>
+                <a:tc>
+                  <a:txBody>
+                    <a:bodyPr/>
+                    <a:lstStyle/>
+                    <a:p>
+                      <a:pPr latinLnBrk="1"/>
+                      <a:r>
+                        <a:rPr lang="en-US" altLang="ko-KR" sz="1400" dirty="0" smtClean="0"/>
+                        <a:t>Slave</a:t>
+                      </a:r>
+                      <a:endParaRPr lang="ko-KR" altLang="en-US" sz="1400" dirty="0"/>
+                    </a:p>
+                  </a:txBody>
+                  <a:tcPr/>
+                </a:tc>
+                <a:extLst>
+                  <a:ext uri="{0D108BD9-81ED-4DB2-BD59-A6C34878D82A}">
+                    <a16:rowId xmlns:a16="http://schemas.microsoft.com/office/drawing/2014/main" val="1000982902"/>
+                  </a:ext>
+                </a:extLst>
+              </a:tr>
+              <a:tr h="750863">
+                <a:tc>
+                  <a:txBody>
+                    <a:bodyPr/>
+                    <a:lstStyle/>
+                    <a:p>
+                      <a:pPr latinLnBrk="1"/>
+                      <a:r>
+                        <a:rPr lang="en-US" altLang="ko-KR" sz="1400" dirty="0" smtClean="0"/>
+                        <a:t>Receiver</a:t>
+                      </a:r>
+                      <a:endParaRPr lang="ko-KR" altLang="en-US" sz="1400" dirty="0"/>
+                    </a:p>
+                  </a:txBody>
+                  <a:tcPr/>
+                </a:tc>
+                <a:tc>
+                  <a:txBody>
+                    <a:bodyPr/>
+                    <a:lstStyle/>
+                    <a:p>
+                      <a:pPr latinLnBrk="1"/>
+                      <a:r>
+                        <a:rPr lang="en-US" altLang="ko-KR" sz="1400" dirty="0" smtClean="0"/>
+                        <a:t>Slave</a:t>
+                      </a:r>
+                      <a:endParaRPr lang="ko-KR" altLang="en-US" sz="1400" dirty="0"/>
+                    </a:p>
+                  </a:txBody>
+                  <a:tcPr/>
+                </a:tc>
+                <a:extLst>
+                  <a:ext uri="{0D108BD9-81ED-4DB2-BD59-A6C34878D82A}">
+                    <a16:rowId xmlns:a16="http://schemas.microsoft.com/office/drawing/2014/main" val="2724142797"/>
+                  </a:ext>
+                </a:extLst>
+              </a:tr>
+              <a:tr h="750863">
+                <a:tc>
+                  <a:txBody>
+                    <a:bodyPr/>
+                    <a:lstStyle/>
+                    <a:p>
+                      <a:pPr latinLnBrk="1"/>
+                      <a:r>
+                        <a:rPr lang="en-US" altLang="ko-KR" sz="1400" dirty="0" smtClean="0"/>
+                        <a:t>contents</a:t>
+                      </a:r>
+                      <a:endParaRPr lang="ko-KR" altLang="en-US" sz="1400" dirty="0"/>
+                    </a:p>
+                  </a:txBody>
+                  <a:tcPr/>
+                </a:tc>
+                <a:tc>
+                  <a:txBody>
+                    <a:bodyPr/>
+                    <a:lstStyle/>
+                    <a:p>
+                      <a:pPr latinLnBrk="1"/>
+                      <a:r>
+                        <a:rPr lang="en-US" altLang="ko-KR" sz="1400" dirty="0" smtClean="0"/>
+                        <a:t>void</a:t>
+                      </a:r>
+                      <a:endParaRPr lang="ko-KR" altLang="en-US" sz="1400" dirty="0"/>
+                    </a:p>
+                  </a:txBody>
+                  <a:tcPr/>
+                </a:tc>
+                <a:extLst>
+                  <a:ext uri="{0D108BD9-81ED-4DB2-BD59-A6C34878D82A}">
+                    <a16:rowId xmlns:a16="http://schemas.microsoft.com/office/drawing/2014/main" val="3855224543"/>
+                  </a:ext>
+                </a:extLst>
+              </a:tr>
+            </a:tbl>
+          </a:graphicData>
+        </a:graphic>
+      </p:graphicFrame>
+    </p:spTree>
+    <p:extLst>
+      <p:ext uri="{BB962C8B-B14F-4D97-AF65-F5344CB8AC3E}">
+        <p14:creationId xmlns:p14="http://schemas.microsoft.com/office/powerpoint/2010/main" val="850776285"/>
+      </p:ext>
+    </p:extLst>
+  </p:cSld>
+  <p:clrMapOvr>
+    <a:masterClrMapping/>
+  </p:clrMapOvr>
+</p:sld>
+</file>
+
+<file path=ppt/slides/slide17.xml><?xml version="1.0" encoding="utf-8"?>
+<p:sld xmlns:a="http://schemas.openxmlformats.org/drawingml/2006/main" xmlns:r="http://schemas.openxmlformats.org/officeDocument/2006/relationships" xmlns:p="http://schemas.openxmlformats.org/presentationml/2006/main">
+  <p:cSld>
+    <p:spTree>
+      <p:nvGrpSpPr>
+        <p:cNvPr id="1" name=""/>
+        <p:cNvGrpSpPr/>
+        <p:nvPr/>
+      </p:nvGrpSpPr>
+      <p:grpSpPr>
+        <a:xfrm>
+          <a:off x="0" y="0"/>
+          <a:ext cx="0" cy="0"/>
+          <a:chOff x="0" y="0"/>
+          <a:chExt cx="0" cy="0"/>
+        </a:xfrm>
+      </p:grpSpPr>
+      <p:sp>
+        <p:nvSpPr>
+          <p:cNvPr id="2" name="제목 1"/>
+          <p:cNvSpPr>
+            <a:spLocks noGrp="1"/>
+          </p:cNvSpPr>
+          <p:nvPr>
+            <p:ph type="title"/>
+          </p:nvPr>
+        </p:nvSpPr>
+        <p:spPr/>
+        <p:txBody>
+          <a:bodyPr/>
+          <a:lstStyle/>
+          <a:p>
+            <a:r>
+              <a:rPr lang="en-US" altLang="ko-KR" dirty="0" smtClean="0"/>
+              <a:t>Messages</a:t>
+            </a:r>
+            <a:endParaRPr lang="ko-KR" altLang="en-US" dirty="0"/>
+          </a:p>
+        </p:txBody>
+      </p:sp>
+      <p:graphicFrame>
+        <p:nvGraphicFramePr>
+          <p:cNvPr id="4" name="표 3"/>
+          <p:cNvGraphicFramePr>
+            <a:graphicFrameLocks noGrp="1"/>
+          </p:cNvGraphicFramePr>
+          <p:nvPr>
+            <p:extLst>
+              <p:ext uri="{D42A27DB-BD31-4B8C-83A1-F6EECF244321}">
                 <p14:modId xmlns:p14="http://schemas.microsoft.com/office/powerpoint/2010/main" val="2523225469"/>
               </p:ext>
             </p:extLst>
@@ -4928,7 +5231,7 @@
 </p:sld>
 </file>
 
-<file path=ppt/slides/slide17.xml><?xml version="1.0" encoding="utf-8"?>
+<file path=ppt/slides/slide18.xml><?xml version="1.0" encoding="utf-8"?>
 <p:sld xmlns:a="http://schemas.openxmlformats.org/drawingml/2006/main" xmlns:r="http://schemas.openxmlformats.org/officeDocument/2006/relationships" xmlns:p="http://schemas.openxmlformats.org/presentationml/2006/main">
   <p:cSld>
     <p:spTree>
@@ -4977,14 +5280,14 @@
           <p:nvPr>
             <p:extLst>
               <p:ext uri="{D42A27DB-BD31-4B8C-83A1-F6EECF244321}">
-                <p14:modId xmlns:p14="http://schemas.microsoft.com/office/powerpoint/2010/main" val="2961293806"/>
+                <p14:modId xmlns:p14="http://schemas.microsoft.com/office/powerpoint/2010/main" val="2744771194"/>
               </p:ext>
             </p:extLst>
           </p:nvPr>
         </p:nvGraphicFramePr>
         <p:xfrm>
           <a:off x="924168" y="1906620"/>
-          <a:ext cx="10365155" cy="4160071"/>
+          <a:ext cx="10365155" cy="4555725"/>
         </p:xfrm>
         <a:graphic>
           <a:graphicData uri="http://schemas.openxmlformats.org/drawingml/2006/table">
@@ -5022,7 +5325,7 @@
                   </a:extLst>
                 </a:gridCol>
               </a:tblGrid>
-              <a:tr h="784579">
+              <a:tr h="824436">
                 <a:tc>
                   <a:txBody>
                     <a:bodyPr/>
@@ -5105,7 +5408,7 @@
                   </a:ext>
                 </a:extLst>
               </a:tr>
-              <a:tr h="417852">
+              <a:tr h="439079">
                 <a:tc>
                   <a:txBody>
                     <a:bodyPr/>
@@ -5144,7 +5447,15 @@
                       <a:pPr latinLnBrk="1"/>
                       <a:r>
                         <a:rPr lang="en-US" altLang="ko-KR" sz="1400" dirty="0" smtClean="0"/>
-                        <a:t>The number of slave that make a TCP connection</a:t>
+                        <a:t>The number of </a:t>
+                      </a:r>
+                      <a:r>
+                        <a:rPr lang="en-US" altLang="ko-KR" sz="1400" dirty="0" smtClean="0"/>
+                        <a:t>slaves </a:t>
+                      </a:r>
+                      <a:r>
+                        <a:rPr lang="en-US" altLang="ko-KR" sz="1400" dirty="0" smtClean="0"/>
+                        <a:t>that make a TCP connection</a:t>
                       </a:r>
                       <a:endParaRPr lang="ko-KR" altLang="en-US" sz="1400" dirty="0"/>
                     </a:p>
@@ -5172,7 +5483,7 @@
                   </a:ext>
                 </a:extLst>
               </a:tr>
-              <a:tr h="417852">
+              <a:tr h="439079">
                 <a:tc>
                   <a:txBody>
                     <a:bodyPr/>
@@ -5211,7 +5522,15 @@
                       <a:pPr latinLnBrk="1"/>
                       <a:r>
                         <a:rPr lang="en-US" altLang="ko-KR" sz="1400" dirty="0" smtClean="0"/>
-                        <a:t>The number of slave sent</a:t>
+                        <a:t>The number of </a:t>
+                      </a:r>
+                      <a:r>
+                        <a:rPr lang="en-US" altLang="ko-KR" sz="1400" dirty="0" smtClean="0"/>
+                        <a:t>slaves </a:t>
+                      </a:r>
+                      <a:r>
+                        <a:rPr lang="en-US" altLang="ko-KR" sz="1400" dirty="0" smtClean="0"/>
+                        <a:t>sent</a:t>
                       </a:r>
                       <a:r>
                         <a:rPr lang="en-US" altLang="ko-KR" sz="1400" baseline="0" dirty="0" smtClean="0"/>
@@ -5247,7 +5566,7 @@
                   </a:ext>
                 </a:extLst>
               </a:tr>
-              <a:tr h="417852">
+              <a:tr h="439079">
                 <a:tc>
                   <a:txBody>
                     <a:bodyPr/>
@@ -5290,7 +5609,15 @@
                       <a:pPr latinLnBrk="1"/>
                       <a:r>
                         <a:rPr lang="en-US" altLang="ko-KR" sz="1400" dirty="0" smtClean="0"/>
-                        <a:t>The number of slave sent </a:t>
+                        <a:t>The number of </a:t>
+                      </a:r>
+                      <a:r>
+                        <a:rPr lang="en-US" altLang="ko-KR" sz="1400" dirty="0" smtClean="0"/>
+                        <a:t>slaves </a:t>
+                      </a:r>
+                      <a:r>
+                        <a:rPr lang="en-US" altLang="ko-KR" sz="1400" dirty="0" smtClean="0"/>
+                        <a:t>sent </a:t>
                       </a:r>
                       <a:r>
                         <a:rPr lang="en-US" altLang="ko-KR" sz="1400" dirty="0" err="1" smtClean="0"/>
@@ -5322,7 +5649,7 @@
                   </a:ext>
                 </a:extLst>
               </a:tr>
-              <a:tr h="417852">
+              <a:tr h="439079">
                 <a:tc>
                   <a:txBody>
                     <a:bodyPr/>
@@ -5361,7 +5688,15 @@
                       <a:pPr latinLnBrk="1"/>
                       <a:r>
                         <a:rPr lang="en-US" altLang="ko-KR" sz="1400" dirty="0" smtClean="0"/>
-                        <a:t>The number of slave sent </a:t>
+                        <a:t>The number of </a:t>
+                      </a:r>
+                      <a:r>
+                        <a:rPr lang="en-US" altLang="ko-KR" sz="1400" dirty="0" smtClean="0"/>
+                        <a:t>slaves </a:t>
+                      </a:r>
+                      <a:r>
+                        <a:rPr lang="en-US" altLang="ko-KR" sz="1400" dirty="0" smtClean="0"/>
+                        <a:t>sent </a:t>
                       </a:r>
                       <a:r>
                         <a:rPr lang="en-US" altLang="ko-KR" sz="1400" dirty="0" err="1" smtClean="0"/>
@@ -5393,7 +5728,7 @@
                   </a:ext>
                 </a:extLst>
               </a:tr>
-              <a:tr h="417852">
+              <a:tr h="439079">
                 <a:tc>
                   <a:txBody>
                     <a:bodyPr/>
@@ -5468,7 +5803,7 @@
                   </a:ext>
                 </a:extLst>
               </a:tr>
-              <a:tr h="417852">
+              <a:tr h="439079">
                 <a:tc>
                   <a:txBody>
                     <a:bodyPr/>
@@ -5539,7 +5874,7 @@
                   </a:ext>
                 </a:extLst>
               </a:tr>
-              <a:tr h="434190">
+              <a:tr h="456247">
                 <a:tc>
                   <a:txBody>
                     <a:bodyPr/>
@@ -5610,7 +5945,7 @@
                   </a:ext>
                 </a:extLst>
               </a:tr>
-              <a:tr h="434190">
+              <a:tr h="320284">
                 <a:tc>
                   <a:txBody>
                     <a:bodyPr/>
@@ -5681,6 +6016,77 @@
                   </a:ext>
                 </a:extLst>
               </a:tr>
+              <a:tr h="320284">
+                <a:tc>
+                  <a:txBody>
+                    <a:bodyPr/>
+                    <a:lstStyle/>
+                    <a:p>
+                      <a:pPr latinLnBrk="1"/>
+                      <a:r>
+                        <a:rPr lang="en-US" altLang="ko-KR" sz="1400" dirty="0" err="1" smtClean="0"/>
+                        <a:t>fileTransferFinishCount</a:t>
+                      </a:r>
+                      <a:endParaRPr lang="ko-KR" altLang="en-US" sz="1400" dirty="0"/>
+                    </a:p>
+                  </a:txBody>
+                  <a:tcPr/>
+                </a:tc>
+                <a:tc>
+                  <a:txBody>
+                    <a:bodyPr/>
+                    <a:lstStyle/>
+                    <a:p>
+                      <a:pPr latinLnBrk="1"/>
+                      <a:r>
+                        <a:rPr lang="en-US" altLang="ko-KR" sz="1400" dirty="0" smtClean="0"/>
+                        <a:t>Slave</a:t>
+                      </a:r>
+                      <a:endParaRPr lang="ko-KR" altLang="en-US" sz="1400" dirty="0"/>
+                    </a:p>
+                  </a:txBody>
+                  <a:tcPr/>
+                </a:tc>
+                <a:tc>
+                  <a:txBody>
+                    <a:bodyPr/>
+                    <a:lstStyle/>
+                    <a:p>
+                      <a:pPr latinLnBrk="1"/>
+                      <a:r>
+                        <a:rPr lang="en-US" altLang="ko-KR" sz="1400" dirty="0" smtClean="0"/>
+                        <a:t>The number of peer slaves sent </a:t>
+                      </a:r>
+                      <a:r>
+                        <a:rPr lang="en-US" altLang="ko-KR" sz="1400" dirty="0" err="1" smtClean="0"/>
+                        <a:t>FileTransferFinishMessage</a:t>
+                      </a:r>
+                      <a:endParaRPr lang="ko-KR" altLang="en-US" sz="1400" dirty="0"/>
+                    </a:p>
+                  </a:txBody>
+                  <a:tcPr/>
+                </a:tc>
+                <a:tc>
+                  <a:txBody>
+                    <a:bodyPr/>
+                    <a:lstStyle/>
+                    <a:p>
+                      <a:pPr latinLnBrk="1"/>
+                      <a:r>
+                        <a:rPr lang="en-US" altLang="ko-KR" sz="1400" dirty="0" smtClean="0"/>
+                        <a:t>Yes</a:t>
+                      </a:r>
+                      <a:endParaRPr lang="ko-KR" altLang="en-US" sz="1400" dirty="0"/>
+                    </a:p>
+                  </a:txBody>
+                  <a:tcPr/>
+                </a:tc>
+                <a:extLst>
+                  <a:ext uri="{0D108BD9-81ED-4DB2-BD59-A6C34878D82A}">
+                    <a16:rowId xmlns:a16="http://schemas.microsoft.com/office/drawing/2014/main" val="1761905881"/>
+                  </a:ext>
+                </a:extLst>
+              </a:tr>
             </a:tbl>
           </a:graphicData>
         </a:graphic>
@@ -5689,210 +6095,6 @@
     <p:extLst>
       <p:ext uri="{BB962C8B-B14F-4D97-AF65-F5344CB8AC3E}">
         <p14:creationId xmlns:p14="http://schemas.microsoft.com/office/powerpoint/2010/main" val="4256705110"/>
-      </p:ext>
-    </p:extLst>
-  </p:cSld>
-  <p:clrMapOvr>
-    <a:masterClrMapping/>
-  </p:clrMapOvr>
-</p:sld>
-</file>
-
-<file path=ppt/slides/slide18.xml><?xml version="1.0" encoding="utf-8"?>
-<p:sld xmlns:a="http://schemas.openxmlformats.org/drawingml/2006/main" xmlns:r="http://schemas.openxmlformats.org/officeDocument/2006/relationships" xmlns:p="http://schemas.openxmlformats.org/presentationml/2006/main">
-  <p:cSld>
-    <p:spTree>
-      <p:nvGrpSpPr>
-        <p:cNvPr id="1" name=""/>
-        <p:cNvGrpSpPr/>
-        <p:nvPr/>
-      </p:nvGrpSpPr>
-      <p:grpSpPr>
-        <a:xfrm>
-          <a:off x="0" y="0"/>
-          <a:ext cx="0" cy="0"/>
-          <a:chOff x="0" y="0"/>
-          <a:chExt cx="0" cy="0"/>
-        </a:xfrm>
-      </p:grpSpPr>
-      <p:sp>
-        <p:nvSpPr>
-          <p:cNvPr id="2" name="제목 1"/>
-          <p:cNvSpPr>
-            <a:spLocks noGrp="1"/>
-          </p:cNvSpPr>
-          <p:nvPr>
-            <p:ph type="title"/>
-          </p:nvPr>
-        </p:nvSpPr>
-        <p:spPr/>
-        <p:txBody>
-          <a:bodyPr/>
-          <a:lstStyle/>
-          <a:p>
-            <a:r>
-              <a:rPr lang="en-US" altLang="ko-KR" dirty="0" smtClean="0"/>
-              <a:t>States</a:t>
-            </a:r>
-            <a:endParaRPr lang="ko-KR" altLang="en-US" dirty="0"/>
-          </a:p>
-        </p:txBody>
-      </p:sp>
-      <p:sp>
-        <p:nvSpPr>
-          <p:cNvPr id="3" name="내용 개체 틀 2"/>
-          <p:cNvSpPr>
-            <a:spLocks noGrp="1"/>
-          </p:cNvSpPr>
-          <p:nvPr>
-            <p:ph idx="1"/>
-          </p:nvPr>
-        </p:nvSpPr>
-        <p:spPr/>
-        <p:txBody>
-          <a:bodyPr>
-            <a:normAutofit fontScale="92500" lnSpcReduction="10000"/>
-          </a:bodyPr>
-          <a:lstStyle/>
-          <a:p>
-            <a:pPr marL="0" indent="0">
-              <a:buNone/>
-            </a:pPr>
-            <a:r>
-              <a:rPr lang="en-US" altLang="ko-KR" sz="1800" dirty="0" smtClean="0"/>
-              <a:t>Master</a:t>
-            </a:r>
-          </a:p>
-          <a:p>
-            <a:pPr marL="514350" indent="-514350">
-              <a:buAutoNum type="arabicPeriod"/>
-            </a:pPr>
-            <a:r>
-              <a:rPr lang="en-US" altLang="ko-KR" sz="1800" dirty="0" err="1" smtClean="0"/>
-              <a:t>Init</a:t>
-            </a:r>
-            <a:endParaRPr lang="en-US" altLang="ko-KR" sz="1800" dirty="0" smtClean="0"/>
-          </a:p>
-          <a:p>
-            <a:pPr marL="514350" indent="-514350">
-              <a:buAutoNum type="arabicPeriod"/>
-            </a:pPr>
-            <a:r>
-              <a:rPr lang="en-US" altLang="ko-KR" sz="1800" dirty="0" smtClean="0"/>
-              <a:t>Sample</a:t>
-            </a:r>
-          </a:p>
-          <a:p>
-            <a:pPr marL="514350" indent="-514350">
-              <a:buAutoNum type="arabicPeriod"/>
-            </a:pPr>
-            <a:r>
-              <a:rPr lang="en-US" altLang="ko-KR" sz="1800" dirty="0" err="1" smtClean="0"/>
-              <a:t>Sortcheck</a:t>
-            </a:r>
-            <a:endParaRPr lang="en-US" altLang="ko-KR" sz="1800" dirty="0" smtClean="0"/>
-          </a:p>
-          <a:p>
-            <a:pPr marL="514350" indent="-514350">
-              <a:buAutoNum type="arabicPeriod"/>
-            </a:pPr>
-            <a:r>
-              <a:rPr lang="en-US" altLang="ko-KR" sz="1800" dirty="0" err="1" smtClean="0"/>
-              <a:t>ShuffleCheck</a:t>
-            </a:r>
-            <a:endParaRPr lang="en-US" altLang="ko-KR" sz="1800" dirty="0" smtClean="0"/>
-          </a:p>
-          <a:p>
-            <a:pPr marL="514350" indent="-514350">
-              <a:buAutoNum type="arabicPeriod"/>
-            </a:pPr>
-            <a:r>
-              <a:rPr lang="en-US" altLang="ko-KR" sz="1800" dirty="0" smtClean="0"/>
-              <a:t>Success</a:t>
-            </a:r>
-          </a:p>
-          <a:p>
-            <a:pPr marL="0" indent="0">
-              <a:buNone/>
-            </a:pPr>
-            <a:r>
-              <a:rPr lang="en-US" altLang="ko-KR" sz="1800" dirty="0" smtClean="0"/>
-              <a:t>Slave</a:t>
-            </a:r>
-          </a:p>
-          <a:p>
-            <a:pPr marL="514350" indent="-514350">
-              <a:buAutoNum type="arabicPeriod"/>
-            </a:pPr>
-            <a:r>
-              <a:rPr lang="en-US" altLang="ko-KR" sz="1800" dirty="0" err="1" smtClean="0"/>
-              <a:t>Init</a:t>
-            </a:r>
-            <a:endParaRPr lang="en-US" altLang="ko-KR" sz="1800" dirty="0" smtClean="0"/>
-          </a:p>
-          <a:p>
-            <a:pPr marL="514350" indent="-514350">
-              <a:buAutoNum type="arabicPeriod"/>
-            </a:pPr>
-            <a:r>
-              <a:rPr lang="en-US" altLang="ko-KR" sz="1800" dirty="0" smtClean="0"/>
-              <a:t>Sample</a:t>
-            </a:r>
-          </a:p>
-          <a:p>
-            <a:pPr marL="514350" indent="-514350">
-              <a:buAutoNum type="arabicPeriod"/>
-            </a:pPr>
-            <a:r>
-              <a:rPr lang="en-US" altLang="ko-KR" sz="1800" dirty="0" smtClean="0"/>
-              <a:t>Sort</a:t>
-            </a:r>
-          </a:p>
-          <a:p>
-            <a:pPr marL="514350" indent="-514350">
-              <a:buAutoNum type="arabicPeriod"/>
-            </a:pPr>
-            <a:r>
-              <a:rPr lang="en-US" altLang="ko-KR" sz="1800" dirty="0" smtClean="0"/>
-              <a:t>Shuffle</a:t>
-            </a:r>
-          </a:p>
-          <a:p>
-            <a:pPr marL="514350" indent="-514350">
-              <a:buAutoNum type="arabicPeriod"/>
-            </a:pPr>
-            <a:r>
-              <a:rPr lang="en-US" altLang="ko-KR" sz="1800" dirty="0" smtClean="0"/>
-              <a:t>Success</a:t>
-            </a:r>
-          </a:p>
-          <a:p>
-            <a:pPr marL="514350" indent="-514350">
-              <a:buAutoNum type="arabicPeriod"/>
-            </a:pPr>
-            <a:r>
-              <a:rPr lang="en-US" altLang="ko-KR" sz="1800" dirty="0" smtClean="0"/>
-              <a:t>Fail</a:t>
-            </a:r>
-          </a:p>
-          <a:p>
-            <a:pPr marL="514350" indent="-514350">
-              <a:buAutoNum type="arabicPeriod"/>
-            </a:pPr>
-            <a:endParaRPr lang="en-US" altLang="ko-KR" sz="1800" dirty="0" smtClean="0"/>
-          </a:p>
-          <a:p>
-            <a:pPr marL="514350" indent="-514350">
-              <a:buAutoNum type="arabicPeriod"/>
-            </a:pPr>
-            <a:endParaRPr lang="ko-KR" altLang="en-US" sz="1800" dirty="0"/>
-          </a:p>
-        </p:txBody>
-      </p:sp>
-    </p:spTree>
-    <p:extLst>
-      <p:ext uri="{BB962C8B-B14F-4D97-AF65-F5344CB8AC3E}">
-        <p14:creationId xmlns:p14="http://schemas.microsoft.com/office/powerpoint/2010/main" val="1361949374"/>
       </p:ext>
     </p:extLst>
   </p:cSld>
@@ -5936,7 +6138,7 @@
           <a:p>
             <a:r>
               <a:rPr lang="en-US" altLang="ko-KR" dirty="0" smtClean="0"/>
-              <a:t>State transition rules (Master)</a:t>
+              <a:t>States</a:t>
             </a:r>
             <a:endParaRPr lang="ko-KR" altLang="en-US" dirty="0"/>
           </a:p>
@@ -5954,19 +6156,65 @@
         </p:nvSpPr>
         <p:spPr/>
         <p:txBody>
-          <a:bodyPr/>
+          <a:bodyPr>
+            <a:normAutofit fontScale="92500" lnSpcReduction="10000"/>
+          </a:bodyPr>
           <a:lstStyle/>
           <a:p>
             <a:pPr marL="0" indent="0">
               <a:buNone/>
             </a:pPr>
             <a:r>
-              <a:rPr lang="en-US" altLang="ko-KR" dirty="0" err="1" smtClean="0"/>
+              <a:rPr lang="en-US" altLang="ko-KR" sz="1800" dirty="0" smtClean="0"/>
+              <a:t>Master</a:t>
+            </a:r>
+          </a:p>
+          <a:p>
+            <a:pPr marL="514350" indent="-514350">
+              <a:buAutoNum type="arabicPeriod"/>
+            </a:pPr>
+            <a:r>
+              <a:rPr lang="en-US" altLang="ko-KR" sz="1800" dirty="0" err="1" smtClean="0"/>
               <a:t>Init</a:t>
             </a:r>
-            <a:r>
-              <a:rPr lang="en-US" altLang="ko-KR" dirty="0" smtClean="0"/>
-              <a:t> -&gt; Sample</a:t>
+            <a:endParaRPr lang="en-US" altLang="ko-KR" sz="1800" dirty="0" smtClean="0"/>
+          </a:p>
+          <a:p>
+            <a:pPr marL="514350" indent="-514350">
+              <a:buAutoNum type="arabicPeriod"/>
+            </a:pPr>
+            <a:r>
+              <a:rPr lang="en-US" altLang="ko-KR" sz="1800" dirty="0" smtClean="0"/>
+              <a:t>Sample</a:t>
+            </a:r>
+          </a:p>
+          <a:p>
+            <a:pPr marL="514350" indent="-514350">
+              <a:buAutoNum type="arabicPeriod"/>
+            </a:pPr>
+            <a:r>
+              <a:rPr lang="en-US" altLang="ko-KR" sz="1800" dirty="0" err="1" smtClean="0"/>
+              <a:t>Sortcheck</a:t>
+            </a:r>
+            <a:endParaRPr lang="en-US" altLang="ko-KR" sz="1800" dirty="0" smtClean="0"/>
+          </a:p>
+          <a:p>
+            <a:pPr marL="514350" indent="-514350">
+              <a:buAutoNum type="arabicPeriod"/>
+            </a:pPr>
+            <a:r>
+              <a:rPr lang="en-US" altLang="ko-KR" sz="1800" dirty="0" err="1" smtClean="0"/>
+              <a:t>ShuffleCheck</a:t>
+            </a:r>
+            <a:endParaRPr lang="en-US" altLang="ko-KR" sz="1800" dirty="0" smtClean="0"/>
+          </a:p>
+          <a:p>
+            <a:pPr marL="514350" indent="-514350">
+              <a:buAutoNum type="arabicPeriod"/>
+            </a:pPr>
+            <a:r>
+              <a:rPr lang="en-US" altLang="ko-KR" sz="1800" dirty="0" smtClean="0"/>
+              <a:t>Success</a:t>
             </a:r>
           </a:p>
           <a:p>
@@ -5974,272 +6222,83 @@
               <a:buNone/>
             </a:pPr>
             <a:r>
-              <a:rPr lang="en-US" altLang="ko-KR" dirty="0" err="1">
-                <a:solidFill>
-                  <a:schemeClr val="bg2">
-                    <a:lumMod val="90000"/>
-                  </a:schemeClr>
-                </a:solidFill>
-              </a:rPr>
-              <a:t>c</a:t>
-            </a:r>
-            <a:r>
-              <a:rPr lang="en-US" altLang="ko-KR" dirty="0" err="1" smtClean="0">
-                <a:solidFill>
-                  <a:schemeClr val="bg2">
-                    <a:lumMod val="90000"/>
-                  </a:schemeClr>
-                </a:solidFill>
-              </a:rPr>
-              <a:t>onnectionCount</a:t>
-            </a:r>
-            <a:r>
-              <a:rPr lang="en-US" altLang="ko-KR" dirty="0" smtClean="0">
-                <a:solidFill>
-                  <a:schemeClr val="bg2">
-                    <a:lumMod val="90000"/>
-                  </a:schemeClr>
-                </a:solidFill>
-              </a:rPr>
-              <a:t> == n</a:t>
-            </a:r>
-          </a:p>
-          <a:p>
-            <a:pPr marL="0" indent="0">
-              <a:buNone/>
+              <a:rPr lang="en-US" altLang="ko-KR" sz="1800" dirty="0" smtClean="0"/>
+              <a:t>Slave</a:t>
+            </a:r>
+          </a:p>
+          <a:p>
+            <a:pPr marL="514350" indent="-514350">
+              <a:buAutoNum type="arabicPeriod"/>
             </a:pPr>
             <a:r>
-              <a:rPr lang="en-US" altLang="ko-KR" dirty="0" smtClean="0"/>
-              <a:t>Sample -&gt; </a:t>
-            </a:r>
-            <a:r>
-              <a:rPr lang="en-US" altLang="ko-KR" dirty="0" err="1" smtClean="0"/>
-              <a:t>SortCheck</a:t>
-            </a:r>
-            <a:endParaRPr lang="en-US" altLang="ko-KR" dirty="0" smtClean="0"/>
-          </a:p>
-          <a:p>
-            <a:pPr marL="0" indent="0">
-              <a:buNone/>
+              <a:rPr lang="en-US" altLang="ko-KR" sz="1800" dirty="0" err="1" smtClean="0"/>
+              <a:t>Init</a:t>
+            </a:r>
+            <a:endParaRPr lang="en-US" altLang="ko-KR" sz="1800" dirty="0" smtClean="0"/>
+          </a:p>
+          <a:p>
+            <a:pPr marL="514350" indent="-514350">
+              <a:buAutoNum type="arabicPeriod"/>
             </a:pPr>
             <a:r>
-              <a:rPr lang="en-US" altLang="ko-KR" dirty="0" err="1">
-                <a:solidFill>
-                  <a:schemeClr val="bg2">
-                    <a:lumMod val="90000"/>
-                  </a:schemeClr>
-                </a:solidFill>
-              </a:rPr>
-              <a:t>m</a:t>
-            </a:r>
-            <a:r>
-              <a:rPr lang="en-US" altLang="ko-KR" dirty="0" err="1" smtClean="0">
-                <a:solidFill>
-                  <a:schemeClr val="bg2">
-                    <a:lumMod val="90000"/>
-                  </a:schemeClr>
-                </a:solidFill>
-              </a:rPr>
-              <a:t>etainfoCount</a:t>
-            </a:r>
-            <a:r>
-              <a:rPr lang="en-US" altLang="ko-KR" dirty="0" smtClean="0">
-                <a:solidFill>
-                  <a:schemeClr val="bg2">
-                    <a:lumMod val="90000"/>
-                  </a:schemeClr>
-                </a:solidFill>
-              </a:rPr>
-              <a:t> == n</a:t>
-            </a:r>
-          </a:p>
-          <a:p>
-            <a:pPr marL="0" indent="0">
-              <a:buNone/>
+              <a:rPr lang="en-US" altLang="ko-KR" sz="1800" dirty="0" smtClean="0"/>
+              <a:t>Sample</a:t>
+            </a:r>
+          </a:p>
+          <a:p>
+            <a:pPr marL="514350" indent="-514350">
+              <a:buAutoNum type="arabicPeriod"/>
             </a:pPr>
             <a:r>
-              <a:rPr lang="en-US" altLang="ko-KR" dirty="0" err="1" smtClean="0"/>
-              <a:t>SortCheck</a:t>
-            </a:r>
-            <a:r>
-              <a:rPr lang="en-US" altLang="ko-KR" dirty="0" smtClean="0"/>
-              <a:t> -&gt; </a:t>
-            </a:r>
-            <a:r>
-              <a:rPr lang="en-US" altLang="ko-KR" dirty="0" err="1" smtClean="0"/>
-              <a:t>ShuffleCheck</a:t>
-            </a:r>
-            <a:endParaRPr lang="en-US" altLang="ko-KR" dirty="0" smtClean="0"/>
-          </a:p>
-          <a:p>
-            <a:pPr marL="0" indent="0">
-              <a:buNone/>
+              <a:rPr lang="en-US" altLang="ko-KR" sz="1800" dirty="0" smtClean="0"/>
+              <a:t>Sort</a:t>
+            </a:r>
+          </a:p>
+          <a:p>
+            <a:pPr marL="514350" indent="-514350">
+              <a:buAutoNum type="arabicPeriod"/>
             </a:pPr>
             <a:r>
-              <a:rPr lang="en-US" altLang="ko-KR" dirty="0" err="1">
-                <a:solidFill>
-                  <a:schemeClr val="bg2">
-                    <a:lumMod val="90000"/>
-                  </a:schemeClr>
-                </a:solidFill>
-              </a:rPr>
-              <a:t>s</a:t>
-            </a:r>
-            <a:r>
-              <a:rPr lang="en-US" altLang="ko-KR" dirty="0" err="1" smtClean="0">
-                <a:solidFill>
-                  <a:schemeClr val="bg2">
-                    <a:lumMod val="90000"/>
-                  </a:schemeClr>
-                </a:solidFill>
-              </a:rPr>
-              <a:t>ortedCount</a:t>
-            </a:r>
-            <a:r>
-              <a:rPr lang="en-US" altLang="ko-KR" dirty="0" smtClean="0">
-                <a:solidFill>
-                  <a:schemeClr val="bg2">
-                    <a:lumMod val="90000"/>
-                  </a:schemeClr>
-                </a:solidFill>
-              </a:rPr>
-              <a:t> == n</a:t>
-            </a:r>
-          </a:p>
-          <a:p>
-            <a:pPr marL="0" indent="0">
-              <a:buNone/>
+              <a:rPr lang="en-US" altLang="ko-KR" sz="1800" dirty="0" smtClean="0"/>
+              <a:t>Shuffle</a:t>
+            </a:r>
+          </a:p>
+          <a:p>
+            <a:pPr marL="514350" indent="-514350">
+              <a:buAutoNum type="arabicPeriod"/>
             </a:pPr>
             <a:r>
-              <a:rPr lang="en-US" altLang="ko-KR" dirty="0" err="1" smtClean="0"/>
-              <a:t>ShuffleCheck</a:t>
-            </a:r>
-            <a:r>
-              <a:rPr lang="en-US" altLang="ko-KR" dirty="0" smtClean="0"/>
-              <a:t> -&gt; Success</a:t>
-            </a:r>
-          </a:p>
-          <a:p>
-            <a:pPr marL="0" indent="0">
-              <a:buNone/>
+              <a:rPr lang="en-US" altLang="ko-KR" sz="1800" dirty="0" smtClean="0"/>
+              <a:t>Success</a:t>
+            </a:r>
+          </a:p>
+          <a:p>
+            <a:pPr marL="514350" indent="-514350">
+              <a:buAutoNum type="arabicPeriod"/>
             </a:pPr>
             <a:r>
-              <a:rPr lang="en-US" altLang="ko-KR" dirty="0" err="1" smtClean="0">
-                <a:solidFill>
-                  <a:schemeClr val="bg2">
-                    <a:lumMod val="90000"/>
-                  </a:schemeClr>
-                </a:solidFill>
-              </a:rPr>
-              <a:t>SuccessCount</a:t>
-            </a:r>
-            <a:r>
-              <a:rPr lang="en-US" altLang="ko-KR" dirty="0" smtClean="0">
-                <a:solidFill>
-                  <a:schemeClr val="bg2">
-                    <a:lumMod val="90000"/>
-                  </a:schemeClr>
-                </a:solidFill>
-              </a:rPr>
-              <a:t> == n</a:t>
-            </a:r>
-          </a:p>
-          <a:p>
-            <a:pPr marL="0" indent="0">
-              <a:buNone/>
+              <a:rPr lang="en-US" altLang="ko-KR" sz="1800" dirty="0" smtClean="0"/>
+              <a:t>Fail</a:t>
+            </a:r>
+          </a:p>
+          <a:p>
+            <a:pPr marL="514350" indent="-514350">
+              <a:buAutoNum type="arabicPeriod"/>
             </a:pPr>
-            <a:endParaRPr lang="ko-KR" altLang="en-US" dirty="0"/>
-          </a:p>
-        </p:txBody>
-      </p:sp>
-      <p:sp>
-        <p:nvSpPr>
-          <p:cNvPr id="4" name="TextBox 3"/>
-          <p:cNvSpPr txBox="1"/>
-          <p:nvPr/>
-        </p:nvSpPr>
-        <p:spPr>
-          <a:xfrm>
-            <a:off x="899746" y="6311900"/>
-            <a:ext cx="3628292" cy="276999"/>
-          </a:xfrm>
-          <a:prstGeom prst="rect">
-            <a:avLst/>
-          </a:prstGeom>
-          <a:noFill/>
-        </p:spPr>
-        <p:txBody>
-          <a:bodyPr wrap="square" rtlCol="0">
-            <a:spAutoFit/>
-          </a:bodyPr>
-          <a:lstStyle/>
-          <a:p>
-            <a:r>
-              <a:rPr lang="en-US" altLang="ko-KR" sz="1200" dirty="0" smtClean="0">
-                <a:solidFill>
-                  <a:srgbClr val="FF0000"/>
-                </a:solidFill>
-              </a:rPr>
-              <a:t>“n” is the number of slave</a:t>
-            </a:r>
-            <a:endParaRPr lang="ko-KR" altLang="en-US" dirty="0">
-              <a:solidFill>
-                <a:srgbClr val="FF0000"/>
-              </a:solidFill>
-            </a:endParaRPr>
-          </a:p>
-        </p:txBody>
-      </p:sp>
-      <p:sp>
-        <p:nvSpPr>
-          <p:cNvPr id="5" name="TextBox 4"/>
-          <p:cNvSpPr txBox="1"/>
-          <p:nvPr/>
-        </p:nvSpPr>
-        <p:spPr>
-          <a:xfrm>
-            <a:off x="8519745" y="2031023"/>
-            <a:ext cx="2453054" cy="646331"/>
-          </a:xfrm>
-          <a:prstGeom prst="rect">
-            <a:avLst/>
-          </a:prstGeom>
-          <a:noFill/>
-        </p:spPr>
-        <p:txBody>
-          <a:bodyPr wrap="square" rtlCol="0">
-            <a:spAutoFit/>
-          </a:bodyPr>
-          <a:lstStyle/>
-          <a:p>
-            <a:r>
-              <a:rPr lang="en-US" altLang="ko-KR" dirty="0" smtClean="0"/>
-              <a:t>- State transition</a:t>
-            </a:r>
-          </a:p>
-          <a:p>
-            <a:r>
-              <a:rPr lang="en-US" altLang="ko-KR" dirty="0" smtClean="0">
-                <a:solidFill>
-                  <a:schemeClr val="bg2">
-                    <a:lumMod val="90000"/>
-                  </a:schemeClr>
-                </a:solidFill>
-              </a:rPr>
-              <a:t>- </a:t>
-            </a:r>
-            <a:r>
-              <a:rPr lang="en-US" altLang="ko-KR" dirty="0" smtClean="0"/>
-              <a:t>Condition</a:t>
-            </a:r>
-            <a:endParaRPr lang="ko-KR" altLang="en-US" dirty="0"/>
+            <a:endParaRPr lang="en-US" altLang="ko-KR" sz="1800" dirty="0" smtClean="0"/>
+          </a:p>
+          <a:p>
+            <a:pPr marL="514350" indent="-514350">
+              <a:buAutoNum type="arabicPeriod"/>
+            </a:pPr>
+            <a:endParaRPr lang="ko-KR" altLang="en-US" sz="1800" dirty="0"/>
           </a:p>
         </p:txBody>
       </p:sp>
     </p:spTree>
     <p:extLst>
       <p:ext uri="{BB962C8B-B14F-4D97-AF65-F5344CB8AC3E}">
-        <p14:creationId xmlns:p14="http://schemas.microsoft.com/office/powerpoint/2010/main" val="227053636"/>
+        <p14:creationId xmlns:p14="http://schemas.microsoft.com/office/powerpoint/2010/main" val="1361949374"/>
       </p:ext>
     </p:extLst>
   </p:cSld>
@@ -7465,6 +7524,353 @@
           <a:p>
             <a:r>
               <a:rPr lang="en-US" altLang="ko-KR" dirty="0" smtClean="0"/>
+              <a:t>State transition rules (Master)</a:t>
+            </a:r>
+            <a:endParaRPr lang="ko-KR" altLang="en-US" dirty="0"/>
+          </a:p>
+        </p:txBody>
+      </p:sp>
+      <p:sp>
+        <p:nvSpPr>
+          <p:cNvPr id="3" name="내용 개체 틀 2"/>
+          <p:cNvSpPr>
+            <a:spLocks noGrp="1"/>
+          </p:cNvSpPr>
+          <p:nvPr>
+            <p:ph idx="1"/>
+          </p:nvPr>
+        </p:nvSpPr>
+        <p:spPr/>
+        <p:txBody>
+          <a:bodyPr/>
+          <a:lstStyle/>
+          <a:p>
+            <a:pPr marL="0" indent="0">
+              <a:buNone/>
+            </a:pPr>
+            <a:r>
+              <a:rPr lang="en-US" altLang="ko-KR" dirty="0" err="1" smtClean="0"/>
+              <a:t>Init</a:t>
+            </a:r>
+            <a:r>
+              <a:rPr lang="en-US" altLang="ko-KR" dirty="0" smtClean="0"/>
+              <a:t> -&gt; Sample</a:t>
+            </a:r>
+          </a:p>
+          <a:p>
+            <a:pPr marL="0" indent="0">
+              <a:buNone/>
+            </a:pPr>
+            <a:r>
+              <a:rPr lang="en-US" altLang="ko-KR" dirty="0" err="1">
+                <a:solidFill>
+                  <a:schemeClr val="bg2">
+                    <a:lumMod val="90000"/>
+                  </a:schemeClr>
+                </a:solidFill>
+              </a:rPr>
+              <a:t>c</a:t>
+            </a:r>
+            <a:r>
+              <a:rPr lang="en-US" altLang="ko-KR" dirty="0" err="1" smtClean="0">
+                <a:solidFill>
+                  <a:schemeClr val="bg2">
+                    <a:lumMod val="90000"/>
+                  </a:schemeClr>
+                </a:solidFill>
+              </a:rPr>
+              <a:t>onnectionCount</a:t>
+            </a:r>
+            <a:r>
+              <a:rPr lang="en-US" altLang="ko-KR" dirty="0" smtClean="0">
+                <a:solidFill>
+                  <a:schemeClr val="bg2">
+                    <a:lumMod val="90000"/>
+                  </a:schemeClr>
+                </a:solidFill>
+              </a:rPr>
+              <a:t> == n</a:t>
+            </a:r>
+          </a:p>
+          <a:p>
+            <a:pPr marL="0" indent="0">
+              <a:buNone/>
+            </a:pPr>
+            <a:r>
+              <a:rPr lang="en-US" altLang="ko-KR" dirty="0" smtClean="0"/>
+              <a:t>Sample -&gt; </a:t>
+            </a:r>
+            <a:r>
+              <a:rPr lang="en-US" altLang="ko-KR" dirty="0" err="1" smtClean="0"/>
+              <a:t>SortCheck</a:t>
+            </a:r>
+            <a:endParaRPr lang="en-US" altLang="ko-KR" dirty="0" smtClean="0"/>
+          </a:p>
+          <a:p>
+            <a:pPr marL="0" indent="0">
+              <a:buNone/>
+            </a:pPr>
+            <a:r>
+              <a:rPr lang="en-US" altLang="ko-KR" dirty="0" err="1">
+                <a:solidFill>
+                  <a:schemeClr val="bg2">
+                    <a:lumMod val="90000"/>
+                  </a:schemeClr>
+                </a:solidFill>
+              </a:rPr>
+              <a:t>m</a:t>
+            </a:r>
+            <a:r>
+              <a:rPr lang="en-US" altLang="ko-KR" dirty="0" err="1" smtClean="0">
+                <a:solidFill>
+                  <a:schemeClr val="bg2">
+                    <a:lumMod val="90000"/>
+                  </a:schemeClr>
+                </a:solidFill>
+              </a:rPr>
+              <a:t>etainfoCount</a:t>
+            </a:r>
+            <a:r>
+              <a:rPr lang="en-US" altLang="ko-KR" dirty="0" smtClean="0">
+                <a:solidFill>
+                  <a:schemeClr val="bg2">
+                    <a:lumMod val="90000"/>
+                  </a:schemeClr>
+                </a:solidFill>
+              </a:rPr>
+              <a:t> == n</a:t>
+            </a:r>
+          </a:p>
+          <a:p>
+            <a:pPr marL="0" indent="0">
+              <a:buNone/>
+            </a:pPr>
+            <a:r>
+              <a:rPr lang="en-US" altLang="ko-KR" dirty="0" err="1" smtClean="0"/>
+              <a:t>SortCheck</a:t>
+            </a:r>
+            <a:r>
+              <a:rPr lang="en-US" altLang="ko-KR" dirty="0" smtClean="0"/>
+              <a:t> -&gt; </a:t>
+            </a:r>
+            <a:r>
+              <a:rPr lang="en-US" altLang="ko-KR" dirty="0" err="1" smtClean="0"/>
+              <a:t>ShuffleCheck</a:t>
+            </a:r>
+            <a:endParaRPr lang="en-US" altLang="ko-KR" dirty="0" smtClean="0"/>
+          </a:p>
+          <a:p>
+            <a:pPr marL="0" indent="0">
+              <a:buNone/>
+            </a:pPr>
+            <a:r>
+              <a:rPr lang="en-US" altLang="ko-KR" dirty="0" err="1">
+                <a:solidFill>
+                  <a:schemeClr val="bg2">
+                    <a:lumMod val="90000"/>
+                  </a:schemeClr>
+                </a:solidFill>
+              </a:rPr>
+              <a:t>s</a:t>
+            </a:r>
+            <a:r>
+              <a:rPr lang="en-US" altLang="ko-KR" dirty="0" err="1" smtClean="0">
+                <a:solidFill>
+                  <a:schemeClr val="bg2">
+                    <a:lumMod val="90000"/>
+                  </a:schemeClr>
+                </a:solidFill>
+              </a:rPr>
+              <a:t>ortedCount</a:t>
+            </a:r>
+            <a:r>
+              <a:rPr lang="en-US" altLang="ko-KR" dirty="0" smtClean="0">
+                <a:solidFill>
+                  <a:schemeClr val="bg2">
+                    <a:lumMod val="90000"/>
+                  </a:schemeClr>
+                </a:solidFill>
+              </a:rPr>
+              <a:t> == n</a:t>
+            </a:r>
+          </a:p>
+          <a:p>
+            <a:pPr marL="0" indent="0">
+              <a:buNone/>
+            </a:pPr>
+            <a:r>
+              <a:rPr lang="en-US" altLang="ko-KR" dirty="0" err="1" smtClean="0"/>
+              <a:t>ShuffleCheck</a:t>
+            </a:r>
+            <a:r>
+              <a:rPr lang="en-US" altLang="ko-KR" dirty="0" smtClean="0"/>
+              <a:t> -&gt; Success</a:t>
+            </a:r>
+          </a:p>
+          <a:p>
+            <a:pPr marL="0" indent="0">
+              <a:buNone/>
+            </a:pPr>
+            <a:r>
+              <a:rPr lang="en-US" altLang="ko-KR" dirty="0" err="1" smtClean="0">
+                <a:solidFill>
+                  <a:schemeClr val="bg2">
+                    <a:lumMod val="90000"/>
+                  </a:schemeClr>
+                </a:solidFill>
+              </a:rPr>
+              <a:t>SuccessCount</a:t>
+            </a:r>
+            <a:r>
+              <a:rPr lang="en-US" altLang="ko-KR" dirty="0" smtClean="0">
+                <a:solidFill>
+                  <a:schemeClr val="bg2">
+                    <a:lumMod val="90000"/>
+                  </a:schemeClr>
+                </a:solidFill>
+              </a:rPr>
+              <a:t> == n</a:t>
+            </a:r>
+          </a:p>
+          <a:p>
+            <a:pPr marL="0" indent="0">
+              <a:buNone/>
+            </a:pPr>
+            <a:endParaRPr lang="ko-KR" altLang="en-US" dirty="0"/>
+          </a:p>
+        </p:txBody>
+      </p:sp>
+      <p:sp>
+        <p:nvSpPr>
+          <p:cNvPr id="4" name="TextBox 3"/>
+          <p:cNvSpPr txBox="1"/>
+          <p:nvPr/>
+        </p:nvSpPr>
+        <p:spPr>
+          <a:xfrm>
+            <a:off x="899746" y="6311900"/>
+            <a:ext cx="3628292" cy="276999"/>
+          </a:xfrm>
+          <a:prstGeom prst="rect">
+            <a:avLst/>
+          </a:prstGeom>
+          <a:noFill/>
+        </p:spPr>
+        <p:txBody>
+          <a:bodyPr wrap="square" rtlCol="0">
+            <a:spAutoFit/>
+          </a:bodyPr>
+          <a:lstStyle/>
+          <a:p>
+            <a:r>
+              <a:rPr lang="en-US" altLang="ko-KR" sz="1200" dirty="0" smtClean="0">
+                <a:solidFill>
+                  <a:srgbClr val="FF0000"/>
+                </a:solidFill>
+              </a:rPr>
+              <a:t>“n” is the number of slave</a:t>
+            </a:r>
+            <a:endParaRPr lang="ko-KR" altLang="en-US" dirty="0">
+              <a:solidFill>
+                <a:srgbClr val="FF0000"/>
+              </a:solidFill>
+            </a:endParaRPr>
+          </a:p>
+        </p:txBody>
+      </p:sp>
+      <p:sp>
+        <p:nvSpPr>
+          <p:cNvPr id="5" name="TextBox 4"/>
+          <p:cNvSpPr txBox="1"/>
+          <p:nvPr/>
+        </p:nvSpPr>
+        <p:spPr>
+          <a:xfrm>
+            <a:off x="8519745" y="2031023"/>
+            <a:ext cx="2453054" cy="646331"/>
+          </a:xfrm>
+          <a:prstGeom prst="rect">
+            <a:avLst/>
+          </a:prstGeom>
+          <a:noFill/>
+        </p:spPr>
+        <p:txBody>
+          <a:bodyPr wrap="square" rtlCol="0">
+            <a:spAutoFit/>
+          </a:bodyPr>
+          <a:lstStyle/>
+          <a:p>
+            <a:r>
+              <a:rPr lang="en-US" altLang="ko-KR" dirty="0" smtClean="0"/>
+              <a:t>- State transition</a:t>
+            </a:r>
+          </a:p>
+          <a:p>
+            <a:r>
+              <a:rPr lang="en-US" altLang="ko-KR" dirty="0" smtClean="0">
+                <a:solidFill>
+                  <a:schemeClr val="bg2">
+                    <a:lumMod val="90000"/>
+                  </a:schemeClr>
+                </a:solidFill>
+              </a:rPr>
+              <a:t>- </a:t>
+            </a:r>
+            <a:r>
+              <a:rPr lang="en-US" altLang="ko-KR" dirty="0" smtClean="0"/>
+              <a:t>Condition</a:t>
+            </a:r>
+            <a:endParaRPr lang="ko-KR" altLang="en-US" dirty="0"/>
+          </a:p>
+        </p:txBody>
+      </p:sp>
+    </p:spTree>
+    <p:extLst>
+      <p:ext uri="{BB962C8B-B14F-4D97-AF65-F5344CB8AC3E}">
+        <p14:creationId xmlns:p14="http://schemas.microsoft.com/office/powerpoint/2010/main" val="227053636"/>
+      </p:ext>
+    </p:extLst>
+  </p:cSld>
+  <p:clrMapOvr>
+    <a:masterClrMapping/>
+  </p:clrMapOvr>
+</p:sld>
+</file>
+
+<file path=ppt/slides/slide21.xml><?xml version="1.0" encoding="utf-8"?>
+<p:sld xmlns:a="http://schemas.openxmlformats.org/drawingml/2006/main" xmlns:r="http://schemas.openxmlformats.org/officeDocument/2006/relationships" xmlns:p="http://schemas.openxmlformats.org/presentationml/2006/main">
+  <p:cSld>
+    <p:spTree>
+      <p:nvGrpSpPr>
+        <p:cNvPr id="1" name=""/>
+        <p:cNvGrpSpPr/>
+        <p:nvPr/>
+      </p:nvGrpSpPr>
+      <p:grpSpPr>
+        <a:xfrm>
+          <a:off x="0" y="0"/>
+          <a:ext cx="0" cy="0"/>
+          <a:chOff x="0" y="0"/>
+          <a:chExt cx="0" cy="0"/>
+        </a:xfrm>
+      </p:grpSpPr>
+      <p:sp>
+        <p:nvSpPr>
+          <p:cNvPr id="2" name="제목 1"/>
+          <p:cNvSpPr>
+            <a:spLocks noGrp="1"/>
+          </p:cNvSpPr>
+          <p:nvPr>
+            <p:ph type="title"/>
+          </p:nvPr>
+        </p:nvSpPr>
+        <p:spPr/>
+        <p:txBody>
+          <a:bodyPr/>
+          <a:lstStyle/>
+          <a:p>
+            <a:r>
+              <a:rPr lang="en-US" altLang="ko-KR" dirty="0" smtClean="0"/>
               <a:t>State transition rules (Slave)</a:t>
             </a:r>
             <a:endParaRPr lang="ko-KR" altLang="en-US" dirty="0"/>
@@ -8034,7 +8440,7 @@
 </p:sld>
 </file>
 
-<file path=ppt/slides/slide21.xml><?xml version="1.0" encoding="utf-8"?>
+<file path=ppt/slides/slide22.xml><?xml version="1.0" encoding="utf-8"?>
 <p:sld xmlns:a="http://schemas.openxmlformats.org/drawingml/2006/main" xmlns:r="http://schemas.openxmlformats.org/officeDocument/2006/relationships" xmlns:p="http://schemas.openxmlformats.org/presentationml/2006/main">
   <p:cSld>
     <p:spTree>
@@ -8570,7 +8976,7 @@
 </p:sld>
 </file>
 
-<file path=ppt/slides/slide22.xml><?xml version="1.0" encoding="utf-8"?>
+<file path=ppt/slides/slide23.xml><?xml version="1.0" encoding="utf-8"?>
 <p:sld xmlns:a="http://schemas.openxmlformats.org/drawingml/2006/main" xmlns:r="http://schemas.openxmlformats.org/officeDocument/2006/relationships" xmlns:p="http://schemas.openxmlformats.org/presentationml/2006/main">
   <p:cSld>
     <p:spTree>
@@ -9304,78 +9710,6 @@
 </p:sld>
 </file>
 
-<file path=ppt/slides/slide23.xml><?xml version="1.0" encoding="utf-8"?>
-<p:sld xmlns:a="http://schemas.openxmlformats.org/drawingml/2006/main" xmlns:r="http://schemas.openxmlformats.org/officeDocument/2006/relationships" xmlns:p="http://schemas.openxmlformats.org/presentationml/2006/main">
-  <p:cSld>
-    <p:spTree>
-      <p:nvGrpSpPr>
-        <p:cNvPr id="1" name=""/>
-        <p:cNvGrpSpPr/>
-        <p:nvPr/>
-      </p:nvGrpSpPr>
-      <p:grpSpPr>
-        <a:xfrm>
-          <a:off x="0" y="0"/>
-          <a:ext cx="0" cy="0"/>
-          <a:chOff x="0" y="0"/>
-          <a:chExt cx="0" cy="0"/>
-        </a:xfrm>
-      </p:grpSpPr>
-      <p:sp>
-        <p:nvSpPr>
-          <p:cNvPr id="2" name="제목 1"/>
-          <p:cNvSpPr>
-            <a:spLocks noGrp="1"/>
-          </p:cNvSpPr>
-          <p:nvPr>
-            <p:ph type="title"/>
-          </p:nvPr>
-        </p:nvSpPr>
-        <p:spPr/>
-        <p:txBody>
-          <a:bodyPr/>
-          <a:lstStyle/>
-          <a:p>
-            <a:r>
-              <a:rPr lang="en-US" altLang="ko-KR" dirty="0" smtClean="0"/>
-              <a:t>Flow Chart (TBA)</a:t>
-            </a:r>
-            <a:endParaRPr lang="ko-KR" altLang="en-US" dirty="0"/>
-          </a:p>
-        </p:txBody>
-      </p:sp>
-      <p:sp>
-        <p:nvSpPr>
-          <p:cNvPr id="3" name="내용 개체 틀 2"/>
-          <p:cNvSpPr>
-            <a:spLocks noGrp="1"/>
-          </p:cNvSpPr>
-          <p:nvPr>
-            <p:ph idx="1"/>
-          </p:nvPr>
-        </p:nvSpPr>
-        <p:spPr/>
-        <p:txBody>
-          <a:bodyPr/>
-          <a:lstStyle/>
-          <a:p>
-            <a:endParaRPr lang="ko-KR" altLang="en-US"/>
-          </a:p>
-        </p:txBody>
-      </p:sp>
-    </p:spTree>
-    <p:extLst>
-      <p:ext uri="{BB962C8B-B14F-4D97-AF65-F5344CB8AC3E}">
-        <p14:creationId xmlns:p14="http://schemas.microsoft.com/office/powerpoint/2010/main" val="3009508717"/>
-      </p:ext>
-    </p:extLst>
-  </p:cSld>
-  <p:clrMapOvr>
-    <a:masterClrMapping/>
-  </p:clrMapOvr>
-</p:sld>
-</file>
-
 <file path=ppt/slides/slide24.xml><?xml version="1.0" encoding="utf-8"?>
 <p:sld xmlns:a="http://schemas.openxmlformats.org/drawingml/2006/main" xmlns:r="http://schemas.openxmlformats.org/officeDocument/2006/relationships" xmlns:p="http://schemas.openxmlformats.org/presentationml/2006/main">
   <p:cSld>
@@ -9410,35 +9744,1360 @@
           <a:p>
             <a:r>
               <a:rPr lang="en-US" altLang="ko-KR" dirty="0" smtClean="0"/>
-              <a:t>Slave ordering</a:t>
+              <a:t>Flow </a:t>
+            </a:r>
+            <a:r>
+              <a:rPr lang="en-US" altLang="ko-KR" dirty="0" smtClean="0"/>
+              <a:t>Chart</a:t>
             </a:r>
             <a:endParaRPr lang="ko-KR" altLang="en-US" dirty="0"/>
           </a:p>
         </p:txBody>
       </p:sp>
-      <p:sp>
-        <p:nvSpPr>
-          <p:cNvPr id="3" name="텍스트 개체 틀 2"/>
-          <p:cNvSpPr>
-            <a:spLocks noGrp="1"/>
-          </p:cNvSpPr>
-          <p:nvPr>
-            <p:ph type="body" idx="1"/>
-          </p:nvPr>
-        </p:nvSpPr>
-        <p:spPr/>
-        <p:txBody>
-          <a:bodyPr/>
-          <a:lstStyle/>
-          <a:p>
-            <a:endParaRPr lang="ko-KR" altLang="en-US"/>
+      <p:cxnSp>
+        <p:nvCxnSpPr>
+          <p:cNvPr id="5" name="직선 연결선 4"/>
+          <p:cNvCxnSpPr/>
+          <p:nvPr/>
+        </p:nvCxnSpPr>
+        <p:spPr>
+          <a:xfrm>
+            <a:off x="1758462" y="2066192"/>
+            <a:ext cx="8792" cy="4079631"/>
+          </a:xfrm>
+          <a:prstGeom prst="line">
+            <a:avLst/>
+          </a:prstGeom>
+        </p:spPr>
+        <p:style>
+          <a:lnRef idx="1">
+            <a:schemeClr val="dk1"/>
+          </a:lnRef>
+          <a:fillRef idx="0">
+            <a:schemeClr val="dk1"/>
+          </a:fillRef>
+          <a:effectRef idx="0">
+            <a:schemeClr val="dk1"/>
+          </a:effectRef>
+          <a:fontRef idx="minor">
+            <a:schemeClr val="tx1"/>
+          </a:fontRef>
+        </p:style>
+      </p:cxnSp>
+      <p:cxnSp>
+        <p:nvCxnSpPr>
+          <p:cNvPr id="7" name="직선 연결선 6"/>
+          <p:cNvCxnSpPr/>
+          <p:nvPr/>
+        </p:nvCxnSpPr>
+        <p:spPr>
+          <a:xfrm>
+            <a:off x="6131169" y="2148254"/>
+            <a:ext cx="8792" cy="4079631"/>
+          </a:xfrm>
+          <a:prstGeom prst="line">
+            <a:avLst/>
+          </a:prstGeom>
+        </p:spPr>
+        <p:style>
+          <a:lnRef idx="1">
+            <a:schemeClr val="dk1"/>
+          </a:lnRef>
+          <a:fillRef idx="0">
+            <a:schemeClr val="dk1"/>
+          </a:fillRef>
+          <a:effectRef idx="0">
+            <a:schemeClr val="dk1"/>
+          </a:effectRef>
+          <a:fontRef idx="minor">
+            <a:schemeClr val="tx1"/>
+          </a:fontRef>
+        </p:style>
+      </p:cxnSp>
+      <p:cxnSp>
+        <p:nvCxnSpPr>
+          <p:cNvPr id="8" name="직선 연결선 7"/>
+          <p:cNvCxnSpPr/>
+          <p:nvPr/>
+        </p:nvCxnSpPr>
+        <p:spPr>
+          <a:xfrm>
+            <a:off x="10503877" y="2066191"/>
+            <a:ext cx="8792" cy="4079631"/>
+          </a:xfrm>
+          <a:prstGeom prst="line">
+            <a:avLst/>
+          </a:prstGeom>
+        </p:spPr>
+        <p:style>
+          <a:lnRef idx="1">
+            <a:schemeClr val="dk1"/>
+          </a:lnRef>
+          <a:fillRef idx="0">
+            <a:schemeClr val="dk1"/>
+          </a:fillRef>
+          <a:effectRef idx="0">
+            <a:schemeClr val="dk1"/>
+          </a:effectRef>
+          <a:fontRef idx="minor">
+            <a:schemeClr val="tx1"/>
+          </a:fontRef>
+        </p:style>
+      </p:cxnSp>
+      <p:sp>
+        <p:nvSpPr>
+          <p:cNvPr id="9" name="TextBox 8"/>
+          <p:cNvSpPr txBox="1"/>
+          <p:nvPr/>
+        </p:nvSpPr>
+        <p:spPr>
+          <a:xfrm>
+            <a:off x="1468315" y="1780971"/>
+            <a:ext cx="1336431" cy="276999"/>
+          </a:xfrm>
+          <a:prstGeom prst="rect">
+            <a:avLst/>
+          </a:prstGeom>
+          <a:noFill/>
+        </p:spPr>
+        <p:txBody>
+          <a:bodyPr wrap="square" rtlCol="0">
+            <a:spAutoFit/>
+          </a:bodyPr>
+          <a:lstStyle/>
+          <a:p>
+            <a:r>
+              <a:rPr lang="en-US" altLang="ko-KR" sz="1200" dirty="0" smtClean="0"/>
+              <a:t>Slave</a:t>
+            </a:r>
+            <a:endParaRPr lang="ko-KR" altLang="en-US" sz="1200" dirty="0"/>
+          </a:p>
+        </p:txBody>
+      </p:sp>
+      <p:sp>
+        <p:nvSpPr>
+          <p:cNvPr id="10" name="TextBox 9"/>
+          <p:cNvSpPr txBox="1"/>
+          <p:nvPr/>
+        </p:nvSpPr>
+        <p:spPr>
+          <a:xfrm>
+            <a:off x="10196147" y="1794870"/>
+            <a:ext cx="1336431" cy="276999"/>
+          </a:xfrm>
+          <a:prstGeom prst="rect">
+            <a:avLst/>
+          </a:prstGeom>
+          <a:noFill/>
+        </p:spPr>
+        <p:txBody>
+          <a:bodyPr wrap="square" rtlCol="0">
+            <a:spAutoFit/>
+          </a:bodyPr>
+          <a:lstStyle/>
+          <a:p>
+            <a:r>
+              <a:rPr lang="en-US" altLang="ko-KR" sz="1200" dirty="0" smtClean="0"/>
+              <a:t>Slave</a:t>
+            </a:r>
+            <a:endParaRPr lang="ko-KR" altLang="en-US" sz="1200" dirty="0"/>
+          </a:p>
+        </p:txBody>
+      </p:sp>
+      <p:sp>
+        <p:nvSpPr>
+          <p:cNvPr id="11" name="TextBox 10"/>
+          <p:cNvSpPr txBox="1"/>
+          <p:nvPr/>
+        </p:nvSpPr>
+        <p:spPr>
+          <a:xfrm>
+            <a:off x="5832231" y="1794871"/>
+            <a:ext cx="1336431" cy="276999"/>
+          </a:xfrm>
+          <a:prstGeom prst="rect">
+            <a:avLst/>
+          </a:prstGeom>
+          <a:noFill/>
+        </p:spPr>
+        <p:txBody>
+          <a:bodyPr wrap="square" rtlCol="0">
+            <a:spAutoFit/>
+          </a:bodyPr>
+          <a:lstStyle/>
+          <a:p>
+            <a:r>
+              <a:rPr lang="en-US" altLang="ko-KR" sz="1200" dirty="0" smtClean="0"/>
+              <a:t>Master</a:t>
+            </a:r>
+            <a:endParaRPr lang="ko-KR" altLang="en-US" sz="1200" dirty="0"/>
+          </a:p>
+        </p:txBody>
+      </p:sp>
+      <p:sp>
+        <p:nvSpPr>
+          <p:cNvPr id="12" name="타원 11"/>
+          <p:cNvSpPr/>
+          <p:nvPr/>
+        </p:nvSpPr>
+        <p:spPr>
+          <a:xfrm>
+            <a:off x="1468315" y="2066191"/>
+            <a:ext cx="668215" cy="263771"/>
+          </a:xfrm>
+          <a:prstGeom prst="ellipse">
+            <a:avLst/>
+          </a:prstGeom>
+          <a:solidFill>
+            <a:schemeClr val="tx1"/>
+          </a:solidFill>
+        </p:spPr>
+        <p:style>
+          <a:lnRef idx="2">
+            <a:schemeClr val="accent1">
+              <a:shade val="50000"/>
+            </a:schemeClr>
+          </a:lnRef>
+          <a:fillRef idx="1">
+            <a:schemeClr val="accent1"/>
+          </a:fillRef>
+          <a:effectRef idx="0">
+            <a:schemeClr val="accent1"/>
+          </a:effectRef>
+          <a:fontRef idx="minor">
+            <a:schemeClr val="lt1"/>
+          </a:fontRef>
+        </p:style>
+        <p:txBody>
+          <a:bodyPr rtlCol="0" anchor="ctr"/>
+          <a:lstStyle/>
+          <a:p>
+            <a:pPr algn="ctr"/>
+            <a:r>
+              <a:rPr lang="en-US" altLang="ko-KR" sz="1200" dirty="0" err="1" smtClean="0"/>
+              <a:t>Init</a:t>
+            </a:r>
+            <a:endParaRPr lang="ko-KR" altLang="en-US" sz="1200" dirty="0"/>
+          </a:p>
+        </p:txBody>
+      </p:sp>
+      <p:sp>
+        <p:nvSpPr>
+          <p:cNvPr id="13" name="타원 12"/>
+          <p:cNvSpPr/>
+          <p:nvPr/>
+        </p:nvSpPr>
+        <p:spPr>
+          <a:xfrm>
+            <a:off x="5855677" y="2066191"/>
+            <a:ext cx="668215" cy="263771"/>
+          </a:xfrm>
+          <a:prstGeom prst="ellipse">
+            <a:avLst/>
+          </a:prstGeom>
+          <a:solidFill>
+            <a:schemeClr val="tx1"/>
+          </a:solidFill>
+        </p:spPr>
+        <p:style>
+          <a:lnRef idx="2">
+            <a:schemeClr val="accent1">
+              <a:shade val="50000"/>
+            </a:schemeClr>
+          </a:lnRef>
+          <a:fillRef idx="1">
+            <a:schemeClr val="accent1"/>
+          </a:fillRef>
+          <a:effectRef idx="0">
+            <a:schemeClr val="accent1"/>
+          </a:effectRef>
+          <a:fontRef idx="minor">
+            <a:schemeClr val="lt1"/>
+          </a:fontRef>
+        </p:style>
+        <p:txBody>
+          <a:bodyPr rtlCol="0" anchor="ctr"/>
+          <a:lstStyle/>
+          <a:p>
+            <a:pPr algn="ctr"/>
+            <a:r>
+              <a:rPr lang="en-US" altLang="ko-KR" sz="1200" dirty="0" err="1" smtClean="0"/>
+              <a:t>Init</a:t>
+            </a:r>
+            <a:endParaRPr lang="ko-KR" altLang="en-US" sz="1200" dirty="0"/>
+          </a:p>
+        </p:txBody>
+      </p:sp>
+      <p:sp>
+        <p:nvSpPr>
+          <p:cNvPr id="14" name="타원 13"/>
+          <p:cNvSpPr/>
+          <p:nvPr/>
+        </p:nvSpPr>
+        <p:spPr>
+          <a:xfrm>
+            <a:off x="10169768" y="2044165"/>
+            <a:ext cx="668215" cy="263771"/>
+          </a:xfrm>
+          <a:prstGeom prst="ellipse">
+            <a:avLst/>
+          </a:prstGeom>
+          <a:solidFill>
+            <a:schemeClr val="tx1"/>
+          </a:solidFill>
+        </p:spPr>
+        <p:style>
+          <a:lnRef idx="2">
+            <a:schemeClr val="accent1">
+              <a:shade val="50000"/>
+            </a:schemeClr>
+          </a:lnRef>
+          <a:fillRef idx="1">
+            <a:schemeClr val="accent1"/>
+          </a:fillRef>
+          <a:effectRef idx="0">
+            <a:schemeClr val="accent1"/>
+          </a:effectRef>
+          <a:fontRef idx="minor">
+            <a:schemeClr val="lt1"/>
+          </a:fontRef>
+        </p:style>
+        <p:txBody>
+          <a:bodyPr rtlCol="0" anchor="ctr"/>
+          <a:lstStyle/>
+          <a:p>
+            <a:pPr algn="ctr"/>
+            <a:r>
+              <a:rPr lang="en-US" altLang="ko-KR" sz="1200" dirty="0" err="1" smtClean="0"/>
+              <a:t>Init</a:t>
+            </a:r>
+            <a:endParaRPr lang="ko-KR" altLang="en-US" sz="1200" dirty="0"/>
+          </a:p>
+        </p:txBody>
+      </p:sp>
+      <p:cxnSp>
+        <p:nvCxnSpPr>
+          <p:cNvPr id="16" name="직선 화살표 연결선 15"/>
+          <p:cNvCxnSpPr>
+            <a:stCxn id="12" idx="4"/>
+          </p:cNvCxnSpPr>
+          <p:nvPr/>
+        </p:nvCxnSpPr>
+        <p:spPr>
+          <a:xfrm>
+            <a:off x="1802423" y="2329962"/>
+            <a:ext cx="4337538" cy="351692"/>
+          </a:xfrm>
+          <a:prstGeom prst="straightConnector1">
+            <a:avLst/>
+          </a:prstGeom>
+          <a:ln>
+            <a:tailEnd type="triangle"/>
+          </a:ln>
+        </p:spPr>
+        <p:style>
+          <a:lnRef idx="1">
+            <a:schemeClr val="dk1"/>
+          </a:lnRef>
+          <a:fillRef idx="0">
+            <a:schemeClr val="dk1"/>
+          </a:fillRef>
+          <a:effectRef idx="0">
+            <a:schemeClr val="dk1"/>
+          </a:effectRef>
+          <a:fontRef idx="minor">
+            <a:schemeClr val="tx1"/>
+          </a:fontRef>
+        </p:style>
+      </p:cxnSp>
+      <p:cxnSp>
+        <p:nvCxnSpPr>
+          <p:cNvPr id="18" name="직선 화살표 연결선 17"/>
+          <p:cNvCxnSpPr>
+            <a:stCxn id="14" idx="4"/>
+          </p:cNvCxnSpPr>
+          <p:nvPr/>
+        </p:nvCxnSpPr>
+        <p:spPr>
+          <a:xfrm flipH="1">
+            <a:off x="6139961" y="2307936"/>
+            <a:ext cx="4363915" cy="364926"/>
+          </a:xfrm>
+          <a:prstGeom prst="straightConnector1">
+            <a:avLst/>
+          </a:prstGeom>
+          <a:ln>
+            <a:tailEnd type="triangle"/>
+          </a:ln>
+        </p:spPr>
+        <p:style>
+          <a:lnRef idx="1">
+            <a:schemeClr val="dk1"/>
+          </a:lnRef>
+          <a:fillRef idx="0">
+            <a:schemeClr val="dk1"/>
+          </a:fillRef>
+          <a:effectRef idx="0">
+            <a:schemeClr val="dk1"/>
+          </a:effectRef>
+          <a:fontRef idx="minor">
+            <a:schemeClr val="tx1"/>
+          </a:fontRef>
+        </p:style>
+      </p:cxnSp>
+      <p:sp>
+        <p:nvSpPr>
+          <p:cNvPr id="19" name="타원 18"/>
+          <p:cNvSpPr/>
+          <p:nvPr/>
+        </p:nvSpPr>
+        <p:spPr>
+          <a:xfrm>
+            <a:off x="5562600" y="2731476"/>
+            <a:ext cx="1154722" cy="237760"/>
+          </a:xfrm>
+          <a:prstGeom prst="ellipse">
+            <a:avLst/>
+          </a:prstGeom>
+          <a:solidFill>
+            <a:schemeClr val="tx1"/>
+          </a:solidFill>
+        </p:spPr>
+        <p:style>
+          <a:lnRef idx="2">
+            <a:schemeClr val="accent1">
+              <a:shade val="50000"/>
+            </a:schemeClr>
+          </a:lnRef>
+          <a:fillRef idx="1">
+            <a:schemeClr val="accent1"/>
+          </a:fillRef>
+          <a:effectRef idx="0">
+            <a:schemeClr val="accent1"/>
+          </a:effectRef>
+          <a:fontRef idx="minor">
+            <a:schemeClr val="lt1"/>
+          </a:fontRef>
+        </p:style>
+        <p:txBody>
+          <a:bodyPr rtlCol="0" anchor="ctr"/>
+          <a:lstStyle/>
+          <a:p>
+            <a:pPr algn="ctr"/>
+            <a:r>
+              <a:rPr lang="en-US" altLang="ko-KR" sz="1200" smtClean="0"/>
+              <a:t>Sample</a:t>
+            </a:r>
+            <a:endParaRPr lang="ko-KR" altLang="en-US" sz="1200" dirty="0"/>
+          </a:p>
+        </p:txBody>
+      </p:sp>
+      <p:cxnSp>
+        <p:nvCxnSpPr>
+          <p:cNvPr id="21" name="직선 화살표 연결선 20"/>
+          <p:cNvCxnSpPr>
+            <a:stCxn id="19" idx="4"/>
+          </p:cNvCxnSpPr>
+          <p:nvPr/>
+        </p:nvCxnSpPr>
+        <p:spPr>
+          <a:xfrm flipH="1">
+            <a:off x="1758462" y="2969236"/>
+            <a:ext cx="4381499" cy="310295"/>
+          </a:xfrm>
+          <a:prstGeom prst="straightConnector1">
+            <a:avLst/>
+          </a:prstGeom>
+          <a:ln>
+            <a:tailEnd type="triangle"/>
+          </a:ln>
+        </p:spPr>
+        <p:style>
+          <a:lnRef idx="1">
+            <a:schemeClr val="dk1"/>
+          </a:lnRef>
+          <a:fillRef idx="0">
+            <a:schemeClr val="dk1"/>
+          </a:fillRef>
+          <a:effectRef idx="0">
+            <a:schemeClr val="dk1"/>
+          </a:effectRef>
+          <a:fontRef idx="minor">
+            <a:schemeClr val="tx1"/>
+          </a:fontRef>
+        </p:style>
+      </p:cxnSp>
+      <p:cxnSp>
+        <p:nvCxnSpPr>
+          <p:cNvPr id="23" name="직선 화살표 연결선 22"/>
+          <p:cNvCxnSpPr>
+            <a:stCxn id="19" idx="4"/>
+          </p:cNvCxnSpPr>
+          <p:nvPr/>
+        </p:nvCxnSpPr>
+        <p:spPr>
+          <a:xfrm>
+            <a:off x="6139961" y="2969236"/>
+            <a:ext cx="4372707" cy="351692"/>
+          </a:xfrm>
+          <a:prstGeom prst="straightConnector1">
+            <a:avLst/>
+          </a:prstGeom>
+          <a:ln>
+            <a:tailEnd type="triangle"/>
+          </a:ln>
+        </p:spPr>
+        <p:style>
+          <a:lnRef idx="1">
+            <a:schemeClr val="dk1"/>
+          </a:lnRef>
+          <a:fillRef idx="0">
+            <a:schemeClr val="dk1"/>
+          </a:fillRef>
+          <a:effectRef idx="0">
+            <a:schemeClr val="dk1"/>
+          </a:effectRef>
+          <a:fontRef idx="minor">
+            <a:schemeClr val="tx1"/>
+          </a:fontRef>
+        </p:style>
+      </p:cxnSp>
+      <p:sp>
+        <p:nvSpPr>
+          <p:cNvPr id="24" name="직사각형 23"/>
+          <p:cNvSpPr/>
+          <p:nvPr/>
+        </p:nvSpPr>
+        <p:spPr>
+          <a:xfrm>
+            <a:off x="2746131" y="3029455"/>
+            <a:ext cx="1837592" cy="231254"/>
+          </a:xfrm>
+          <a:prstGeom prst="rect">
+            <a:avLst/>
+          </a:prstGeom>
+        </p:spPr>
+        <p:style>
+          <a:lnRef idx="2">
+            <a:schemeClr val="accent6">
+              <a:shade val="50000"/>
+            </a:schemeClr>
+          </a:lnRef>
+          <a:fillRef idx="1">
+            <a:schemeClr val="accent6"/>
+          </a:fillRef>
+          <a:effectRef idx="0">
+            <a:schemeClr val="accent6"/>
+          </a:effectRef>
+          <a:fontRef idx="minor">
+            <a:schemeClr val="lt1"/>
+          </a:fontRef>
+        </p:style>
+        <p:txBody>
+          <a:bodyPr rtlCol="0" anchor="ctr"/>
+          <a:lstStyle/>
+          <a:p>
+            <a:pPr algn="ctr"/>
+            <a:r>
+              <a:rPr lang="en-US" altLang="ko-KR" sz="1200" dirty="0" err="1" smtClean="0"/>
+              <a:t>StartSampleMessage</a:t>
+            </a:r>
+            <a:endParaRPr lang="ko-KR" altLang="en-US" sz="1200" dirty="0"/>
+          </a:p>
+        </p:txBody>
+      </p:sp>
+      <p:sp>
+        <p:nvSpPr>
+          <p:cNvPr id="25" name="직사각형 24"/>
+          <p:cNvSpPr/>
+          <p:nvPr/>
+        </p:nvSpPr>
+        <p:spPr>
+          <a:xfrm>
+            <a:off x="7580435" y="3088347"/>
+            <a:ext cx="1837592" cy="231254"/>
+          </a:xfrm>
+          <a:prstGeom prst="rect">
+            <a:avLst/>
+          </a:prstGeom>
+        </p:spPr>
+        <p:style>
+          <a:lnRef idx="2">
+            <a:schemeClr val="accent6">
+              <a:shade val="50000"/>
+            </a:schemeClr>
+          </a:lnRef>
+          <a:fillRef idx="1">
+            <a:schemeClr val="accent6"/>
+          </a:fillRef>
+          <a:effectRef idx="0">
+            <a:schemeClr val="accent6"/>
+          </a:effectRef>
+          <a:fontRef idx="minor">
+            <a:schemeClr val="lt1"/>
+          </a:fontRef>
+        </p:style>
+        <p:txBody>
+          <a:bodyPr rtlCol="0" anchor="ctr"/>
+          <a:lstStyle/>
+          <a:p>
+            <a:pPr algn="ctr"/>
+            <a:r>
+              <a:rPr lang="en-US" altLang="ko-KR" sz="1200" dirty="0" err="1" smtClean="0"/>
+              <a:t>StartSampleMessage</a:t>
+            </a:r>
+            <a:endParaRPr lang="ko-KR" altLang="en-US" sz="1200" dirty="0"/>
+          </a:p>
+        </p:txBody>
+      </p:sp>
+      <p:sp>
+        <p:nvSpPr>
+          <p:cNvPr id="26" name="타원 25"/>
+          <p:cNvSpPr/>
+          <p:nvPr/>
+        </p:nvSpPr>
+        <p:spPr>
+          <a:xfrm>
+            <a:off x="9996854" y="3379542"/>
+            <a:ext cx="1154722" cy="237760"/>
+          </a:xfrm>
+          <a:prstGeom prst="ellipse">
+            <a:avLst/>
+          </a:prstGeom>
+          <a:solidFill>
+            <a:schemeClr val="tx1"/>
+          </a:solidFill>
+        </p:spPr>
+        <p:style>
+          <a:lnRef idx="2">
+            <a:schemeClr val="accent1">
+              <a:shade val="50000"/>
+            </a:schemeClr>
+          </a:lnRef>
+          <a:fillRef idx="1">
+            <a:schemeClr val="accent1"/>
+          </a:fillRef>
+          <a:effectRef idx="0">
+            <a:schemeClr val="accent1"/>
+          </a:effectRef>
+          <a:fontRef idx="minor">
+            <a:schemeClr val="lt1"/>
+          </a:fontRef>
+        </p:style>
+        <p:txBody>
+          <a:bodyPr rtlCol="0" anchor="ctr"/>
+          <a:lstStyle/>
+          <a:p>
+            <a:pPr algn="ctr"/>
+            <a:r>
+              <a:rPr lang="en-US" altLang="ko-KR" sz="1200" smtClean="0"/>
+              <a:t>Sample</a:t>
+            </a:r>
+            <a:endParaRPr lang="ko-KR" altLang="en-US" sz="1200" dirty="0"/>
+          </a:p>
+        </p:txBody>
+      </p:sp>
+      <p:sp>
+        <p:nvSpPr>
+          <p:cNvPr id="27" name="타원 26"/>
+          <p:cNvSpPr/>
+          <p:nvPr/>
+        </p:nvSpPr>
+        <p:spPr>
+          <a:xfrm>
+            <a:off x="1225061" y="3360858"/>
+            <a:ext cx="1154722" cy="237760"/>
+          </a:xfrm>
+          <a:prstGeom prst="ellipse">
+            <a:avLst/>
+          </a:prstGeom>
+          <a:solidFill>
+            <a:schemeClr val="tx1"/>
+          </a:solidFill>
+        </p:spPr>
+        <p:style>
+          <a:lnRef idx="2">
+            <a:schemeClr val="accent1">
+              <a:shade val="50000"/>
+            </a:schemeClr>
+          </a:lnRef>
+          <a:fillRef idx="1">
+            <a:schemeClr val="accent1"/>
+          </a:fillRef>
+          <a:effectRef idx="0">
+            <a:schemeClr val="accent1"/>
+          </a:effectRef>
+          <a:fontRef idx="minor">
+            <a:schemeClr val="lt1"/>
+          </a:fontRef>
+        </p:style>
+        <p:txBody>
+          <a:bodyPr rtlCol="0" anchor="ctr"/>
+          <a:lstStyle/>
+          <a:p>
+            <a:pPr algn="ctr"/>
+            <a:r>
+              <a:rPr lang="en-US" altLang="ko-KR" sz="1200" smtClean="0"/>
+              <a:t>Sample</a:t>
+            </a:r>
+            <a:endParaRPr lang="ko-KR" altLang="en-US" sz="1200" dirty="0"/>
+          </a:p>
+        </p:txBody>
+      </p:sp>
+      <p:cxnSp>
+        <p:nvCxnSpPr>
+          <p:cNvPr id="28" name="직선 화살표 연결선 27"/>
+          <p:cNvCxnSpPr/>
+          <p:nvPr/>
+        </p:nvCxnSpPr>
+        <p:spPr>
+          <a:xfrm>
+            <a:off x="1758462" y="3626299"/>
+            <a:ext cx="4390291" cy="358243"/>
+          </a:xfrm>
+          <a:prstGeom prst="straightConnector1">
+            <a:avLst/>
+          </a:prstGeom>
+          <a:ln>
+            <a:tailEnd type="triangle"/>
+          </a:ln>
+        </p:spPr>
+        <p:style>
+          <a:lnRef idx="1">
+            <a:schemeClr val="dk1"/>
+          </a:lnRef>
+          <a:fillRef idx="0">
+            <a:schemeClr val="dk1"/>
+          </a:fillRef>
+          <a:effectRef idx="0">
+            <a:schemeClr val="dk1"/>
+          </a:effectRef>
+          <a:fontRef idx="minor">
+            <a:schemeClr val="tx1"/>
+          </a:fontRef>
+        </p:style>
+      </p:cxnSp>
+      <p:cxnSp>
+        <p:nvCxnSpPr>
+          <p:cNvPr id="29" name="직선 화살표 연결선 28"/>
+          <p:cNvCxnSpPr/>
+          <p:nvPr/>
+        </p:nvCxnSpPr>
+        <p:spPr>
+          <a:xfrm flipH="1">
+            <a:off x="6139961" y="3637635"/>
+            <a:ext cx="4399085" cy="340356"/>
+          </a:xfrm>
+          <a:prstGeom prst="straightConnector1">
+            <a:avLst/>
+          </a:prstGeom>
+          <a:ln>
+            <a:tailEnd type="triangle"/>
+          </a:ln>
+        </p:spPr>
+        <p:style>
+          <a:lnRef idx="1">
+            <a:schemeClr val="dk1"/>
+          </a:lnRef>
+          <a:fillRef idx="0">
+            <a:schemeClr val="dk1"/>
+          </a:fillRef>
+          <a:effectRef idx="0">
+            <a:schemeClr val="dk1"/>
+          </a:effectRef>
+          <a:fontRef idx="minor">
+            <a:schemeClr val="tx1"/>
+          </a:fontRef>
+        </p:style>
+      </p:cxnSp>
+      <p:sp>
+        <p:nvSpPr>
+          <p:cNvPr id="32" name="직사각형 31"/>
+          <p:cNvSpPr/>
+          <p:nvPr/>
+        </p:nvSpPr>
+        <p:spPr>
+          <a:xfrm>
+            <a:off x="2942493" y="3637635"/>
+            <a:ext cx="1837592" cy="231254"/>
+          </a:xfrm>
+          <a:prstGeom prst="rect">
+            <a:avLst/>
+          </a:prstGeom>
+        </p:spPr>
+        <p:style>
+          <a:lnRef idx="2">
+            <a:schemeClr val="accent6">
+              <a:shade val="50000"/>
+            </a:schemeClr>
+          </a:lnRef>
+          <a:fillRef idx="1">
+            <a:schemeClr val="accent6"/>
+          </a:fillRef>
+          <a:effectRef idx="0">
+            <a:schemeClr val="accent6"/>
+          </a:effectRef>
+          <a:fontRef idx="minor">
+            <a:schemeClr val="lt1"/>
+          </a:fontRef>
+        </p:style>
+        <p:txBody>
+          <a:bodyPr rtlCol="0" anchor="ctr"/>
+          <a:lstStyle/>
+          <a:p>
+            <a:pPr algn="ctr"/>
+            <a:r>
+              <a:rPr lang="en-US" altLang="ko-KR" sz="1200" dirty="0" err="1" smtClean="0"/>
+              <a:t>MetainfoMessage</a:t>
+            </a:r>
+            <a:endParaRPr lang="ko-KR" altLang="en-US" sz="1200" dirty="0"/>
+          </a:p>
+        </p:txBody>
+      </p:sp>
+      <p:sp>
+        <p:nvSpPr>
+          <p:cNvPr id="33" name="직사각형 32"/>
+          <p:cNvSpPr/>
+          <p:nvPr/>
+        </p:nvSpPr>
+        <p:spPr>
+          <a:xfrm>
+            <a:off x="7420707" y="3767070"/>
+            <a:ext cx="1837592" cy="231254"/>
+          </a:xfrm>
+          <a:prstGeom prst="rect">
+            <a:avLst/>
+          </a:prstGeom>
+        </p:spPr>
+        <p:style>
+          <a:lnRef idx="2">
+            <a:schemeClr val="accent6">
+              <a:shade val="50000"/>
+            </a:schemeClr>
+          </a:lnRef>
+          <a:fillRef idx="1">
+            <a:schemeClr val="accent6"/>
+          </a:fillRef>
+          <a:effectRef idx="0">
+            <a:schemeClr val="accent6"/>
+          </a:effectRef>
+          <a:fontRef idx="minor">
+            <a:schemeClr val="lt1"/>
+          </a:fontRef>
+        </p:style>
+        <p:txBody>
+          <a:bodyPr rtlCol="0" anchor="ctr"/>
+          <a:lstStyle/>
+          <a:p>
+            <a:pPr algn="ctr"/>
+            <a:r>
+              <a:rPr lang="en-US" altLang="ko-KR" sz="1200" dirty="0" err="1" smtClean="0"/>
+              <a:t>MetainfoMessage</a:t>
+            </a:r>
+            <a:endParaRPr lang="ko-KR" altLang="en-US" sz="1200" dirty="0"/>
+          </a:p>
+        </p:txBody>
+      </p:sp>
+      <p:sp>
+        <p:nvSpPr>
+          <p:cNvPr id="34" name="타원 33"/>
+          <p:cNvSpPr/>
+          <p:nvPr/>
+        </p:nvSpPr>
+        <p:spPr>
+          <a:xfrm>
+            <a:off x="5479074" y="4044562"/>
+            <a:ext cx="1286608" cy="256687"/>
+          </a:xfrm>
+          <a:prstGeom prst="ellipse">
+            <a:avLst/>
+          </a:prstGeom>
+          <a:solidFill>
+            <a:schemeClr val="tx1"/>
+          </a:solidFill>
+        </p:spPr>
+        <p:style>
+          <a:lnRef idx="2">
+            <a:schemeClr val="accent1">
+              <a:shade val="50000"/>
+            </a:schemeClr>
+          </a:lnRef>
+          <a:fillRef idx="1">
+            <a:schemeClr val="accent1"/>
+          </a:fillRef>
+          <a:effectRef idx="0">
+            <a:schemeClr val="accent1"/>
+          </a:effectRef>
+          <a:fontRef idx="minor">
+            <a:schemeClr val="lt1"/>
+          </a:fontRef>
+        </p:style>
+        <p:txBody>
+          <a:bodyPr rtlCol="0" anchor="ctr"/>
+          <a:lstStyle/>
+          <a:p>
+            <a:pPr algn="ctr"/>
+            <a:r>
+              <a:rPr lang="en-US" altLang="ko-KR" sz="1200" smtClean="0"/>
+              <a:t>SortCheck</a:t>
+            </a:r>
+            <a:endParaRPr lang="ko-KR" altLang="en-US" sz="1200" dirty="0"/>
+          </a:p>
+        </p:txBody>
+      </p:sp>
+      <p:cxnSp>
+        <p:nvCxnSpPr>
+          <p:cNvPr id="37" name="직선 화살표 연결선 36"/>
+          <p:cNvCxnSpPr/>
+          <p:nvPr/>
+        </p:nvCxnSpPr>
+        <p:spPr>
+          <a:xfrm flipH="1">
+            <a:off x="1723293" y="4331310"/>
+            <a:ext cx="4381499" cy="310295"/>
+          </a:xfrm>
+          <a:prstGeom prst="straightConnector1">
+            <a:avLst/>
+          </a:prstGeom>
+          <a:ln>
+            <a:tailEnd type="triangle"/>
+          </a:ln>
+        </p:spPr>
+        <p:style>
+          <a:lnRef idx="1">
+            <a:schemeClr val="dk1"/>
+          </a:lnRef>
+          <a:fillRef idx="0">
+            <a:schemeClr val="dk1"/>
+          </a:fillRef>
+          <a:effectRef idx="0">
+            <a:schemeClr val="dk1"/>
+          </a:effectRef>
+          <a:fontRef idx="minor">
+            <a:schemeClr val="tx1"/>
+          </a:fontRef>
+        </p:style>
+      </p:cxnSp>
+      <p:sp>
+        <p:nvSpPr>
+          <p:cNvPr id="35" name="직사각형 34"/>
+          <p:cNvSpPr/>
+          <p:nvPr/>
+        </p:nvSpPr>
+        <p:spPr>
+          <a:xfrm>
+            <a:off x="2942493" y="4389770"/>
+            <a:ext cx="1837592" cy="231254"/>
+          </a:xfrm>
+          <a:prstGeom prst="rect">
+            <a:avLst/>
+          </a:prstGeom>
+        </p:spPr>
+        <p:style>
+          <a:lnRef idx="2">
+            <a:schemeClr val="accent6">
+              <a:shade val="50000"/>
+            </a:schemeClr>
+          </a:lnRef>
+          <a:fillRef idx="1">
+            <a:schemeClr val="accent6"/>
+          </a:fillRef>
+          <a:effectRef idx="0">
+            <a:schemeClr val="accent6"/>
+          </a:effectRef>
+          <a:fontRef idx="minor">
+            <a:schemeClr val="lt1"/>
+          </a:fontRef>
+        </p:style>
+        <p:txBody>
+          <a:bodyPr rtlCol="0" anchor="ctr"/>
+          <a:lstStyle/>
+          <a:p>
+            <a:pPr algn="ctr"/>
+            <a:r>
+              <a:rPr lang="en-US" altLang="ko-KR" sz="1200" dirty="0" err="1" smtClean="0"/>
+              <a:t>MetainfoTableMessage</a:t>
+            </a:r>
+            <a:endParaRPr lang="ko-KR" altLang="en-US" sz="1200" dirty="0"/>
+          </a:p>
+        </p:txBody>
+      </p:sp>
+      <p:cxnSp>
+        <p:nvCxnSpPr>
+          <p:cNvPr id="38" name="직선 화살표 연결선 37"/>
+          <p:cNvCxnSpPr/>
+          <p:nvPr/>
+        </p:nvCxnSpPr>
+        <p:spPr>
+          <a:xfrm>
+            <a:off x="6122378" y="4310611"/>
+            <a:ext cx="4372707" cy="351692"/>
+          </a:xfrm>
+          <a:prstGeom prst="straightConnector1">
+            <a:avLst/>
+          </a:prstGeom>
+          <a:ln>
+            <a:tailEnd type="triangle"/>
+          </a:ln>
+        </p:spPr>
+        <p:style>
+          <a:lnRef idx="1">
+            <a:schemeClr val="dk1"/>
+          </a:lnRef>
+          <a:fillRef idx="0">
+            <a:schemeClr val="dk1"/>
+          </a:fillRef>
+          <a:effectRef idx="0">
+            <a:schemeClr val="dk1"/>
+          </a:effectRef>
+          <a:fontRef idx="minor">
+            <a:schemeClr val="tx1"/>
+          </a:fontRef>
+        </p:style>
+      </p:cxnSp>
+      <p:sp>
+        <p:nvSpPr>
+          <p:cNvPr id="39" name="직사각형 38"/>
+          <p:cNvSpPr/>
+          <p:nvPr/>
+        </p:nvSpPr>
+        <p:spPr>
+          <a:xfrm>
+            <a:off x="7491045" y="4383927"/>
+            <a:ext cx="1837592" cy="231254"/>
+          </a:xfrm>
+          <a:prstGeom prst="rect">
+            <a:avLst/>
+          </a:prstGeom>
+        </p:spPr>
+        <p:style>
+          <a:lnRef idx="2">
+            <a:schemeClr val="accent6">
+              <a:shade val="50000"/>
+            </a:schemeClr>
+          </a:lnRef>
+          <a:fillRef idx="1">
+            <a:schemeClr val="accent6"/>
+          </a:fillRef>
+          <a:effectRef idx="0">
+            <a:schemeClr val="accent6"/>
+          </a:effectRef>
+          <a:fontRef idx="minor">
+            <a:schemeClr val="lt1"/>
+          </a:fontRef>
+        </p:style>
+        <p:txBody>
+          <a:bodyPr rtlCol="0" anchor="ctr"/>
+          <a:lstStyle/>
+          <a:p>
+            <a:pPr algn="ctr"/>
+            <a:r>
+              <a:rPr lang="en-US" altLang="ko-KR" sz="1200" dirty="0" err="1" smtClean="0"/>
+              <a:t>MetainfoTableMessage</a:t>
+            </a:r>
+            <a:endParaRPr lang="ko-KR" altLang="en-US" sz="1200" dirty="0"/>
+          </a:p>
+        </p:txBody>
+      </p:sp>
+      <p:sp>
+        <p:nvSpPr>
+          <p:cNvPr id="40" name="타원 39"/>
+          <p:cNvSpPr/>
+          <p:nvPr/>
+        </p:nvSpPr>
+        <p:spPr>
+          <a:xfrm>
+            <a:off x="1389185" y="4715930"/>
+            <a:ext cx="668215" cy="263771"/>
+          </a:xfrm>
+          <a:prstGeom prst="ellipse">
+            <a:avLst/>
+          </a:prstGeom>
+          <a:solidFill>
+            <a:schemeClr val="tx1"/>
+          </a:solidFill>
+        </p:spPr>
+        <p:style>
+          <a:lnRef idx="2">
+            <a:schemeClr val="accent1">
+              <a:shade val="50000"/>
+            </a:schemeClr>
+          </a:lnRef>
+          <a:fillRef idx="1">
+            <a:schemeClr val="accent1"/>
+          </a:fillRef>
+          <a:effectRef idx="0">
+            <a:schemeClr val="accent1"/>
+          </a:effectRef>
+          <a:fontRef idx="minor">
+            <a:schemeClr val="lt1"/>
+          </a:fontRef>
+        </p:style>
+        <p:txBody>
+          <a:bodyPr rtlCol="0" anchor="ctr"/>
+          <a:lstStyle/>
+          <a:p>
+            <a:pPr algn="ctr"/>
+            <a:r>
+              <a:rPr lang="en-US" altLang="ko-KR" sz="1200" smtClean="0"/>
+              <a:t>Sort</a:t>
+            </a:r>
+            <a:endParaRPr lang="ko-KR" altLang="en-US" sz="1200" dirty="0"/>
+          </a:p>
+        </p:txBody>
+      </p:sp>
+      <p:sp>
+        <p:nvSpPr>
+          <p:cNvPr id="41" name="타원 40"/>
+          <p:cNvSpPr/>
+          <p:nvPr/>
+        </p:nvSpPr>
+        <p:spPr>
+          <a:xfrm>
+            <a:off x="10160977" y="4698298"/>
+            <a:ext cx="668215" cy="263771"/>
+          </a:xfrm>
+          <a:prstGeom prst="ellipse">
+            <a:avLst/>
+          </a:prstGeom>
+          <a:solidFill>
+            <a:schemeClr val="tx1"/>
+          </a:solidFill>
+        </p:spPr>
+        <p:style>
+          <a:lnRef idx="2">
+            <a:schemeClr val="accent1">
+              <a:shade val="50000"/>
+            </a:schemeClr>
+          </a:lnRef>
+          <a:fillRef idx="1">
+            <a:schemeClr val="accent1"/>
+          </a:fillRef>
+          <a:effectRef idx="0">
+            <a:schemeClr val="accent1"/>
+          </a:effectRef>
+          <a:fontRef idx="minor">
+            <a:schemeClr val="lt1"/>
+          </a:fontRef>
+        </p:style>
+        <p:txBody>
+          <a:bodyPr rtlCol="0" anchor="ctr"/>
+          <a:lstStyle/>
+          <a:p>
+            <a:pPr algn="ctr"/>
+            <a:r>
+              <a:rPr lang="en-US" altLang="ko-KR" sz="1200" smtClean="0"/>
+              <a:t>Sort</a:t>
+            </a:r>
+            <a:endParaRPr lang="ko-KR" altLang="en-US" sz="1200" dirty="0"/>
+          </a:p>
+        </p:txBody>
+      </p:sp>
+      <p:cxnSp>
+        <p:nvCxnSpPr>
+          <p:cNvPr id="42" name="직선 화살표 연결선 41"/>
+          <p:cNvCxnSpPr/>
+          <p:nvPr/>
+        </p:nvCxnSpPr>
+        <p:spPr>
+          <a:xfrm>
+            <a:off x="1752601" y="4990501"/>
+            <a:ext cx="4390291" cy="358243"/>
+          </a:xfrm>
+          <a:prstGeom prst="straightConnector1">
+            <a:avLst/>
+          </a:prstGeom>
+          <a:ln>
+            <a:tailEnd type="triangle"/>
+          </a:ln>
+        </p:spPr>
+        <p:style>
+          <a:lnRef idx="1">
+            <a:schemeClr val="dk1"/>
+          </a:lnRef>
+          <a:fillRef idx="0">
+            <a:schemeClr val="dk1"/>
+          </a:fillRef>
+          <a:effectRef idx="0">
+            <a:schemeClr val="dk1"/>
+          </a:effectRef>
+          <a:fontRef idx="minor">
+            <a:schemeClr val="tx1"/>
+          </a:fontRef>
+        </p:style>
+      </p:cxnSp>
+      <p:cxnSp>
+        <p:nvCxnSpPr>
+          <p:cNvPr id="43" name="직선 화살표 연결선 42"/>
+          <p:cNvCxnSpPr/>
+          <p:nvPr/>
+        </p:nvCxnSpPr>
+        <p:spPr>
+          <a:xfrm flipH="1">
+            <a:off x="6100396" y="4987921"/>
+            <a:ext cx="4399085" cy="340356"/>
+          </a:xfrm>
+          <a:prstGeom prst="straightConnector1">
+            <a:avLst/>
+          </a:prstGeom>
+          <a:ln>
+            <a:tailEnd type="triangle"/>
+          </a:ln>
+        </p:spPr>
+        <p:style>
+          <a:lnRef idx="1">
+            <a:schemeClr val="dk1"/>
+          </a:lnRef>
+          <a:fillRef idx="0">
+            <a:schemeClr val="dk1"/>
+          </a:fillRef>
+          <a:effectRef idx="0">
+            <a:schemeClr val="dk1"/>
+          </a:effectRef>
+          <a:fontRef idx="minor">
+            <a:schemeClr val="tx1"/>
+          </a:fontRef>
+        </p:style>
+      </p:cxnSp>
+      <p:sp>
+        <p:nvSpPr>
+          <p:cNvPr id="44" name="직사각형 43"/>
+          <p:cNvSpPr/>
+          <p:nvPr/>
+        </p:nvSpPr>
+        <p:spPr>
+          <a:xfrm>
+            <a:off x="3121270" y="5053995"/>
+            <a:ext cx="1837592" cy="231254"/>
+          </a:xfrm>
+          <a:prstGeom prst="rect">
+            <a:avLst/>
+          </a:prstGeom>
+        </p:spPr>
+        <p:style>
+          <a:lnRef idx="2">
+            <a:schemeClr val="accent6">
+              <a:shade val="50000"/>
+            </a:schemeClr>
+          </a:lnRef>
+          <a:fillRef idx="1">
+            <a:schemeClr val="accent6"/>
+          </a:fillRef>
+          <a:effectRef idx="0">
+            <a:schemeClr val="accent6"/>
+          </a:effectRef>
+          <a:fontRef idx="minor">
+            <a:schemeClr val="lt1"/>
+          </a:fontRef>
+        </p:style>
+        <p:txBody>
+          <a:bodyPr rtlCol="0" anchor="ctr"/>
+          <a:lstStyle/>
+          <a:p>
+            <a:pPr algn="ctr"/>
+            <a:r>
+              <a:rPr lang="en-US" altLang="ko-KR" sz="1200" smtClean="0"/>
+              <a:t>FinishSortMessage</a:t>
+            </a:r>
+            <a:endParaRPr lang="ko-KR" altLang="en-US" sz="1200" dirty="0"/>
+          </a:p>
+        </p:txBody>
+      </p:sp>
+      <p:sp>
+        <p:nvSpPr>
+          <p:cNvPr id="45" name="직사각형 44"/>
+          <p:cNvSpPr/>
+          <p:nvPr/>
+        </p:nvSpPr>
+        <p:spPr>
+          <a:xfrm>
+            <a:off x="7381142" y="5055211"/>
+            <a:ext cx="1837592" cy="231254"/>
+          </a:xfrm>
+          <a:prstGeom prst="rect">
+            <a:avLst/>
+          </a:prstGeom>
+        </p:spPr>
+        <p:style>
+          <a:lnRef idx="2">
+            <a:schemeClr val="accent6">
+              <a:shade val="50000"/>
+            </a:schemeClr>
+          </a:lnRef>
+          <a:fillRef idx="1">
+            <a:schemeClr val="accent6"/>
+          </a:fillRef>
+          <a:effectRef idx="0">
+            <a:schemeClr val="accent6"/>
+          </a:effectRef>
+          <a:fontRef idx="minor">
+            <a:schemeClr val="lt1"/>
+          </a:fontRef>
+        </p:style>
+        <p:txBody>
+          <a:bodyPr rtlCol="0" anchor="ctr"/>
+          <a:lstStyle/>
+          <a:p>
+            <a:pPr algn="ctr"/>
+            <a:r>
+              <a:rPr lang="en-US" altLang="ko-KR" sz="1200" smtClean="0"/>
+              <a:t>FinishSortMessage</a:t>
+            </a:r>
+            <a:endParaRPr lang="ko-KR" altLang="en-US" sz="1200" dirty="0"/>
+          </a:p>
+        </p:txBody>
+      </p:sp>
+      <p:sp>
+        <p:nvSpPr>
+          <p:cNvPr id="46" name="타원 45"/>
+          <p:cNvSpPr/>
+          <p:nvPr/>
+        </p:nvSpPr>
+        <p:spPr>
+          <a:xfrm>
+            <a:off x="5399208" y="5417906"/>
+            <a:ext cx="1581151" cy="256687"/>
+          </a:xfrm>
+          <a:prstGeom prst="ellipse">
+            <a:avLst/>
+          </a:prstGeom>
+          <a:solidFill>
+            <a:schemeClr val="tx1"/>
+          </a:solidFill>
+        </p:spPr>
+        <p:style>
+          <a:lnRef idx="2">
+            <a:schemeClr val="accent1">
+              <a:shade val="50000"/>
+            </a:schemeClr>
+          </a:lnRef>
+          <a:fillRef idx="1">
+            <a:schemeClr val="accent1"/>
+          </a:fillRef>
+          <a:effectRef idx="0">
+            <a:schemeClr val="accent1"/>
+          </a:effectRef>
+          <a:fontRef idx="minor">
+            <a:schemeClr val="lt1"/>
+          </a:fontRef>
+        </p:style>
+        <p:txBody>
+          <a:bodyPr rtlCol="0" anchor="ctr"/>
+          <a:lstStyle/>
+          <a:p>
+            <a:pPr algn="ctr"/>
+            <a:r>
+              <a:rPr lang="en-US" altLang="ko-KR" sz="1200" smtClean="0"/>
+              <a:t>ShuffleCheck</a:t>
+            </a:r>
+            <a:endParaRPr lang="ko-KR" altLang="en-US" sz="1200" dirty="0"/>
           </a:p>
         </p:txBody>
       </p:sp>
     </p:spTree>
     <p:extLst>
       <p:ext uri="{BB962C8B-B14F-4D97-AF65-F5344CB8AC3E}">
-        <p14:creationId xmlns:p14="http://schemas.microsoft.com/office/powerpoint/2010/main" val="3880663853"/>
+        <p14:creationId xmlns:p14="http://schemas.microsoft.com/office/powerpoint/2010/main" val="3009508717"/>
       </p:ext>
     </p:extLst>
   </p:cSld>
@@ -9482,65 +11141,1208 @@
           <a:p>
             <a:r>
               <a:rPr lang="en-US" altLang="ko-KR" dirty="0" smtClean="0"/>
-              <a:t>Ordering</a:t>
+              <a:t>Flow Chart </a:t>
+            </a:r>
+            <a:r>
+              <a:rPr lang="en-US" altLang="ko-KR" dirty="0" smtClean="0"/>
+              <a:t>(cont’d)</a:t>
             </a:r>
             <a:endParaRPr lang="ko-KR" altLang="en-US" dirty="0"/>
           </a:p>
         </p:txBody>
       </p:sp>
-      <p:sp>
-        <p:nvSpPr>
-          <p:cNvPr id="3" name="내용 개체 틀 2"/>
-          <p:cNvSpPr>
-            <a:spLocks noGrp="1"/>
-          </p:cNvSpPr>
-          <p:nvPr>
-            <p:ph idx="1"/>
-          </p:nvPr>
-        </p:nvSpPr>
-        <p:spPr/>
-        <p:txBody>
-          <a:bodyPr/>
-          <a:lstStyle/>
-          <a:p>
-            <a:r>
-              <a:rPr lang="en-US" altLang="ko-KR" dirty="0" smtClean="0"/>
-              <a:t>We need to assign a proper id to each slaves</a:t>
-            </a:r>
-          </a:p>
-          <a:p>
-            <a:r>
-              <a:rPr lang="en-US" altLang="ko-KR" dirty="0" smtClean="0"/>
-              <a:t>slaves are ordered by its sequence of connecting to master node</a:t>
-            </a:r>
-          </a:p>
-          <a:p>
-            <a:r>
-              <a:rPr lang="en-US" altLang="ko-KR" dirty="0" smtClean="0"/>
-              <a:t>slave’s id can be 1 ~ n</a:t>
-            </a:r>
-          </a:p>
-          <a:p>
-            <a:r>
-              <a:rPr lang="en-US" altLang="ko-KR" dirty="0" smtClean="0"/>
-              <a:t>slave’s id can be inferred from slave list of </a:t>
-            </a:r>
-            <a:r>
-              <a:rPr lang="en-US" altLang="ko-KR" dirty="0" err="1" smtClean="0"/>
-              <a:t>MetainfoTableMessage</a:t>
-            </a:r>
-            <a:r>
-              <a:rPr lang="en-US" altLang="ko-KR" dirty="0" smtClean="0"/>
-              <a:t> </a:t>
-            </a:r>
-            <a:endParaRPr lang="ko-KR" altLang="en-US" dirty="0"/>
+      <p:cxnSp>
+        <p:nvCxnSpPr>
+          <p:cNvPr id="5" name="직선 연결선 4"/>
+          <p:cNvCxnSpPr/>
+          <p:nvPr/>
+        </p:nvCxnSpPr>
+        <p:spPr>
+          <a:xfrm flipH="1">
+            <a:off x="1740876" y="2066192"/>
+            <a:ext cx="17586" cy="4659923"/>
+          </a:xfrm>
+          <a:prstGeom prst="line">
+            <a:avLst/>
+          </a:prstGeom>
+        </p:spPr>
+        <p:style>
+          <a:lnRef idx="1">
+            <a:schemeClr val="dk1"/>
+          </a:lnRef>
+          <a:fillRef idx="0">
+            <a:schemeClr val="dk1"/>
+          </a:fillRef>
+          <a:effectRef idx="0">
+            <a:schemeClr val="dk1"/>
+          </a:effectRef>
+          <a:fontRef idx="minor">
+            <a:schemeClr val="tx1"/>
+          </a:fontRef>
+        </p:style>
+      </p:cxnSp>
+      <p:cxnSp>
+        <p:nvCxnSpPr>
+          <p:cNvPr id="7" name="직선 연결선 6"/>
+          <p:cNvCxnSpPr/>
+          <p:nvPr/>
+        </p:nvCxnSpPr>
+        <p:spPr>
+          <a:xfrm>
+            <a:off x="6131169" y="2148254"/>
+            <a:ext cx="17035" cy="4577861"/>
+          </a:xfrm>
+          <a:prstGeom prst="line">
+            <a:avLst/>
+          </a:prstGeom>
+        </p:spPr>
+        <p:style>
+          <a:lnRef idx="1">
+            <a:schemeClr val="dk1"/>
+          </a:lnRef>
+          <a:fillRef idx="0">
+            <a:schemeClr val="dk1"/>
+          </a:fillRef>
+          <a:effectRef idx="0">
+            <a:schemeClr val="dk1"/>
+          </a:effectRef>
+          <a:fontRef idx="minor">
+            <a:schemeClr val="tx1"/>
+          </a:fontRef>
+        </p:style>
+      </p:cxnSp>
+      <p:cxnSp>
+        <p:nvCxnSpPr>
+          <p:cNvPr id="8" name="직선 연결선 7"/>
+          <p:cNvCxnSpPr/>
+          <p:nvPr/>
+        </p:nvCxnSpPr>
+        <p:spPr>
+          <a:xfrm>
+            <a:off x="10503877" y="2066191"/>
+            <a:ext cx="35169" cy="4659924"/>
+          </a:xfrm>
+          <a:prstGeom prst="line">
+            <a:avLst/>
+          </a:prstGeom>
+        </p:spPr>
+        <p:style>
+          <a:lnRef idx="1">
+            <a:schemeClr val="dk1"/>
+          </a:lnRef>
+          <a:fillRef idx="0">
+            <a:schemeClr val="dk1"/>
+          </a:fillRef>
+          <a:effectRef idx="0">
+            <a:schemeClr val="dk1"/>
+          </a:effectRef>
+          <a:fontRef idx="minor">
+            <a:schemeClr val="tx1"/>
+          </a:fontRef>
+        </p:style>
+      </p:cxnSp>
+      <p:sp>
+        <p:nvSpPr>
+          <p:cNvPr id="9" name="TextBox 8"/>
+          <p:cNvSpPr txBox="1"/>
+          <p:nvPr/>
+        </p:nvSpPr>
+        <p:spPr>
+          <a:xfrm>
+            <a:off x="1468315" y="1780971"/>
+            <a:ext cx="1336431" cy="276999"/>
+          </a:xfrm>
+          <a:prstGeom prst="rect">
+            <a:avLst/>
+          </a:prstGeom>
+          <a:noFill/>
+        </p:spPr>
+        <p:txBody>
+          <a:bodyPr wrap="square" rtlCol="0">
+            <a:spAutoFit/>
+          </a:bodyPr>
+          <a:lstStyle/>
+          <a:p>
+            <a:r>
+              <a:rPr lang="en-US" altLang="ko-KR" sz="1200" dirty="0" smtClean="0"/>
+              <a:t>Slave</a:t>
+            </a:r>
+            <a:endParaRPr lang="ko-KR" altLang="en-US" sz="1200" dirty="0"/>
+          </a:p>
+        </p:txBody>
+      </p:sp>
+      <p:sp>
+        <p:nvSpPr>
+          <p:cNvPr id="10" name="TextBox 9"/>
+          <p:cNvSpPr txBox="1"/>
+          <p:nvPr/>
+        </p:nvSpPr>
+        <p:spPr>
+          <a:xfrm>
+            <a:off x="10196147" y="1794870"/>
+            <a:ext cx="1336431" cy="276999"/>
+          </a:xfrm>
+          <a:prstGeom prst="rect">
+            <a:avLst/>
+          </a:prstGeom>
+          <a:noFill/>
+        </p:spPr>
+        <p:txBody>
+          <a:bodyPr wrap="square" rtlCol="0">
+            <a:spAutoFit/>
+          </a:bodyPr>
+          <a:lstStyle/>
+          <a:p>
+            <a:r>
+              <a:rPr lang="en-US" altLang="ko-KR" sz="1200" dirty="0" smtClean="0"/>
+              <a:t>Slave</a:t>
+            </a:r>
+            <a:endParaRPr lang="ko-KR" altLang="en-US" sz="1200" dirty="0"/>
+          </a:p>
+        </p:txBody>
+      </p:sp>
+      <p:sp>
+        <p:nvSpPr>
+          <p:cNvPr id="11" name="TextBox 10"/>
+          <p:cNvSpPr txBox="1"/>
+          <p:nvPr/>
+        </p:nvSpPr>
+        <p:spPr>
+          <a:xfrm>
+            <a:off x="5832231" y="1794871"/>
+            <a:ext cx="1336431" cy="276999"/>
+          </a:xfrm>
+          <a:prstGeom prst="rect">
+            <a:avLst/>
+          </a:prstGeom>
+          <a:noFill/>
+        </p:spPr>
+        <p:txBody>
+          <a:bodyPr wrap="square" rtlCol="0">
+            <a:spAutoFit/>
+          </a:bodyPr>
+          <a:lstStyle/>
+          <a:p>
+            <a:r>
+              <a:rPr lang="en-US" altLang="ko-KR" sz="1200" dirty="0" smtClean="0"/>
+              <a:t>Master</a:t>
+            </a:r>
+            <a:endParaRPr lang="ko-KR" altLang="en-US" sz="1200" dirty="0"/>
+          </a:p>
+        </p:txBody>
+      </p:sp>
+      <p:cxnSp>
+        <p:nvCxnSpPr>
+          <p:cNvPr id="21" name="직선 화살표 연결선 20"/>
+          <p:cNvCxnSpPr/>
+          <p:nvPr/>
+        </p:nvCxnSpPr>
+        <p:spPr>
+          <a:xfrm flipH="1">
+            <a:off x="1740877" y="2379254"/>
+            <a:ext cx="4381499" cy="310295"/>
+          </a:xfrm>
+          <a:prstGeom prst="straightConnector1">
+            <a:avLst/>
+          </a:prstGeom>
+          <a:ln>
+            <a:tailEnd type="triangle"/>
+          </a:ln>
+        </p:spPr>
+        <p:style>
+          <a:lnRef idx="1">
+            <a:schemeClr val="dk1"/>
+          </a:lnRef>
+          <a:fillRef idx="0">
+            <a:schemeClr val="dk1"/>
+          </a:fillRef>
+          <a:effectRef idx="0">
+            <a:schemeClr val="dk1"/>
+          </a:effectRef>
+          <a:fontRef idx="minor">
+            <a:schemeClr val="tx1"/>
+          </a:fontRef>
+        </p:style>
+      </p:cxnSp>
+      <p:cxnSp>
+        <p:nvCxnSpPr>
+          <p:cNvPr id="23" name="직선 화살표 연결선 22"/>
+          <p:cNvCxnSpPr/>
+          <p:nvPr/>
+        </p:nvCxnSpPr>
+        <p:spPr>
+          <a:xfrm>
+            <a:off x="6113584" y="2362865"/>
+            <a:ext cx="4372707" cy="351692"/>
+          </a:xfrm>
+          <a:prstGeom prst="straightConnector1">
+            <a:avLst/>
+          </a:prstGeom>
+          <a:ln>
+            <a:tailEnd type="triangle"/>
+          </a:ln>
+        </p:spPr>
+        <p:style>
+          <a:lnRef idx="1">
+            <a:schemeClr val="dk1"/>
+          </a:lnRef>
+          <a:fillRef idx="0">
+            <a:schemeClr val="dk1"/>
+          </a:fillRef>
+          <a:effectRef idx="0">
+            <a:schemeClr val="dk1"/>
+          </a:effectRef>
+          <a:fontRef idx="minor">
+            <a:schemeClr val="tx1"/>
+          </a:fontRef>
+        </p:style>
+      </p:cxnSp>
+      <p:sp>
+        <p:nvSpPr>
+          <p:cNvPr id="24" name="직사각형 23"/>
+          <p:cNvSpPr/>
+          <p:nvPr/>
+        </p:nvSpPr>
+        <p:spPr>
+          <a:xfrm>
+            <a:off x="2804746" y="2427462"/>
+            <a:ext cx="1837592" cy="231254"/>
+          </a:xfrm>
+          <a:prstGeom prst="rect">
+            <a:avLst/>
+          </a:prstGeom>
+        </p:spPr>
+        <p:style>
+          <a:lnRef idx="2">
+            <a:schemeClr val="accent6">
+              <a:shade val="50000"/>
+            </a:schemeClr>
+          </a:lnRef>
+          <a:fillRef idx="1">
+            <a:schemeClr val="accent6"/>
+          </a:fillRef>
+          <a:effectRef idx="0">
+            <a:schemeClr val="accent6"/>
+          </a:effectRef>
+          <a:fontRef idx="minor">
+            <a:schemeClr val="lt1"/>
+          </a:fontRef>
+        </p:style>
+        <p:txBody>
+          <a:bodyPr rtlCol="0" anchor="ctr"/>
+          <a:lstStyle/>
+          <a:p>
+            <a:pPr algn="ctr"/>
+            <a:r>
+              <a:rPr lang="en-US" altLang="ko-KR" sz="1200" smtClean="0"/>
+              <a:t>StartShuffleMessage</a:t>
+            </a:r>
+            <a:endParaRPr lang="ko-KR" altLang="en-US" sz="1200" dirty="0"/>
+          </a:p>
+        </p:txBody>
+      </p:sp>
+      <p:sp>
+        <p:nvSpPr>
+          <p:cNvPr id="27" name="타원 26"/>
+          <p:cNvSpPr/>
+          <p:nvPr/>
+        </p:nvSpPr>
+        <p:spPr>
+          <a:xfrm>
+            <a:off x="1185497" y="2764570"/>
+            <a:ext cx="1154722" cy="237760"/>
+          </a:xfrm>
+          <a:prstGeom prst="ellipse">
+            <a:avLst/>
+          </a:prstGeom>
+          <a:solidFill>
+            <a:schemeClr val="tx1"/>
+          </a:solidFill>
+        </p:spPr>
+        <p:style>
+          <a:lnRef idx="2">
+            <a:schemeClr val="accent1">
+              <a:shade val="50000"/>
+            </a:schemeClr>
+          </a:lnRef>
+          <a:fillRef idx="1">
+            <a:schemeClr val="accent1"/>
+          </a:fillRef>
+          <a:effectRef idx="0">
+            <a:schemeClr val="accent1"/>
+          </a:effectRef>
+          <a:fontRef idx="minor">
+            <a:schemeClr val="lt1"/>
+          </a:fontRef>
+        </p:style>
+        <p:txBody>
+          <a:bodyPr rtlCol="0" anchor="ctr"/>
+          <a:lstStyle/>
+          <a:p>
+            <a:pPr algn="ctr"/>
+            <a:r>
+              <a:rPr lang="en-US" altLang="ko-KR" sz="1200" smtClean="0"/>
+              <a:t>Shuffle</a:t>
+            </a:r>
+            <a:endParaRPr lang="ko-KR" altLang="en-US" sz="1200" dirty="0"/>
+          </a:p>
+        </p:txBody>
+      </p:sp>
+      <p:sp>
+        <p:nvSpPr>
+          <p:cNvPr id="34" name="타원 33"/>
+          <p:cNvSpPr/>
+          <p:nvPr/>
+        </p:nvSpPr>
+        <p:spPr>
+          <a:xfrm>
+            <a:off x="5531825" y="6304213"/>
+            <a:ext cx="1286608" cy="256687"/>
+          </a:xfrm>
+          <a:prstGeom prst="ellipse">
+            <a:avLst/>
+          </a:prstGeom>
+          <a:solidFill>
+            <a:schemeClr val="tx1"/>
+          </a:solidFill>
+        </p:spPr>
+        <p:style>
+          <a:lnRef idx="2">
+            <a:schemeClr val="accent1">
+              <a:shade val="50000"/>
+            </a:schemeClr>
+          </a:lnRef>
+          <a:fillRef idx="1">
+            <a:schemeClr val="accent1"/>
+          </a:fillRef>
+          <a:effectRef idx="0">
+            <a:schemeClr val="accent1"/>
+          </a:effectRef>
+          <a:fontRef idx="minor">
+            <a:schemeClr val="lt1"/>
+          </a:fontRef>
+        </p:style>
+        <p:txBody>
+          <a:bodyPr rtlCol="0" anchor="ctr"/>
+          <a:lstStyle/>
+          <a:p>
+            <a:pPr algn="ctr"/>
+            <a:r>
+              <a:rPr lang="en-US" altLang="ko-KR" sz="1200" dirty="0" smtClean="0"/>
+              <a:t>Success</a:t>
+            </a:r>
+            <a:endParaRPr lang="ko-KR" altLang="en-US" sz="1200" dirty="0"/>
+          </a:p>
+        </p:txBody>
+      </p:sp>
+      <p:cxnSp>
+        <p:nvCxnSpPr>
+          <p:cNvPr id="42" name="직선 화살표 연결선 41"/>
+          <p:cNvCxnSpPr>
+            <a:stCxn id="63" idx="4"/>
+          </p:cNvCxnSpPr>
+          <p:nvPr/>
+        </p:nvCxnSpPr>
+        <p:spPr>
+          <a:xfrm>
+            <a:off x="1797478" y="5811185"/>
+            <a:ext cx="4424544" cy="444256"/>
+          </a:xfrm>
+          <a:prstGeom prst="straightConnector1">
+            <a:avLst/>
+          </a:prstGeom>
+          <a:ln>
+            <a:tailEnd type="triangle"/>
+          </a:ln>
+        </p:spPr>
+        <p:style>
+          <a:lnRef idx="1">
+            <a:schemeClr val="dk1"/>
+          </a:lnRef>
+          <a:fillRef idx="0">
+            <a:schemeClr val="dk1"/>
+          </a:fillRef>
+          <a:effectRef idx="0">
+            <a:schemeClr val="dk1"/>
+          </a:effectRef>
+          <a:fontRef idx="minor">
+            <a:schemeClr val="tx1"/>
+          </a:fontRef>
+        </p:style>
+      </p:cxnSp>
+      <p:cxnSp>
+        <p:nvCxnSpPr>
+          <p:cNvPr id="43" name="직선 화살표 연결선 42"/>
+          <p:cNvCxnSpPr>
+            <a:stCxn id="64" idx="4"/>
+          </p:cNvCxnSpPr>
+          <p:nvPr/>
+        </p:nvCxnSpPr>
+        <p:spPr>
+          <a:xfrm flipH="1">
+            <a:off x="6179527" y="5687635"/>
+            <a:ext cx="4302368" cy="547339"/>
+          </a:xfrm>
+          <a:prstGeom prst="straightConnector1">
+            <a:avLst/>
+          </a:prstGeom>
+          <a:ln>
+            <a:tailEnd type="triangle"/>
+          </a:ln>
+        </p:spPr>
+        <p:style>
+          <a:lnRef idx="1">
+            <a:schemeClr val="dk1"/>
+          </a:lnRef>
+          <a:fillRef idx="0">
+            <a:schemeClr val="dk1"/>
+          </a:fillRef>
+          <a:effectRef idx="0">
+            <a:schemeClr val="dk1"/>
+          </a:effectRef>
+          <a:fontRef idx="minor">
+            <a:schemeClr val="tx1"/>
+          </a:fontRef>
+        </p:style>
+      </p:cxnSp>
+      <p:sp>
+        <p:nvSpPr>
+          <p:cNvPr id="44" name="직사각형 43"/>
+          <p:cNvSpPr/>
+          <p:nvPr/>
+        </p:nvSpPr>
+        <p:spPr>
+          <a:xfrm>
+            <a:off x="3200400" y="5960692"/>
+            <a:ext cx="1837592" cy="231254"/>
+          </a:xfrm>
+          <a:prstGeom prst="rect">
+            <a:avLst/>
+          </a:prstGeom>
+        </p:spPr>
+        <p:style>
+          <a:lnRef idx="2">
+            <a:schemeClr val="accent6">
+              <a:shade val="50000"/>
+            </a:schemeClr>
+          </a:lnRef>
+          <a:fillRef idx="1">
+            <a:schemeClr val="accent6"/>
+          </a:fillRef>
+          <a:effectRef idx="0">
+            <a:schemeClr val="accent6"/>
+          </a:effectRef>
+          <a:fontRef idx="minor">
+            <a:schemeClr val="lt1"/>
+          </a:fontRef>
+        </p:style>
+        <p:txBody>
+          <a:bodyPr rtlCol="0" anchor="ctr"/>
+          <a:lstStyle/>
+          <a:p>
+            <a:pPr algn="ctr"/>
+            <a:r>
+              <a:rPr lang="en-US" altLang="ko-KR" sz="1200" dirty="0" err="1" smtClean="0"/>
+              <a:t>SlaveSuccessMessage</a:t>
+            </a:r>
+            <a:endParaRPr lang="ko-KR" altLang="en-US" sz="1200" dirty="0"/>
+          </a:p>
+        </p:txBody>
+      </p:sp>
+      <p:sp>
+        <p:nvSpPr>
+          <p:cNvPr id="45" name="직사각형 44"/>
+          <p:cNvSpPr/>
+          <p:nvPr/>
+        </p:nvSpPr>
+        <p:spPr>
+          <a:xfrm>
+            <a:off x="7460272" y="5961908"/>
+            <a:ext cx="1837592" cy="231254"/>
+          </a:xfrm>
+          <a:prstGeom prst="rect">
+            <a:avLst/>
+          </a:prstGeom>
+        </p:spPr>
+        <p:style>
+          <a:lnRef idx="2">
+            <a:schemeClr val="accent6">
+              <a:shade val="50000"/>
+            </a:schemeClr>
+          </a:lnRef>
+          <a:fillRef idx="1">
+            <a:schemeClr val="accent6"/>
+          </a:fillRef>
+          <a:effectRef idx="0">
+            <a:schemeClr val="accent6"/>
+          </a:effectRef>
+          <a:fontRef idx="minor">
+            <a:schemeClr val="lt1"/>
+          </a:fontRef>
+        </p:style>
+        <p:txBody>
+          <a:bodyPr rtlCol="0" anchor="ctr"/>
+          <a:lstStyle/>
+          <a:p>
+            <a:pPr algn="ctr"/>
+            <a:r>
+              <a:rPr lang="en-US" altLang="ko-KR" sz="1200" dirty="0" err="1"/>
+              <a:t>SlaveSuccessMessage</a:t>
+            </a:r>
+            <a:endParaRPr lang="ko-KR" altLang="en-US" sz="1200" dirty="0"/>
+          </a:p>
+        </p:txBody>
+      </p:sp>
+      <p:sp>
+        <p:nvSpPr>
+          <p:cNvPr id="46" name="타원 45"/>
+          <p:cNvSpPr/>
+          <p:nvPr/>
+        </p:nvSpPr>
+        <p:spPr>
+          <a:xfrm>
+            <a:off x="5384554" y="2111557"/>
+            <a:ext cx="1581151" cy="256687"/>
+          </a:xfrm>
+          <a:prstGeom prst="ellipse">
+            <a:avLst/>
+          </a:prstGeom>
+          <a:solidFill>
+            <a:schemeClr val="tx1"/>
+          </a:solidFill>
+        </p:spPr>
+        <p:style>
+          <a:lnRef idx="2">
+            <a:schemeClr val="accent1">
+              <a:shade val="50000"/>
+            </a:schemeClr>
+          </a:lnRef>
+          <a:fillRef idx="1">
+            <a:schemeClr val="accent1"/>
+          </a:fillRef>
+          <a:effectRef idx="0">
+            <a:schemeClr val="accent1"/>
+          </a:effectRef>
+          <a:fontRef idx="minor">
+            <a:schemeClr val="lt1"/>
+          </a:fontRef>
+        </p:style>
+        <p:txBody>
+          <a:bodyPr rtlCol="0" anchor="ctr"/>
+          <a:lstStyle/>
+          <a:p>
+            <a:pPr algn="ctr"/>
+            <a:r>
+              <a:rPr lang="en-US" altLang="ko-KR" sz="1200" smtClean="0"/>
+              <a:t>ShuffleCheck</a:t>
+            </a:r>
+            <a:endParaRPr lang="ko-KR" altLang="en-US" sz="1200" dirty="0"/>
+          </a:p>
+        </p:txBody>
+      </p:sp>
+      <p:sp>
+        <p:nvSpPr>
+          <p:cNvPr id="47" name="직사각형 46"/>
+          <p:cNvSpPr/>
+          <p:nvPr/>
+        </p:nvSpPr>
+        <p:spPr>
+          <a:xfrm>
+            <a:off x="7576039" y="2395554"/>
+            <a:ext cx="1837592" cy="231254"/>
+          </a:xfrm>
+          <a:prstGeom prst="rect">
+            <a:avLst/>
+          </a:prstGeom>
+        </p:spPr>
+        <p:style>
+          <a:lnRef idx="2">
+            <a:schemeClr val="accent6">
+              <a:shade val="50000"/>
+            </a:schemeClr>
+          </a:lnRef>
+          <a:fillRef idx="1">
+            <a:schemeClr val="accent6"/>
+          </a:fillRef>
+          <a:effectRef idx="0">
+            <a:schemeClr val="accent6"/>
+          </a:effectRef>
+          <a:fontRef idx="minor">
+            <a:schemeClr val="lt1"/>
+          </a:fontRef>
+        </p:style>
+        <p:txBody>
+          <a:bodyPr rtlCol="0" anchor="ctr"/>
+          <a:lstStyle/>
+          <a:p>
+            <a:pPr algn="ctr"/>
+            <a:r>
+              <a:rPr lang="en-US" altLang="ko-KR" sz="1200" smtClean="0"/>
+              <a:t>StartShuffleMessage</a:t>
+            </a:r>
+            <a:endParaRPr lang="ko-KR" altLang="en-US" sz="1200" dirty="0"/>
+          </a:p>
+        </p:txBody>
+      </p:sp>
+      <p:sp>
+        <p:nvSpPr>
+          <p:cNvPr id="48" name="타원 47"/>
+          <p:cNvSpPr/>
+          <p:nvPr/>
+        </p:nvSpPr>
+        <p:spPr>
+          <a:xfrm>
+            <a:off x="9961685" y="2750552"/>
+            <a:ext cx="1154722" cy="237760"/>
+          </a:xfrm>
+          <a:prstGeom prst="ellipse">
+            <a:avLst/>
+          </a:prstGeom>
+          <a:solidFill>
+            <a:schemeClr val="tx1"/>
+          </a:solidFill>
+        </p:spPr>
+        <p:style>
+          <a:lnRef idx="2">
+            <a:schemeClr val="accent1">
+              <a:shade val="50000"/>
+            </a:schemeClr>
+          </a:lnRef>
+          <a:fillRef idx="1">
+            <a:schemeClr val="accent1"/>
+          </a:fillRef>
+          <a:effectRef idx="0">
+            <a:schemeClr val="accent1"/>
+          </a:effectRef>
+          <a:fontRef idx="minor">
+            <a:schemeClr val="lt1"/>
+          </a:fontRef>
+        </p:style>
+        <p:txBody>
+          <a:bodyPr rtlCol="0" anchor="ctr"/>
+          <a:lstStyle/>
+          <a:p>
+            <a:pPr algn="ctr"/>
+            <a:r>
+              <a:rPr lang="en-US" altLang="ko-KR" sz="1200" smtClean="0"/>
+              <a:t>Shuffle</a:t>
+            </a:r>
+            <a:endParaRPr lang="ko-KR" altLang="en-US" sz="1200" dirty="0"/>
+          </a:p>
+        </p:txBody>
+      </p:sp>
+      <p:cxnSp>
+        <p:nvCxnSpPr>
+          <p:cNvPr id="6" name="직선 화살표 연결선 5"/>
+          <p:cNvCxnSpPr>
+            <a:stCxn id="27" idx="4"/>
+          </p:cNvCxnSpPr>
+          <p:nvPr/>
+        </p:nvCxnSpPr>
+        <p:spPr>
+          <a:xfrm>
+            <a:off x="1762858" y="3002330"/>
+            <a:ext cx="8767397" cy="898630"/>
+          </a:xfrm>
+          <a:prstGeom prst="straightConnector1">
+            <a:avLst/>
+          </a:prstGeom>
+          <a:ln>
+            <a:tailEnd type="triangle"/>
+          </a:ln>
+        </p:spPr>
+        <p:style>
+          <a:lnRef idx="1">
+            <a:schemeClr val="dk1"/>
+          </a:lnRef>
+          <a:fillRef idx="0">
+            <a:schemeClr val="dk1"/>
+          </a:fillRef>
+          <a:effectRef idx="0">
+            <a:schemeClr val="dk1"/>
+          </a:effectRef>
+          <a:fontRef idx="minor">
+            <a:schemeClr val="tx1"/>
+          </a:fontRef>
+        </p:style>
+      </p:cxnSp>
+      <p:cxnSp>
+        <p:nvCxnSpPr>
+          <p:cNvPr id="17" name="직선 화살표 연결선 16"/>
+          <p:cNvCxnSpPr>
+            <a:stCxn id="48" idx="4"/>
+          </p:cNvCxnSpPr>
+          <p:nvPr/>
+        </p:nvCxnSpPr>
+        <p:spPr>
+          <a:xfrm flipH="1">
+            <a:off x="1740876" y="2988312"/>
+            <a:ext cx="8798170" cy="983245"/>
+          </a:xfrm>
+          <a:prstGeom prst="straightConnector1">
+            <a:avLst/>
+          </a:prstGeom>
+          <a:ln>
+            <a:tailEnd type="triangle"/>
+          </a:ln>
+        </p:spPr>
+        <p:style>
+          <a:lnRef idx="1">
+            <a:schemeClr val="dk1"/>
+          </a:lnRef>
+          <a:fillRef idx="0">
+            <a:schemeClr val="dk1"/>
+          </a:fillRef>
+          <a:effectRef idx="0">
+            <a:schemeClr val="dk1"/>
+          </a:effectRef>
+          <a:fontRef idx="minor">
+            <a:schemeClr val="tx1"/>
+          </a:fontRef>
+        </p:style>
+      </p:cxnSp>
+      <p:cxnSp>
+        <p:nvCxnSpPr>
+          <p:cNvPr id="49" name="직선 화살표 연결선 48"/>
+          <p:cNvCxnSpPr/>
+          <p:nvPr/>
+        </p:nvCxnSpPr>
+        <p:spPr>
+          <a:xfrm flipH="1">
+            <a:off x="1740877" y="3191662"/>
+            <a:ext cx="8824544" cy="1044624"/>
+          </a:xfrm>
+          <a:prstGeom prst="straightConnector1">
+            <a:avLst/>
+          </a:prstGeom>
+          <a:ln>
+            <a:tailEnd type="triangle"/>
+          </a:ln>
+        </p:spPr>
+        <p:style>
+          <a:lnRef idx="1">
+            <a:schemeClr val="dk1"/>
+          </a:lnRef>
+          <a:fillRef idx="0">
+            <a:schemeClr val="dk1"/>
+          </a:fillRef>
+          <a:effectRef idx="0">
+            <a:schemeClr val="dk1"/>
+          </a:effectRef>
+          <a:fontRef idx="minor">
+            <a:schemeClr val="tx1"/>
+          </a:fontRef>
+        </p:style>
+      </p:cxnSp>
+      <p:cxnSp>
+        <p:nvCxnSpPr>
+          <p:cNvPr id="50" name="직선 화살표 연결선 49"/>
+          <p:cNvCxnSpPr/>
+          <p:nvPr/>
+        </p:nvCxnSpPr>
+        <p:spPr>
+          <a:xfrm>
+            <a:off x="1747470" y="3154431"/>
+            <a:ext cx="8756406" cy="976575"/>
+          </a:xfrm>
+          <a:prstGeom prst="straightConnector1">
+            <a:avLst/>
+          </a:prstGeom>
+          <a:ln>
+            <a:tailEnd type="triangle"/>
+          </a:ln>
+        </p:spPr>
+        <p:style>
+          <a:lnRef idx="1">
+            <a:schemeClr val="dk1"/>
+          </a:lnRef>
+          <a:fillRef idx="0">
+            <a:schemeClr val="dk1"/>
+          </a:fillRef>
+          <a:effectRef idx="0">
+            <a:schemeClr val="dk1"/>
+          </a:effectRef>
+          <a:fontRef idx="minor">
+            <a:schemeClr val="tx1"/>
+          </a:fontRef>
+        </p:style>
+      </p:cxnSp>
+      <p:sp>
+        <p:nvSpPr>
+          <p:cNvPr id="54" name="모서리가 둥근 직사각형 53"/>
+          <p:cNvSpPr/>
+          <p:nvPr/>
+        </p:nvSpPr>
+        <p:spPr>
+          <a:xfrm>
+            <a:off x="2942493" y="2961669"/>
+            <a:ext cx="939678" cy="258534"/>
+          </a:xfrm>
+          <a:prstGeom prst="roundRect">
+            <a:avLst/>
+          </a:prstGeom>
+        </p:spPr>
+        <p:style>
+          <a:lnRef idx="2">
+            <a:schemeClr val="accent2">
+              <a:shade val="50000"/>
+            </a:schemeClr>
+          </a:lnRef>
+          <a:fillRef idx="1">
+            <a:schemeClr val="accent2"/>
+          </a:fillRef>
+          <a:effectRef idx="0">
+            <a:schemeClr val="accent2"/>
+          </a:effectRef>
+          <a:fontRef idx="minor">
+            <a:schemeClr val="lt1"/>
+          </a:fontRef>
+        </p:style>
+        <p:txBody>
+          <a:bodyPr rtlCol="0" anchor="ctr"/>
+          <a:lstStyle/>
+          <a:p>
+            <a:pPr algn="ctr"/>
+            <a:r>
+              <a:rPr lang="en-US" altLang="ko-KR" sz="1200" dirty="0" smtClean="0"/>
+              <a:t>File</a:t>
+            </a:r>
+            <a:endParaRPr lang="ko-KR" altLang="en-US" sz="1200" dirty="0"/>
+          </a:p>
+        </p:txBody>
+      </p:sp>
+      <p:sp>
+        <p:nvSpPr>
+          <p:cNvPr id="55" name="모서리가 둥근 직사각형 54"/>
+          <p:cNvSpPr/>
+          <p:nvPr/>
+        </p:nvSpPr>
+        <p:spPr>
+          <a:xfrm>
+            <a:off x="8094969" y="3030350"/>
+            <a:ext cx="939678" cy="258534"/>
+          </a:xfrm>
+          <a:prstGeom prst="roundRect">
+            <a:avLst/>
+          </a:prstGeom>
+        </p:spPr>
+        <p:style>
+          <a:lnRef idx="2">
+            <a:schemeClr val="accent2">
+              <a:shade val="50000"/>
+            </a:schemeClr>
+          </a:lnRef>
+          <a:fillRef idx="1">
+            <a:schemeClr val="accent2"/>
+          </a:fillRef>
+          <a:effectRef idx="0">
+            <a:schemeClr val="accent2"/>
+          </a:effectRef>
+          <a:fontRef idx="minor">
+            <a:schemeClr val="lt1"/>
+          </a:fontRef>
+        </p:style>
+        <p:txBody>
+          <a:bodyPr rtlCol="0" anchor="ctr"/>
+          <a:lstStyle/>
+          <a:p>
+            <a:pPr algn="ctr"/>
+            <a:r>
+              <a:rPr lang="en-US" altLang="ko-KR" sz="1200" dirty="0" smtClean="0"/>
+              <a:t>File</a:t>
+            </a:r>
+            <a:endParaRPr lang="ko-KR" altLang="en-US" sz="1200" dirty="0"/>
+          </a:p>
+        </p:txBody>
+      </p:sp>
+      <p:sp>
+        <p:nvSpPr>
+          <p:cNvPr id="35" name="직사각형 34"/>
+          <p:cNvSpPr/>
+          <p:nvPr/>
+        </p:nvSpPr>
+        <p:spPr>
+          <a:xfrm>
+            <a:off x="6870826" y="3798786"/>
+            <a:ext cx="2022228" cy="225411"/>
+          </a:xfrm>
+          <a:prstGeom prst="rect">
+            <a:avLst/>
+          </a:prstGeom>
+        </p:spPr>
+        <p:style>
+          <a:lnRef idx="2">
+            <a:schemeClr val="accent6">
+              <a:shade val="50000"/>
+            </a:schemeClr>
+          </a:lnRef>
+          <a:fillRef idx="1">
+            <a:schemeClr val="accent6"/>
+          </a:fillRef>
+          <a:effectRef idx="0">
+            <a:schemeClr val="accent6"/>
+          </a:effectRef>
+          <a:fontRef idx="minor">
+            <a:schemeClr val="lt1"/>
+          </a:fontRef>
+        </p:style>
+        <p:txBody>
+          <a:bodyPr rtlCol="0" anchor="ctr"/>
+          <a:lstStyle/>
+          <a:p>
+            <a:pPr algn="ctr"/>
+            <a:r>
+              <a:rPr lang="en-US" altLang="ko-KR" sz="1200" dirty="0" err="1" smtClean="0"/>
+              <a:t>FileTransferFinishMessage</a:t>
+            </a:r>
+            <a:endParaRPr lang="ko-KR" altLang="en-US" sz="1200" dirty="0"/>
+          </a:p>
+        </p:txBody>
+      </p:sp>
+      <p:sp>
+        <p:nvSpPr>
+          <p:cNvPr id="56" name="직사각형 55"/>
+          <p:cNvSpPr/>
+          <p:nvPr/>
+        </p:nvSpPr>
+        <p:spPr>
+          <a:xfrm>
+            <a:off x="2984442" y="3890599"/>
+            <a:ext cx="2022228" cy="225411"/>
+          </a:xfrm>
+          <a:prstGeom prst="rect">
+            <a:avLst/>
+          </a:prstGeom>
+        </p:spPr>
+        <p:style>
+          <a:lnRef idx="2">
+            <a:schemeClr val="accent6">
+              <a:shade val="50000"/>
+            </a:schemeClr>
+          </a:lnRef>
+          <a:fillRef idx="1">
+            <a:schemeClr val="accent6"/>
+          </a:fillRef>
+          <a:effectRef idx="0">
+            <a:schemeClr val="accent6"/>
+          </a:effectRef>
+          <a:fontRef idx="minor">
+            <a:schemeClr val="lt1"/>
+          </a:fontRef>
+        </p:style>
+        <p:txBody>
+          <a:bodyPr rtlCol="0" anchor="ctr"/>
+          <a:lstStyle/>
+          <a:p>
+            <a:pPr algn="ctr"/>
+            <a:r>
+              <a:rPr lang="en-US" altLang="ko-KR" sz="1200" dirty="0" err="1" smtClean="0"/>
+              <a:t>FileTransferFinishMessage</a:t>
+            </a:r>
+            <a:endParaRPr lang="ko-KR" altLang="en-US" sz="1200" dirty="0"/>
+          </a:p>
+        </p:txBody>
+      </p:sp>
+      <p:sp>
+        <p:nvSpPr>
+          <p:cNvPr id="58" name="직사각형 57"/>
+          <p:cNvSpPr/>
+          <p:nvPr/>
+        </p:nvSpPr>
+        <p:spPr>
+          <a:xfrm>
+            <a:off x="1600200" y="4334607"/>
+            <a:ext cx="325315" cy="1182740"/>
+          </a:xfrm>
+          <a:prstGeom prst="rect">
+            <a:avLst/>
+          </a:prstGeom>
+        </p:spPr>
+        <p:style>
+          <a:lnRef idx="2">
+            <a:schemeClr val="accent3">
+              <a:shade val="50000"/>
+            </a:schemeClr>
+          </a:lnRef>
+          <a:fillRef idx="1">
+            <a:schemeClr val="accent3"/>
+          </a:fillRef>
+          <a:effectRef idx="0">
+            <a:schemeClr val="accent3"/>
+          </a:effectRef>
+          <a:fontRef idx="minor">
+            <a:schemeClr val="lt1"/>
+          </a:fontRef>
+        </p:style>
+        <p:txBody>
+          <a:bodyPr rtlCol="0" anchor="ctr"/>
+          <a:lstStyle/>
+          <a:p>
+            <a:pPr algn="ctr"/>
+            <a:r>
+              <a:rPr lang="en-US" altLang="ko-KR" sz="1200" dirty="0" smtClean="0"/>
+              <a:t>Me</a:t>
+            </a:r>
+          </a:p>
+          <a:p>
+            <a:pPr algn="ctr"/>
+            <a:r>
+              <a:rPr lang="en-US" altLang="ko-KR" sz="1200" dirty="0" err="1" smtClean="0"/>
+              <a:t>rge</a:t>
+            </a:r>
+            <a:endParaRPr lang="ko-KR" altLang="en-US" sz="1200" dirty="0"/>
+          </a:p>
+        </p:txBody>
+      </p:sp>
+      <p:sp>
+        <p:nvSpPr>
+          <p:cNvPr id="62" name="직사각형 61"/>
+          <p:cNvSpPr/>
+          <p:nvPr/>
+        </p:nvSpPr>
+        <p:spPr>
+          <a:xfrm>
+            <a:off x="10353858" y="4223990"/>
+            <a:ext cx="325315" cy="1182740"/>
+          </a:xfrm>
+          <a:prstGeom prst="rect">
+            <a:avLst/>
+          </a:prstGeom>
+        </p:spPr>
+        <p:style>
+          <a:lnRef idx="2">
+            <a:schemeClr val="accent3">
+              <a:shade val="50000"/>
+            </a:schemeClr>
+          </a:lnRef>
+          <a:fillRef idx="1">
+            <a:schemeClr val="accent3"/>
+          </a:fillRef>
+          <a:effectRef idx="0">
+            <a:schemeClr val="accent3"/>
+          </a:effectRef>
+          <a:fontRef idx="minor">
+            <a:schemeClr val="lt1"/>
+          </a:fontRef>
+        </p:style>
+        <p:txBody>
+          <a:bodyPr rtlCol="0" anchor="ctr"/>
+          <a:lstStyle/>
+          <a:p>
+            <a:pPr algn="ctr"/>
+            <a:r>
+              <a:rPr lang="en-US" altLang="ko-KR" sz="1200" dirty="0" smtClean="0"/>
+              <a:t>Me</a:t>
+            </a:r>
+          </a:p>
+          <a:p>
+            <a:pPr algn="ctr"/>
+            <a:r>
+              <a:rPr lang="en-US" altLang="ko-KR" sz="1200" dirty="0" err="1" smtClean="0"/>
+              <a:t>rge</a:t>
+            </a:r>
+            <a:endParaRPr lang="ko-KR" altLang="en-US" sz="1200" dirty="0"/>
+          </a:p>
+        </p:txBody>
+      </p:sp>
+      <p:sp>
+        <p:nvSpPr>
+          <p:cNvPr id="63" name="타원 62"/>
+          <p:cNvSpPr/>
+          <p:nvPr/>
+        </p:nvSpPr>
+        <p:spPr>
+          <a:xfrm>
+            <a:off x="1154174" y="5554498"/>
+            <a:ext cx="1286608" cy="256687"/>
+          </a:xfrm>
+          <a:prstGeom prst="ellipse">
+            <a:avLst/>
+          </a:prstGeom>
+          <a:solidFill>
+            <a:schemeClr val="tx1"/>
+          </a:solidFill>
+        </p:spPr>
+        <p:style>
+          <a:lnRef idx="2">
+            <a:schemeClr val="accent1">
+              <a:shade val="50000"/>
+            </a:schemeClr>
+          </a:lnRef>
+          <a:fillRef idx="1">
+            <a:schemeClr val="accent1"/>
+          </a:fillRef>
+          <a:effectRef idx="0">
+            <a:schemeClr val="accent1"/>
+          </a:effectRef>
+          <a:fontRef idx="minor">
+            <a:schemeClr val="lt1"/>
+          </a:fontRef>
+        </p:style>
+        <p:txBody>
+          <a:bodyPr rtlCol="0" anchor="ctr"/>
+          <a:lstStyle/>
+          <a:p>
+            <a:pPr algn="ctr"/>
+            <a:r>
+              <a:rPr lang="en-US" altLang="ko-KR" sz="1200" dirty="0" smtClean="0"/>
+              <a:t>Success</a:t>
+            </a:r>
+            <a:endParaRPr lang="ko-KR" altLang="en-US" sz="1200" dirty="0"/>
+          </a:p>
+        </p:txBody>
+      </p:sp>
+      <p:sp>
+        <p:nvSpPr>
+          <p:cNvPr id="64" name="타원 63"/>
+          <p:cNvSpPr/>
+          <p:nvPr/>
+        </p:nvSpPr>
+        <p:spPr>
+          <a:xfrm>
+            <a:off x="9838591" y="5430948"/>
+            <a:ext cx="1286608" cy="256687"/>
+          </a:xfrm>
+          <a:prstGeom prst="ellipse">
+            <a:avLst/>
+          </a:prstGeom>
+          <a:solidFill>
+            <a:schemeClr val="tx1"/>
+          </a:solidFill>
+        </p:spPr>
+        <p:style>
+          <a:lnRef idx="2">
+            <a:schemeClr val="accent1">
+              <a:shade val="50000"/>
+            </a:schemeClr>
+          </a:lnRef>
+          <a:fillRef idx="1">
+            <a:schemeClr val="accent1"/>
+          </a:fillRef>
+          <a:effectRef idx="0">
+            <a:schemeClr val="accent1"/>
+          </a:effectRef>
+          <a:fontRef idx="minor">
+            <a:schemeClr val="lt1"/>
+          </a:fontRef>
+        </p:style>
+        <p:txBody>
+          <a:bodyPr rtlCol="0" anchor="ctr"/>
+          <a:lstStyle/>
+          <a:p>
+            <a:pPr algn="ctr"/>
+            <a:r>
+              <a:rPr lang="en-US" altLang="ko-KR" sz="1200" dirty="0" smtClean="0"/>
+              <a:t>Success</a:t>
+            </a:r>
+            <a:endParaRPr lang="ko-KR" altLang="en-US" sz="1200" dirty="0"/>
           </a:p>
         </p:txBody>
       </p:sp>
     </p:spTree>
     <p:extLst>
       <p:ext uri="{BB962C8B-B14F-4D97-AF65-F5344CB8AC3E}">
-        <p14:creationId xmlns:p14="http://schemas.microsoft.com/office/powerpoint/2010/main" val="3981236371"/>
+        <p14:creationId xmlns:p14="http://schemas.microsoft.com/office/powerpoint/2010/main" val="4006642681"/>
       </p:ext>
     </p:extLst>
   </p:cSld>
@@ -9584,7 +12386,7 @@
           <a:p>
             <a:r>
               <a:rPr lang="en-US" altLang="ko-KR" dirty="0" smtClean="0"/>
-              <a:t>Sampling</a:t>
+              <a:t>Slave ordering</a:t>
             </a:r>
             <a:endParaRPr lang="ko-KR" altLang="en-US" dirty="0"/>
           </a:p>
@@ -9612,7 +12414,7 @@
     </p:spTree>
     <p:extLst>
       <p:ext uri="{BB962C8B-B14F-4D97-AF65-F5344CB8AC3E}">
-        <p14:creationId xmlns:p14="http://schemas.microsoft.com/office/powerpoint/2010/main" val="2180783887"/>
+        <p14:creationId xmlns:p14="http://schemas.microsoft.com/office/powerpoint/2010/main" val="3880663853"/>
       </p:ext>
     </p:extLst>
   </p:cSld>
@@ -9656,7 +12458,7 @@
           <a:p>
             <a:r>
               <a:rPr lang="en-US" altLang="ko-KR" dirty="0" smtClean="0"/>
-              <a:t>Sampling - Master</a:t>
+              <a:t>Ordering</a:t>
             </a:r>
             <a:endParaRPr lang="ko-KR" altLang="en-US" dirty="0"/>
           </a:p>
@@ -9678,21 +12480,35 @@
           <a:lstStyle/>
           <a:p>
             <a:r>
-              <a:rPr lang="en-US" altLang="ko-KR" dirty="0"/>
-              <a:t>G</a:t>
-            </a:r>
-            <a:r>
               <a:rPr lang="en-US" altLang="ko-KR" dirty="0" smtClean="0"/>
-              <a:t>et minimum and maximum key from samples</a:t>
+              <a:t>We need to assign a proper id to each slaves</a:t>
             </a:r>
           </a:p>
           <a:p>
             <a:r>
               <a:rPr lang="en-US" altLang="ko-KR" dirty="0" smtClean="0"/>
-              <a:t>Select pivot positions which divide a range between minimum and maximum key value into N subdivision for each slave</a:t>
-            </a:r>
-          </a:p>
-          <a:p>
+              <a:t>slaves are ordered by its sequence of connecting to master node</a:t>
+            </a:r>
+          </a:p>
+          <a:p>
+            <a:r>
+              <a:rPr lang="en-US" altLang="ko-KR" dirty="0" smtClean="0"/>
+              <a:t>slave’s id can be 1 ~ n</a:t>
+            </a:r>
+          </a:p>
+          <a:p>
+            <a:r>
+              <a:rPr lang="en-US" altLang="ko-KR" dirty="0" smtClean="0"/>
+              <a:t>slave’s id can be inferred from slave list of </a:t>
+            </a:r>
+            <a:r>
+              <a:rPr lang="en-US" altLang="ko-KR" dirty="0" err="1" smtClean="0"/>
+              <a:t>MetainfoTableMessage</a:t>
+            </a:r>
+            <a:r>
+              <a:rPr lang="en-US" altLang="ko-KR" dirty="0" smtClean="0"/>
+              <a:t> </a:t>
+            </a:r>
             <a:endParaRPr lang="ko-KR" altLang="en-US" dirty="0"/>
           </a:p>
         </p:txBody>
@@ -9700,7 +12516,7 @@
     </p:spTree>
     <p:extLst>
       <p:ext uri="{BB962C8B-B14F-4D97-AF65-F5344CB8AC3E}">
-        <p14:creationId xmlns:p14="http://schemas.microsoft.com/office/powerpoint/2010/main" val="3354224861"/>
+        <p14:creationId xmlns:p14="http://schemas.microsoft.com/office/powerpoint/2010/main" val="3981236371"/>
       </p:ext>
     </p:extLst>
   </p:cSld>
@@ -9744,7 +12560,7 @@
           <a:p>
             <a:r>
               <a:rPr lang="en-US" altLang="ko-KR" dirty="0" smtClean="0"/>
-              <a:t>Sampling - Slave</a:t>
+              <a:t>Sampling</a:t>
             </a:r>
             <a:endParaRPr lang="ko-KR" altLang="en-US" dirty="0"/>
           </a:p>
@@ -9752,12 +12568,12 @@
       </p:sp>
       <p:sp>
         <p:nvSpPr>
-          <p:cNvPr id="3" name="내용 개체 틀 2"/>
+          <p:cNvPr id="3" name="텍스트 개체 틀 2"/>
           <p:cNvSpPr>
             <a:spLocks noGrp="1"/>
           </p:cNvSpPr>
           <p:nvPr>
-            <p:ph idx="1"/>
+            <p:ph type="body" idx="1"/>
           </p:nvPr>
         </p:nvSpPr>
         <p:spPr/>
@@ -9765,24 +12581,14 @@
           <a:bodyPr/>
           <a:lstStyle/>
           <a:p>
-            <a:r>
-              <a:rPr lang="en-US" altLang="ko-KR" dirty="0" smtClean="0"/>
-              <a:t>Scan all the input data</a:t>
-            </a:r>
-          </a:p>
-          <a:p>
-            <a:r>
-              <a:rPr lang="en-US" altLang="ko-KR" dirty="0" smtClean="0"/>
-              <a:t>Send minimum and maximum key value to master</a:t>
-            </a:r>
-            <a:endParaRPr lang="ko-KR" altLang="en-US" dirty="0"/>
+            <a:endParaRPr lang="ko-KR" altLang="en-US"/>
           </a:p>
         </p:txBody>
       </p:sp>
     </p:spTree>
     <p:extLst>
       <p:ext uri="{BB962C8B-B14F-4D97-AF65-F5344CB8AC3E}">
-        <p14:creationId xmlns:p14="http://schemas.microsoft.com/office/powerpoint/2010/main" val="1403608208"/>
+        <p14:creationId xmlns:p14="http://schemas.microsoft.com/office/powerpoint/2010/main" val="2180783887"/>
       </p:ext>
     </p:extLst>
   </p:cSld>
@@ -9826,7 +12632,7 @@
           <a:p>
             <a:r>
               <a:rPr lang="en-US" altLang="ko-KR" dirty="0" smtClean="0"/>
-              <a:t>Test (TBA)</a:t>
+              <a:t>Sampling - Master</a:t>
             </a:r>
             <a:endParaRPr lang="ko-KR" altLang="en-US" dirty="0"/>
           </a:p>
@@ -9834,12 +12640,12 @@
       </p:sp>
       <p:sp>
         <p:nvSpPr>
-          <p:cNvPr id="3" name="텍스트 개체 틀 2"/>
+          <p:cNvPr id="3" name="내용 개체 틀 2"/>
           <p:cNvSpPr>
             <a:spLocks noGrp="1"/>
           </p:cNvSpPr>
           <p:nvPr>
-            <p:ph type="body" idx="1"/>
+            <p:ph idx="1"/>
           </p:nvPr>
         </p:nvSpPr>
         <p:spPr/>
@@ -9847,14 +12653,30 @@
           <a:bodyPr/>
           <a:lstStyle/>
           <a:p>
-            <a:endParaRPr lang="ko-KR" altLang="en-US"/>
+            <a:r>
+              <a:rPr lang="en-US" altLang="ko-KR" dirty="0"/>
+              <a:t>G</a:t>
+            </a:r>
+            <a:r>
+              <a:rPr lang="en-US" altLang="ko-KR" dirty="0" smtClean="0"/>
+              <a:t>et minimum and maximum key from samples</a:t>
+            </a:r>
+          </a:p>
+          <a:p>
+            <a:r>
+              <a:rPr lang="en-US" altLang="ko-KR" dirty="0" smtClean="0"/>
+              <a:t>Select pivot positions which divide a range between minimum and maximum key value into N subdivision for each slave</a:t>
+            </a:r>
+          </a:p>
+          <a:p>
+            <a:endParaRPr lang="ko-KR" altLang="en-US" dirty="0"/>
           </a:p>
         </p:txBody>
       </p:sp>
     </p:spTree>
     <p:extLst>
       <p:ext uri="{BB962C8B-B14F-4D97-AF65-F5344CB8AC3E}">
-        <p14:creationId xmlns:p14="http://schemas.microsoft.com/office/powerpoint/2010/main" val="1012392627"/>
+        <p14:creationId xmlns:p14="http://schemas.microsoft.com/office/powerpoint/2010/main" val="3354224861"/>
       </p:ext>
     </p:extLst>
   </p:cSld>
@@ -9988,7 +12810,7 @@
           <a:p>
             <a:r>
               <a:rPr lang="en-US" altLang="ko-KR" dirty="0" smtClean="0"/>
-              <a:t>logging</a:t>
+              <a:t>Sampling - Slave</a:t>
             </a:r>
             <a:endParaRPr lang="ko-KR" altLang="en-US" dirty="0"/>
           </a:p>
@@ -10011,13 +12833,13 @@
           <a:p>
             <a:r>
               <a:rPr lang="en-US" altLang="ko-KR" dirty="0" smtClean="0"/>
-              <a:t>Master prints log message listing every slave who finish a task for a state at every state</a:t>
+              <a:t>Scan all the input data</a:t>
             </a:r>
           </a:p>
           <a:p>
             <a:r>
               <a:rPr lang="en-US" altLang="ko-KR" dirty="0" smtClean="0"/>
-              <a:t>Slave prints its state whenever it changes its state</a:t>
+              <a:t>Send minimum and maximum key value to master</a:t>
             </a:r>
             <a:endParaRPr lang="ko-KR" altLang="en-US" dirty="0"/>
           </a:p>
@@ -10026,7 +12848,7 @@
     </p:spTree>
     <p:extLst>
       <p:ext uri="{BB962C8B-B14F-4D97-AF65-F5344CB8AC3E}">
-        <p14:creationId xmlns:p14="http://schemas.microsoft.com/office/powerpoint/2010/main" val="3624648154"/>
+        <p14:creationId xmlns:p14="http://schemas.microsoft.com/office/powerpoint/2010/main" val="1403608208"/>
       </p:ext>
     </p:extLst>
   </p:cSld>
@@ -10070,7 +12892,7 @@
           <a:p>
             <a:r>
               <a:rPr lang="en-US" altLang="ko-KR" dirty="0" smtClean="0"/>
-              <a:t>Integration test (RBA)</a:t>
+              <a:t>Test (TBA)</a:t>
             </a:r>
             <a:endParaRPr lang="ko-KR" altLang="en-US" dirty="0"/>
           </a:p>
@@ -10078,12 +12900,12 @@
       </p:sp>
       <p:sp>
         <p:nvSpPr>
-          <p:cNvPr id="3" name="내용 개체 틀 2"/>
+          <p:cNvPr id="3" name="텍스트 개체 틀 2"/>
           <p:cNvSpPr>
             <a:spLocks noGrp="1"/>
           </p:cNvSpPr>
           <p:nvPr>
-            <p:ph idx="1"/>
+            <p:ph type="body" idx="1"/>
           </p:nvPr>
         </p:nvSpPr>
         <p:spPr/>
@@ -10098,7 +12920,7 @@
     </p:spTree>
     <p:extLst>
       <p:ext uri="{BB962C8B-B14F-4D97-AF65-F5344CB8AC3E}">
-        <p14:creationId xmlns:p14="http://schemas.microsoft.com/office/powerpoint/2010/main" val="2033479607"/>
+        <p14:creationId xmlns:p14="http://schemas.microsoft.com/office/powerpoint/2010/main" val="1012392627"/>
       </p:ext>
     </p:extLst>
   </p:cSld>
@@ -10142,7 +12964,7 @@
           <a:p>
             <a:r>
               <a:rPr lang="en-US" altLang="ko-KR" dirty="0" smtClean="0"/>
-              <a:t>System test</a:t>
+              <a:t>logging</a:t>
             </a:r>
             <a:endParaRPr lang="ko-KR" altLang="en-US" dirty="0"/>
           </a:p>
@@ -10160,79 +12982,27 @@
         </p:nvSpPr>
         <p:spPr/>
         <p:txBody>
-          <a:bodyPr>
-            <a:normAutofit/>
-          </a:bodyPr>
-          <a:lstStyle/>
-          <a:p>
-            <a:pPr marL="0" indent="0">
-              <a:buNone/>
-            </a:pPr>
-            <a:r>
-              <a:rPr lang="en-US" altLang="ko-KR" sz="1800" dirty="0" smtClean="0"/>
-              <a:t>Settings</a:t>
-            </a:r>
-          </a:p>
-          <a:p>
-            <a:r>
-              <a:rPr lang="en-US" altLang="ko-KR" sz="1800" dirty="0" smtClean="0"/>
-              <a:t>3 slaves</a:t>
-            </a:r>
-          </a:p>
-          <a:p>
-            <a:r>
-              <a:rPr lang="en-US" altLang="ko-KR" sz="1800" dirty="0" smtClean="0"/>
-              <a:t>10,000 bytes for each slave (100 lines of data for each)</a:t>
-            </a:r>
-          </a:p>
-          <a:p>
-            <a:r>
-              <a:rPr lang="en-US" altLang="ko-KR" sz="1800" dirty="0" smtClean="0"/>
-              <a:t>1 master and 3 slaves run in a single machine</a:t>
-            </a:r>
-          </a:p>
-          <a:p>
-            <a:endParaRPr lang="en-US" altLang="ko-KR" sz="1800" dirty="0"/>
-          </a:p>
-          <a:p>
-            <a:endParaRPr lang="en-US" altLang="ko-KR" sz="1800" dirty="0" smtClean="0"/>
-          </a:p>
-          <a:p>
-            <a:pPr marL="0" indent="0">
-              <a:buNone/>
-            </a:pPr>
-            <a:r>
-              <a:rPr lang="en-US" altLang="ko-KR" sz="1800" dirty="0" smtClean="0"/>
-              <a:t>Requirement</a:t>
-            </a:r>
-          </a:p>
-          <a:p>
-            <a:r>
-              <a:rPr lang="en-US" altLang="ko-KR" sz="1800" dirty="0" smtClean="0"/>
-              <a:t>Whole 30,000 bytes data (300 lines of data) can be sorted by naïve algorithm</a:t>
-            </a:r>
-          </a:p>
-          <a:p>
-            <a:r>
-              <a:rPr lang="en-US" altLang="ko-KR" sz="1800" dirty="0" smtClean="0"/>
-              <a:t>Output of test should be correspond with above sequence</a:t>
-            </a:r>
-          </a:p>
-          <a:p>
-            <a:pPr marL="0" indent="0">
-              <a:buNone/>
-            </a:pPr>
-            <a:endParaRPr lang="en-US" altLang="ko-KR" sz="1800" dirty="0" smtClean="0"/>
-          </a:p>
-          <a:p>
-            <a:endParaRPr lang="ko-KR" altLang="en-US" sz="1800" dirty="0"/>
+          <a:bodyPr/>
+          <a:lstStyle/>
+          <a:p>
+            <a:r>
+              <a:rPr lang="en-US" altLang="ko-KR" dirty="0" smtClean="0"/>
+              <a:t>Master prints log message listing every slave who finish a task for a state at every state</a:t>
+            </a:r>
+          </a:p>
+          <a:p>
+            <a:r>
+              <a:rPr lang="en-US" altLang="ko-KR" dirty="0" smtClean="0"/>
+              <a:t>Slave prints its state whenever it changes its state</a:t>
+            </a:r>
+            <a:endParaRPr lang="ko-KR" altLang="en-US" dirty="0"/>
           </a:p>
         </p:txBody>
       </p:sp>
     </p:spTree>
     <p:extLst>
       <p:ext uri="{BB962C8B-B14F-4D97-AF65-F5344CB8AC3E}">
-        <p14:creationId xmlns:p14="http://schemas.microsoft.com/office/powerpoint/2010/main" val="1378473909"/>
+        <p14:creationId xmlns:p14="http://schemas.microsoft.com/office/powerpoint/2010/main" val="3624648154"/>
       </p:ext>
     </p:extLst>
   </p:cSld>
@@ -10269,29 +13039,42 @@
             <p:ph type="title"/>
           </p:nvPr>
         </p:nvSpPr>
-        <p:spPr>
-          <a:xfrm>
-            <a:off x="864577" y="2695087"/>
-            <a:ext cx="10515600" cy="1325563"/>
-          </a:xfrm>
-        </p:spPr>
+        <p:spPr/>
         <p:txBody>
           <a:bodyPr/>
           <a:lstStyle/>
           <a:p>
-            <a:pPr algn="ctr"/>
             <a:r>
               <a:rPr lang="en-US" altLang="ko-KR" dirty="0" smtClean="0"/>
-              <a:t>END</a:t>
+              <a:t>Integration test (RBA)</a:t>
             </a:r>
             <a:endParaRPr lang="ko-KR" altLang="en-US" dirty="0"/>
+          </a:p>
+        </p:txBody>
+      </p:sp>
+      <p:sp>
+        <p:nvSpPr>
+          <p:cNvPr id="3" name="내용 개체 틀 2"/>
+          <p:cNvSpPr>
+            <a:spLocks noGrp="1"/>
+          </p:cNvSpPr>
+          <p:nvPr>
+            <p:ph idx="1"/>
+          </p:nvPr>
+        </p:nvSpPr>
+        <p:spPr/>
+        <p:txBody>
+          <a:bodyPr/>
+          <a:lstStyle/>
+          <a:p>
+            <a:endParaRPr lang="ko-KR" altLang="en-US"/>
           </a:p>
         </p:txBody>
       </p:sp>
     </p:spTree>
     <p:extLst>
       <p:ext uri="{BB962C8B-B14F-4D97-AF65-F5344CB8AC3E}">
-        <p14:creationId xmlns:p14="http://schemas.microsoft.com/office/powerpoint/2010/main" val="1828546751"/>
+        <p14:creationId xmlns:p14="http://schemas.microsoft.com/office/powerpoint/2010/main" val="2033479607"/>
       </p:ext>
     </p:extLst>
   </p:cSld>
@@ -10335,7 +13118,7 @@
           <a:p>
             <a:r>
               <a:rPr lang="en-US" altLang="ko-KR" dirty="0" smtClean="0"/>
-              <a:t>Report</a:t>
+              <a:t>System test</a:t>
             </a:r>
             <a:endParaRPr lang="ko-KR" altLang="en-US" dirty="0"/>
           </a:p>
@@ -10343,27 +13126,89 @@
       </p:sp>
       <p:sp>
         <p:nvSpPr>
-          <p:cNvPr id="3" name="텍스트 개체 틀 2"/>
+          <p:cNvPr id="3" name="내용 개체 틀 2"/>
           <p:cNvSpPr>
             <a:spLocks noGrp="1"/>
           </p:cNvSpPr>
           <p:nvPr>
-            <p:ph type="body" idx="1"/>
+            <p:ph idx="1"/>
           </p:nvPr>
         </p:nvSpPr>
         <p:spPr/>
         <p:txBody>
-          <a:bodyPr/>
-          <a:lstStyle/>
-          <a:p>
-            <a:endParaRPr lang="ko-KR" altLang="en-US"/>
+          <a:bodyPr>
+            <a:normAutofit/>
+          </a:bodyPr>
+          <a:lstStyle/>
+          <a:p>
+            <a:pPr marL="0" indent="0">
+              <a:buNone/>
+            </a:pPr>
+            <a:r>
+              <a:rPr lang="en-US" altLang="ko-KR" sz="1800" dirty="0" smtClean="0"/>
+              <a:t>Settings</a:t>
+            </a:r>
+          </a:p>
+          <a:p>
+            <a:r>
+              <a:rPr lang="en-US" altLang="ko-KR" sz="1800" dirty="0" smtClean="0"/>
+              <a:t>3 slaves</a:t>
+            </a:r>
+          </a:p>
+          <a:p>
+            <a:r>
+              <a:rPr lang="en-US" altLang="ko-KR" sz="1800" dirty="0" smtClean="0"/>
+              <a:t>10,000 bytes for each slave (100 lines of data for each)</a:t>
+            </a:r>
+          </a:p>
+          <a:p>
+            <a:r>
+              <a:rPr lang="en-US" altLang="ko-KR" sz="1800" dirty="0" smtClean="0"/>
+              <a:t>1 master and 3 slaves run in a single machine</a:t>
+            </a:r>
+          </a:p>
+          <a:p>
+            <a:endParaRPr lang="en-US" altLang="ko-KR" sz="1800" dirty="0"/>
+          </a:p>
+          <a:p>
+            <a:endParaRPr lang="en-US" altLang="ko-KR" sz="1800" dirty="0" smtClean="0"/>
+          </a:p>
+          <a:p>
+            <a:pPr marL="0" indent="0">
+              <a:buNone/>
+            </a:pPr>
+            <a:r>
+              <a:rPr lang="en-US" altLang="ko-KR" sz="1800" dirty="0" smtClean="0"/>
+              <a:t>Requirement</a:t>
+            </a:r>
+          </a:p>
+          <a:p>
+            <a:r>
+              <a:rPr lang="en-US" altLang="ko-KR" sz="1800" dirty="0" smtClean="0"/>
+              <a:t>Whole 30,000 bytes data (300 lines of data) can be sorted by naïve algorithm</a:t>
+            </a:r>
+          </a:p>
+          <a:p>
+            <a:r>
+              <a:rPr lang="en-US" altLang="ko-KR" sz="1800" dirty="0" smtClean="0"/>
+              <a:t>Output of test should be correspond with above sequence</a:t>
+            </a:r>
+          </a:p>
+          <a:p>
+            <a:pPr marL="0" indent="0">
+              <a:buNone/>
+            </a:pPr>
+            <a:endParaRPr lang="en-US" altLang="ko-KR" sz="1800" dirty="0" smtClean="0"/>
+          </a:p>
+          <a:p>
+            <a:endParaRPr lang="ko-KR" altLang="en-US" sz="1800" dirty="0"/>
           </a:p>
         </p:txBody>
       </p:sp>
     </p:spTree>
     <p:extLst>
       <p:ext uri="{BB962C8B-B14F-4D97-AF65-F5344CB8AC3E}">
-        <p14:creationId xmlns:p14="http://schemas.microsoft.com/office/powerpoint/2010/main" val="2061114743"/>
+        <p14:creationId xmlns:p14="http://schemas.microsoft.com/office/powerpoint/2010/main" val="1378473909"/>
       </p:ext>
     </p:extLst>
   </p:cSld>
@@ -10400,6 +13245,137 @@
             <p:ph type="title"/>
           </p:nvPr>
         </p:nvSpPr>
+        <p:spPr>
+          <a:xfrm>
+            <a:off x="864577" y="2695087"/>
+            <a:ext cx="10515600" cy="1325563"/>
+          </a:xfrm>
+        </p:spPr>
+        <p:txBody>
+          <a:bodyPr/>
+          <a:lstStyle/>
+          <a:p>
+            <a:pPr algn="ctr"/>
+            <a:r>
+              <a:rPr lang="en-US" altLang="ko-KR" dirty="0" smtClean="0"/>
+              <a:t>END</a:t>
+            </a:r>
+            <a:endParaRPr lang="ko-KR" altLang="en-US" dirty="0"/>
+          </a:p>
+        </p:txBody>
+      </p:sp>
+    </p:spTree>
+    <p:extLst>
+      <p:ext uri="{BB962C8B-B14F-4D97-AF65-F5344CB8AC3E}">
+        <p14:creationId xmlns:p14="http://schemas.microsoft.com/office/powerpoint/2010/main" val="1828546751"/>
+      </p:ext>
+    </p:extLst>
+  </p:cSld>
+  <p:clrMapOvr>
+    <a:masterClrMapping/>
+  </p:clrMapOvr>
+</p:sld>
+</file>
+
+<file path=ppt/slides/slide36.xml><?xml version="1.0" encoding="utf-8"?>
+<p:sld xmlns:a="http://schemas.openxmlformats.org/drawingml/2006/main" xmlns:r="http://schemas.openxmlformats.org/officeDocument/2006/relationships" xmlns:p="http://schemas.openxmlformats.org/presentationml/2006/main">
+  <p:cSld>
+    <p:spTree>
+      <p:nvGrpSpPr>
+        <p:cNvPr id="1" name=""/>
+        <p:cNvGrpSpPr/>
+        <p:nvPr/>
+      </p:nvGrpSpPr>
+      <p:grpSpPr>
+        <a:xfrm>
+          <a:off x="0" y="0"/>
+          <a:ext cx="0" cy="0"/>
+          <a:chOff x="0" y="0"/>
+          <a:chExt cx="0" cy="0"/>
+        </a:xfrm>
+      </p:grpSpPr>
+      <p:sp>
+        <p:nvSpPr>
+          <p:cNvPr id="2" name="제목 1"/>
+          <p:cNvSpPr>
+            <a:spLocks noGrp="1"/>
+          </p:cNvSpPr>
+          <p:nvPr>
+            <p:ph type="title"/>
+          </p:nvPr>
+        </p:nvSpPr>
+        <p:spPr/>
+        <p:txBody>
+          <a:bodyPr/>
+          <a:lstStyle/>
+          <a:p>
+            <a:r>
+              <a:rPr lang="en-US" altLang="ko-KR" dirty="0" smtClean="0"/>
+              <a:t>Report</a:t>
+            </a:r>
+            <a:endParaRPr lang="ko-KR" altLang="en-US" dirty="0"/>
+          </a:p>
+        </p:txBody>
+      </p:sp>
+      <p:sp>
+        <p:nvSpPr>
+          <p:cNvPr id="3" name="텍스트 개체 틀 2"/>
+          <p:cNvSpPr>
+            <a:spLocks noGrp="1"/>
+          </p:cNvSpPr>
+          <p:nvPr>
+            <p:ph type="body" idx="1"/>
+          </p:nvPr>
+        </p:nvSpPr>
+        <p:spPr/>
+        <p:txBody>
+          <a:bodyPr/>
+          <a:lstStyle/>
+          <a:p>
+            <a:endParaRPr lang="ko-KR" altLang="en-US"/>
+          </a:p>
+        </p:txBody>
+      </p:sp>
+    </p:spTree>
+    <p:extLst>
+      <p:ext uri="{BB962C8B-B14F-4D97-AF65-F5344CB8AC3E}">
+        <p14:creationId xmlns:p14="http://schemas.microsoft.com/office/powerpoint/2010/main" val="2061114743"/>
+      </p:ext>
+    </p:extLst>
+  </p:cSld>
+  <p:clrMapOvr>
+    <a:masterClrMapping/>
+  </p:clrMapOvr>
+</p:sld>
+</file>
+
+<file path=ppt/slides/slide37.xml><?xml version="1.0" encoding="utf-8"?>
+<p:sld xmlns:a="http://schemas.openxmlformats.org/drawingml/2006/main" xmlns:r="http://schemas.openxmlformats.org/officeDocument/2006/relationships" xmlns:p="http://schemas.openxmlformats.org/presentationml/2006/main">
+  <p:cSld>
+    <p:spTree>
+      <p:nvGrpSpPr>
+        <p:cNvPr id="1" name=""/>
+        <p:cNvGrpSpPr/>
+        <p:nvPr/>
+      </p:nvGrpSpPr>
+      <p:grpSpPr>
+        <a:xfrm>
+          <a:off x="0" y="0"/>
+          <a:ext cx="0" cy="0"/>
+          <a:chOff x="0" y="0"/>
+          <a:chExt cx="0" cy="0"/>
+        </a:xfrm>
+      </p:grpSpPr>
+      <p:sp>
+        <p:nvSpPr>
+          <p:cNvPr id="2" name="제목 1"/>
+          <p:cNvSpPr>
+            <a:spLocks noGrp="1"/>
+          </p:cNvSpPr>
+          <p:nvPr>
+            <p:ph type="title"/>
+          </p:nvPr>
+        </p:nvSpPr>
         <p:spPr/>
         <p:txBody>
           <a:bodyPr/>
@@ -10454,7 +13430,6 @@
               <a:rPr lang="en-US" altLang="ko-KR" dirty="0" smtClean="0"/>
               <a:t>Documentation</a:t>
             </a:r>
-            <a:endParaRPr lang="en-US" altLang="ko-KR" dirty="0" smtClean="0"/>
           </a:p>
           <a:p>
             <a:pPr lvl="1"/>
@@ -10474,11 +13449,7 @@
             <a:pPr lvl="1"/>
             <a:r>
               <a:rPr lang="en-US" altLang="ko-KR" dirty="0" smtClean="0"/>
-              <a:t>Define variables and messages for </a:t>
-            </a:r>
-            <a:r>
-              <a:rPr lang="en-US" altLang="ko-KR" dirty="0" smtClean="0"/>
-              <a:t>protocol</a:t>
+              <a:t>Define variables and messages for protocol</a:t>
             </a:r>
           </a:p>
           <a:p>
@@ -10494,7 +13465,6 @@
               <a:rPr lang="en-US" altLang="ko-KR" dirty="0" smtClean="0"/>
               <a:t>Define slave ordering</a:t>
             </a:r>
-            <a:endParaRPr lang="en-US" altLang="ko-KR" dirty="0" smtClean="0"/>
           </a:p>
           <a:p>
             <a:r>
@@ -10535,7 +13505,7 @@
 </p:sld>
 </file>
 
-<file path=ppt/slides/slide36.xml><?xml version="1.0" encoding="utf-8"?>
+<file path=ppt/slides/slide38.xml><?xml version="1.0" encoding="utf-8"?>
 <p:sld xmlns:a="http://schemas.openxmlformats.org/drawingml/2006/main" xmlns:r="http://schemas.openxmlformats.org/officeDocument/2006/relationships" xmlns:p="http://schemas.openxmlformats.org/presentationml/2006/main">
   <p:cSld>
     <p:spTree>
@@ -10722,7 +13692,7 @@
 </p:sld>
 </file>
 
-<file path=ppt/slides/slide37.xml><?xml version="1.0" encoding="utf-8"?>
+<file path=ppt/slides/slide39.xml><?xml version="1.0" encoding="utf-8"?>
 <p:sld xmlns:a="http://schemas.openxmlformats.org/drawingml/2006/main" xmlns:r="http://schemas.openxmlformats.org/officeDocument/2006/relationships" xmlns:p="http://schemas.openxmlformats.org/presentationml/2006/main">
   <p:cSld>
     <p:spTree>
@@ -10791,7 +13761,6 @@
               <a:rPr lang="en-US" altLang="ko-KR" dirty="0" smtClean="0"/>
               <a:t> ~11/22)</a:t>
             </a:r>
-            <a:endParaRPr lang="en-US" altLang="ko-KR" dirty="0" smtClean="0"/>
           </a:p>
           <a:p>
             <a:pPr lvl="1"/>
@@ -10818,11 +13787,7 @@
             <a:pPr lvl="1"/>
             <a:r>
               <a:rPr lang="en-US" altLang="ko-KR" dirty="0" smtClean="0"/>
-              <a:t>learn to use a network </a:t>
-            </a:r>
-            <a:r>
-              <a:rPr lang="en-US" altLang="ko-KR" dirty="0" smtClean="0"/>
-              <a:t>library</a:t>
+              <a:t>learn to use a network library</a:t>
             </a:r>
           </a:p>
           <a:p>
@@ -10846,7 +13811,6 @@
               <a:rPr lang="en-US" altLang="ko-KR" dirty="0" smtClean="0"/>
               <a:t>, socket (o)</a:t>
             </a:r>
-            <a:endParaRPr lang="en-US" altLang="ko-KR" dirty="0" smtClean="0"/>
           </a:p>
           <a:p>
             <a:r>
@@ -10861,7 +13825,6 @@
               <a:rPr lang="en-US" altLang="ko-KR" dirty="0" smtClean="0"/>
               <a:t> ~11/29)</a:t>
             </a:r>
-            <a:endParaRPr lang="en-US" altLang="ko-KR" dirty="0" smtClean="0"/>
           </a:p>
           <a:p>
             <a:pPr lvl="1"/>
@@ -10917,20 +13880,14 @@
             <a:pPr lvl="1"/>
             <a:r>
               <a:rPr lang="en-US" altLang="ko-KR" dirty="0" smtClean="0"/>
-              <a:t>partitioning (x</a:t>
-            </a:r>
-            <a:r>
-              <a:rPr lang="en-US" altLang="ko-KR" dirty="0" smtClean="0"/>
-              <a:t>)</a:t>
-            </a:r>
-            <a:endParaRPr lang="en-US" altLang="ko-KR" dirty="0" smtClean="0"/>
+              <a:t>partitioning (x)</a:t>
+            </a:r>
           </a:p>
           <a:p>
             <a:r>
               <a:rPr lang="en-US" altLang="ko-KR" dirty="0" smtClean="0"/>
               <a:t>Milestone3 (~12/14)</a:t>
             </a:r>
-            <a:endParaRPr lang="en-US" altLang="ko-KR" dirty="0" smtClean="0"/>
           </a:p>
           <a:p>
             <a:pPr lvl="1"/>
@@ -11444,11 +14401,7 @@
             </a:r>
             <a:r>
               <a:rPr lang="en-US" altLang="ko-KR" dirty="0" smtClean="0"/>
-              <a:t> phase </a:t>
-            </a:r>
-            <a:r>
-              <a:rPr lang="en-US" altLang="ko-KR" dirty="0" smtClean="0"/>
-              <a:t>of protocol</a:t>
+              <a:t> phase of protocol</a:t>
             </a:r>
             <a:endParaRPr lang="ko-KR" altLang="en-US" dirty="0"/>
           </a:p>
@@ -11474,7 +14427,15 @@
             </a:pPr>
             <a:r>
               <a:rPr lang="en-US" altLang="ko-KR" dirty="0" smtClean="0"/>
-              <a:t>Pre-phase: generate information for distribution of data</a:t>
+              <a:t>Sampling</a:t>
+            </a:r>
+            <a:r>
+              <a:rPr lang="en-US" altLang="ko-KR" dirty="0" smtClean="0"/>
+              <a:t>: </a:t>
+            </a:r>
+            <a:r>
+              <a:rPr lang="en-US" altLang="ko-KR" dirty="0" smtClean="0"/>
+              <a:t>generate information for distribution of data</a:t>
             </a:r>
           </a:p>
           <a:p>
